--- a/Opdracht 2/Jeroen/Literatuurstudie_Jeroen.pptx
+++ b/Opdracht 2/Jeroen/Literatuurstudie_Jeroen.pptx
@@ -5,7 +5,7 @@
     <p:sldMasterId id="2147483690" r:id="rId1"/>
   </p:sldMasterIdLst>
   <p:notesMasterIdLst>
-    <p:notesMasterId r:id="rId27"/>
+    <p:notesMasterId r:id="rId28"/>
   </p:notesMasterIdLst>
   <p:sldIdLst>
     <p:sldId id="256" r:id="rId2"/>
@@ -24,15 +24,16 @@
     <p:sldId id="275" r:id="rId15"/>
     <p:sldId id="271" r:id="rId16"/>
     <p:sldId id="268" r:id="rId17"/>
-    <p:sldId id="295" r:id="rId18"/>
-    <p:sldId id="276" r:id="rId19"/>
-    <p:sldId id="277" r:id="rId20"/>
-    <p:sldId id="278" r:id="rId21"/>
-    <p:sldId id="292" r:id="rId22"/>
-    <p:sldId id="297" r:id="rId23"/>
-    <p:sldId id="282" r:id="rId24"/>
-    <p:sldId id="259" r:id="rId25"/>
-    <p:sldId id="291" r:id="rId26"/>
+    <p:sldId id="298" r:id="rId18"/>
+    <p:sldId id="295" r:id="rId19"/>
+    <p:sldId id="276" r:id="rId20"/>
+    <p:sldId id="277" r:id="rId21"/>
+    <p:sldId id="278" r:id="rId22"/>
+    <p:sldId id="292" r:id="rId23"/>
+    <p:sldId id="297" r:id="rId24"/>
+    <p:sldId id="282" r:id="rId25"/>
+    <p:sldId id="259" r:id="rId26"/>
+    <p:sldId id="291" r:id="rId27"/>
   </p:sldIdLst>
   <p:sldSz cx="12192000" cy="6858000"/>
   <p:notesSz cx="6858000" cy="9144000"/>
@@ -133,7 +134,7 @@
   </p:defaultTextStyle>
   <p:extLst>
     <p:ext uri="{EFAFB233-063F-42B5-8137-9DF3F51BA10A}">
-      <p15:sldGuideLst xmlns:p15="http://schemas.microsoft.com/office/powerpoint/2012/main">
+      <p15:sldGuideLst xmlns:p15="http://schemas.microsoft.com/office/powerpoint/2012/main" xmlns="">
         <p15:guide id="1" orient="horz" pos="2160">
           <p15:clr>
             <a:srgbClr val="A4A3A4"/>
@@ -155,7 +156,7 @@
   <p:cmAuthor id="1" name="Tom" initials="tdg" lastIdx="2" clrIdx="0">
     <p:extLst>
       <p:ext uri="{19B8F6BF-5375-455C-9EA6-DF929625EA0E}">
-        <p15:presenceInfo xmlns:p15="http://schemas.microsoft.com/office/powerpoint/2012/main" userId="Tom" providerId="None"/>
+        <p15:presenceInfo xmlns:p15="http://schemas.microsoft.com/office/powerpoint/2012/main" xmlns="" userId="Tom" providerId="None"/>
       </p:ext>
     </p:extLst>
   </p:cmAuthor>
@@ -169,7 +170,7 @@
     <p:text>Applicaties toelichten tijdens presentatie!</p:text>
     <p:extLst>
       <p:ext uri="{C676402C-5697-4E1C-873F-D02D1690AC5C}">
-        <p15:threadingInfo xmlns:p15="http://schemas.microsoft.com/office/powerpoint/2012/main" timeZoneBias="-120"/>
+        <p15:threadingInfo xmlns:p15="http://schemas.microsoft.com/office/powerpoint/2012/main" xmlns="" timeZoneBias="-120"/>
       </p:ext>
     </p:extLst>
   </p:cm>
@@ -178,13 +179,5171 @@
     <p:text>(y)</p:text>
     <p:extLst>
       <p:ext uri="{C676402C-5697-4E1C-873F-D02D1690AC5C}">
-        <p15:threadingInfo xmlns:p15="http://schemas.microsoft.com/office/powerpoint/2012/main" timeZoneBias="-120">
+        <p15:threadingInfo xmlns:p15="http://schemas.microsoft.com/office/powerpoint/2012/main" xmlns="" timeZoneBias="-120">
           <p15:parentCm authorId="1" idx="1"/>
         </p15:threadingInfo>
       </p:ext>
     </p:extLst>
   </p:cm>
 </p:cmLst>
+</file>
+
+<file path=ppt/diagrams/colors1.xml><?xml version="1.0" encoding="utf-8"?>
+<dgm:colorsDef xmlns:dgm="http://schemas.openxmlformats.org/drawingml/2006/diagram" xmlns:a="http://schemas.openxmlformats.org/drawingml/2006/main" uniqueId="urn:microsoft.com/office/officeart/2005/8/colors/accent1_2">
+  <dgm:title val=""/>
+  <dgm:desc val=""/>
+  <dgm:catLst>
+    <dgm:cat type="accent1" pri="11200"/>
+  </dgm:catLst>
+  <dgm:styleLbl name="node0">
+    <dgm:fillClrLst meth="repeat">
+      <a:schemeClr val="accent1"/>
+    </dgm:fillClrLst>
+    <dgm:linClrLst meth="repeat">
+      <a:schemeClr val="lt1"/>
+    </dgm:linClrLst>
+    <dgm:effectClrLst/>
+    <dgm:txLinClrLst/>
+    <dgm:txFillClrLst/>
+    <dgm:txEffectClrLst/>
+  </dgm:styleLbl>
+  <dgm:styleLbl name="alignNode1">
+    <dgm:fillClrLst meth="repeat">
+      <a:schemeClr val="accent1"/>
+    </dgm:fillClrLst>
+    <dgm:linClrLst meth="repeat">
+      <a:schemeClr val="accent1"/>
+    </dgm:linClrLst>
+    <dgm:effectClrLst/>
+    <dgm:txLinClrLst/>
+    <dgm:txFillClrLst/>
+    <dgm:txEffectClrLst/>
+  </dgm:styleLbl>
+  <dgm:styleLbl name="node1">
+    <dgm:fillClrLst meth="repeat">
+      <a:schemeClr val="accent1"/>
+    </dgm:fillClrLst>
+    <dgm:linClrLst meth="repeat">
+      <a:schemeClr val="lt1"/>
+    </dgm:linClrLst>
+    <dgm:effectClrLst/>
+    <dgm:txLinClrLst/>
+    <dgm:txFillClrLst/>
+    <dgm:txEffectClrLst/>
+  </dgm:styleLbl>
+  <dgm:styleLbl name="lnNode1">
+    <dgm:fillClrLst meth="repeat">
+      <a:schemeClr val="accent1"/>
+    </dgm:fillClrLst>
+    <dgm:linClrLst meth="repeat">
+      <a:schemeClr val="lt1"/>
+    </dgm:linClrLst>
+    <dgm:effectClrLst/>
+    <dgm:txLinClrLst/>
+    <dgm:txFillClrLst/>
+    <dgm:txEffectClrLst/>
+  </dgm:styleLbl>
+  <dgm:styleLbl name="vennNode1">
+    <dgm:fillClrLst meth="repeat">
+      <a:schemeClr val="accent1">
+        <a:alpha val="50000"/>
+      </a:schemeClr>
+    </dgm:fillClrLst>
+    <dgm:linClrLst meth="repeat">
+      <a:schemeClr val="lt1"/>
+    </dgm:linClrLst>
+    <dgm:effectClrLst/>
+    <dgm:txLinClrLst/>
+    <dgm:txFillClrLst/>
+    <dgm:txEffectClrLst/>
+  </dgm:styleLbl>
+  <dgm:styleLbl name="node2">
+    <dgm:fillClrLst meth="repeat">
+      <a:schemeClr val="accent1"/>
+    </dgm:fillClrLst>
+    <dgm:linClrLst meth="repeat">
+      <a:schemeClr val="lt1"/>
+    </dgm:linClrLst>
+    <dgm:effectClrLst/>
+    <dgm:txLinClrLst/>
+    <dgm:txFillClrLst/>
+    <dgm:txEffectClrLst/>
+  </dgm:styleLbl>
+  <dgm:styleLbl name="node3">
+    <dgm:fillClrLst meth="repeat">
+      <a:schemeClr val="accent1"/>
+    </dgm:fillClrLst>
+    <dgm:linClrLst meth="repeat">
+      <a:schemeClr val="lt1"/>
+    </dgm:linClrLst>
+    <dgm:effectClrLst/>
+    <dgm:txLinClrLst/>
+    <dgm:txFillClrLst/>
+    <dgm:txEffectClrLst/>
+  </dgm:styleLbl>
+  <dgm:styleLbl name="node4">
+    <dgm:fillClrLst meth="repeat">
+      <a:schemeClr val="accent1"/>
+    </dgm:fillClrLst>
+    <dgm:linClrLst meth="repeat">
+      <a:schemeClr val="lt1"/>
+    </dgm:linClrLst>
+    <dgm:effectClrLst/>
+    <dgm:txLinClrLst/>
+    <dgm:txFillClrLst/>
+    <dgm:txEffectClrLst/>
+  </dgm:styleLbl>
+  <dgm:styleLbl name="fgImgPlace1">
+    <dgm:fillClrLst meth="repeat">
+      <a:schemeClr val="accent1">
+        <a:tint val="50000"/>
+      </a:schemeClr>
+    </dgm:fillClrLst>
+    <dgm:linClrLst meth="repeat">
+      <a:schemeClr val="lt1"/>
+    </dgm:linClrLst>
+    <dgm:effectClrLst/>
+    <dgm:txLinClrLst/>
+    <dgm:txFillClrLst meth="repeat">
+      <a:schemeClr val="lt1"/>
+    </dgm:txFillClrLst>
+    <dgm:txEffectClrLst/>
+  </dgm:styleLbl>
+  <dgm:styleLbl name="alignImgPlace1">
+    <dgm:fillClrLst meth="repeat">
+      <a:schemeClr val="accent1">
+        <a:tint val="50000"/>
+      </a:schemeClr>
+    </dgm:fillClrLst>
+    <dgm:linClrLst meth="repeat">
+      <a:schemeClr val="lt1"/>
+    </dgm:linClrLst>
+    <dgm:effectClrLst/>
+    <dgm:txLinClrLst/>
+    <dgm:txFillClrLst meth="repeat">
+      <a:schemeClr val="lt1"/>
+    </dgm:txFillClrLst>
+    <dgm:txEffectClrLst/>
+  </dgm:styleLbl>
+  <dgm:styleLbl name="bgImgPlace1">
+    <dgm:fillClrLst meth="repeat">
+      <a:schemeClr val="accent1">
+        <a:tint val="50000"/>
+      </a:schemeClr>
+    </dgm:fillClrLst>
+    <dgm:linClrLst meth="repeat">
+      <a:schemeClr val="lt1"/>
+    </dgm:linClrLst>
+    <dgm:effectClrLst/>
+    <dgm:txLinClrLst/>
+    <dgm:txFillClrLst meth="repeat">
+      <a:schemeClr val="lt1"/>
+    </dgm:txFillClrLst>
+    <dgm:txEffectClrLst/>
+  </dgm:styleLbl>
+  <dgm:styleLbl name="sibTrans2D1">
+    <dgm:fillClrLst meth="repeat">
+      <a:schemeClr val="accent1">
+        <a:tint val="60000"/>
+      </a:schemeClr>
+    </dgm:fillClrLst>
+    <dgm:linClrLst meth="repeat">
+      <a:schemeClr val="accent1">
+        <a:tint val="60000"/>
+      </a:schemeClr>
+    </dgm:linClrLst>
+    <dgm:effectClrLst/>
+    <dgm:txLinClrLst/>
+    <dgm:txFillClrLst/>
+    <dgm:txEffectClrLst/>
+  </dgm:styleLbl>
+  <dgm:styleLbl name="fgSibTrans2D1">
+    <dgm:fillClrLst meth="repeat">
+      <a:schemeClr val="accent1">
+        <a:tint val="60000"/>
+      </a:schemeClr>
+    </dgm:fillClrLst>
+    <dgm:linClrLst meth="repeat">
+      <a:schemeClr val="accent1">
+        <a:tint val="60000"/>
+      </a:schemeClr>
+    </dgm:linClrLst>
+    <dgm:effectClrLst/>
+    <dgm:txLinClrLst/>
+    <dgm:txFillClrLst/>
+    <dgm:txEffectClrLst/>
+  </dgm:styleLbl>
+  <dgm:styleLbl name="bgSibTrans2D1">
+    <dgm:fillClrLst meth="repeat">
+      <a:schemeClr val="accent1">
+        <a:tint val="60000"/>
+      </a:schemeClr>
+    </dgm:fillClrLst>
+    <dgm:linClrLst meth="repeat">
+      <a:schemeClr val="accent1">
+        <a:tint val="60000"/>
+      </a:schemeClr>
+    </dgm:linClrLst>
+    <dgm:effectClrLst/>
+    <dgm:txLinClrLst/>
+    <dgm:txFillClrLst/>
+    <dgm:txEffectClrLst/>
+  </dgm:styleLbl>
+  <dgm:styleLbl name="sibTrans1D1">
+    <dgm:fillClrLst meth="repeat">
+      <a:schemeClr val="accent1"/>
+    </dgm:fillClrLst>
+    <dgm:linClrLst meth="repeat">
+      <a:schemeClr val="accent1"/>
+    </dgm:linClrLst>
+    <dgm:effectClrLst/>
+    <dgm:txLinClrLst/>
+    <dgm:txFillClrLst meth="repeat">
+      <a:schemeClr val="tx1"/>
+    </dgm:txFillClrLst>
+    <dgm:txEffectClrLst/>
+  </dgm:styleLbl>
+  <dgm:styleLbl name="callout">
+    <dgm:fillClrLst meth="repeat">
+      <a:schemeClr val="accent1"/>
+    </dgm:fillClrLst>
+    <dgm:linClrLst meth="repeat">
+      <a:schemeClr val="accent1">
+        <a:tint val="50000"/>
+      </a:schemeClr>
+    </dgm:linClrLst>
+    <dgm:effectClrLst/>
+    <dgm:txLinClrLst/>
+    <dgm:txFillClrLst meth="repeat">
+      <a:schemeClr val="tx1"/>
+    </dgm:txFillClrLst>
+    <dgm:txEffectClrLst/>
+  </dgm:styleLbl>
+  <dgm:styleLbl name="asst0">
+    <dgm:fillClrLst meth="repeat">
+      <a:schemeClr val="accent1"/>
+    </dgm:fillClrLst>
+    <dgm:linClrLst meth="repeat">
+      <a:schemeClr val="lt1"/>
+    </dgm:linClrLst>
+    <dgm:effectClrLst/>
+    <dgm:txLinClrLst/>
+    <dgm:txFillClrLst/>
+    <dgm:txEffectClrLst/>
+  </dgm:styleLbl>
+  <dgm:styleLbl name="asst1">
+    <dgm:fillClrLst meth="repeat">
+      <a:schemeClr val="accent1"/>
+    </dgm:fillClrLst>
+    <dgm:linClrLst meth="repeat">
+      <a:schemeClr val="lt1"/>
+    </dgm:linClrLst>
+    <dgm:effectClrLst/>
+    <dgm:txLinClrLst/>
+    <dgm:txFillClrLst/>
+    <dgm:txEffectClrLst/>
+  </dgm:styleLbl>
+  <dgm:styleLbl name="asst2">
+    <dgm:fillClrLst meth="repeat">
+      <a:schemeClr val="accent1"/>
+    </dgm:fillClrLst>
+    <dgm:linClrLst meth="repeat">
+      <a:schemeClr val="lt1"/>
+    </dgm:linClrLst>
+    <dgm:effectClrLst/>
+    <dgm:txLinClrLst/>
+    <dgm:txFillClrLst/>
+    <dgm:txEffectClrLst/>
+  </dgm:styleLbl>
+  <dgm:styleLbl name="asst3">
+    <dgm:fillClrLst meth="repeat">
+      <a:schemeClr val="accent1"/>
+    </dgm:fillClrLst>
+    <dgm:linClrLst meth="repeat">
+      <a:schemeClr val="lt1"/>
+    </dgm:linClrLst>
+    <dgm:effectClrLst/>
+    <dgm:txLinClrLst/>
+    <dgm:txFillClrLst/>
+    <dgm:txEffectClrLst/>
+  </dgm:styleLbl>
+  <dgm:styleLbl name="asst4">
+    <dgm:fillClrLst meth="repeat">
+      <a:schemeClr val="accent1"/>
+    </dgm:fillClrLst>
+    <dgm:linClrLst meth="repeat">
+      <a:schemeClr val="lt1"/>
+    </dgm:linClrLst>
+    <dgm:effectClrLst/>
+    <dgm:txLinClrLst/>
+    <dgm:txFillClrLst/>
+    <dgm:txEffectClrLst/>
+  </dgm:styleLbl>
+  <dgm:styleLbl name="parChTrans2D1">
+    <dgm:fillClrLst meth="repeat">
+      <a:schemeClr val="accent1">
+        <a:tint val="60000"/>
+      </a:schemeClr>
+    </dgm:fillClrLst>
+    <dgm:linClrLst meth="repeat">
+      <a:schemeClr val="accent1">
+        <a:tint val="60000"/>
+      </a:schemeClr>
+    </dgm:linClrLst>
+    <dgm:effectClrLst/>
+    <dgm:txLinClrLst/>
+    <dgm:txFillClrLst meth="repeat">
+      <a:schemeClr val="lt1"/>
+    </dgm:txFillClrLst>
+    <dgm:txEffectClrLst/>
+  </dgm:styleLbl>
+  <dgm:styleLbl name="parChTrans2D2">
+    <dgm:fillClrLst meth="repeat">
+      <a:schemeClr val="accent1"/>
+    </dgm:fillClrLst>
+    <dgm:linClrLst meth="repeat">
+      <a:schemeClr val="accent1"/>
+    </dgm:linClrLst>
+    <dgm:effectClrLst/>
+    <dgm:txLinClrLst/>
+    <dgm:txFillClrLst meth="repeat">
+      <a:schemeClr val="lt1"/>
+    </dgm:txFillClrLst>
+    <dgm:txEffectClrLst/>
+  </dgm:styleLbl>
+  <dgm:styleLbl name="parChTrans2D3">
+    <dgm:fillClrLst meth="repeat">
+      <a:schemeClr val="accent1"/>
+    </dgm:fillClrLst>
+    <dgm:linClrLst meth="repeat">
+      <a:schemeClr val="accent1"/>
+    </dgm:linClrLst>
+    <dgm:effectClrLst/>
+    <dgm:txLinClrLst/>
+    <dgm:txFillClrLst meth="repeat">
+      <a:schemeClr val="lt1"/>
+    </dgm:txFillClrLst>
+    <dgm:txEffectClrLst/>
+  </dgm:styleLbl>
+  <dgm:styleLbl name="parChTrans2D4">
+    <dgm:fillClrLst meth="repeat">
+      <a:schemeClr val="accent1"/>
+    </dgm:fillClrLst>
+    <dgm:linClrLst meth="repeat">
+      <a:schemeClr val="accent1"/>
+    </dgm:linClrLst>
+    <dgm:effectClrLst/>
+    <dgm:txLinClrLst/>
+    <dgm:txFillClrLst meth="repeat">
+      <a:schemeClr val="lt1"/>
+    </dgm:txFillClrLst>
+    <dgm:txEffectClrLst/>
+  </dgm:styleLbl>
+  <dgm:styleLbl name="parChTrans1D1">
+    <dgm:fillClrLst meth="repeat">
+      <a:schemeClr val="accent1"/>
+    </dgm:fillClrLst>
+    <dgm:linClrLst meth="repeat">
+      <a:schemeClr val="accent1">
+        <a:shade val="60000"/>
+      </a:schemeClr>
+    </dgm:linClrLst>
+    <dgm:effectClrLst/>
+    <dgm:txLinClrLst/>
+    <dgm:txFillClrLst meth="repeat">
+      <a:schemeClr val="tx1"/>
+    </dgm:txFillClrLst>
+    <dgm:txEffectClrLst/>
+  </dgm:styleLbl>
+  <dgm:styleLbl name="parChTrans1D2">
+    <dgm:fillClrLst meth="repeat">
+      <a:schemeClr val="accent1"/>
+    </dgm:fillClrLst>
+    <dgm:linClrLst meth="repeat">
+      <a:schemeClr val="accent1">
+        <a:shade val="60000"/>
+      </a:schemeClr>
+    </dgm:linClrLst>
+    <dgm:effectClrLst/>
+    <dgm:txLinClrLst/>
+    <dgm:txFillClrLst meth="repeat">
+      <a:schemeClr val="tx1"/>
+    </dgm:txFillClrLst>
+    <dgm:txEffectClrLst/>
+  </dgm:styleLbl>
+  <dgm:styleLbl name="parChTrans1D3">
+    <dgm:fillClrLst meth="repeat">
+      <a:schemeClr val="accent1"/>
+    </dgm:fillClrLst>
+    <dgm:linClrLst meth="repeat">
+      <a:schemeClr val="accent1">
+        <a:shade val="80000"/>
+      </a:schemeClr>
+    </dgm:linClrLst>
+    <dgm:effectClrLst/>
+    <dgm:txLinClrLst/>
+    <dgm:txFillClrLst meth="repeat">
+      <a:schemeClr val="tx1"/>
+    </dgm:txFillClrLst>
+    <dgm:txEffectClrLst/>
+  </dgm:styleLbl>
+  <dgm:styleLbl name="parChTrans1D4">
+    <dgm:fillClrLst meth="repeat">
+      <a:schemeClr val="accent1"/>
+    </dgm:fillClrLst>
+    <dgm:linClrLst meth="repeat">
+      <a:schemeClr val="accent1">
+        <a:shade val="80000"/>
+      </a:schemeClr>
+    </dgm:linClrLst>
+    <dgm:effectClrLst/>
+    <dgm:txLinClrLst/>
+    <dgm:txFillClrLst meth="repeat">
+      <a:schemeClr val="tx1"/>
+    </dgm:txFillClrLst>
+    <dgm:txEffectClrLst/>
+  </dgm:styleLbl>
+  <dgm:styleLbl name="fgAcc1">
+    <dgm:fillClrLst meth="repeat">
+      <a:schemeClr val="lt1">
+        <a:alpha val="90000"/>
+      </a:schemeClr>
+    </dgm:fillClrLst>
+    <dgm:linClrLst meth="repeat">
+      <a:schemeClr val="accent1"/>
+    </dgm:linClrLst>
+    <dgm:effectClrLst/>
+    <dgm:txLinClrLst/>
+    <dgm:txFillClrLst meth="repeat">
+      <a:schemeClr val="dk1"/>
+    </dgm:txFillClrLst>
+    <dgm:txEffectClrLst/>
+  </dgm:styleLbl>
+  <dgm:styleLbl name="conFgAcc1">
+    <dgm:fillClrLst meth="repeat">
+      <a:schemeClr val="lt1">
+        <a:alpha val="90000"/>
+      </a:schemeClr>
+    </dgm:fillClrLst>
+    <dgm:linClrLst meth="repeat">
+      <a:schemeClr val="accent1"/>
+    </dgm:linClrLst>
+    <dgm:effectClrLst/>
+    <dgm:txLinClrLst/>
+    <dgm:txFillClrLst meth="repeat">
+      <a:schemeClr val="dk1"/>
+    </dgm:txFillClrLst>
+    <dgm:txEffectClrLst/>
+  </dgm:styleLbl>
+  <dgm:styleLbl name="alignAcc1">
+    <dgm:fillClrLst meth="repeat">
+      <a:schemeClr val="lt1">
+        <a:alpha val="90000"/>
+      </a:schemeClr>
+    </dgm:fillClrLst>
+    <dgm:linClrLst meth="repeat">
+      <a:schemeClr val="accent1"/>
+    </dgm:linClrLst>
+    <dgm:effectClrLst/>
+    <dgm:txLinClrLst/>
+    <dgm:txFillClrLst meth="repeat">
+      <a:schemeClr val="dk1"/>
+    </dgm:txFillClrLst>
+    <dgm:txEffectClrLst/>
+  </dgm:styleLbl>
+  <dgm:styleLbl name="trAlignAcc1">
+    <dgm:fillClrLst meth="repeat">
+      <a:schemeClr val="lt1">
+        <a:alpha val="40000"/>
+      </a:schemeClr>
+    </dgm:fillClrLst>
+    <dgm:linClrLst meth="repeat">
+      <a:schemeClr val="accent1"/>
+    </dgm:linClrLst>
+    <dgm:effectClrLst/>
+    <dgm:txLinClrLst/>
+    <dgm:txFillClrLst meth="repeat">
+      <a:schemeClr val="dk1"/>
+    </dgm:txFillClrLst>
+    <dgm:txEffectClrLst/>
+  </dgm:styleLbl>
+  <dgm:styleLbl name="bgAcc1">
+    <dgm:fillClrLst meth="repeat">
+      <a:schemeClr val="lt1">
+        <a:alpha val="90000"/>
+      </a:schemeClr>
+    </dgm:fillClrLst>
+    <dgm:linClrLst meth="repeat">
+      <a:schemeClr val="accent1"/>
+    </dgm:linClrLst>
+    <dgm:effectClrLst/>
+    <dgm:txLinClrLst/>
+    <dgm:txFillClrLst meth="repeat">
+      <a:schemeClr val="dk1"/>
+    </dgm:txFillClrLst>
+    <dgm:txEffectClrLst/>
+  </dgm:styleLbl>
+  <dgm:styleLbl name="solidFgAcc1">
+    <dgm:fillClrLst meth="repeat">
+      <a:schemeClr val="lt1"/>
+    </dgm:fillClrLst>
+    <dgm:linClrLst meth="repeat">
+      <a:schemeClr val="accent1"/>
+    </dgm:linClrLst>
+    <dgm:effectClrLst/>
+    <dgm:txLinClrLst/>
+    <dgm:txFillClrLst meth="repeat">
+      <a:schemeClr val="dk1"/>
+    </dgm:txFillClrLst>
+    <dgm:txEffectClrLst/>
+  </dgm:styleLbl>
+  <dgm:styleLbl name="solidAlignAcc1">
+    <dgm:fillClrLst meth="repeat">
+      <a:schemeClr val="lt1"/>
+    </dgm:fillClrLst>
+    <dgm:linClrLst meth="repeat">
+      <a:schemeClr val="accent1"/>
+    </dgm:linClrLst>
+    <dgm:effectClrLst/>
+    <dgm:txLinClrLst/>
+    <dgm:txFillClrLst meth="repeat">
+      <a:schemeClr val="dk1"/>
+    </dgm:txFillClrLst>
+    <dgm:txEffectClrLst/>
+  </dgm:styleLbl>
+  <dgm:styleLbl name="solidBgAcc1">
+    <dgm:fillClrLst meth="repeat">
+      <a:schemeClr val="lt1"/>
+    </dgm:fillClrLst>
+    <dgm:linClrLst meth="repeat">
+      <a:schemeClr val="accent1"/>
+    </dgm:linClrLst>
+    <dgm:effectClrLst/>
+    <dgm:txLinClrLst/>
+    <dgm:txFillClrLst meth="repeat">
+      <a:schemeClr val="dk1"/>
+    </dgm:txFillClrLst>
+    <dgm:txEffectClrLst/>
+  </dgm:styleLbl>
+  <dgm:styleLbl name="fgAccFollowNode1">
+    <dgm:fillClrLst meth="repeat">
+      <a:schemeClr val="accent1">
+        <a:alpha val="90000"/>
+        <a:tint val="40000"/>
+      </a:schemeClr>
+    </dgm:fillClrLst>
+    <dgm:linClrLst meth="repeat">
+      <a:schemeClr val="accent1">
+        <a:alpha val="90000"/>
+        <a:tint val="40000"/>
+      </a:schemeClr>
+    </dgm:linClrLst>
+    <dgm:effectClrLst/>
+    <dgm:txLinClrLst/>
+    <dgm:txFillClrLst meth="repeat">
+      <a:schemeClr val="dk1"/>
+    </dgm:txFillClrLst>
+    <dgm:txEffectClrLst/>
+  </dgm:styleLbl>
+  <dgm:styleLbl name="alignAccFollowNode1">
+    <dgm:fillClrLst meth="repeat">
+      <a:schemeClr val="accent1">
+        <a:alpha val="90000"/>
+        <a:tint val="40000"/>
+      </a:schemeClr>
+    </dgm:fillClrLst>
+    <dgm:linClrLst meth="repeat">
+      <a:schemeClr val="accent1">
+        <a:alpha val="90000"/>
+        <a:tint val="40000"/>
+      </a:schemeClr>
+    </dgm:linClrLst>
+    <dgm:effectClrLst/>
+    <dgm:txLinClrLst/>
+    <dgm:txFillClrLst meth="repeat">
+      <a:schemeClr val="dk1"/>
+    </dgm:txFillClrLst>
+    <dgm:txEffectClrLst/>
+  </dgm:styleLbl>
+  <dgm:styleLbl name="bgAccFollowNode1">
+    <dgm:fillClrLst meth="repeat">
+      <a:schemeClr val="accent1">
+        <a:alpha val="90000"/>
+        <a:tint val="40000"/>
+      </a:schemeClr>
+    </dgm:fillClrLst>
+    <dgm:linClrLst meth="repeat">
+      <a:schemeClr val="accent1">
+        <a:alpha val="90000"/>
+        <a:tint val="40000"/>
+      </a:schemeClr>
+    </dgm:linClrLst>
+    <dgm:effectClrLst/>
+    <dgm:txLinClrLst/>
+    <dgm:txFillClrLst meth="repeat">
+      <a:schemeClr val="dk1"/>
+    </dgm:txFillClrLst>
+    <dgm:txEffectClrLst/>
+  </dgm:styleLbl>
+  <dgm:styleLbl name="fgAcc0">
+    <dgm:fillClrLst meth="repeat">
+      <a:schemeClr val="lt1">
+        <a:alpha val="90000"/>
+      </a:schemeClr>
+    </dgm:fillClrLst>
+    <dgm:linClrLst meth="repeat">
+      <a:schemeClr val="accent1"/>
+    </dgm:linClrLst>
+    <dgm:effectClrLst/>
+    <dgm:txLinClrLst/>
+    <dgm:txFillClrLst meth="repeat">
+      <a:schemeClr val="dk1"/>
+    </dgm:txFillClrLst>
+    <dgm:txEffectClrLst/>
+  </dgm:styleLbl>
+  <dgm:styleLbl name="fgAcc2">
+    <dgm:fillClrLst meth="repeat">
+      <a:schemeClr val="lt1">
+        <a:alpha val="90000"/>
+      </a:schemeClr>
+    </dgm:fillClrLst>
+    <dgm:linClrLst meth="repeat">
+      <a:schemeClr val="accent1"/>
+    </dgm:linClrLst>
+    <dgm:effectClrLst/>
+    <dgm:txLinClrLst/>
+    <dgm:txFillClrLst meth="repeat">
+      <a:schemeClr val="dk1"/>
+    </dgm:txFillClrLst>
+    <dgm:txEffectClrLst/>
+  </dgm:styleLbl>
+  <dgm:styleLbl name="fgAcc3">
+    <dgm:fillClrLst meth="repeat">
+      <a:schemeClr val="lt1">
+        <a:alpha val="90000"/>
+      </a:schemeClr>
+    </dgm:fillClrLst>
+    <dgm:linClrLst meth="repeat">
+      <a:schemeClr val="accent1"/>
+    </dgm:linClrLst>
+    <dgm:effectClrLst/>
+    <dgm:txLinClrLst/>
+    <dgm:txFillClrLst meth="repeat">
+      <a:schemeClr val="dk1"/>
+    </dgm:txFillClrLst>
+    <dgm:txEffectClrLst/>
+  </dgm:styleLbl>
+  <dgm:styleLbl name="fgAcc4">
+    <dgm:fillClrLst meth="repeat">
+      <a:schemeClr val="lt1">
+        <a:alpha val="90000"/>
+      </a:schemeClr>
+    </dgm:fillClrLst>
+    <dgm:linClrLst meth="repeat">
+      <a:schemeClr val="accent1"/>
+    </dgm:linClrLst>
+    <dgm:effectClrLst/>
+    <dgm:txLinClrLst/>
+    <dgm:txFillClrLst meth="repeat">
+      <a:schemeClr val="dk1"/>
+    </dgm:txFillClrLst>
+    <dgm:txEffectClrLst/>
+  </dgm:styleLbl>
+  <dgm:styleLbl name="bgShp">
+    <dgm:fillClrLst meth="repeat">
+      <a:schemeClr val="accent1">
+        <a:tint val="40000"/>
+      </a:schemeClr>
+    </dgm:fillClrLst>
+    <dgm:linClrLst meth="repeat">
+      <a:schemeClr val="accent1"/>
+    </dgm:linClrLst>
+    <dgm:effectClrLst/>
+    <dgm:txLinClrLst/>
+    <dgm:txFillClrLst meth="repeat">
+      <a:schemeClr val="dk1"/>
+    </dgm:txFillClrLst>
+    <dgm:txEffectClrLst/>
+  </dgm:styleLbl>
+  <dgm:styleLbl name="dkBgShp">
+    <dgm:fillClrLst meth="repeat">
+      <a:schemeClr val="accent1">
+        <a:shade val="80000"/>
+      </a:schemeClr>
+    </dgm:fillClrLst>
+    <dgm:linClrLst meth="repeat">
+      <a:schemeClr val="accent1"/>
+    </dgm:linClrLst>
+    <dgm:effectClrLst/>
+    <dgm:txLinClrLst/>
+    <dgm:txFillClrLst meth="repeat">
+      <a:schemeClr val="lt1"/>
+    </dgm:txFillClrLst>
+    <dgm:txEffectClrLst/>
+  </dgm:styleLbl>
+  <dgm:styleLbl name="trBgShp">
+    <dgm:fillClrLst meth="repeat">
+      <a:schemeClr val="accent1">
+        <a:tint val="50000"/>
+        <a:alpha val="40000"/>
+      </a:schemeClr>
+    </dgm:fillClrLst>
+    <dgm:linClrLst meth="repeat">
+      <a:schemeClr val="accent1"/>
+    </dgm:linClrLst>
+    <dgm:effectClrLst/>
+    <dgm:txLinClrLst/>
+    <dgm:txFillClrLst meth="repeat">
+      <a:schemeClr val="lt1"/>
+    </dgm:txFillClrLst>
+    <dgm:txEffectClrLst/>
+  </dgm:styleLbl>
+  <dgm:styleLbl name="fgShp">
+    <dgm:fillClrLst meth="repeat">
+      <a:schemeClr val="accent1">
+        <a:tint val="60000"/>
+      </a:schemeClr>
+    </dgm:fillClrLst>
+    <dgm:linClrLst meth="repeat">
+      <a:schemeClr val="lt1"/>
+    </dgm:linClrLst>
+    <dgm:effectClrLst/>
+    <dgm:txLinClrLst/>
+    <dgm:txFillClrLst meth="repeat">
+      <a:schemeClr val="dk1"/>
+    </dgm:txFillClrLst>
+    <dgm:txEffectClrLst/>
+  </dgm:styleLbl>
+  <dgm:styleLbl name="revTx">
+    <dgm:fillClrLst meth="repeat">
+      <a:schemeClr val="lt1">
+        <a:alpha val="0"/>
+      </a:schemeClr>
+    </dgm:fillClrLst>
+    <dgm:linClrLst meth="repeat">
+      <a:schemeClr val="dk1">
+        <a:alpha val="0"/>
+      </a:schemeClr>
+    </dgm:linClrLst>
+    <dgm:effectClrLst/>
+    <dgm:txLinClrLst/>
+    <dgm:txFillClrLst meth="repeat">
+      <a:schemeClr val="tx1"/>
+    </dgm:txFillClrLst>
+    <dgm:txEffectClrLst/>
+  </dgm:styleLbl>
+</dgm:colorsDef>
+</file>
+
+<file path=ppt/diagrams/colors2.xml><?xml version="1.0" encoding="utf-8"?>
+<dgm:colorsDef xmlns:dgm="http://schemas.openxmlformats.org/drawingml/2006/diagram" xmlns:a="http://schemas.openxmlformats.org/drawingml/2006/main" uniqueId="urn:microsoft.com/office/officeart/2005/8/colors/accent1_2">
+  <dgm:title val=""/>
+  <dgm:desc val=""/>
+  <dgm:catLst>
+    <dgm:cat type="accent1" pri="11200"/>
+  </dgm:catLst>
+  <dgm:styleLbl name="node0">
+    <dgm:fillClrLst meth="repeat">
+      <a:schemeClr val="accent1"/>
+    </dgm:fillClrLst>
+    <dgm:linClrLst meth="repeat">
+      <a:schemeClr val="lt1"/>
+    </dgm:linClrLst>
+    <dgm:effectClrLst/>
+    <dgm:txLinClrLst/>
+    <dgm:txFillClrLst/>
+    <dgm:txEffectClrLst/>
+  </dgm:styleLbl>
+  <dgm:styleLbl name="alignNode1">
+    <dgm:fillClrLst meth="repeat">
+      <a:schemeClr val="accent1"/>
+    </dgm:fillClrLst>
+    <dgm:linClrLst meth="repeat">
+      <a:schemeClr val="accent1"/>
+    </dgm:linClrLst>
+    <dgm:effectClrLst/>
+    <dgm:txLinClrLst/>
+    <dgm:txFillClrLst/>
+    <dgm:txEffectClrLst/>
+  </dgm:styleLbl>
+  <dgm:styleLbl name="node1">
+    <dgm:fillClrLst meth="repeat">
+      <a:schemeClr val="accent1"/>
+    </dgm:fillClrLst>
+    <dgm:linClrLst meth="repeat">
+      <a:schemeClr val="lt1"/>
+    </dgm:linClrLst>
+    <dgm:effectClrLst/>
+    <dgm:txLinClrLst/>
+    <dgm:txFillClrLst/>
+    <dgm:txEffectClrLst/>
+  </dgm:styleLbl>
+  <dgm:styleLbl name="lnNode1">
+    <dgm:fillClrLst meth="repeat">
+      <a:schemeClr val="accent1"/>
+    </dgm:fillClrLst>
+    <dgm:linClrLst meth="repeat">
+      <a:schemeClr val="lt1"/>
+    </dgm:linClrLst>
+    <dgm:effectClrLst/>
+    <dgm:txLinClrLst/>
+    <dgm:txFillClrLst/>
+    <dgm:txEffectClrLst/>
+  </dgm:styleLbl>
+  <dgm:styleLbl name="vennNode1">
+    <dgm:fillClrLst meth="repeat">
+      <a:schemeClr val="accent1">
+        <a:alpha val="50000"/>
+      </a:schemeClr>
+    </dgm:fillClrLst>
+    <dgm:linClrLst meth="repeat">
+      <a:schemeClr val="lt1"/>
+    </dgm:linClrLst>
+    <dgm:effectClrLst/>
+    <dgm:txLinClrLst/>
+    <dgm:txFillClrLst/>
+    <dgm:txEffectClrLst/>
+  </dgm:styleLbl>
+  <dgm:styleLbl name="node2">
+    <dgm:fillClrLst meth="repeat">
+      <a:schemeClr val="accent1"/>
+    </dgm:fillClrLst>
+    <dgm:linClrLst meth="repeat">
+      <a:schemeClr val="lt1"/>
+    </dgm:linClrLst>
+    <dgm:effectClrLst/>
+    <dgm:txLinClrLst/>
+    <dgm:txFillClrLst/>
+    <dgm:txEffectClrLst/>
+  </dgm:styleLbl>
+  <dgm:styleLbl name="node3">
+    <dgm:fillClrLst meth="repeat">
+      <a:schemeClr val="accent1"/>
+    </dgm:fillClrLst>
+    <dgm:linClrLst meth="repeat">
+      <a:schemeClr val="lt1"/>
+    </dgm:linClrLst>
+    <dgm:effectClrLst/>
+    <dgm:txLinClrLst/>
+    <dgm:txFillClrLst/>
+    <dgm:txEffectClrLst/>
+  </dgm:styleLbl>
+  <dgm:styleLbl name="node4">
+    <dgm:fillClrLst meth="repeat">
+      <a:schemeClr val="accent1"/>
+    </dgm:fillClrLst>
+    <dgm:linClrLst meth="repeat">
+      <a:schemeClr val="lt1"/>
+    </dgm:linClrLst>
+    <dgm:effectClrLst/>
+    <dgm:txLinClrLst/>
+    <dgm:txFillClrLst/>
+    <dgm:txEffectClrLst/>
+  </dgm:styleLbl>
+  <dgm:styleLbl name="fgImgPlace1">
+    <dgm:fillClrLst meth="repeat">
+      <a:schemeClr val="accent1">
+        <a:tint val="50000"/>
+      </a:schemeClr>
+    </dgm:fillClrLst>
+    <dgm:linClrLst meth="repeat">
+      <a:schemeClr val="lt1"/>
+    </dgm:linClrLst>
+    <dgm:effectClrLst/>
+    <dgm:txLinClrLst/>
+    <dgm:txFillClrLst meth="repeat">
+      <a:schemeClr val="lt1"/>
+    </dgm:txFillClrLst>
+    <dgm:txEffectClrLst/>
+  </dgm:styleLbl>
+  <dgm:styleLbl name="alignImgPlace1">
+    <dgm:fillClrLst meth="repeat">
+      <a:schemeClr val="accent1">
+        <a:tint val="50000"/>
+      </a:schemeClr>
+    </dgm:fillClrLst>
+    <dgm:linClrLst meth="repeat">
+      <a:schemeClr val="lt1"/>
+    </dgm:linClrLst>
+    <dgm:effectClrLst/>
+    <dgm:txLinClrLst/>
+    <dgm:txFillClrLst meth="repeat">
+      <a:schemeClr val="lt1"/>
+    </dgm:txFillClrLst>
+    <dgm:txEffectClrLst/>
+  </dgm:styleLbl>
+  <dgm:styleLbl name="bgImgPlace1">
+    <dgm:fillClrLst meth="repeat">
+      <a:schemeClr val="accent1">
+        <a:tint val="50000"/>
+      </a:schemeClr>
+    </dgm:fillClrLst>
+    <dgm:linClrLst meth="repeat">
+      <a:schemeClr val="lt1"/>
+    </dgm:linClrLst>
+    <dgm:effectClrLst/>
+    <dgm:txLinClrLst/>
+    <dgm:txFillClrLst meth="repeat">
+      <a:schemeClr val="lt1"/>
+    </dgm:txFillClrLst>
+    <dgm:txEffectClrLst/>
+  </dgm:styleLbl>
+  <dgm:styleLbl name="sibTrans2D1">
+    <dgm:fillClrLst meth="repeat">
+      <a:schemeClr val="accent1">
+        <a:tint val="60000"/>
+      </a:schemeClr>
+    </dgm:fillClrLst>
+    <dgm:linClrLst meth="repeat">
+      <a:schemeClr val="accent1">
+        <a:tint val="60000"/>
+      </a:schemeClr>
+    </dgm:linClrLst>
+    <dgm:effectClrLst/>
+    <dgm:txLinClrLst/>
+    <dgm:txFillClrLst/>
+    <dgm:txEffectClrLst/>
+  </dgm:styleLbl>
+  <dgm:styleLbl name="fgSibTrans2D1">
+    <dgm:fillClrLst meth="repeat">
+      <a:schemeClr val="accent1">
+        <a:tint val="60000"/>
+      </a:schemeClr>
+    </dgm:fillClrLst>
+    <dgm:linClrLst meth="repeat">
+      <a:schemeClr val="accent1">
+        <a:tint val="60000"/>
+      </a:schemeClr>
+    </dgm:linClrLst>
+    <dgm:effectClrLst/>
+    <dgm:txLinClrLst/>
+    <dgm:txFillClrLst/>
+    <dgm:txEffectClrLst/>
+  </dgm:styleLbl>
+  <dgm:styleLbl name="bgSibTrans2D1">
+    <dgm:fillClrLst meth="repeat">
+      <a:schemeClr val="accent1">
+        <a:tint val="60000"/>
+      </a:schemeClr>
+    </dgm:fillClrLst>
+    <dgm:linClrLst meth="repeat">
+      <a:schemeClr val="accent1">
+        <a:tint val="60000"/>
+      </a:schemeClr>
+    </dgm:linClrLst>
+    <dgm:effectClrLst/>
+    <dgm:txLinClrLst/>
+    <dgm:txFillClrLst/>
+    <dgm:txEffectClrLst/>
+  </dgm:styleLbl>
+  <dgm:styleLbl name="sibTrans1D1">
+    <dgm:fillClrLst meth="repeat">
+      <a:schemeClr val="accent1"/>
+    </dgm:fillClrLst>
+    <dgm:linClrLst meth="repeat">
+      <a:schemeClr val="accent1"/>
+    </dgm:linClrLst>
+    <dgm:effectClrLst/>
+    <dgm:txLinClrLst/>
+    <dgm:txFillClrLst meth="repeat">
+      <a:schemeClr val="tx1"/>
+    </dgm:txFillClrLst>
+    <dgm:txEffectClrLst/>
+  </dgm:styleLbl>
+  <dgm:styleLbl name="callout">
+    <dgm:fillClrLst meth="repeat">
+      <a:schemeClr val="accent1"/>
+    </dgm:fillClrLst>
+    <dgm:linClrLst meth="repeat">
+      <a:schemeClr val="accent1">
+        <a:tint val="50000"/>
+      </a:schemeClr>
+    </dgm:linClrLst>
+    <dgm:effectClrLst/>
+    <dgm:txLinClrLst/>
+    <dgm:txFillClrLst meth="repeat">
+      <a:schemeClr val="tx1"/>
+    </dgm:txFillClrLst>
+    <dgm:txEffectClrLst/>
+  </dgm:styleLbl>
+  <dgm:styleLbl name="asst0">
+    <dgm:fillClrLst meth="repeat">
+      <a:schemeClr val="accent1"/>
+    </dgm:fillClrLst>
+    <dgm:linClrLst meth="repeat">
+      <a:schemeClr val="lt1"/>
+    </dgm:linClrLst>
+    <dgm:effectClrLst/>
+    <dgm:txLinClrLst/>
+    <dgm:txFillClrLst/>
+    <dgm:txEffectClrLst/>
+  </dgm:styleLbl>
+  <dgm:styleLbl name="asst1">
+    <dgm:fillClrLst meth="repeat">
+      <a:schemeClr val="accent1"/>
+    </dgm:fillClrLst>
+    <dgm:linClrLst meth="repeat">
+      <a:schemeClr val="lt1"/>
+    </dgm:linClrLst>
+    <dgm:effectClrLst/>
+    <dgm:txLinClrLst/>
+    <dgm:txFillClrLst/>
+    <dgm:txEffectClrLst/>
+  </dgm:styleLbl>
+  <dgm:styleLbl name="asst2">
+    <dgm:fillClrLst meth="repeat">
+      <a:schemeClr val="accent1"/>
+    </dgm:fillClrLst>
+    <dgm:linClrLst meth="repeat">
+      <a:schemeClr val="lt1"/>
+    </dgm:linClrLst>
+    <dgm:effectClrLst/>
+    <dgm:txLinClrLst/>
+    <dgm:txFillClrLst/>
+    <dgm:txEffectClrLst/>
+  </dgm:styleLbl>
+  <dgm:styleLbl name="asst3">
+    <dgm:fillClrLst meth="repeat">
+      <a:schemeClr val="accent1"/>
+    </dgm:fillClrLst>
+    <dgm:linClrLst meth="repeat">
+      <a:schemeClr val="lt1"/>
+    </dgm:linClrLst>
+    <dgm:effectClrLst/>
+    <dgm:txLinClrLst/>
+    <dgm:txFillClrLst/>
+    <dgm:txEffectClrLst/>
+  </dgm:styleLbl>
+  <dgm:styleLbl name="asst4">
+    <dgm:fillClrLst meth="repeat">
+      <a:schemeClr val="accent1"/>
+    </dgm:fillClrLst>
+    <dgm:linClrLst meth="repeat">
+      <a:schemeClr val="lt1"/>
+    </dgm:linClrLst>
+    <dgm:effectClrLst/>
+    <dgm:txLinClrLst/>
+    <dgm:txFillClrLst/>
+    <dgm:txEffectClrLst/>
+  </dgm:styleLbl>
+  <dgm:styleLbl name="parChTrans2D1">
+    <dgm:fillClrLst meth="repeat">
+      <a:schemeClr val="accent1">
+        <a:tint val="60000"/>
+      </a:schemeClr>
+    </dgm:fillClrLst>
+    <dgm:linClrLst meth="repeat">
+      <a:schemeClr val="accent1">
+        <a:tint val="60000"/>
+      </a:schemeClr>
+    </dgm:linClrLst>
+    <dgm:effectClrLst/>
+    <dgm:txLinClrLst/>
+    <dgm:txFillClrLst meth="repeat">
+      <a:schemeClr val="lt1"/>
+    </dgm:txFillClrLst>
+    <dgm:txEffectClrLst/>
+  </dgm:styleLbl>
+  <dgm:styleLbl name="parChTrans2D2">
+    <dgm:fillClrLst meth="repeat">
+      <a:schemeClr val="accent1"/>
+    </dgm:fillClrLst>
+    <dgm:linClrLst meth="repeat">
+      <a:schemeClr val="accent1"/>
+    </dgm:linClrLst>
+    <dgm:effectClrLst/>
+    <dgm:txLinClrLst/>
+    <dgm:txFillClrLst meth="repeat">
+      <a:schemeClr val="lt1"/>
+    </dgm:txFillClrLst>
+    <dgm:txEffectClrLst/>
+  </dgm:styleLbl>
+  <dgm:styleLbl name="parChTrans2D3">
+    <dgm:fillClrLst meth="repeat">
+      <a:schemeClr val="accent1"/>
+    </dgm:fillClrLst>
+    <dgm:linClrLst meth="repeat">
+      <a:schemeClr val="accent1"/>
+    </dgm:linClrLst>
+    <dgm:effectClrLst/>
+    <dgm:txLinClrLst/>
+    <dgm:txFillClrLst meth="repeat">
+      <a:schemeClr val="lt1"/>
+    </dgm:txFillClrLst>
+    <dgm:txEffectClrLst/>
+  </dgm:styleLbl>
+  <dgm:styleLbl name="parChTrans2D4">
+    <dgm:fillClrLst meth="repeat">
+      <a:schemeClr val="accent1"/>
+    </dgm:fillClrLst>
+    <dgm:linClrLst meth="repeat">
+      <a:schemeClr val="accent1"/>
+    </dgm:linClrLst>
+    <dgm:effectClrLst/>
+    <dgm:txLinClrLst/>
+    <dgm:txFillClrLst meth="repeat">
+      <a:schemeClr val="lt1"/>
+    </dgm:txFillClrLst>
+    <dgm:txEffectClrLst/>
+  </dgm:styleLbl>
+  <dgm:styleLbl name="parChTrans1D1">
+    <dgm:fillClrLst meth="repeat">
+      <a:schemeClr val="accent1"/>
+    </dgm:fillClrLst>
+    <dgm:linClrLst meth="repeat">
+      <a:schemeClr val="accent1">
+        <a:shade val="60000"/>
+      </a:schemeClr>
+    </dgm:linClrLst>
+    <dgm:effectClrLst/>
+    <dgm:txLinClrLst/>
+    <dgm:txFillClrLst meth="repeat">
+      <a:schemeClr val="tx1"/>
+    </dgm:txFillClrLst>
+    <dgm:txEffectClrLst/>
+  </dgm:styleLbl>
+  <dgm:styleLbl name="parChTrans1D2">
+    <dgm:fillClrLst meth="repeat">
+      <a:schemeClr val="accent1"/>
+    </dgm:fillClrLst>
+    <dgm:linClrLst meth="repeat">
+      <a:schemeClr val="accent1">
+        <a:shade val="60000"/>
+      </a:schemeClr>
+    </dgm:linClrLst>
+    <dgm:effectClrLst/>
+    <dgm:txLinClrLst/>
+    <dgm:txFillClrLst meth="repeat">
+      <a:schemeClr val="tx1"/>
+    </dgm:txFillClrLst>
+    <dgm:txEffectClrLst/>
+  </dgm:styleLbl>
+  <dgm:styleLbl name="parChTrans1D3">
+    <dgm:fillClrLst meth="repeat">
+      <a:schemeClr val="accent1"/>
+    </dgm:fillClrLst>
+    <dgm:linClrLst meth="repeat">
+      <a:schemeClr val="accent1">
+        <a:shade val="80000"/>
+      </a:schemeClr>
+    </dgm:linClrLst>
+    <dgm:effectClrLst/>
+    <dgm:txLinClrLst/>
+    <dgm:txFillClrLst meth="repeat">
+      <a:schemeClr val="tx1"/>
+    </dgm:txFillClrLst>
+    <dgm:txEffectClrLst/>
+  </dgm:styleLbl>
+  <dgm:styleLbl name="parChTrans1D4">
+    <dgm:fillClrLst meth="repeat">
+      <a:schemeClr val="accent1"/>
+    </dgm:fillClrLst>
+    <dgm:linClrLst meth="repeat">
+      <a:schemeClr val="accent1">
+        <a:shade val="80000"/>
+      </a:schemeClr>
+    </dgm:linClrLst>
+    <dgm:effectClrLst/>
+    <dgm:txLinClrLst/>
+    <dgm:txFillClrLst meth="repeat">
+      <a:schemeClr val="tx1"/>
+    </dgm:txFillClrLst>
+    <dgm:txEffectClrLst/>
+  </dgm:styleLbl>
+  <dgm:styleLbl name="fgAcc1">
+    <dgm:fillClrLst meth="repeat">
+      <a:schemeClr val="lt1">
+        <a:alpha val="90000"/>
+      </a:schemeClr>
+    </dgm:fillClrLst>
+    <dgm:linClrLst meth="repeat">
+      <a:schemeClr val="accent1"/>
+    </dgm:linClrLst>
+    <dgm:effectClrLst/>
+    <dgm:txLinClrLst/>
+    <dgm:txFillClrLst meth="repeat">
+      <a:schemeClr val="dk1"/>
+    </dgm:txFillClrLst>
+    <dgm:txEffectClrLst/>
+  </dgm:styleLbl>
+  <dgm:styleLbl name="conFgAcc1">
+    <dgm:fillClrLst meth="repeat">
+      <a:schemeClr val="lt1">
+        <a:alpha val="90000"/>
+      </a:schemeClr>
+    </dgm:fillClrLst>
+    <dgm:linClrLst meth="repeat">
+      <a:schemeClr val="accent1"/>
+    </dgm:linClrLst>
+    <dgm:effectClrLst/>
+    <dgm:txLinClrLst/>
+    <dgm:txFillClrLst meth="repeat">
+      <a:schemeClr val="dk1"/>
+    </dgm:txFillClrLst>
+    <dgm:txEffectClrLst/>
+  </dgm:styleLbl>
+  <dgm:styleLbl name="alignAcc1">
+    <dgm:fillClrLst meth="repeat">
+      <a:schemeClr val="lt1">
+        <a:alpha val="90000"/>
+      </a:schemeClr>
+    </dgm:fillClrLst>
+    <dgm:linClrLst meth="repeat">
+      <a:schemeClr val="accent1"/>
+    </dgm:linClrLst>
+    <dgm:effectClrLst/>
+    <dgm:txLinClrLst/>
+    <dgm:txFillClrLst meth="repeat">
+      <a:schemeClr val="dk1"/>
+    </dgm:txFillClrLst>
+    <dgm:txEffectClrLst/>
+  </dgm:styleLbl>
+  <dgm:styleLbl name="trAlignAcc1">
+    <dgm:fillClrLst meth="repeat">
+      <a:schemeClr val="lt1">
+        <a:alpha val="40000"/>
+      </a:schemeClr>
+    </dgm:fillClrLst>
+    <dgm:linClrLst meth="repeat">
+      <a:schemeClr val="accent1"/>
+    </dgm:linClrLst>
+    <dgm:effectClrLst/>
+    <dgm:txLinClrLst/>
+    <dgm:txFillClrLst meth="repeat">
+      <a:schemeClr val="dk1"/>
+    </dgm:txFillClrLst>
+    <dgm:txEffectClrLst/>
+  </dgm:styleLbl>
+  <dgm:styleLbl name="bgAcc1">
+    <dgm:fillClrLst meth="repeat">
+      <a:schemeClr val="lt1">
+        <a:alpha val="90000"/>
+      </a:schemeClr>
+    </dgm:fillClrLst>
+    <dgm:linClrLst meth="repeat">
+      <a:schemeClr val="accent1"/>
+    </dgm:linClrLst>
+    <dgm:effectClrLst/>
+    <dgm:txLinClrLst/>
+    <dgm:txFillClrLst meth="repeat">
+      <a:schemeClr val="dk1"/>
+    </dgm:txFillClrLst>
+    <dgm:txEffectClrLst/>
+  </dgm:styleLbl>
+  <dgm:styleLbl name="solidFgAcc1">
+    <dgm:fillClrLst meth="repeat">
+      <a:schemeClr val="lt1"/>
+    </dgm:fillClrLst>
+    <dgm:linClrLst meth="repeat">
+      <a:schemeClr val="accent1"/>
+    </dgm:linClrLst>
+    <dgm:effectClrLst/>
+    <dgm:txLinClrLst/>
+    <dgm:txFillClrLst meth="repeat">
+      <a:schemeClr val="dk1"/>
+    </dgm:txFillClrLst>
+    <dgm:txEffectClrLst/>
+  </dgm:styleLbl>
+  <dgm:styleLbl name="solidAlignAcc1">
+    <dgm:fillClrLst meth="repeat">
+      <a:schemeClr val="lt1"/>
+    </dgm:fillClrLst>
+    <dgm:linClrLst meth="repeat">
+      <a:schemeClr val="accent1"/>
+    </dgm:linClrLst>
+    <dgm:effectClrLst/>
+    <dgm:txLinClrLst/>
+    <dgm:txFillClrLst meth="repeat">
+      <a:schemeClr val="dk1"/>
+    </dgm:txFillClrLst>
+    <dgm:txEffectClrLst/>
+  </dgm:styleLbl>
+  <dgm:styleLbl name="solidBgAcc1">
+    <dgm:fillClrLst meth="repeat">
+      <a:schemeClr val="lt1"/>
+    </dgm:fillClrLst>
+    <dgm:linClrLst meth="repeat">
+      <a:schemeClr val="accent1"/>
+    </dgm:linClrLst>
+    <dgm:effectClrLst/>
+    <dgm:txLinClrLst/>
+    <dgm:txFillClrLst meth="repeat">
+      <a:schemeClr val="dk1"/>
+    </dgm:txFillClrLst>
+    <dgm:txEffectClrLst/>
+  </dgm:styleLbl>
+  <dgm:styleLbl name="fgAccFollowNode1">
+    <dgm:fillClrLst meth="repeat">
+      <a:schemeClr val="accent1">
+        <a:alpha val="90000"/>
+        <a:tint val="40000"/>
+      </a:schemeClr>
+    </dgm:fillClrLst>
+    <dgm:linClrLst meth="repeat">
+      <a:schemeClr val="accent1">
+        <a:alpha val="90000"/>
+        <a:tint val="40000"/>
+      </a:schemeClr>
+    </dgm:linClrLst>
+    <dgm:effectClrLst/>
+    <dgm:txLinClrLst/>
+    <dgm:txFillClrLst meth="repeat">
+      <a:schemeClr val="dk1"/>
+    </dgm:txFillClrLst>
+    <dgm:txEffectClrLst/>
+  </dgm:styleLbl>
+  <dgm:styleLbl name="alignAccFollowNode1">
+    <dgm:fillClrLst meth="repeat">
+      <a:schemeClr val="accent1">
+        <a:alpha val="90000"/>
+        <a:tint val="40000"/>
+      </a:schemeClr>
+    </dgm:fillClrLst>
+    <dgm:linClrLst meth="repeat">
+      <a:schemeClr val="accent1">
+        <a:alpha val="90000"/>
+        <a:tint val="40000"/>
+      </a:schemeClr>
+    </dgm:linClrLst>
+    <dgm:effectClrLst/>
+    <dgm:txLinClrLst/>
+    <dgm:txFillClrLst meth="repeat">
+      <a:schemeClr val="dk1"/>
+    </dgm:txFillClrLst>
+    <dgm:txEffectClrLst/>
+  </dgm:styleLbl>
+  <dgm:styleLbl name="bgAccFollowNode1">
+    <dgm:fillClrLst meth="repeat">
+      <a:schemeClr val="accent1">
+        <a:alpha val="90000"/>
+        <a:tint val="40000"/>
+      </a:schemeClr>
+    </dgm:fillClrLst>
+    <dgm:linClrLst meth="repeat">
+      <a:schemeClr val="accent1">
+        <a:alpha val="90000"/>
+        <a:tint val="40000"/>
+      </a:schemeClr>
+    </dgm:linClrLst>
+    <dgm:effectClrLst/>
+    <dgm:txLinClrLst/>
+    <dgm:txFillClrLst meth="repeat">
+      <a:schemeClr val="dk1"/>
+    </dgm:txFillClrLst>
+    <dgm:txEffectClrLst/>
+  </dgm:styleLbl>
+  <dgm:styleLbl name="fgAcc0">
+    <dgm:fillClrLst meth="repeat">
+      <a:schemeClr val="lt1">
+        <a:alpha val="90000"/>
+      </a:schemeClr>
+    </dgm:fillClrLst>
+    <dgm:linClrLst meth="repeat">
+      <a:schemeClr val="accent1"/>
+    </dgm:linClrLst>
+    <dgm:effectClrLst/>
+    <dgm:txLinClrLst/>
+    <dgm:txFillClrLst meth="repeat">
+      <a:schemeClr val="dk1"/>
+    </dgm:txFillClrLst>
+    <dgm:txEffectClrLst/>
+  </dgm:styleLbl>
+  <dgm:styleLbl name="fgAcc2">
+    <dgm:fillClrLst meth="repeat">
+      <a:schemeClr val="lt1">
+        <a:alpha val="90000"/>
+      </a:schemeClr>
+    </dgm:fillClrLst>
+    <dgm:linClrLst meth="repeat">
+      <a:schemeClr val="accent1"/>
+    </dgm:linClrLst>
+    <dgm:effectClrLst/>
+    <dgm:txLinClrLst/>
+    <dgm:txFillClrLst meth="repeat">
+      <a:schemeClr val="dk1"/>
+    </dgm:txFillClrLst>
+    <dgm:txEffectClrLst/>
+  </dgm:styleLbl>
+  <dgm:styleLbl name="fgAcc3">
+    <dgm:fillClrLst meth="repeat">
+      <a:schemeClr val="lt1">
+        <a:alpha val="90000"/>
+      </a:schemeClr>
+    </dgm:fillClrLst>
+    <dgm:linClrLst meth="repeat">
+      <a:schemeClr val="accent1"/>
+    </dgm:linClrLst>
+    <dgm:effectClrLst/>
+    <dgm:txLinClrLst/>
+    <dgm:txFillClrLst meth="repeat">
+      <a:schemeClr val="dk1"/>
+    </dgm:txFillClrLst>
+    <dgm:txEffectClrLst/>
+  </dgm:styleLbl>
+  <dgm:styleLbl name="fgAcc4">
+    <dgm:fillClrLst meth="repeat">
+      <a:schemeClr val="lt1">
+        <a:alpha val="90000"/>
+      </a:schemeClr>
+    </dgm:fillClrLst>
+    <dgm:linClrLst meth="repeat">
+      <a:schemeClr val="accent1"/>
+    </dgm:linClrLst>
+    <dgm:effectClrLst/>
+    <dgm:txLinClrLst/>
+    <dgm:txFillClrLst meth="repeat">
+      <a:schemeClr val="dk1"/>
+    </dgm:txFillClrLst>
+    <dgm:txEffectClrLst/>
+  </dgm:styleLbl>
+  <dgm:styleLbl name="bgShp">
+    <dgm:fillClrLst meth="repeat">
+      <a:schemeClr val="accent1">
+        <a:tint val="40000"/>
+      </a:schemeClr>
+    </dgm:fillClrLst>
+    <dgm:linClrLst meth="repeat">
+      <a:schemeClr val="accent1"/>
+    </dgm:linClrLst>
+    <dgm:effectClrLst/>
+    <dgm:txLinClrLst/>
+    <dgm:txFillClrLst meth="repeat">
+      <a:schemeClr val="dk1"/>
+    </dgm:txFillClrLst>
+    <dgm:txEffectClrLst/>
+  </dgm:styleLbl>
+  <dgm:styleLbl name="dkBgShp">
+    <dgm:fillClrLst meth="repeat">
+      <a:schemeClr val="accent1">
+        <a:shade val="80000"/>
+      </a:schemeClr>
+    </dgm:fillClrLst>
+    <dgm:linClrLst meth="repeat">
+      <a:schemeClr val="accent1"/>
+    </dgm:linClrLst>
+    <dgm:effectClrLst/>
+    <dgm:txLinClrLst/>
+    <dgm:txFillClrLst meth="repeat">
+      <a:schemeClr val="lt1"/>
+    </dgm:txFillClrLst>
+    <dgm:txEffectClrLst/>
+  </dgm:styleLbl>
+  <dgm:styleLbl name="trBgShp">
+    <dgm:fillClrLst meth="repeat">
+      <a:schemeClr val="accent1">
+        <a:tint val="50000"/>
+        <a:alpha val="40000"/>
+      </a:schemeClr>
+    </dgm:fillClrLst>
+    <dgm:linClrLst meth="repeat">
+      <a:schemeClr val="accent1"/>
+    </dgm:linClrLst>
+    <dgm:effectClrLst/>
+    <dgm:txLinClrLst/>
+    <dgm:txFillClrLst meth="repeat">
+      <a:schemeClr val="lt1"/>
+    </dgm:txFillClrLst>
+    <dgm:txEffectClrLst/>
+  </dgm:styleLbl>
+  <dgm:styleLbl name="fgShp">
+    <dgm:fillClrLst meth="repeat">
+      <a:schemeClr val="accent1">
+        <a:tint val="60000"/>
+      </a:schemeClr>
+    </dgm:fillClrLst>
+    <dgm:linClrLst meth="repeat">
+      <a:schemeClr val="lt1"/>
+    </dgm:linClrLst>
+    <dgm:effectClrLst/>
+    <dgm:txLinClrLst/>
+    <dgm:txFillClrLst meth="repeat">
+      <a:schemeClr val="dk1"/>
+    </dgm:txFillClrLst>
+    <dgm:txEffectClrLst/>
+  </dgm:styleLbl>
+  <dgm:styleLbl name="revTx">
+    <dgm:fillClrLst meth="repeat">
+      <a:schemeClr val="lt1">
+        <a:alpha val="0"/>
+      </a:schemeClr>
+    </dgm:fillClrLst>
+    <dgm:linClrLst meth="repeat">
+      <a:schemeClr val="dk1">
+        <a:alpha val="0"/>
+      </a:schemeClr>
+    </dgm:linClrLst>
+    <dgm:effectClrLst/>
+    <dgm:txLinClrLst/>
+    <dgm:txFillClrLst meth="repeat">
+      <a:schemeClr val="tx1"/>
+    </dgm:txFillClrLst>
+    <dgm:txEffectClrLst/>
+  </dgm:styleLbl>
+</dgm:colorsDef>
+</file>
+
+<file path=ppt/diagrams/data1.xml><?xml version="1.0" encoding="utf-8"?>
+<dgm:dataModel xmlns:dgm="http://schemas.openxmlformats.org/drawingml/2006/diagram" xmlns:a="http://schemas.openxmlformats.org/drawingml/2006/main">
+  <dgm:ptLst>
+    <dgm:pt modelId="{0EEDA414-2FE9-0248-B905-14D143E3B25E}" type="doc">
+      <dgm:prSet loTypeId="urn:microsoft.com/office/officeart/2005/8/layout/process4" loCatId="" qsTypeId="urn:microsoft.com/office/officeart/2005/8/quickstyle/simple2" qsCatId="simple" csTypeId="urn:microsoft.com/office/officeart/2005/8/colors/accent1_2" csCatId="accent1" phldr="1"/>
+      <dgm:spPr/>
+    </dgm:pt>
+    <dgm:pt modelId="{F21FAB64-392D-2641-A6AB-37377AF03051}">
+      <dgm:prSet phldrT="[Text]"/>
+      <dgm:spPr/>
+      <dgm:t>
+        <a:bodyPr/>
+        <a:lstStyle/>
+        <a:p>
+          <a:r>
+            <a:rPr lang="en-US" dirty="0" err="1" smtClean="0"/>
+            <a:t>Domein</a:t>
+          </a:r>
+          <a:endParaRPr lang="en-US" dirty="0"/>
+        </a:p>
+      </dgm:t>
+    </dgm:pt>
+    <dgm:pt modelId="{8B9F366F-CD8E-E24E-AE19-9AA3924F8BD4}" type="parTrans" cxnId="{C4135A04-00AD-A24F-8B74-E42EB15E228A}">
+      <dgm:prSet/>
+      <dgm:spPr/>
+      <dgm:t>
+        <a:bodyPr/>
+        <a:lstStyle/>
+        <a:p>
+          <a:endParaRPr lang="en-US"/>
+        </a:p>
+      </dgm:t>
+    </dgm:pt>
+    <dgm:pt modelId="{B073A466-A5F9-8844-96DE-21C7A138317F}" type="sibTrans" cxnId="{C4135A04-00AD-A24F-8B74-E42EB15E228A}">
+      <dgm:prSet/>
+      <dgm:spPr/>
+      <dgm:t>
+        <a:bodyPr/>
+        <a:lstStyle/>
+        <a:p>
+          <a:endParaRPr lang="en-US"/>
+        </a:p>
+      </dgm:t>
+    </dgm:pt>
+    <dgm:pt modelId="{09449922-9365-ED46-932A-D24132A080FA}">
+      <dgm:prSet phldrT="[Text]"/>
+      <dgm:spPr/>
+      <dgm:t>
+        <a:bodyPr/>
+        <a:lstStyle/>
+        <a:p>
+          <a:r>
+            <a:rPr lang="en-US" dirty="0" err="1" smtClean="0"/>
+            <a:t>Programmeertaal</a:t>
+          </a:r>
+          <a:endParaRPr lang="en-US" dirty="0"/>
+        </a:p>
+      </dgm:t>
+    </dgm:pt>
+    <dgm:pt modelId="{9656EA9A-2660-1D43-84BA-E4123323E9B4}" type="parTrans" cxnId="{E67AB282-0FAC-1F42-8D15-29D97B7DD796}">
+      <dgm:prSet/>
+      <dgm:spPr/>
+      <dgm:t>
+        <a:bodyPr/>
+        <a:lstStyle/>
+        <a:p>
+          <a:endParaRPr lang="en-US"/>
+        </a:p>
+      </dgm:t>
+    </dgm:pt>
+    <dgm:pt modelId="{22EA6DEB-8FB9-E745-899D-786749AC997B}" type="sibTrans" cxnId="{E67AB282-0FAC-1F42-8D15-29D97B7DD796}">
+      <dgm:prSet/>
+      <dgm:spPr/>
+      <dgm:t>
+        <a:bodyPr/>
+        <a:lstStyle/>
+        <a:p>
+          <a:endParaRPr lang="en-US"/>
+        </a:p>
+      </dgm:t>
+    </dgm:pt>
+    <dgm:pt modelId="{C433367C-7C2D-F440-A1D7-A6C6D5C9DBA8}">
+      <dgm:prSet phldrT="[Text]"/>
+      <dgm:spPr/>
+      <dgm:t>
+        <a:bodyPr/>
+        <a:lstStyle/>
+        <a:p>
+          <a:r>
+            <a:rPr lang="en-US" dirty="0" err="1" smtClean="0"/>
+            <a:t>Algoritme</a:t>
+          </a:r>
+          <a:endParaRPr lang="en-US" dirty="0"/>
+        </a:p>
+      </dgm:t>
+    </dgm:pt>
+    <dgm:pt modelId="{C9915FC3-8ADA-1246-B8FA-230A96FE4FED}" type="parTrans" cxnId="{A436D30F-1AC1-FF41-A1BD-1EFB5B5001AB}">
+      <dgm:prSet/>
+      <dgm:spPr/>
+      <dgm:t>
+        <a:bodyPr/>
+        <a:lstStyle/>
+        <a:p>
+          <a:endParaRPr lang="en-US"/>
+        </a:p>
+      </dgm:t>
+    </dgm:pt>
+    <dgm:pt modelId="{1C0240D5-CECF-1A4D-A9A2-53FB1ED08F3B}" type="sibTrans" cxnId="{A436D30F-1AC1-FF41-A1BD-1EFB5B5001AB}">
+      <dgm:prSet/>
+      <dgm:spPr/>
+      <dgm:t>
+        <a:bodyPr/>
+        <a:lstStyle/>
+        <a:p>
+          <a:endParaRPr lang="en-US"/>
+        </a:p>
+      </dgm:t>
+    </dgm:pt>
+    <dgm:pt modelId="{D5C6F08F-C1FB-3544-99B0-9C548DC8F208}" type="pres">
+      <dgm:prSet presAssocID="{0EEDA414-2FE9-0248-B905-14D143E3B25E}" presName="Name0" presStyleCnt="0">
+        <dgm:presLayoutVars>
+          <dgm:dir/>
+          <dgm:animLvl val="lvl"/>
+          <dgm:resizeHandles val="exact"/>
+        </dgm:presLayoutVars>
+      </dgm:prSet>
+      <dgm:spPr/>
+    </dgm:pt>
+    <dgm:pt modelId="{BC536465-7B94-4F41-8F94-9E50A43C72DC}" type="pres">
+      <dgm:prSet presAssocID="{C433367C-7C2D-F440-A1D7-A6C6D5C9DBA8}" presName="boxAndChildren" presStyleCnt="0"/>
+      <dgm:spPr/>
+    </dgm:pt>
+    <dgm:pt modelId="{1D981DFC-6359-9B42-A97E-EE1A67C27226}" type="pres">
+      <dgm:prSet presAssocID="{C433367C-7C2D-F440-A1D7-A6C6D5C9DBA8}" presName="parentTextBox" presStyleLbl="node1" presStyleIdx="0" presStyleCnt="3"/>
+      <dgm:spPr/>
+    </dgm:pt>
+    <dgm:pt modelId="{8D118F49-A35F-324F-B89F-8A3D9CF8BE80}" type="pres">
+      <dgm:prSet presAssocID="{22EA6DEB-8FB9-E745-899D-786749AC997B}" presName="sp" presStyleCnt="0"/>
+      <dgm:spPr/>
+    </dgm:pt>
+    <dgm:pt modelId="{8AECA4F7-4033-4341-9F1F-9BC17F86A861}" type="pres">
+      <dgm:prSet presAssocID="{09449922-9365-ED46-932A-D24132A080FA}" presName="arrowAndChildren" presStyleCnt="0"/>
+      <dgm:spPr/>
+    </dgm:pt>
+    <dgm:pt modelId="{8AA9BC7C-A858-9E48-B984-5C8762703E58}" type="pres">
+      <dgm:prSet presAssocID="{09449922-9365-ED46-932A-D24132A080FA}" presName="parentTextArrow" presStyleLbl="node1" presStyleIdx="1" presStyleCnt="3"/>
+      <dgm:spPr/>
+      <dgm:t>
+        <a:bodyPr/>
+        <a:lstStyle/>
+        <a:p>
+          <a:endParaRPr lang="en-US"/>
+        </a:p>
+      </dgm:t>
+    </dgm:pt>
+    <dgm:pt modelId="{BE5C4AD7-E67E-6243-ADCC-9E7CC8126AA1}" type="pres">
+      <dgm:prSet presAssocID="{B073A466-A5F9-8844-96DE-21C7A138317F}" presName="sp" presStyleCnt="0"/>
+      <dgm:spPr/>
+    </dgm:pt>
+    <dgm:pt modelId="{F497B7A2-2680-EC41-8D72-510F83AA9963}" type="pres">
+      <dgm:prSet presAssocID="{F21FAB64-392D-2641-A6AB-37377AF03051}" presName="arrowAndChildren" presStyleCnt="0"/>
+      <dgm:spPr/>
+    </dgm:pt>
+    <dgm:pt modelId="{95F427E8-B20D-1C40-B1A7-2751BED141FE}" type="pres">
+      <dgm:prSet presAssocID="{F21FAB64-392D-2641-A6AB-37377AF03051}" presName="parentTextArrow" presStyleLbl="node1" presStyleIdx="2" presStyleCnt="3"/>
+      <dgm:spPr/>
+      <dgm:t>
+        <a:bodyPr/>
+        <a:lstStyle/>
+        <a:p>
+          <a:endParaRPr lang="en-US"/>
+        </a:p>
+      </dgm:t>
+    </dgm:pt>
+  </dgm:ptLst>
+  <dgm:cxnLst>
+    <dgm:cxn modelId="{F6C6000F-1DE6-7848-A460-944A6635EEAB}" type="presOf" srcId="{F21FAB64-392D-2641-A6AB-37377AF03051}" destId="{95F427E8-B20D-1C40-B1A7-2751BED141FE}" srcOrd="0" destOrd="0" presId="urn:microsoft.com/office/officeart/2005/8/layout/process4"/>
+    <dgm:cxn modelId="{F4718D46-BEF6-9849-A2A3-E4E977F0D9D9}" type="presOf" srcId="{0EEDA414-2FE9-0248-B905-14D143E3B25E}" destId="{D5C6F08F-C1FB-3544-99B0-9C548DC8F208}" srcOrd="0" destOrd="0" presId="urn:microsoft.com/office/officeart/2005/8/layout/process4"/>
+    <dgm:cxn modelId="{C4135A04-00AD-A24F-8B74-E42EB15E228A}" srcId="{0EEDA414-2FE9-0248-B905-14D143E3B25E}" destId="{F21FAB64-392D-2641-A6AB-37377AF03051}" srcOrd="0" destOrd="0" parTransId="{8B9F366F-CD8E-E24E-AE19-9AA3924F8BD4}" sibTransId="{B073A466-A5F9-8844-96DE-21C7A138317F}"/>
+    <dgm:cxn modelId="{A436D30F-1AC1-FF41-A1BD-1EFB5B5001AB}" srcId="{0EEDA414-2FE9-0248-B905-14D143E3B25E}" destId="{C433367C-7C2D-F440-A1D7-A6C6D5C9DBA8}" srcOrd="2" destOrd="0" parTransId="{C9915FC3-8ADA-1246-B8FA-230A96FE4FED}" sibTransId="{1C0240D5-CECF-1A4D-A9A2-53FB1ED08F3B}"/>
+    <dgm:cxn modelId="{E67AB282-0FAC-1F42-8D15-29D97B7DD796}" srcId="{0EEDA414-2FE9-0248-B905-14D143E3B25E}" destId="{09449922-9365-ED46-932A-D24132A080FA}" srcOrd="1" destOrd="0" parTransId="{9656EA9A-2660-1D43-84BA-E4123323E9B4}" sibTransId="{22EA6DEB-8FB9-E745-899D-786749AC997B}"/>
+    <dgm:cxn modelId="{064B8CA0-B2E4-794C-B1D1-94DDCF4776C1}" type="presOf" srcId="{C433367C-7C2D-F440-A1D7-A6C6D5C9DBA8}" destId="{1D981DFC-6359-9B42-A97E-EE1A67C27226}" srcOrd="0" destOrd="0" presId="urn:microsoft.com/office/officeart/2005/8/layout/process4"/>
+    <dgm:cxn modelId="{3163FDAC-1227-B04D-9FB0-D5CA7ECE1B23}" type="presOf" srcId="{09449922-9365-ED46-932A-D24132A080FA}" destId="{8AA9BC7C-A858-9E48-B984-5C8762703E58}" srcOrd="0" destOrd="0" presId="urn:microsoft.com/office/officeart/2005/8/layout/process4"/>
+    <dgm:cxn modelId="{D57922B0-A0E2-5444-B669-31E44FB51034}" type="presParOf" srcId="{D5C6F08F-C1FB-3544-99B0-9C548DC8F208}" destId="{BC536465-7B94-4F41-8F94-9E50A43C72DC}" srcOrd="0" destOrd="0" presId="urn:microsoft.com/office/officeart/2005/8/layout/process4"/>
+    <dgm:cxn modelId="{F7D04842-F1DB-3043-B0DF-74ABCF400E3B}" type="presParOf" srcId="{BC536465-7B94-4F41-8F94-9E50A43C72DC}" destId="{1D981DFC-6359-9B42-A97E-EE1A67C27226}" srcOrd="0" destOrd="0" presId="urn:microsoft.com/office/officeart/2005/8/layout/process4"/>
+    <dgm:cxn modelId="{EC84B336-C6CB-8D49-94C1-2D7B81B8B952}" type="presParOf" srcId="{D5C6F08F-C1FB-3544-99B0-9C548DC8F208}" destId="{8D118F49-A35F-324F-B89F-8A3D9CF8BE80}" srcOrd="1" destOrd="0" presId="urn:microsoft.com/office/officeart/2005/8/layout/process4"/>
+    <dgm:cxn modelId="{4338E3B2-6E4E-614A-A046-6A4C897F84B9}" type="presParOf" srcId="{D5C6F08F-C1FB-3544-99B0-9C548DC8F208}" destId="{8AECA4F7-4033-4341-9F1F-9BC17F86A861}" srcOrd="2" destOrd="0" presId="urn:microsoft.com/office/officeart/2005/8/layout/process4"/>
+    <dgm:cxn modelId="{A3945804-C874-7844-ABDF-466424FF8AED}" type="presParOf" srcId="{8AECA4F7-4033-4341-9F1F-9BC17F86A861}" destId="{8AA9BC7C-A858-9E48-B984-5C8762703E58}" srcOrd="0" destOrd="0" presId="urn:microsoft.com/office/officeart/2005/8/layout/process4"/>
+    <dgm:cxn modelId="{1A0A53A9-C5BF-3849-A364-DFB776B0F1F7}" type="presParOf" srcId="{D5C6F08F-C1FB-3544-99B0-9C548DC8F208}" destId="{BE5C4AD7-E67E-6243-ADCC-9E7CC8126AA1}" srcOrd="3" destOrd="0" presId="urn:microsoft.com/office/officeart/2005/8/layout/process4"/>
+    <dgm:cxn modelId="{BBEBDBD5-240C-9D44-A786-1DC7CAABD720}" type="presParOf" srcId="{D5C6F08F-C1FB-3544-99B0-9C548DC8F208}" destId="{F497B7A2-2680-EC41-8D72-510F83AA9963}" srcOrd="4" destOrd="0" presId="urn:microsoft.com/office/officeart/2005/8/layout/process4"/>
+    <dgm:cxn modelId="{48BD1489-C602-2347-9C86-8A69E731BDEC}" type="presParOf" srcId="{F497B7A2-2680-EC41-8D72-510F83AA9963}" destId="{95F427E8-B20D-1C40-B1A7-2751BED141FE}" srcOrd="0" destOrd="0" presId="urn:microsoft.com/office/officeart/2005/8/layout/process4"/>
+  </dgm:cxnLst>
+  <dgm:bg/>
+  <dgm:whole/>
+  <dgm:extLst>
+    <a:ext uri="http://schemas.microsoft.com/office/drawing/2008/diagram">
+      <dsp:dataModelExt xmlns:dsp="http://schemas.microsoft.com/office/drawing/2008/diagram" relId="rId7" minVer="http://schemas.openxmlformats.org/drawingml/2006/diagram"/>
+    </a:ext>
+  </dgm:extLst>
+</dgm:dataModel>
+</file>
+
+<file path=ppt/diagrams/data2.xml><?xml version="1.0" encoding="utf-8"?>
+<dgm:dataModel xmlns:dgm="http://schemas.openxmlformats.org/drawingml/2006/diagram" xmlns:a="http://schemas.openxmlformats.org/drawingml/2006/main">
+  <dgm:ptLst>
+    <dgm:pt modelId="{0EEDA414-2FE9-0248-B905-14D143E3B25E}" type="doc">
+      <dgm:prSet loTypeId="urn:microsoft.com/office/officeart/2005/8/layout/process4" loCatId="" qsTypeId="urn:microsoft.com/office/officeart/2005/8/quickstyle/simple2" qsCatId="simple" csTypeId="urn:microsoft.com/office/officeart/2005/8/colors/accent1_2" csCatId="accent1" phldr="1"/>
+      <dgm:spPr/>
+    </dgm:pt>
+    <dgm:pt modelId="{F21FAB64-392D-2641-A6AB-37377AF03051}">
+      <dgm:prSet phldrT="[Text]"/>
+      <dgm:spPr/>
+      <dgm:t>
+        <a:bodyPr/>
+        <a:lstStyle/>
+        <a:p>
+          <a:r>
+            <a:rPr lang="en-US" dirty="0" err="1" smtClean="0"/>
+            <a:t>Domein</a:t>
+          </a:r>
+          <a:endParaRPr lang="en-US" dirty="0"/>
+        </a:p>
+      </dgm:t>
+    </dgm:pt>
+    <dgm:pt modelId="{8B9F366F-CD8E-E24E-AE19-9AA3924F8BD4}" type="parTrans" cxnId="{C4135A04-00AD-A24F-8B74-E42EB15E228A}">
+      <dgm:prSet/>
+      <dgm:spPr/>
+      <dgm:t>
+        <a:bodyPr/>
+        <a:lstStyle/>
+        <a:p>
+          <a:endParaRPr lang="en-US"/>
+        </a:p>
+      </dgm:t>
+    </dgm:pt>
+    <dgm:pt modelId="{B073A466-A5F9-8844-96DE-21C7A138317F}" type="sibTrans" cxnId="{C4135A04-00AD-A24F-8B74-E42EB15E228A}">
+      <dgm:prSet/>
+      <dgm:spPr/>
+      <dgm:t>
+        <a:bodyPr/>
+        <a:lstStyle/>
+        <a:p>
+          <a:endParaRPr lang="en-US"/>
+        </a:p>
+      </dgm:t>
+    </dgm:pt>
+    <dgm:pt modelId="{09449922-9365-ED46-932A-D24132A080FA}">
+      <dgm:prSet phldrT="[Text]"/>
+      <dgm:spPr/>
+      <dgm:t>
+        <a:bodyPr/>
+        <a:lstStyle/>
+        <a:p>
+          <a:r>
+            <a:rPr lang="en-US" dirty="0" err="1" smtClean="0"/>
+            <a:t>Programmeertaal</a:t>
+          </a:r>
+          <a:endParaRPr lang="en-US" dirty="0"/>
+        </a:p>
+      </dgm:t>
+    </dgm:pt>
+    <dgm:pt modelId="{9656EA9A-2660-1D43-84BA-E4123323E9B4}" type="parTrans" cxnId="{E67AB282-0FAC-1F42-8D15-29D97B7DD796}">
+      <dgm:prSet/>
+      <dgm:spPr/>
+      <dgm:t>
+        <a:bodyPr/>
+        <a:lstStyle/>
+        <a:p>
+          <a:endParaRPr lang="en-US"/>
+        </a:p>
+      </dgm:t>
+    </dgm:pt>
+    <dgm:pt modelId="{22EA6DEB-8FB9-E745-899D-786749AC997B}" type="sibTrans" cxnId="{E67AB282-0FAC-1F42-8D15-29D97B7DD796}">
+      <dgm:prSet/>
+      <dgm:spPr/>
+      <dgm:t>
+        <a:bodyPr/>
+        <a:lstStyle/>
+        <a:p>
+          <a:endParaRPr lang="en-US"/>
+        </a:p>
+      </dgm:t>
+    </dgm:pt>
+    <dgm:pt modelId="{C433367C-7C2D-F440-A1D7-A6C6D5C9DBA8}">
+      <dgm:prSet phldrT="[Text]"/>
+      <dgm:spPr/>
+      <dgm:t>
+        <a:bodyPr/>
+        <a:lstStyle/>
+        <a:p>
+          <a:r>
+            <a:rPr lang="en-US" dirty="0" err="1" smtClean="0"/>
+            <a:t>Algoritme</a:t>
+          </a:r>
+          <a:endParaRPr lang="en-US" dirty="0"/>
+        </a:p>
+      </dgm:t>
+    </dgm:pt>
+    <dgm:pt modelId="{C9915FC3-8ADA-1246-B8FA-230A96FE4FED}" type="parTrans" cxnId="{A436D30F-1AC1-FF41-A1BD-1EFB5B5001AB}">
+      <dgm:prSet/>
+      <dgm:spPr/>
+      <dgm:t>
+        <a:bodyPr/>
+        <a:lstStyle/>
+        <a:p>
+          <a:endParaRPr lang="en-US"/>
+        </a:p>
+      </dgm:t>
+    </dgm:pt>
+    <dgm:pt modelId="{1C0240D5-CECF-1A4D-A9A2-53FB1ED08F3B}" type="sibTrans" cxnId="{A436D30F-1AC1-FF41-A1BD-1EFB5B5001AB}">
+      <dgm:prSet/>
+      <dgm:spPr/>
+      <dgm:t>
+        <a:bodyPr/>
+        <a:lstStyle/>
+        <a:p>
+          <a:endParaRPr lang="en-US"/>
+        </a:p>
+      </dgm:t>
+    </dgm:pt>
+    <dgm:pt modelId="{D5C6F08F-C1FB-3544-99B0-9C548DC8F208}" type="pres">
+      <dgm:prSet presAssocID="{0EEDA414-2FE9-0248-B905-14D143E3B25E}" presName="Name0" presStyleCnt="0">
+        <dgm:presLayoutVars>
+          <dgm:dir/>
+          <dgm:animLvl val="lvl"/>
+          <dgm:resizeHandles val="exact"/>
+        </dgm:presLayoutVars>
+      </dgm:prSet>
+      <dgm:spPr/>
+    </dgm:pt>
+    <dgm:pt modelId="{BC536465-7B94-4F41-8F94-9E50A43C72DC}" type="pres">
+      <dgm:prSet presAssocID="{C433367C-7C2D-F440-A1D7-A6C6D5C9DBA8}" presName="boxAndChildren" presStyleCnt="0"/>
+      <dgm:spPr/>
+    </dgm:pt>
+    <dgm:pt modelId="{1D981DFC-6359-9B42-A97E-EE1A67C27226}" type="pres">
+      <dgm:prSet presAssocID="{C433367C-7C2D-F440-A1D7-A6C6D5C9DBA8}" presName="parentTextBox" presStyleLbl="node1" presStyleIdx="0" presStyleCnt="3"/>
+      <dgm:spPr/>
+    </dgm:pt>
+    <dgm:pt modelId="{8D118F49-A35F-324F-B89F-8A3D9CF8BE80}" type="pres">
+      <dgm:prSet presAssocID="{22EA6DEB-8FB9-E745-899D-786749AC997B}" presName="sp" presStyleCnt="0"/>
+      <dgm:spPr/>
+    </dgm:pt>
+    <dgm:pt modelId="{8AECA4F7-4033-4341-9F1F-9BC17F86A861}" type="pres">
+      <dgm:prSet presAssocID="{09449922-9365-ED46-932A-D24132A080FA}" presName="arrowAndChildren" presStyleCnt="0"/>
+      <dgm:spPr/>
+    </dgm:pt>
+    <dgm:pt modelId="{8AA9BC7C-A858-9E48-B984-5C8762703E58}" type="pres">
+      <dgm:prSet presAssocID="{09449922-9365-ED46-932A-D24132A080FA}" presName="parentTextArrow" presStyleLbl="node1" presStyleIdx="1" presStyleCnt="3"/>
+      <dgm:spPr/>
+      <dgm:t>
+        <a:bodyPr/>
+        <a:lstStyle/>
+        <a:p>
+          <a:endParaRPr lang="en-US"/>
+        </a:p>
+      </dgm:t>
+    </dgm:pt>
+    <dgm:pt modelId="{BE5C4AD7-E67E-6243-ADCC-9E7CC8126AA1}" type="pres">
+      <dgm:prSet presAssocID="{B073A466-A5F9-8844-96DE-21C7A138317F}" presName="sp" presStyleCnt="0"/>
+      <dgm:spPr/>
+    </dgm:pt>
+    <dgm:pt modelId="{F497B7A2-2680-EC41-8D72-510F83AA9963}" type="pres">
+      <dgm:prSet presAssocID="{F21FAB64-392D-2641-A6AB-37377AF03051}" presName="arrowAndChildren" presStyleCnt="0"/>
+      <dgm:spPr/>
+    </dgm:pt>
+    <dgm:pt modelId="{95F427E8-B20D-1C40-B1A7-2751BED141FE}" type="pres">
+      <dgm:prSet presAssocID="{F21FAB64-392D-2641-A6AB-37377AF03051}" presName="parentTextArrow" presStyleLbl="node1" presStyleIdx="2" presStyleCnt="3" custLinFactNeighborY="-2723"/>
+      <dgm:spPr/>
+      <dgm:t>
+        <a:bodyPr/>
+        <a:lstStyle/>
+        <a:p>
+          <a:endParaRPr lang="en-US"/>
+        </a:p>
+      </dgm:t>
+    </dgm:pt>
+  </dgm:ptLst>
+  <dgm:cxnLst>
+    <dgm:cxn modelId="{C4135A04-00AD-A24F-8B74-E42EB15E228A}" srcId="{0EEDA414-2FE9-0248-B905-14D143E3B25E}" destId="{F21FAB64-392D-2641-A6AB-37377AF03051}" srcOrd="0" destOrd="0" parTransId="{8B9F366F-CD8E-E24E-AE19-9AA3924F8BD4}" sibTransId="{B073A466-A5F9-8844-96DE-21C7A138317F}"/>
+    <dgm:cxn modelId="{11E0EC03-AF18-9045-B1CF-48622C819CB6}" type="presOf" srcId="{09449922-9365-ED46-932A-D24132A080FA}" destId="{8AA9BC7C-A858-9E48-B984-5C8762703E58}" srcOrd="0" destOrd="0" presId="urn:microsoft.com/office/officeart/2005/8/layout/process4"/>
+    <dgm:cxn modelId="{9034D84D-651F-224C-B867-E279BCBED12C}" type="presOf" srcId="{0EEDA414-2FE9-0248-B905-14D143E3B25E}" destId="{D5C6F08F-C1FB-3544-99B0-9C548DC8F208}" srcOrd="0" destOrd="0" presId="urn:microsoft.com/office/officeart/2005/8/layout/process4"/>
+    <dgm:cxn modelId="{E67AB282-0FAC-1F42-8D15-29D97B7DD796}" srcId="{0EEDA414-2FE9-0248-B905-14D143E3B25E}" destId="{09449922-9365-ED46-932A-D24132A080FA}" srcOrd="1" destOrd="0" parTransId="{9656EA9A-2660-1D43-84BA-E4123323E9B4}" sibTransId="{22EA6DEB-8FB9-E745-899D-786749AC997B}"/>
+    <dgm:cxn modelId="{CD01FE43-4509-D843-A015-6F579D70C841}" type="presOf" srcId="{C433367C-7C2D-F440-A1D7-A6C6D5C9DBA8}" destId="{1D981DFC-6359-9B42-A97E-EE1A67C27226}" srcOrd="0" destOrd="0" presId="urn:microsoft.com/office/officeart/2005/8/layout/process4"/>
+    <dgm:cxn modelId="{A436D30F-1AC1-FF41-A1BD-1EFB5B5001AB}" srcId="{0EEDA414-2FE9-0248-B905-14D143E3B25E}" destId="{C433367C-7C2D-F440-A1D7-A6C6D5C9DBA8}" srcOrd="2" destOrd="0" parTransId="{C9915FC3-8ADA-1246-B8FA-230A96FE4FED}" sibTransId="{1C0240D5-CECF-1A4D-A9A2-53FB1ED08F3B}"/>
+    <dgm:cxn modelId="{F4B5CFEE-AF57-D94F-8DA3-30AB06EE3757}" type="presOf" srcId="{F21FAB64-392D-2641-A6AB-37377AF03051}" destId="{95F427E8-B20D-1C40-B1A7-2751BED141FE}" srcOrd="0" destOrd="0" presId="urn:microsoft.com/office/officeart/2005/8/layout/process4"/>
+    <dgm:cxn modelId="{2C7A8AFB-B673-1542-A0CB-11ADBDA7D48F}" type="presParOf" srcId="{D5C6F08F-C1FB-3544-99B0-9C548DC8F208}" destId="{BC536465-7B94-4F41-8F94-9E50A43C72DC}" srcOrd="0" destOrd="0" presId="urn:microsoft.com/office/officeart/2005/8/layout/process4"/>
+    <dgm:cxn modelId="{C5C3B06F-3046-6645-A20D-403BDD36A1AB}" type="presParOf" srcId="{BC536465-7B94-4F41-8F94-9E50A43C72DC}" destId="{1D981DFC-6359-9B42-A97E-EE1A67C27226}" srcOrd="0" destOrd="0" presId="urn:microsoft.com/office/officeart/2005/8/layout/process4"/>
+    <dgm:cxn modelId="{3532C749-5B88-E34D-A7B1-0B0D826401C2}" type="presParOf" srcId="{D5C6F08F-C1FB-3544-99B0-9C548DC8F208}" destId="{8D118F49-A35F-324F-B89F-8A3D9CF8BE80}" srcOrd="1" destOrd="0" presId="urn:microsoft.com/office/officeart/2005/8/layout/process4"/>
+    <dgm:cxn modelId="{9361947D-62C3-0B42-ABCC-9BFDBFB15633}" type="presParOf" srcId="{D5C6F08F-C1FB-3544-99B0-9C548DC8F208}" destId="{8AECA4F7-4033-4341-9F1F-9BC17F86A861}" srcOrd="2" destOrd="0" presId="urn:microsoft.com/office/officeart/2005/8/layout/process4"/>
+    <dgm:cxn modelId="{D5860C4B-14EB-B14F-9DAA-BEE96088CEAE}" type="presParOf" srcId="{8AECA4F7-4033-4341-9F1F-9BC17F86A861}" destId="{8AA9BC7C-A858-9E48-B984-5C8762703E58}" srcOrd="0" destOrd="0" presId="urn:microsoft.com/office/officeart/2005/8/layout/process4"/>
+    <dgm:cxn modelId="{01DFE603-CE27-A54B-A0B5-9947FDD6316E}" type="presParOf" srcId="{D5C6F08F-C1FB-3544-99B0-9C548DC8F208}" destId="{BE5C4AD7-E67E-6243-ADCC-9E7CC8126AA1}" srcOrd="3" destOrd="0" presId="urn:microsoft.com/office/officeart/2005/8/layout/process4"/>
+    <dgm:cxn modelId="{11C0C429-63A5-4D40-92C4-6A326272B99B}" type="presParOf" srcId="{D5C6F08F-C1FB-3544-99B0-9C548DC8F208}" destId="{F497B7A2-2680-EC41-8D72-510F83AA9963}" srcOrd="4" destOrd="0" presId="urn:microsoft.com/office/officeart/2005/8/layout/process4"/>
+    <dgm:cxn modelId="{DA27B8C0-F1D2-5446-B408-696CDEA6B700}" type="presParOf" srcId="{F497B7A2-2680-EC41-8D72-510F83AA9963}" destId="{95F427E8-B20D-1C40-B1A7-2751BED141FE}" srcOrd="0" destOrd="0" presId="urn:microsoft.com/office/officeart/2005/8/layout/process4"/>
+  </dgm:cxnLst>
+  <dgm:bg/>
+  <dgm:whole/>
+  <dgm:extLst>
+    <a:ext uri="http://schemas.microsoft.com/office/drawing/2008/diagram">
+      <dsp:dataModelExt xmlns:dsp="http://schemas.microsoft.com/office/drawing/2008/diagram" relId="rId9" minVer="http://schemas.openxmlformats.org/drawingml/2006/diagram"/>
+    </a:ext>
+  </dgm:extLst>
+</dgm:dataModel>
+</file>
+
+<file path=ppt/diagrams/drawing1.xml><?xml version="1.0" encoding="utf-8"?>
+<dsp:drawing xmlns:dgm="http://schemas.openxmlformats.org/drawingml/2006/diagram" xmlns:dsp="http://schemas.microsoft.com/office/drawing/2008/diagram" xmlns:a="http://schemas.openxmlformats.org/drawingml/2006/main">
+  <dsp:spTree>
+    <dsp:nvGrpSpPr>
+      <dsp:cNvPr id="0" name=""/>
+      <dsp:cNvGrpSpPr/>
+    </dsp:nvGrpSpPr>
+    <dsp:grpSpPr/>
+    <dsp:sp modelId="{1D981DFC-6359-9B42-A97E-EE1A67C27226}">
+      <dsp:nvSpPr>
+        <dsp:cNvPr id="0" name=""/>
+        <dsp:cNvSpPr/>
+      </dsp:nvSpPr>
+      <dsp:spPr>
+        <a:xfrm>
+          <a:off x="0" y="3028118"/>
+          <a:ext cx="10058399" cy="993895"/>
+        </a:xfrm>
+        <a:prstGeom prst="rect">
+          <a:avLst/>
+        </a:prstGeom>
+        <a:solidFill>
+          <a:schemeClr val="accent1">
+            <a:hueOff val="0"/>
+            <a:satOff val="0"/>
+            <a:lumOff val="0"/>
+            <a:alphaOff val="0"/>
+          </a:schemeClr>
+        </a:solidFill>
+        <a:ln w="25400" cap="flat" cmpd="sng" algn="ctr">
+          <a:solidFill>
+            <a:schemeClr val="lt1">
+              <a:hueOff val="0"/>
+              <a:satOff val="0"/>
+              <a:lumOff val="0"/>
+              <a:alphaOff val="0"/>
+            </a:schemeClr>
+          </a:solidFill>
+          <a:prstDash val="solid"/>
+        </a:ln>
+        <a:effectLst/>
+      </dsp:spPr>
+      <dsp:style>
+        <a:lnRef idx="3">
+          <a:scrgbClr r="0" g="0" b="0"/>
+        </a:lnRef>
+        <a:fillRef idx="1">
+          <a:scrgbClr r="0" g="0" b="0"/>
+        </a:fillRef>
+        <a:effectRef idx="1">
+          <a:scrgbClr r="0" g="0" b="0"/>
+        </a:effectRef>
+        <a:fontRef idx="minor">
+          <a:schemeClr val="lt1"/>
+        </a:fontRef>
+      </dsp:style>
+      <dsp:txBody>
+        <a:bodyPr spcFirstLastPara="0" vert="horz" wrap="square" lIns="248920" tIns="248920" rIns="248920" bIns="248920" numCol="1" spcCol="1270" anchor="ctr" anchorCtr="0">
+          <a:noAutofit/>
+        </a:bodyPr>
+        <a:lstStyle/>
+        <a:p>
+          <a:pPr lvl="0" algn="ctr" defTabSz="1555750">
+            <a:lnSpc>
+              <a:spcPct val="90000"/>
+            </a:lnSpc>
+            <a:spcBef>
+              <a:spcPct val="0"/>
+            </a:spcBef>
+            <a:spcAft>
+              <a:spcPct val="35000"/>
+            </a:spcAft>
+          </a:pPr>
+          <a:r>
+            <a:rPr lang="en-US" sz="3500" kern="1200" dirty="0" err="1" smtClean="0"/>
+            <a:t>Algoritme</a:t>
+          </a:r>
+          <a:endParaRPr lang="en-US" sz="3500" kern="1200" dirty="0"/>
+        </a:p>
+      </dsp:txBody>
+      <dsp:txXfrm>
+        <a:off x="0" y="3028118"/>
+        <a:ext cx="10058399" cy="993895"/>
+      </dsp:txXfrm>
+    </dsp:sp>
+    <dsp:sp modelId="{8AA9BC7C-A858-9E48-B984-5C8762703E58}">
+      <dsp:nvSpPr>
+        <dsp:cNvPr id="0" name=""/>
+        <dsp:cNvSpPr/>
+      </dsp:nvSpPr>
+      <dsp:spPr>
+        <a:xfrm rot="10800000">
+          <a:off x="0" y="1514414"/>
+          <a:ext cx="10058399" cy="1528611"/>
+        </a:xfrm>
+        <a:prstGeom prst="upArrowCallout">
+          <a:avLst/>
+        </a:prstGeom>
+        <a:solidFill>
+          <a:schemeClr val="accent1">
+            <a:hueOff val="0"/>
+            <a:satOff val="0"/>
+            <a:lumOff val="0"/>
+            <a:alphaOff val="0"/>
+          </a:schemeClr>
+        </a:solidFill>
+        <a:ln w="25400" cap="flat" cmpd="sng" algn="ctr">
+          <a:solidFill>
+            <a:schemeClr val="lt1">
+              <a:hueOff val="0"/>
+              <a:satOff val="0"/>
+              <a:lumOff val="0"/>
+              <a:alphaOff val="0"/>
+            </a:schemeClr>
+          </a:solidFill>
+          <a:prstDash val="solid"/>
+        </a:ln>
+        <a:effectLst/>
+      </dsp:spPr>
+      <dsp:style>
+        <a:lnRef idx="3">
+          <a:scrgbClr r="0" g="0" b="0"/>
+        </a:lnRef>
+        <a:fillRef idx="1">
+          <a:scrgbClr r="0" g="0" b="0"/>
+        </a:fillRef>
+        <a:effectRef idx="1">
+          <a:scrgbClr r="0" g="0" b="0"/>
+        </a:effectRef>
+        <a:fontRef idx="minor">
+          <a:schemeClr val="lt1"/>
+        </a:fontRef>
+      </dsp:style>
+      <dsp:txBody>
+        <a:bodyPr spcFirstLastPara="0" vert="horz" wrap="square" lIns="248920" tIns="248920" rIns="248920" bIns="248920" numCol="1" spcCol="1270" anchor="ctr" anchorCtr="0">
+          <a:noAutofit/>
+        </a:bodyPr>
+        <a:lstStyle/>
+        <a:p>
+          <a:pPr lvl="0" algn="ctr" defTabSz="1555750">
+            <a:lnSpc>
+              <a:spcPct val="90000"/>
+            </a:lnSpc>
+            <a:spcBef>
+              <a:spcPct val="0"/>
+            </a:spcBef>
+            <a:spcAft>
+              <a:spcPct val="35000"/>
+            </a:spcAft>
+          </a:pPr>
+          <a:r>
+            <a:rPr lang="en-US" sz="3500" kern="1200" dirty="0" err="1" smtClean="0"/>
+            <a:t>Programmeertaal</a:t>
+          </a:r>
+          <a:endParaRPr lang="en-US" sz="3500" kern="1200" dirty="0"/>
+        </a:p>
+      </dsp:txBody>
+      <dsp:txXfrm rot="10800000">
+        <a:off x="0" y="1514414"/>
+        <a:ext cx="10058399" cy="993246"/>
+      </dsp:txXfrm>
+    </dsp:sp>
+    <dsp:sp modelId="{95F427E8-B20D-1C40-B1A7-2751BED141FE}">
+      <dsp:nvSpPr>
+        <dsp:cNvPr id="0" name=""/>
+        <dsp:cNvSpPr/>
+      </dsp:nvSpPr>
+      <dsp:spPr>
+        <a:xfrm rot="10800000">
+          <a:off x="0" y="711"/>
+          <a:ext cx="10058399" cy="1528611"/>
+        </a:xfrm>
+        <a:prstGeom prst="upArrowCallout">
+          <a:avLst/>
+        </a:prstGeom>
+        <a:solidFill>
+          <a:schemeClr val="accent1">
+            <a:hueOff val="0"/>
+            <a:satOff val="0"/>
+            <a:lumOff val="0"/>
+            <a:alphaOff val="0"/>
+          </a:schemeClr>
+        </a:solidFill>
+        <a:ln w="25400" cap="flat" cmpd="sng" algn="ctr">
+          <a:solidFill>
+            <a:schemeClr val="lt1">
+              <a:hueOff val="0"/>
+              <a:satOff val="0"/>
+              <a:lumOff val="0"/>
+              <a:alphaOff val="0"/>
+            </a:schemeClr>
+          </a:solidFill>
+          <a:prstDash val="solid"/>
+        </a:ln>
+        <a:effectLst/>
+      </dsp:spPr>
+      <dsp:style>
+        <a:lnRef idx="3">
+          <a:scrgbClr r="0" g="0" b="0"/>
+        </a:lnRef>
+        <a:fillRef idx="1">
+          <a:scrgbClr r="0" g="0" b="0"/>
+        </a:fillRef>
+        <a:effectRef idx="1">
+          <a:scrgbClr r="0" g="0" b="0"/>
+        </a:effectRef>
+        <a:fontRef idx="minor">
+          <a:schemeClr val="lt1"/>
+        </a:fontRef>
+      </dsp:style>
+      <dsp:txBody>
+        <a:bodyPr spcFirstLastPara="0" vert="horz" wrap="square" lIns="248920" tIns="248920" rIns="248920" bIns="248920" numCol="1" spcCol="1270" anchor="ctr" anchorCtr="0">
+          <a:noAutofit/>
+        </a:bodyPr>
+        <a:lstStyle/>
+        <a:p>
+          <a:pPr lvl="0" algn="ctr" defTabSz="1555750">
+            <a:lnSpc>
+              <a:spcPct val="90000"/>
+            </a:lnSpc>
+            <a:spcBef>
+              <a:spcPct val="0"/>
+            </a:spcBef>
+            <a:spcAft>
+              <a:spcPct val="35000"/>
+            </a:spcAft>
+          </a:pPr>
+          <a:r>
+            <a:rPr lang="en-US" sz="3500" kern="1200" dirty="0" err="1" smtClean="0"/>
+            <a:t>Domein</a:t>
+          </a:r>
+          <a:endParaRPr lang="en-US" sz="3500" kern="1200" dirty="0"/>
+        </a:p>
+      </dsp:txBody>
+      <dsp:txXfrm rot="10800000">
+        <a:off x="0" y="711"/>
+        <a:ext cx="10058399" cy="993246"/>
+      </dsp:txXfrm>
+    </dsp:sp>
+  </dsp:spTree>
+</dsp:drawing>
+</file>
+
+<file path=ppt/diagrams/drawing2.xml><?xml version="1.0" encoding="utf-8"?>
+<dsp:drawing xmlns:dgm="http://schemas.openxmlformats.org/drawingml/2006/diagram" xmlns:dsp="http://schemas.microsoft.com/office/drawing/2008/diagram" xmlns:a="http://schemas.openxmlformats.org/drawingml/2006/main">
+  <dsp:spTree>
+    <dsp:nvGrpSpPr>
+      <dsp:cNvPr id="0" name=""/>
+      <dsp:cNvGrpSpPr/>
+    </dsp:nvGrpSpPr>
+    <dsp:grpSpPr/>
+    <dsp:sp modelId="{1D981DFC-6359-9B42-A97E-EE1A67C27226}">
+      <dsp:nvSpPr>
+        <dsp:cNvPr id="0" name=""/>
+        <dsp:cNvSpPr/>
+      </dsp:nvSpPr>
+      <dsp:spPr>
+        <a:xfrm>
+          <a:off x="0" y="1208296"/>
+          <a:ext cx="2602393" cy="396589"/>
+        </a:xfrm>
+        <a:prstGeom prst="rect">
+          <a:avLst/>
+        </a:prstGeom>
+        <a:solidFill>
+          <a:schemeClr val="accent1">
+            <a:hueOff val="0"/>
+            <a:satOff val="0"/>
+            <a:lumOff val="0"/>
+            <a:alphaOff val="0"/>
+          </a:schemeClr>
+        </a:solidFill>
+        <a:ln w="25400" cap="flat" cmpd="sng" algn="ctr">
+          <a:solidFill>
+            <a:schemeClr val="lt1">
+              <a:hueOff val="0"/>
+              <a:satOff val="0"/>
+              <a:lumOff val="0"/>
+              <a:alphaOff val="0"/>
+            </a:schemeClr>
+          </a:solidFill>
+          <a:prstDash val="solid"/>
+        </a:ln>
+        <a:effectLst/>
+      </dsp:spPr>
+      <dsp:style>
+        <a:lnRef idx="3">
+          <a:scrgbClr r="0" g="0" b="0"/>
+        </a:lnRef>
+        <a:fillRef idx="1">
+          <a:scrgbClr r="0" g="0" b="0"/>
+        </a:fillRef>
+        <a:effectRef idx="1">
+          <a:scrgbClr r="0" g="0" b="0"/>
+        </a:effectRef>
+        <a:fontRef idx="minor">
+          <a:schemeClr val="lt1"/>
+        </a:fontRef>
+      </dsp:style>
+      <dsp:txBody>
+        <a:bodyPr spcFirstLastPara="0" vert="horz" wrap="square" lIns="99568" tIns="99568" rIns="99568" bIns="99568" numCol="1" spcCol="1270" anchor="ctr" anchorCtr="0">
+          <a:noAutofit/>
+        </a:bodyPr>
+        <a:lstStyle/>
+        <a:p>
+          <a:pPr lvl="0" algn="ctr" defTabSz="622300">
+            <a:lnSpc>
+              <a:spcPct val="90000"/>
+            </a:lnSpc>
+            <a:spcBef>
+              <a:spcPct val="0"/>
+            </a:spcBef>
+            <a:spcAft>
+              <a:spcPct val="35000"/>
+            </a:spcAft>
+          </a:pPr>
+          <a:r>
+            <a:rPr lang="en-US" sz="1400" kern="1200" dirty="0" err="1" smtClean="0"/>
+            <a:t>Algoritme</a:t>
+          </a:r>
+          <a:endParaRPr lang="en-US" sz="1400" kern="1200" dirty="0"/>
+        </a:p>
+      </dsp:txBody>
+      <dsp:txXfrm>
+        <a:off x="0" y="1208296"/>
+        <a:ext cx="2602393" cy="396589"/>
+      </dsp:txXfrm>
+    </dsp:sp>
+    <dsp:sp modelId="{8AA9BC7C-A858-9E48-B984-5C8762703E58}">
+      <dsp:nvSpPr>
+        <dsp:cNvPr id="0" name=""/>
+        <dsp:cNvSpPr/>
+      </dsp:nvSpPr>
+      <dsp:spPr>
+        <a:xfrm rot="10800000">
+          <a:off x="0" y="604290"/>
+          <a:ext cx="2602393" cy="609955"/>
+        </a:xfrm>
+        <a:prstGeom prst="upArrowCallout">
+          <a:avLst/>
+        </a:prstGeom>
+        <a:solidFill>
+          <a:schemeClr val="accent1">
+            <a:hueOff val="0"/>
+            <a:satOff val="0"/>
+            <a:lumOff val="0"/>
+            <a:alphaOff val="0"/>
+          </a:schemeClr>
+        </a:solidFill>
+        <a:ln w="25400" cap="flat" cmpd="sng" algn="ctr">
+          <a:solidFill>
+            <a:schemeClr val="lt1">
+              <a:hueOff val="0"/>
+              <a:satOff val="0"/>
+              <a:lumOff val="0"/>
+              <a:alphaOff val="0"/>
+            </a:schemeClr>
+          </a:solidFill>
+          <a:prstDash val="solid"/>
+        </a:ln>
+        <a:effectLst/>
+      </dsp:spPr>
+      <dsp:style>
+        <a:lnRef idx="3">
+          <a:scrgbClr r="0" g="0" b="0"/>
+        </a:lnRef>
+        <a:fillRef idx="1">
+          <a:scrgbClr r="0" g="0" b="0"/>
+        </a:fillRef>
+        <a:effectRef idx="1">
+          <a:scrgbClr r="0" g="0" b="0"/>
+        </a:effectRef>
+        <a:fontRef idx="minor">
+          <a:schemeClr val="lt1"/>
+        </a:fontRef>
+      </dsp:style>
+      <dsp:txBody>
+        <a:bodyPr spcFirstLastPara="0" vert="horz" wrap="square" lIns="99568" tIns="99568" rIns="99568" bIns="99568" numCol="1" spcCol="1270" anchor="ctr" anchorCtr="0">
+          <a:noAutofit/>
+        </a:bodyPr>
+        <a:lstStyle/>
+        <a:p>
+          <a:pPr lvl="0" algn="ctr" defTabSz="622300">
+            <a:lnSpc>
+              <a:spcPct val="90000"/>
+            </a:lnSpc>
+            <a:spcBef>
+              <a:spcPct val="0"/>
+            </a:spcBef>
+            <a:spcAft>
+              <a:spcPct val="35000"/>
+            </a:spcAft>
+          </a:pPr>
+          <a:r>
+            <a:rPr lang="en-US" sz="1400" kern="1200" dirty="0" err="1" smtClean="0"/>
+            <a:t>Programmeertaal</a:t>
+          </a:r>
+          <a:endParaRPr lang="en-US" sz="1400" kern="1200" dirty="0"/>
+        </a:p>
+      </dsp:txBody>
+      <dsp:txXfrm rot="10800000">
+        <a:off x="0" y="604290"/>
+        <a:ext cx="2602393" cy="396330"/>
+      </dsp:txXfrm>
+    </dsp:sp>
+    <dsp:sp modelId="{95F427E8-B20D-1C40-B1A7-2751BED141FE}">
+      <dsp:nvSpPr>
+        <dsp:cNvPr id="0" name=""/>
+        <dsp:cNvSpPr/>
+      </dsp:nvSpPr>
+      <dsp:spPr>
+        <a:xfrm rot="10800000">
+          <a:off x="0" y="0"/>
+          <a:ext cx="2602393" cy="609955"/>
+        </a:xfrm>
+        <a:prstGeom prst="upArrowCallout">
+          <a:avLst/>
+        </a:prstGeom>
+        <a:solidFill>
+          <a:schemeClr val="accent1">
+            <a:hueOff val="0"/>
+            <a:satOff val="0"/>
+            <a:lumOff val="0"/>
+            <a:alphaOff val="0"/>
+          </a:schemeClr>
+        </a:solidFill>
+        <a:ln w="25400" cap="flat" cmpd="sng" algn="ctr">
+          <a:solidFill>
+            <a:schemeClr val="lt1">
+              <a:hueOff val="0"/>
+              <a:satOff val="0"/>
+              <a:lumOff val="0"/>
+              <a:alphaOff val="0"/>
+            </a:schemeClr>
+          </a:solidFill>
+          <a:prstDash val="solid"/>
+        </a:ln>
+        <a:effectLst/>
+      </dsp:spPr>
+      <dsp:style>
+        <a:lnRef idx="3">
+          <a:scrgbClr r="0" g="0" b="0"/>
+        </a:lnRef>
+        <a:fillRef idx="1">
+          <a:scrgbClr r="0" g="0" b="0"/>
+        </a:fillRef>
+        <a:effectRef idx="1">
+          <a:scrgbClr r="0" g="0" b="0"/>
+        </a:effectRef>
+        <a:fontRef idx="minor">
+          <a:schemeClr val="lt1"/>
+        </a:fontRef>
+      </dsp:style>
+      <dsp:txBody>
+        <a:bodyPr spcFirstLastPara="0" vert="horz" wrap="square" lIns="99568" tIns="99568" rIns="99568" bIns="99568" numCol="1" spcCol="1270" anchor="ctr" anchorCtr="0">
+          <a:noAutofit/>
+        </a:bodyPr>
+        <a:lstStyle/>
+        <a:p>
+          <a:pPr lvl="0" algn="ctr" defTabSz="622300">
+            <a:lnSpc>
+              <a:spcPct val="90000"/>
+            </a:lnSpc>
+            <a:spcBef>
+              <a:spcPct val="0"/>
+            </a:spcBef>
+            <a:spcAft>
+              <a:spcPct val="35000"/>
+            </a:spcAft>
+          </a:pPr>
+          <a:r>
+            <a:rPr lang="en-US" sz="1400" kern="1200" dirty="0" err="1" smtClean="0"/>
+            <a:t>Domein</a:t>
+          </a:r>
+          <a:endParaRPr lang="en-US" sz="1400" kern="1200" dirty="0"/>
+        </a:p>
+      </dsp:txBody>
+      <dsp:txXfrm rot="10800000">
+        <a:off x="0" y="0"/>
+        <a:ext cx="2602393" cy="396330"/>
+      </dsp:txXfrm>
+    </dsp:sp>
+  </dsp:spTree>
+</dsp:drawing>
+</file>
+
+<file path=ppt/diagrams/layout1.xml><?xml version="1.0" encoding="utf-8"?>
+<dgm:layoutDef xmlns:dgm="http://schemas.openxmlformats.org/drawingml/2006/diagram" xmlns:a="http://schemas.openxmlformats.org/drawingml/2006/main" uniqueId="urn:microsoft.com/office/officeart/2005/8/layout/process4">
+  <dgm:title val=""/>
+  <dgm:desc val=""/>
+  <dgm:catLst>
+    <dgm:cat type="process" pri="16000"/>
+    <dgm:cat type="list" pri="20000"/>
+  </dgm:catLst>
+  <dgm:sampData>
+    <dgm:dataModel>
+      <dgm:ptLst>
+        <dgm:pt modelId="0" type="doc"/>
+        <dgm:pt modelId="1">
+          <dgm:prSet phldr="1"/>
+        </dgm:pt>
+        <dgm:pt modelId="11">
+          <dgm:prSet phldr="1"/>
+        </dgm:pt>
+        <dgm:pt modelId="12">
+          <dgm:prSet phldr="1"/>
+        </dgm:pt>
+        <dgm:pt modelId="2">
+          <dgm:prSet phldr="1"/>
+        </dgm:pt>
+        <dgm:pt modelId="21">
+          <dgm:prSet phldr="1"/>
+        </dgm:pt>
+        <dgm:pt modelId="22">
+          <dgm:prSet phldr="1"/>
+        </dgm:pt>
+        <dgm:pt modelId="3">
+          <dgm:prSet phldr="1"/>
+        </dgm:pt>
+        <dgm:pt modelId="31">
+          <dgm:prSet phldr="1"/>
+        </dgm:pt>
+        <dgm:pt modelId="32">
+          <dgm:prSet phldr="1"/>
+        </dgm:pt>
+      </dgm:ptLst>
+      <dgm:cxnLst>
+        <dgm:cxn modelId="4" srcId="0" destId="1" srcOrd="0" destOrd="0"/>
+        <dgm:cxn modelId="5" srcId="0" destId="2" srcOrd="1" destOrd="0"/>
+        <dgm:cxn modelId="6" srcId="0" destId="3" srcOrd="2" destOrd="0"/>
+        <dgm:cxn modelId="13" srcId="1" destId="11" srcOrd="0" destOrd="0"/>
+        <dgm:cxn modelId="14" srcId="1" destId="12" srcOrd="1" destOrd="0"/>
+        <dgm:cxn modelId="23" srcId="2" destId="21" srcOrd="0" destOrd="0"/>
+        <dgm:cxn modelId="24" srcId="2" destId="22" srcOrd="1" destOrd="0"/>
+        <dgm:cxn modelId="33" srcId="3" destId="31" srcOrd="0" destOrd="0"/>
+        <dgm:cxn modelId="34" srcId="3" destId="32" srcOrd="1" destOrd="0"/>
+      </dgm:cxnLst>
+      <dgm:bg/>
+      <dgm:whole/>
+    </dgm:dataModel>
+  </dgm:sampData>
+  <dgm:styleData>
+    <dgm:dataModel>
+      <dgm:ptLst>
+        <dgm:pt modelId="0" type="doc"/>
+        <dgm:pt modelId="1"/>
+        <dgm:pt modelId="11"/>
+        <dgm:pt modelId="2"/>
+        <dgm:pt modelId="21"/>
+      </dgm:ptLst>
+      <dgm:cxnLst>
+        <dgm:cxn modelId="4" srcId="0" destId="1" srcOrd="0" destOrd="0"/>
+        <dgm:cxn modelId="5" srcId="0" destId="2" srcOrd="1" destOrd="0"/>
+        <dgm:cxn modelId="13" srcId="1" destId="11" srcOrd="0" destOrd="0"/>
+        <dgm:cxn modelId="23" srcId="2" destId="21" srcOrd="0" destOrd="0"/>
+      </dgm:cxnLst>
+      <dgm:bg/>
+      <dgm:whole/>
+    </dgm:dataModel>
+  </dgm:styleData>
+  <dgm:clrData>
+    <dgm:dataModel>
+      <dgm:ptLst>
+        <dgm:pt modelId="0" type="doc"/>
+        <dgm:pt modelId="1"/>
+        <dgm:pt modelId="11"/>
+        <dgm:pt modelId="2"/>
+        <dgm:pt modelId="21"/>
+        <dgm:pt modelId="3"/>
+        <dgm:pt modelId="31"/>
+        <dgm:pt modelId="4"/>
+        <dgm:pt modelId="41"/>
+      </dgm:ptLst>
+      <dgm:cxnLst>
+        <dgm:cxn modelId="5" srcId="0" destId="1" srcOrd="0" destOrd="0"/>
+        <dgm:cxn modelId="6" srcId="0" destId="2" srcOrd="1" destOrd="0"/>
+        <dgm:cxn modelId="7" srcId="0" destId="3" srcOrd="2" destOrd="0"/>
+        <dgm:cxn modelId="8" srcId="0" destId="4" srcOrd="3" destOrd="0"/>
+        <dgm:cxn modelId="13" srcId="1" destId="11" srcOrd="0" destOrd="0"/>
+        <dgm:cxn modelId="23" srcId="2" destId="21" srcOrd="0" destOrd="0"/>
+        <dgm:cxn modelId="33" srcId="3" destId="31" srcOrd="0" destOrd="0"/>
+        <dgm:cxn modelId="43" srcId="4" destId="41" srcOrd="0" destOrd="0"/>
+      </dgm:cxnLst>
+      <dgm:bg/>
+      <dgm:whole/>
+    </dgm:dataModel>
+  </dgm:clrData>
+  <dgm:layoutNode name="Name0">
+    <dgm:varLst>
+      <dgm:dir/>
+      <dgm:animLvl val="lvl"/>
+      <dgm:resizeHandles val="exact"/>
+    </dgm:varLst>
+    <dgm:alg type="lin">
+      <dgm:param type="linDir" val="fromB"/>
+    </dgm:alg>
+    <dgm:shape xmlns:r="http://schemas.openxmlformats.org/officeDocument/2006/relationships" r:blip="">
+      <dgm:adjLst/>
+    </dgm:shape>
+    <dgm:presOf/>
+    <dgm:constrLst>
+      <dgm:constr type="h" for="ch" forName="boxAndChildren" refType="h"/>
+      <dgm:constr type="h" for="ch" forName="arrowAndChildren" refType="h" refFor="ch" refForName="boxAndChildren" op="equ" fact="1.538"/>
+      <dgm:constr type="w" for="ch" forName="arrowAndChildren" refType="w"/>
+      <dgm:constr type="w" for="ch" forName="boxAndChildren" refType="w"/>
+      <dgm:constr type="h" for="ch" forName="sp" refType="h" fact="-0.015"/>
+      <dgm:constr type="primFontSz" for="des" forName="parentTextBox" val="65"/>
+      <dgm:constr type="primFontSz" for="des" forName="parentTextArrow" refType="primFontSz" refFor="des" refForName="parentTextBox" op="equ"/>
+      <dgm:constr type="primFontSz" for="des" forName="childTextArrow" val="65"/>
+      <dgm:constr type="primFontSz" for="des" forName="childTextBox" refType="primFontSz" refFor="des" refForName="childTextArrow" op="equ"/>
+    </dgm:constrLst>
+    <dgm:ruleLst/>
+    <dgm:forEach name="Name1" axis="ch" ptType="node" st="-1" step="-1">
+      <dgm:choose name="Name2">
+        <dgm:if name="Name3" axis="self" ptType="node" func="revPos" op="equ" val="1">
+          <dgm:layoutNode name="boxAndChildren">
+            <dgm:alg type="composite"/>
+            <dgm:shape xmlns:r="http://schemas.openxmlformats.org/officeDocument/2006/relationships" r:blip="">
+              <dgm:adjLst/>
+            </dgm:shape>
+            <dgm:presOf/>
+            <dgm:choose name="Name4">
+              <dgm:if name="Name5" axis="ch" ptType="node" func="cnt" op="gte" val="1">
+                <dgm:constrLst>
+                  <dgm:constr type="w" for="ch" forName="parentTextBox" refType="w"/>
+                  <dgm:constr type="h" for="ch" forName="parentTextBox" refType="h" fact="0.54"/>
+                  <dgm:constr type="t" for="ch" forName="parentTextBox"/>
+                  <dgm:constr type="w" for="ch" forName="entireBox" refType="w"/>
+                  <dgm:constr type="h" for="ch" forName="entireBox" refType="h"/>
+                  <dgm:constr type="w" for="ch" forName="descendantBox" refType="w"/>
+                  <dgm:constr type="b" for="ch" forName="descendantBox" refType="h" fact="0.98"/>
+                  <dgm:constr type="h" for="ch" forName="descendantBox" refType="h" fact="0.46"/>
+                </dgm:constrLst>
+              </dgm:if>
+              <dgm:else name="Name6">
+                <dgm:constrLst>
+                  <dgm:constr type="w" for="ch" forName="parentTextBox" refType="w"/>
+                  <dgm:constr type="h" for="ch" forName="parentTextBox" refType="h"/>
+                </dgm:constrLst>
+              </dgm:else>
+            </dgm:choose>
+            <dgm:ruleLst/>
+            <dgm:layoutNode name="parentTextBox">
+              <dgm:alg type="tx"/>
+              <dgm:choose name="Name7">
+                <dgm:if name="Name8" axis="ch" ptType="node" func="cnt" op="gte" val="1">
+                  <dgm:shape xmlns:r="http://schemas.openxmlformats.org/officeDocument/2006/relationships" type="rect" r:blip="" zOrderOff="1" hideGeom="1">
+                    <dgm:adjLst/>
+                  </dgm:shape>
+                </dgm:if>
+                <dgm:else name="Name9">
+                  <dgm:shape xmlns:r="http://schemas.openxmlformats.org/officeDocument/2006/relationships" type="rect" r:blip="">
+                    <dgm:adjLst/>
+                  </dgm:shape>
+                </dgm:else>
+              </dgm:choose>
+              <dgm:presOf axis="self"/>
+              <dgm:constrLst/>
+              <dgm:ruleLst>
+                <dgm:rule type="primFontSz" val="5" fact="NaN" max="NaN"/>
+              </dgm:ruleLst>
+            </dgm:layoutNode>
+            <dgm:choose name="Name10">
+              <dgm:if name="Name11" axis="ch" ptType="node" func="cnt" op="gte" val="1">
+                <dgm:layoutNode name="entireBox">
+                  <dgm:alg type="sp"/>
+                  <dgm:shape xmlns:r="http://schemas.openxmlformats.org/officeDocument/2006/relationships" type="rect" r:blip="">
+                    <dgm:adjLst/>
+                  </dgm:shape>
+                  <dgm:presOf axis="self"/>
+                  <dgm:constrLst/>
+                  <dgm:ruleLst/>
+                </dgm:layoutNode>
+                <dgm:layoutNode name="descendantBox" styleLbl="fgAccFollowNode1">
+                  <dgm:choose name="Name12">
+                    <dgm:if name="Name13" func="var" arg="dir" op="equ" val="norm">
+                      <dgm:alg type="lin"/>
+                    </dgm:if>
+                    <dgm:else name="Name14">
+                      <dgm:alg type="lin">
+                        <dgm:param type="linDir" val="fromR"/>
+                      </dgm:alg>
+                    </dgm:else>
+                  </dgm:choose>
+                  <dgm:shape xmlns:r="http://schemas.openxmlformats.org/officeDocument/2006/relationships" r:blip="">
+                    <dgm:adjLst/>
+                  </dgm:shape>
+                  <dgm:presOf/>
+                  <dgm:constrLst>
+                    <dgm:constr type="w" for="ch" forName="childTextBox" refType="w"/>
+                    <dgm:constr type="h" for="ch" forName="childTextBox" refType="h"/>
+                  </dgm:constrLst>
+                  <dgm:ruleLst/>
+                  <dgm:forEach name="Name15" axis="ch" ptType="node">
+                    <dgm:layoutNode name="childTextBox" styleLbl="fgAccFollowNode1">
+                      <dgm:varLst>
+                        <dgm:bulletEnabled val="1"/>
+                      </dgm:varLst>
+                      <dgm:alg type="tx"/>
+                      <dgm:shape xmlns:r="http://schemas.openxmlformats.org/officeDocument/2006/relationships" type="rect" r:blip="">
+                        <dgm:adjLst/>
+                      </dgm:shape>
+                      <dgm:presOf axis="desOrSelf" ptType="node"/>
+                      <dgm:constrLst>
+                        <dgm:constr type="tMarg" refType="primFontSz" fact="0.1"/>
+                        <dgm:constr type="bMarg" refType="primFontSz" fact="0.1"/>
+                      </dgm:constrLst>
+                      <dgm:ruleLst>
+                        <dgm:rule type="primFontSz" val="5" fact="NaN" max="NaN"/>
+                      </dgm:ruleLst>
+                    </dgm:layoutNode>
+                  </dgm:forEach>
+                </dgm:layoutNode>
+              </dgm:if>
+              <dgm:else name="Name16"/>
+            </dgm:choose>
+          </dgm:layoutNode>
+        </dgm:if>
+        <dgm:else name="Name17">
+          <dgm:layoutNode name="arrowAndChildren">
+            <dgm:alg type="composite"/>
+            <dgm:shape xmlns:r="http://schemas.openxmlformats.org/officeDocument/2006/relationships" r:blip="">
+              <dgm:adjLst/>
+            </dgm:shape>
+            <dgm:presOf/>
+            <dgm:choose name="Name18">
+              <dgm:if name="Name19" axis="ch" ptType="node" func="cnt" op="gte" val="1">
+                <dgm:constrLst>
+                  <dgm:constr type="w" for="ch" forName="parentTextArrow" refType="w"/>
+                  <dgm:constr type="t" for="ch" forName="parentTextArrow"/>
+                  <dgm:constr type="h" for="ch" forName="parentTextArrow" refType="h" fact="0.351"/>
+                  <dgm:constr type="w" for="ch" forName="arrow" refType="w"/>
+                  <dgm:constr type="h" for="ch" forName="arrow" refType="h"/>
+                  <dgm:constr type="w" for="ch" forName="descendantArrow" refType="w"/>
+                  <dgm:constr type="b" for="ch" forName="descendantArrow" refType="h" fact="0.65"/>
+                  <dgm:constr type="h" for="ch" forName="descendantArrow" refType="h" fact="0.299"/>
+                </dgm:constrLst>
+              </dgm:if>
+              <dgm:else name="Name20">
+                <dgm:constrLst>
+                  <dgm:constr type="w" for="ch" forName="parentTextArrow" refType="w"/>
+                  <dgm:constr type="h" for="ch" forName="parentTextArrow" refType="h"/>
+                </dgm:constrLst>
+              </dgm:else>
+            </dgm:choose>
+            <dgm:ruleLst/>
+            <dgm:layoutNode name="parentTextArrow">
+              <dgm:alg type="tx"/>
+              <dgm:choose name="Name21">
+                <dgm:if name="Name22" axis="ch" ptType="node" func="cnt" op="gte" val="1">
+                  <dgm:shape xmlns:r="http://schemas.openxmlformats.org/officeDocument/2006/relationships" type="rect" r:blip="" zOrderOff="1" hideGeom="1">
+                    <dgm:adjLst/>
+                  </dgm:shape>
+                </dgm:if>
+                <dgm:else name="Name23">
+                  <dgm:shape xmlns:r="http://schemas.openxmlformats.org/officeDocument/2006/relationships" rot="180" type="upArrowCallout" r:blip="">
+                    <dgm:adjLst/>
+                  </dgm:shape>
+                </dgm:else>
+              </dgm:choose>
+              <dgm:presOf axis="self"/>
+              <dgm:constrLst/>
+              <dgm:ruleLst>
+                <dgm:rule type="primFontSz" val="5" fact="NaN" max="NaN"/>
+              </dgm:ruleLst>
+            </dgm:layoutNode>
+            <dgm:choose name="Name24">
+              <dgm:if name="Name25" axis="ch" ptType="node" func="cnt" op="gte" val="1">
+                <dgm:layoutNode name="arrow">
+                  <dgm:alg type="sp"/>
+                  <dgm:shape xmlns:r="http://schemas.openxmlformats.org/officeDocument/2006/relationships" rot="180" type="upArrowCallout" r:blip="">
+                    <dgm:adjLst/>
+                  </dgm:shape>
+                  <dgm:presOf axis="self"/>
+                  <dgm:constrLst/>
+                  <dgm:ruleLst/>
+                </dgm:layoutNode>
+                <dgm:layoutNode name="descendantArrow">
+                  <dgm:choose name="Name26">
+                    <dgm:if name="Name27" func="var" arg="dir" op="equ" val="norm">
+                      <dgm:alg type="lin"/>
+                    </dgm:if>
+                    <dgm:else name="Name28">
+                      <dgm:alg type="lin">
+                        <dgm:param type="linDir" val="fromR"/>
+                      </dgm:alg>
+                    </dgm:else>
+                  </dgm:choose>
+                  <dgm:shape xmlns:r="http://schemas.openxmlformats.org/officeDocument/2006/relationships" r:blip="">
+                    <dgm:adjLst/>
+                  </dgm:shape>
+                  <dgm:presOf/>
+                  <dgm:constrLst>
+                    <dgm:constr type="w" for="ch" forName="childTextArrow" refType="w"/>
+                    <dgm:constr type="h" for="ch" forName="childTextArrow" refType="h"/>
+                  </dgm:constrLst>
+                  <dgm:ruleLst/>
+                  <dgm:forEach name="Name29" axis="ch" ptType="node">
+                    <dgm:layoutNode name="childTextArrow" styleLbl="fgAccFollowNode1">
+                      <dgm:varLst>
+                        <dgm:bulletEnabled val="1"/>
+                      </dgm:varLst>
+                      <dgm:alg type="tx"/>
+                      <dgm:shape xmlns:r="http://schemas.openxmlformats.org/officeDocument/2006/relationships" type="rect" r:blip="">
+                        <dgm:adjLst/>
+                      </dgm:shape>
+                      <dgm:presOf axis="desOrSelf" ptType="node"/>
+                      <dgm:constrLst>
+                        <dgm:constr type="tMarg" refType="primFontSz" fact="0.1"/>
+                        <dgm:constr type="bMarg" refType="primFontSz" fact="0.1"/>
+                      </dgm:constrLst>
+                      <dgm:ruleLst>
+                        <dgm:rule type="primFontSz" val="5" fact="NaN" max="NaN"/>
+                      </dgm:ruleLst>
+                    </dgm:layoutNode>
+                  </dgm:forEach>
+                </dgm:layoutNode>
+              </dgm:if>
+              <dgm:else name="Name30"/>
+            </dgm:choose>
+          </dgm:layoutNode>
+        </dgm:else>
+      </dgm:choose>
+      <dgm:forEach name="Name31" axis="precedSib" ptType="sibTrans" st="-1" cnt="1">
+        <dgm:layoutNode name="sp">
+          <dgm:alg type="sp"/>
+          <dgm:shape xmlns:r="http://schemas.openxmlformats.org/officeDocument/2006/relationships" r:blip="">
+            <dgm:adjLst/>
+          </dgm:shape>
+          <dgm:presOf axis="self"/>
+          <dgm:constrLst/>
+          <dgm:ruleLst/>
+        </dgm:layoutNode>
+      </dgm:forEach>
+    </dgm:forEach>
+  </dgm:layoutNode>
+</dgm:layoutDef>
+</file>
+
+<file path=ppt/diagrams/layout2.xml><?xml version="1.0" encoding="utf-8"?>
+<dgm:layoutDef xmlns:dgm="http://schemas.openxmlformats.org/drawingml/2006/diagram" xmlns:a="http://schemas.openxmlformats.org/drawingml/2006/main" uniqueId="urn:microsoft.com/office/officeart/2005/8/layout/process4">
+  <dgm:title val=""/>
+  <dgm:desc val=""/>
+  <dgm:catLst>
+    <dgm:cat type="process" pri="16000"/>
+    <dgm:cat type="list" pri="20000"/>
+  </dgm:catLst>
+  <dgm:sampData>
+    <dgm:dataModel>
+      <dgm:ptLst>
+        <dgm:pt modelId="0" type="doc"/>
+        <dgm:pt modelId="1">
+          <dgm:prSet phldr="1"/>
+        </dgm:pt>
+        <dgm:pt modelId="11">
+          <dgm:prSet phldr="1"/>
+        </dgm:pt>
+        <dgm:pt modelId="12">
+          <dgm:prSet phldr="1"/>
+        </dgm:pt>
+        <dgm:pt modelId="2">
+          <dgm:prSet phldr="1"/>
+        </dgm:pt>
+        <dgm:pt modelId="21">
+          <dgm:prSet phldr="1"/>
+        </dgm:pt>
+        <dgm:pt modelId="22">
+          <dgm:prSet phldr="1"/>
+        </dgm:pt>
+        <dgm:pt modelId="3">
+          <dgm:prSet phldr="1"/>
+        </dgm:pt>
+        <dgm:pt modelId="31">
+          <dgm:prSet phldr="1"/>
+        </dgm:pt>
+        <dgm:pt modelId="32">
+          <dgm:prSet phldr="1"/>
+        </dgm:pt>
+      </dgm:ptLst>
+      <dgm:cxnLst>
+        <dgm:cxn modelId="4" srcId="0" destId="1" srcOrd="0" destOrd="0"/>
+        <dgm:cxn modelId="5" srcId="0" destId="2" srcOrd="1" destOrd="0"/>
+        <dgm:cxn modelId="6" srcId="0" destId="3" srcOrd="2" destOrd="0"/>
+        <dgm:cxn modelId="13" srcId="1" destId="11" srcOrd="0" destOrd="0"/>
+        <dgm:cxn modelId="14" srcId="1" destId="12" srcOrd="1" destOrd="0"/>
+        <dgm:cxn modelId="23" srcId="2" destId="21" srcOrd="0" destOrd="0"/>
+        <dgm:cxn modelId="24" srcId="2" destId="22" srcOrd="1" destOrd="0"/>
+        <dgm:cxn modelId="33" srcId="3" destId="31" srcOrd="0" destOrd="0"/>
+        <dgm:cxn modelId="34" srcId="3" destId="32" srcOrd="1" destOrd="0"/>
+      </dgm:cxnLst>
+      <dgm:bg/>
+      <dgm:whole/>
+    </dgm:dataModel>
+  </dgm:sampData>
+  <dgm:styleData>
+    <dgm:dataModel>
+      <dgm:ptLst>
+        <dgm:pt modelId="0" type="doc"/>
+        <dgm:pt modelId="1"/>
+        <dgm:pt modelId="11"/>
+        <dgm:pt modelId="2"/>
+        <dgm:pt modelId="21"/>
+      </dgm:ptLst>
+      <dgm:cxnLst>
+        <dgm:cxn modelId="4" srcId="0" destId="1" srcOrd="0" destOrd="0"/>
+        <dgm:cxn modelId="5" srcId="0" destId="2" srcOrd="1" destOrd="0"/>
+        <dgm:cxn modelId="13" srcId="1" destId="11" srcOrd="0" destOrd="0"/>
+        <dgm:cxn modelId="23" srcId="2" destId="21" srcOrd="0" destOrd="0"/>
+      </dgm:cxnLst>
+      <dgm:bg/>
+      <dgm:whole/>
+    </dgm:dataModel>
+  </dgm:styleData>
+  <dgm:clrData>
+    <dgm:dataModel>
+      <dgm:ptLst>
+        <dgm:pt modelId="0" type="doc"/>
+        <dgm:pt modelId="1"/>
+        <dgm:pt modelId="11"/>
+        <dgm:pt modelId="2"/>
+        <dgm:pt modelId="21"/>
+        <dgm:pt modelId="3"/>
+        <dgm:pt modelId="31"/>
+        <dgm:pt modelId="4"/>
+        <dgm:pt modelId="41"/>
+      </dgm:ptLst>
+      <dgm:cxnLst>
+        <dgm:cxn modelId="5" srcId="0" destId="1" srcOrd="0" destOrd="0"/>
+        <dgm:cxn modelId="6" srcId="0" destId="2" srcOrd="1" destOrd="0"/>
+        <dgm:cxn modelId="7" srcId="0" destId="3" srcOrd="2" destOrd="0"/>
+        <dgm:cxn modelId="8" srcId="0" destId="4" srcOrd="3" destOrd="0"/>
+        <dgm:cxn modelId="13" srcId="1" destId="11" srcOrd="0" destOrd="0"/>
+        <dgm:cxn modelId="23" srcId="2" destId="21" srcOrd="0" destOrd="0"/>
+        <dgm:cxn modelId="33" srcId="3" destId="31" srcOrd="0" destOrd="0"/>
+        <dgm:cxn modelId="43" srcId="4" destId="41" srcOrd="0" destOrd="0"/>
+      </dgm:cxnLst>
+      <dgm:bg/>
+      <dgm:whole/>
+    </dgm:dataModel>
+  </dgm:clrData>
+  <dgm:layoutNode name="Name0">
+    <dgm:varLst>
+      <dgm:dir/>
+      <dgm:animLvl val="lvl"/>
+      <dgm:resizeHandles val="exact"/>
+    </dgm:varLst>
+    <dgm:alg type="lin">
+      <dgm:param type="linDir" val="fromB"/>
+    </dgm:alg>
+    <dgm:shape xmlns:r="http://schemas.openxmlformats.org/officeDocument/2006/relationships" r:blip="">
+      <dgm:adjLst/>
+    </dgm:shape>
+    <dgm:presOf/>
+    <dgm:constrLst>
+      <dgm:constr type="h" for="ch" forName="boxAndChildren" refType="h"/>
+      <dgm:constr type="h" for="ch" forName="arrowAndChildren" refType="h" refFor="ch" refForName="boxAndChildren" op="equ" fact="1.538"/>
+      <dgm:constr type="w" for="ch" forName="arrowAndChildren" refType="w"/>
+      <dgm:constr type="w" for="ch" forName="boxAndChildren" refType="w"/>
+      <dgm:constr type="h" for="ch" forName="sp" refType="h" fact="-0.015"/>
+      <dgm:constr type="primFontSz" for="des" forName="parentTextBox" val="65"/>
+      <dgm:constr type="primFontSz" for="des" forName="parentTextArrow" refType="primFontSz" refFor="des" refForName="parentTextBox" op="equ"/>
+      <dgm:constr type="primFontSz" for="des" forName="childTextArrow" val="65"/>
+      <dgm:constr type="primFontSz" for="des" forName="childTextBox" refType="primFontSz" refFor="des" refForName="childTextArrow" op="equ"/>
+    </dgm:constrLst>
+    <dgm:ruleLst/>
+    <dgm:forEach name="Name1" axis="ch" ptType="node" st="-1" step="-1">
+      <dgm:choose name="Name2">
+        <dgm:if name="Name3" axis="self" ptType="node" func="revPos" op="equ" val="1">
+          <dgm:layoutNode name="boxAndChildren">
+            <dgm:alg type="composite"/>
+            <dgm:shape xmlns:r="http://schemas.openxmlformats.org/officeDocument/2006/relationships" r:blip="">
+              <dgm:adjLst/>
+            </dgm:shape>
+            <dgm:presOf/>
+            <dgm:choose name="Name4">
+              <dgm:if name="Name5" axis="ch" ptType="node" func="cnt" op="gte" val="1">
+                <dgm:constrLst>
+                  <dgm:constr type="w" for="ch" forName="parentTextBox" refType="w"/>
+                  <dgm:constr type="h" for="ch" forName="parentTextBox" refType="h" fact="0.54"/>
+                  <dgm:constr type="t" for="ch" forName="parentTextBox"/>
+                  <dgm:constr type="w" for="ch" forName="entireBox" refType="w"/>
+                  <dgm:constr type="h" for="ch" forName="entireBox" refType="h"/>
+                  <dgm:constr type="w" for="ch" forName="descendantBox" refType="w"/>
+                  <dgm:constr type="b" for="ch" forName="descendantBox" refType="h" fact="0.98"/>
+                  <dgm:constr type="h" for="ch" forName="descendantBox" refType="h" fact="0.46"/>
+                </dgm:constrLst>
+              </dgm:if>
+              <dgm:else name="Name6">
+                <dgm:constrLst>
+                  <dgm:constr type="w" for="ch" forName="parentTextBox" refType="w"/>
+                  <dgm:constr type="h" for="ch" forName="parentTextBox" refType="h"/>
+                </dgm:constrLst>
+              </dgm:else>
+            </dgm:choose>
+            <dgm:ruleLst/>
+            <dgm:layoutNode name="parentTextBox">
+              <dgm:alg type="tx"/>
+              <dgm:choose name="Name7">
+                <dgm:if name="Name8" axis="ch" ptType="node" func="cnt" op="gte" val="1">
+                  <dgm:shape xmlns:r="http://schemas.openxmlformats.org/officeDocument/2006/relationships" type="rect" r:blip="" zOrderOff="1" hideGeom="1">
+                    <dgm:adjLst/>
+                  </dgm:shape>
+                </dgm:if>
+                <dgm:else name="Name9">
+                  <dgm:shape xmlns:r="http://schemas.openxmlformats.org/officeDocument/2006/relationships" type="rect" r:blip="">
+                    <dgm:adjLst/>
+                  </dgm:shape>
+                </dgm:else>
+              </dgm:choose>
+              <dgm:presOf axis="self"/>
+              <dgm:constrLst/>
+              <dgm:ruleLst>
+                <dgm:rule type="primFontSz" val="5" fact="NaN" max="NaN"/>
+              </dgm:ruleLst>
+            </dgm:layoutNode>
+            <dgm:choose name="Name10">
+              <dgm:if name="Name11" axis="ch" ptType="node" func="cnt" op="gte" val="1">
+                <dgm:layoutNode name="entireBox">
+                  <dgm:alg type="sp"/>
+                  <dgm:shape xmlns:r="http://schemas.openxmlformats.org/officeDocument/2006/relationships" type="rect" r:blip="">
+                    <dgm:adjLst/>
+                  </dgm:shape>
+                  <dgm:presOf axis="self"/>
+                  <dgm:constrLst/>
+                  <dgm:ruleLst/>
+                </dgm:layoutNode>
+                <dgm:layoutNode name="descendantBox" styleLbl="fgAccFollowNode1">
+                  <dgm:choose name="Name12">
+                    <dgm:if name="Name13" func="var" arg="dir" op="equ" val="norm">
+                      <dgm:alg type="lin"/>
+                    </dgm:if>
+                    <dgm:else name="Name14">
+                      <dgm:alg type="lin">
+                        <dgm:param type="linDir" val="fromR"/>
+                      </dgm:alg>
+                    </dgm:else>
+                  </dgm:choose>
+                  <dgm:shape xmlns:r="http://schemas.openxmlformats.org/officeDocument/2006/relationships" r:blip="">
+                    <dgm:adjLst/>
+                  </dgm:shape>
+                  <dgm:presOf/>
+                  <dgm:constrLst>
+                    <dgm:constr type="w" for="ch" forName="childTextBox" refType="w"/>
+                    <dgm:constr type="h" for="ch" forName="childTextBox" refType="h"/>
+                  </dgm:constrLst>
+                  <dgm:ruleLst/>
+                  <dgm:forEach name="Name15" axis="ch" ptType="node">
+                    <dgm:layoutNode name="childTextBox" styleLbl="fgAccFollowNode1">
+                      <dgm:varLst>
+                        <dgm:bulletEnabled val="1"/>
+                      </dgm:varLst>
+                      <dgm:alg type="tx"/>
+                      <dgm:shape xmlns:r="http://schemas.openxmlformats.org/officeDocument/2006/relationships" type="rect" r:blip="">
+                        <dgm:adjLst/>
+                      </dgm:shape>
+                      <dgm:presOf axis="desOrSelf" ptType="node"/>
+                      <dgm:constrLst>
+                        <dgm:constr type="tMarg" refType="primFontSz" fact="0.1"/>
+                        <dgm:constr type="bMarg" refType="primFontSz" fact="0.1"/>
+                      </dgm:constrLst>
+                      <dgm:ruleLst>
+                        <dgm:rule type="primFontSz" val="5" fact="NaN" max="NaN"/>
+                      </dgm:ruleLst>
+                    </dgm:layoutNode>
+                  </dgm:forEach>
+                </dgm:layoutNode>
+              </dgm:if>
+              <dgm:else name="Name16"/>
+            </dgm:choose>
+          </dgm:layoutNode>
+        </dgm:if>
+        <dgm:else name="Name17">
+          <dgm:layoutNode name="arrowAndChildren">
+            <dgm:alg type="composite"/>
+            <dgm:shape xmlns:r="http://schemas.openxmlformats.org/officeDocument/2006/relationships" r:blip="">
+              <dgm:adjLst/>
+            </dgm:shape>
+            <dgm:presOf/>
+            <dgm:choose name="Name18">
+              <dgm:if name="Name19" axis="ch" ptType="node" func="cnt" op="gte" val="1">
+                <dgm:constrLst>
+                  <dgm:constr type="w" for="ch" forName="parentTextArrow" refType="w"/>
+                  <dgm:constr type="t" for="ch" forName="parentTextArrow"/>
+                  <dgm:constr type="h" for="ch" forName="parentTextArrow" refType="h" fact="0.351"/>
+                  <dgm:constr type="w" for="ch" forName="arrow" refType="w"/>
+                  <dgm:constr type="h" for="ch" forName="arrow" refType="h"/>
+                  <dgm:constr type="w" for="ch" forName="descendantArrow" refType="w"/>
+                  <dgm:constr type="b" for="ch" forName="descendantArrow" refType="h" fact="0.65"/>
+                  <dgm:constr type="h" for="ch" forName="descendantArrow" refType="h" fact="0.299"/>
+                </dgm:constrLst>
+              </dgm:if>
+              <dgm:else name="Name20">
+                <dgm:constrLst>
+                  <dgm:constr type="w" for="ch" forName="parentTextArrow" refType="w"/>
+                  <dgm:constr type="h" for="ch" forName="parentTextArrow" refType="h"/>
+                </dgm:constrLst>
+              </dgm:else>
+            </dgm:choose>
+            <dgm:ruleLst/>
+            <dgm:layoutNode name="parentTextArrow">
+              <dgm:alg type="tx"/>
+              <dgm:choose name="Name21">
+                <dgm:if name="Name22" axis="ch" ptType="node" func="cnt" op="gte" val="1">
+                  <dgm:shape xmlns:r="http://schemas.openxmlformats.org/officeDocument/2006/relationships" type="rect" r:blip="" zOrderOff="1" hideGeom="1">
+                    <dgm:adjLst/>
+                  </dgm:shape>
+                </dgm:if>
+                <dgm:else name="Name23">
+                  <dgm:shape xmlns:r="http://schemas.openxmlformats.org/officeDocument/2006/relationships" rot="180" type="upArrowCallout" r:blip="">
+                    <dgm:adjLst/>
+                  </dgm:shape>
+                </dgm:else>
+              </dgm:choose>
+              <dgm:presOf axis="self"/>
+              <dgm:constrLst/>
+              <dgm:ruleLst>
+                <dgm:rule type="primFontSz" val="5" fact="NaN" max="NaN"/>
+              </dgm:ruleLst>
+            </dgm:layoutNode>
+            <dgm:choose name="Name24">
+              <dgm:if name="Name25" axis="ch" ptType="node" func="cnt" op="gte" val="1">
+                <dgm:layoutNode name="arrow">
+                  <dgm:alg type="sp"/>
+                  <dgm:shape xmlns:r="http://schemas.openxmlformats.org/officeDocument/2006/relationships" rot="180" type="upArrowCallout" r:blip="">
+                    <dgm:adjLst/>
+                  </dgm:shape>
+                  <dgm:presOf axis="self"/>
+                  <dgm:constrLst/>
+                  <dgm:ruleLst/>
+                </dgm:layoutNode>
+                <dgm:layoutNode name="descendantArrow">
+                  <dgm:choose name="Name26">
+                    <dgm:if name="Name27" func="var" arg="dir" op="equ" val="norm">
+                      <dgm:alg type="lin"/>
+                    </dgm:if>
+                    <dgm:else name="Name28">
+                      <dgm:alg type="lin">
+                        <dgm:param type="linDir" val="fromR"/>
+                      </dgm:alg>
+                    </dgm:else>
+                  </dgm:choose>
+                  <dgm:shape xmlns:r="http://schemas.openxmlformats.org/officeDocument/2006/relationships" r:blip="">
+                    <dgm:adjLst/>
+                  </dgm:shape>
+                  <dgm:presOf/>
+                  <dgm:constrLst>
+                    <dgm:constr type="w" for="ch" forName="childTextArrow" refType="w"/>
+                    <dgm:constr type="h" for="ch" forName="childTextArrow" refType="h"/>
+                  </dgm:constrLst>
+                  <dgm:ruleLst/>
+                  <dgm:forEach name="Name29" axis="ch" ptType="node">
+                    <dgm:layoutNode name="childTextArrow" styleLbl="fgAccFollowNode1">
+                      <dgm:varLst>
+                        <dgm:bulletEnabled val="1"/>
+                      </dgm:varLst>
+                      <dgm:alg type="tx"/>
+                      <dgm:shape xmlns:r="http://schemas.openxmlformats.org/officeDocument/2006/relationships" type="rect" r:blip="">
+                        <dgm:adjLst/>
+                      </dgm:shape>
+                      <dgm:presOf axis="desOrSelf" ptType="node"/>
+                      <dgm:constrLst>
+                        <dgm:constr type="tMarg" refType="primFontSz" fact="0.1"/>
+                        <dgm:constr type="bMarg" refType="primFontSz" fact="0.1"/>
+                      </dgm:constrLst>
+                      <dgm:ruleLst>
+                        <dgm:rule type="primFontSz" val="5" fact="NaN" max="NaN"/>
+                      </dgm:ruleLst>
+                    </dgm:layoutNode>
+                  </dgm:forEach>
+                </dgm:layoutNode>
+              </dgm:if>
+              <dgm:else name="Name30"/>
+            </dgm:choose>
+          </dgm:layoutNode>
+        </dgm:else>
+      </dgm:choose>
+      <dgm:forEach name="Name31" axis="precedSib" ptType="sibTrans" st="-1" cnt="1">
+        <dgm:layoutNode name="sp">
+          <dgm:alg type="sp"/>
+          <dgm:shape xmlns:r="http://schemas.openxmlformats.org/officeDocument/2006/relationships" r:blip="">
+            <dgm:adjLst/>
+          </dgm:shape>
+          <dgm:presOf axis="self"/>
+          <dgm:constrLst/>
+          <dgm:ruleLst/>
+        </dgm:layoutNode>
+      </dgm:forEach>
+    </dgm:forEach>
+  </dgm:layoutNode>
+</dgm:layoutDef>
+</file>
+
+<file path=ppt/diagrams/quickStyle1.xml><?xml version="1.0" encoding="utf-8"?>
+<dgm:styleDef xmlns:dgm="http://schemas.openxmlformats.org/drawingml/2006/diagram" xmlns:a="http://schemas.openxmlformats.org/drawingml/2006/main" uniqueId="urn:microsoft.com/office/officeart/2005/8/quickstyle/simple2">
+  <dgm:title val=""/>
+  <dgm:desc val=""/>
+  <dgm:catLst>
+    <dgm:cat type="simple" pri="10200"/>
+  </dgm:catLst>
+  <dgm:scene3d>
+    <a:camera prst="orthographicFront"/>
+    <a:lightRig rig="threePt" dir="t"/>
+  </dgm:scene3d>
+  <dgm:styleLbl name="node0">
+    <dgm:scene3d>
+      <a:camera prst="orthographicFront"/>
+      <a:lightRig rig="threePt" dir="t"/>
+    </dgm:scene3d>
+    <dgm:sp3d/>
+    <dgm:txPr/>
+    <dgm:style>
+      <a:lnRef idx="3">
+        <a:scrgbClr r="0" g="0" b="0"/>
+      </a:lnRef>
+      <a:fillRef idx="1">
+        <a:scrgbClr r="0" g="0" b="0"/>
+      </a:fillRef>
+      <a:effectRef idx="1">
+        <a:scrgbClr r="0" g="0" b="0"/>
+      </a:effectRef>
+      <a:fontRef idx="minor">
+        <a:schemeClr val="lt1"/>
+      </a:fontRef>
+    </dgm:style>
+  </dgm:styleLbl>
+  <dgm:styleLbl name="lnNode1">
+    <dgm:scene3d>
+      <a:camera prst="orthographicFront"/>
+      <a:lightRig rig="threePt" dir="t"/>
+    </dgm:scene3d>
+    <dgm:sp3d/>
+    <dgm:txPr/>
+    <dgm:style>
+      <a:lnRef idx="3">
+        <a:scrgbClr r="0" g="0" b="0"/>
+      </a:lnRef>
+      <a:fillRef idx="1">
+        <a:scrgbClr r="0" g="0" b="0"/>
+      </a:fillRef>
+      <a:effectRef idx="1">
+        <a:scrgbClr r="0" g="0" b="0"/>
+      </a:effectRef>
+      <a:fontRef idx="minor">
+        <a:schemeClr val="lt1"/>
+      </a:fontRef>
+    </dgm:style>
+  </dgm:styleLbl>
+  <dgm:styleLbl name="vennNode1">
+    <dgm:scene3d>
+      <a:camera prst="orthographicFront"/>
+      <a:lightRig rig="threePt" dir="t"/>
+    </dgm:scene3d>
+    <dgm:sp3d/>
+    <dgm:txPr/>
+    <dgm:style>
+      <a:lnRef idx="3">
+        <a:scrgbClr r="0" g="0" b="0"/>
+      </a:lnRef>
+      <a:fillRef idx="1">
+        <a:scrgbClr r="0" g="0" b="0"/>
+      </a:fillRef>
+      <a:effectRef idx="0">
+        <a:scrgbClr r="0" g="0" b="0"/>
+      </a:effectRef>
+      <a:fontRef idx="minor">
+        <a:schemeClr val="tx1"/>
+      </a:fontRef>
+    </dgm:style>
+  </dgm:styleLbl>
+  <dgm:styleLbl name="alignNode1">
+    <dgm:scene3d>
+      <a:camera prst="orthographicFront"/>
+      <a:lightRig rig="threePt" dir="t"/>
+    </dgm:scene3d>
+    <dgm:sp3d/>
+    <dgm:txPr/>
+    <dgm:style>
+      <a:lnRef idx="2">
+        <a:scrgbClr r="0" g="0" b="0"/>
+      </a:lnRef>
+      <a:fillRef idx="1">
+        <a:scrgbClr r="0" g="0" b="0"/>
+      </a:fillRef>
+      <a:effectRef idx="1">
+        <a:scrgbClr r="0" g="0" b="0"/>
+      </a:effectRef>
+      <a:fontRef idx="minor">
+        <a:schemeClr val="lt1"/>
+      </a:fontRef>
+    </dgm:style>
+  </dgm:styleLbl>
+  <dgm:styleLbl name="node1">
+    <dgm:scene3d>
+      <a:camera prst="orthographicFront"/>
+      <a:lightRig rig="threePt" dir="t"/>
+    </dgm:scene3d>
+    <dgm:sp3d/>
+    <dgm:txPr/>
+    <dgm:style>
+      <a:lnRef idx="3">
+        <a:scrgbClr r="0" g="0" b="0"/>
+      </a:lnRef>
+      <a:fillRef idx="1">
+        <a:scrgbClr r="0" g="0" b="0"/>
+      </a:fillRef>
+      <a:effectRef idx="1">
+        <a:scrgbClr r="0" g="0" b="0"/>
+      </a:effectRef>
+      <a:fontRef idx="minor">
+        <a:schemeClr val="lt1"/>
+      </a:fontRef>
+    </dgm:style>
+  </dgm:styleLbl>
+  <dgm:styleLbl name="node2">
+    <dgm:scene3d>
+      <a:camera prst="orthographicFront"/>
+      <a:lightRig rig="threePt" dir="t"/>
+    </dgm:scene3d>
+    <dgm:sp3d/>
+    <dgm:txPr/>
+    <dgm:style>
+      <a:lnRef idx="3">
+        <a:scrgbClr r="0" g="0" b="0"/>
+      </a:lnRef>
+      <a:fillRef idx="1">
+        <a:scrgbClr r="0" g="0" b="0"/>
+      </a:fillRef>
+      <a:effectRef idx="1">
+        <a:scrgbClr r="0" g="0" b="0"/>
+      </a:effectRef>
+      <a:fontRef idx="minor">
+        <a:schemeClr val="lt1"/>
+      </a:fontRef>
+    </dgm:style>
+  </dgm:styleLbl>
+  <dgm:styleLbl name="node3">
+    <dgm:scene3d>
+      <a:camera prst="orthographicFront"/>
+      <a:lightRig rig="threePt" dir="t"/>
+    </dgm:scene3d>
+    <dgm:sp3d/>
+    <dgm:txPr/>
+    <dgm:style>
+      <a:lnRef idx="3">
+        <a:scrgbClr r="0" g="0" b="0"/>
+      </a:lnRef>
+      <a:fillRef idx="1">
+        <a:scrgbClr r="0" g="0" b="0"/>
+      </a:fillRef>
+      <a:effectRef idx="1">
+        <a:scrgbClr r="0" g="0" b="0"/>
+      </a:effectRef>
+      <a:fontRef idx="minor">
+        <a:schemeClr val="lt1"/>
+      </a:fontRef>
+    </dgm:style>
+  </dgm:styleLbl>
+  <dgm:styleLbl name="node4">
+    <dgm:scene3d>
+      <a:camera prst="orthographicFront"/>
+      <a:lightRig rig="threePt" dir="t"/>
+    </dgm:scene3d>
+    <dgm:sp3d/>
+    <dgm:txPr/>
+    <dgm:style>
+      <a:lnRef idx="3">
+        <a:scrgbClr r="0" g="0" b="0"/>
+      </a:lnRef>
+      <a:fillRef idx="1">
+        <a:scrgbClr r="0" g="0" b="0"/>
+      </a:fillRef>
+      <a:effectRef idx="1">
+        <a:scrgbClr r="0" g="0" b="0"/>
+      </a:effectRef>
+      <a:fontRef idx="minor">
+        <a:schemeClr val="lt1"/>
+      </a:fontRef>
+    </dgm:style>
+  </dgm:styleLbl>
+  <dgm:styleLbl name="fgImgPlace1">
+    <dgm:scene3d>
+      <a:camera prst="orthographicFront"/>
+      <a:lightRig rig="threePt" dir="t"/>
+    </dgm:scene3d>
+    <dgm:sp3d/>
+    <dgm:txPr/>
+    <dgm:style>
+      <a:lnRef idx="3">
+        <a:scrgbClr r="0" g="0" b="0"/>
+      </a:lnRef>
+      <a:fillRef idx="1">
+        <a:scrgbClr r="0" g="0" b="0"/>
+      </a:fillRef>
+      <a:effectRef idx="1">
+        <a:scrgbClr r="0" g="0" b="0"/>
+      </a:effectRef>
+      <a:fontRef idx="minor"/>
+    </dgm:style>
+  </dgm:styleLbl>
+  <dgm:styleLbl name="alignImgPlace1">
+    <dgm:scene3d>
+      <a:camera prst="orthographicFront"/>
+      <a:lightRig rig="threePt" dir="t"/>
+    </dgm:scene3d>
+    <dgm:sp3d/>
+    <dgm:txPr/>
+    <dgm:style>
+      <a:lnRef idx="3">
+        <a:scrgbClr r="0" g="0" b="0"/>
+      </a:lnRef>
+      <a:fillRef idx="1">
+        <a:scrgbClr r="0" g="0" b="0"/>
+      </a:fillRef>
+      <a:effectRef idx="1">
+        <a:scrgbClr r="0" g="0" b="0"/>
+      </a:effectRef>
+      <a:fontRef idx="minor"/>
+    </dgm:style>
+  </dgm:styleLbl>
+  <dgm:styleLbl name="bgImgPlace1">
+    <dgm:scene3d>
+      <a:camera prst="orthographicFront"/>
+      <a:lightRig rig="threePt" dir="t"/>
+    </dgm:scene3d>
+    <dgm:sp3d/>
+    <dgm:txPr/>
+    <dgm:style>
+      <a:lnRef idx="3">
+        <a:scrgbClr r="0" g="0" b="0"/>
+      </a:lnRef>
+      <a:fillRef idx="1">
+        <a:scrgbClr r="0" g="0" b="0"/>
+      </a:fillRef>
+      <a:effectRef idx="1">
+        <a:scrgbClr r="0" g="0" b="0"/>
+      </a:effectRef>
+      <a:fontRef idx="minor"/>
+    </dgm:style>
+  </dgm:styleLbl>
+  <dgm:styleLbl name="sibTrans2D1">
+    <dgm:scene3d>
+      <a:camera prst="orthographicFront"/>
+      <a:lightRig rig="threePt" dir="t"/>
+    </dgm:scene3d>
+    <dgm:sp3d/>
+    <dgm:txPr/>
+    <dgm:style>
+      <a:lnRef idx="0">
+        <a:scrgbClr r="0" g="0" b="0"/>
+      </a:lnRef>
+      <a:fillRef idx="1">
+        <a:scrgbClr r="0" g="0" b="0"/>
+      </a:fillRef>
+      <a:effectRef idx="1">
+        <a:scrgbClr r="0" g="0" b="0"/>
+      </a:effectRef>
+      <a:fontRef idx="minor">
+        <a:schemeClr val="lt1"/>
+      </a:fontRef>
+    </dgm:style>
+  </dgm:styleLbl>
+  <dgm:styleLbl name="fgSibTrans2D1">
+    <dgm:scene3d>
+      <a:camera prst="orthographicFront"/>
+      <a:lightRig rig="threePt" dir="t"/>
+    </dgm:scene3d>
+    <dgm:sp3d/>
+    <dgm:txPr/>
+    <dgm:style>
+      <a:lnRef idx="0">
+        <a:scrgbClr r="0" g="0" b="0"/>
+      </a:lnRef>
+      <a:fillRef idx="1">
+        <a:scrgbClr r="0" g="0" b="0"/>
+      </a:fillRef>
+      <a:effectRef idx="1">
+        <a:scrgbClr r="0" g="0" b="0"/>
+      </a:effectRef>
+      <a:fontRef idx="minor">
+        <a:schemeClr val="lt1"/>
+      </a:fontRef>
+    </dgm:style>
+  </dgm:styleLbl>
+  <dgm:styleLbl name="bgSibTrans2D1">
+    <dgm:scene3d>
+      <a:camera prst="orthographicFront"/>
+      <a:lightRig rig="threePt" dir="t"/>
+    </dgm:scene3d>
+    <dgm:sp3d/>
+    <dgm:txPr/>
+    <dgm:style>
+      <a:lnRef idx="0">
+        <a:scrgbClr r="0" g="0" b="0"/>
+      </a:lnRef>
+      <a:fillRef idx="1">
+        <a:scrgbClr r="0" g="0" b="0"/>
+      </a:fillRef>
+      <a:effectRef idx="1">
+        <a:scrgbClr r="0" g="0" b="0"/>
+      </a:effectRef>
+      <a:fontRef idx="minor">
+        <a:schemeClr val="lt1"/>
+      </a:fontRef>
+    </dgm:style>
+  </dgm:styleLbl>
+  <dgm:styleLbl name="sibTrans1D1">
+    <dgm:scene3d>
+      <a:camera prst="orthographicFront"/>
+      <a:lightRig rig="threePt" dir="t"/>
+    </dgm:scene3d>
+    <dgm:sp3d/>
+    <dgm:txPr/>
+    <dgm:style>
+      <a:lnRef idx="1">
+        <a:scrgbClr r="0" g="0" b="0"/>
+      </a:lnRef>
+      <a:fillRef idx="0">
+        <a:scrgbClr r="0" g="0" b="0"/>
+      </a:fillRef>
+      <a:effectRef idx="0">
+        <a:scrgbClr r="0" g="0" b="0"/>
+      </a:effectRef>
+      <a:fontRef idx="minor"/>
+    </dgm:style>
+  </dgm:styleLbl>
+  <dgm:styleLbl name="callout">
+    <dgm:scene3d>
+      <a:camera prst="orthographicFront"/>
+      <a:lightRig rig="threePt" dir="t"/>
+    </dgm:scene3d>
+    <dgm:sp3d/>
+    <dgm:txPr/>
+    <dgm:style>
+      <a:lnRef idx="2">
+        <a:scrgbClr r="0" g="0" b="0"/>
+      </a:lnRef>
+      <a:fillRef idx="1">
+        <a:scrgbClr r="0" g="0" b="0"/>
+      </a:fillRef>
+      <a:effectRef idx="1">
+        <a:scrgbClr r="0" g="0" b="0"/>
+      </a:effectRef>
+      <a:fontRef idx="minor"/>
+    </dgm:style>
+  </dgm:styleLbl>
+  <dgm:styleLbl name="asst0">
+    <dgm:scene3d>
+      <a:camera prst="orthographicFront"/>
+      <a:lightRig rig="threePt" dir="t"/>
+    </dgm:scene3d>
+    <dgm:sp3d/>
+    <dgm:txPr/>
+    <dgm:style>
+      <a:lnRef idx="3">
+        <a:scrgbClr r="0" g="0" b="0"/>
+      </a:lnRef>
+      <a:fillRef idx="1">
+        <a:scrgbClr r="0" g="0" b="0"/>
+      </a:fillRef>
+      <a:effectRef idx="1">
+        <a:scrgbClr r="0" g="0" b="0"/>
+      </a:effectRef>
+      <a:fontRef idx="minor">
+        <a:schemeClr val="lt1"/>
+      </a:fontRef>
+    </dgm:style>
+  </dgm:styleLbl>
+  <dgm:styleLbl name="asst1">
+    <dgm:scene3d>
+      <a:camera prst="orthographicFront"/>
+      <a:lightRig rig="threePt" dir="t"/>
+    </dgm:scene3d>
+    <dgm:sp3d/>
+    <dgm:txPr/>
+    <dgm:style>
+      <a:lnRef idx="3">
+        <a:scrgbClr r="0" g="0" b="0"/>
+      </a:lnRef>
+      <a:fillRef idx="1">
+        <a:scrgbClr r="0" g="0" b="0"/>
+      </a:fillRef>
+      <a:effectRef idx="1">
+        <a:scrgbClr r="0" g="0" b="0"/>
+      </a:effectRef>
+      <a:fontRef idx="minor">
+        <a:schemeClr val="lt1"/>
+      </a:fontRef>
+    </dgm:style>
+  </dgm:styleLbl>
+  <dgm:styleLbl name="asst2">
+    <dgm:scene3d>
+      <a:camera prst="orthographicFront"/>
+      <a:lightRig rig="threePt" dir="t"/>
+    </dgm:scene3d>
+    <dgm:sp3d/>
+    <dgm:txPr/>
+    <dgm:style>
+      <a:lnRef idx="3">
+        <a:scrgbClr r="0" g="0" b="0"/>
+      </a:lnRef>
+      <a:fillRef idx="1">
+        <a:scrgbClr r="0" g="0" b="0"/>
+      </a:fillRef>
+      <a:effectRef idx="1">
+        <a:scrgbClr r="0" g="0" b="0"/>
+      </a:effectRef>
+      <a:fontRef idx="minor">
+        <a:schemeClr val="lt1"/>
+      </a:fontRef>
+    </dgm:style>
+  </dgm:styleLbl>
+  <dgm:styleLbl name="asst3">
+    <dgm:scene3d>
+      <a:camera prst="orthographicFront"/>
+      <a:lightRig rig="threePt" dir="t"/>
+    </dgm:scene3d>
+    <dgm:sp3d/>
+    <dgm:txPr/>
+    <dgm:style>
+      <a:lnRef idx="3">
+        <a:scrgbClr r="0" g="0" b="0"/>
+      </a:lnRef>
+      <a:fillRef idx="1">
+        <a:scrgbClr r="0" g="0" b="0"/>
+      </a:fillRef>
+      <a:effectRef idx="1">
+        <a:scrgbClr r="0" g="0" b="0"/>
+      </a:effectRef>
+      <a:fontRef idx="minor">
+        <a:schemeClr val="lt1"/>
+      </a:fontRef>
+    </dgm:style>
+  </dgm:styleLbl>
+  <dgm:styleLbl name="asst4">
+    <dgm:scene3d>
+      <a:camera prst="orthographicFront"/>
+      <a:lightRig rig="threePt" dir="t"/>
+    </dgm:scene3d>
+    <dgm:sp3d/>
+    <dgm:txPr/>
+    <dgm:style>
+      <a:lnRef idx="3">
+        <a:scrgbClr r="0" g="0" b="0"/>
+      </a:lnRef>
+      <a:fillRef idx="1">
+        <a:scrgbClr r="0" g="0" b="0"/>
+      </a:fillRef>
+      <a:effectRef idx="1">
+        <a:scrgbClr r="0" g="0" b="0"/>
+      </a:effectRef>
+      <a:fontRef idx="minor">
+        <a:schemeClr val="lt1"/>
+      </a:fontRef>
+    </dgm:style>
+  </dgm:styleLbl>
+  <dgm:styleLbl name="parChTrans2D1">
+    <dgm:scene3d>
+      <a:camera prst="orthographicFront"/>
+      <a:lightRig rig="threePt" dir="t"/>
+    </dgm:scene3d>
+    <dgm:sp3d/>
+    <dgm:txPr/>
+    <dgm:style>
+      <a:lnRef idx="3">
+        <a:scrgbClr r="0" g="0" b="0"/>
+      </a:lnRef>
+      <a:fillRef idx="1">
+        <a:scrgbClr r="0" g="0" b="0"/>
+      </a:fillRef>
+      <a:effectRef idx="1">
+        <a:scrgbClr r="0" g="0" b="0"/>
+      </a:effectRef>
+      <a:fontRef idx="minor">
+        <a:schemeClr val="lt1"/>
+      </a:fontRef>
+    </dgm:style>
+  </dgm:styleLbl>
+  <dgm:styleLbl name="parChTrans2D2">
+    <dgm:scene3d>
+      <a:camera prst="orthographicFront"/>
+      <a:lightRig rig="threePt" dir="t"/>
+    </dgm:scene3d>
+    <dgm:sp3d/>
+    <dgm:txPr/>
+    <dgm:style>
+      <a:lnRef idx="3">
+        <a:scrgbClr r="0" g="0" b="0"/>
+      </a:lnRef>
+      <a:fillRef idx="1">
+        <a:scrgbClr r="0" g="0" b="0"/>
+      </a:fillRef>
+      <a:effectRef idx="1">
+        <a:scrgbClr r="0" g="0" b="0"/>
+      </a:effectRef>
+      <a:fontRef idx="minor">
+        <a:schemeClr val="lt1"/>
+      </a:fontRef>
+    </dgm:style>
+  </dgm:styleLbl>
+  <dgm:styleLbl name="parChTrans2D3">
+    <dgm:scene3d>
+      <a:camera prst="orthographicFront"/>
+      <a:lightRig rig="threePt" dir="t"/>
+    </dgm:scene3d>
+    <dgm:sp3d/>
+    <dgm:txPr/>
+    <dgm:style>
+      <a:lnRef idx="3">
+        <a:scrgbClr r="0" g="0" b="0"/>
+      </a:lnRef>
+      <a:fillRef idx="1">
+        <a:scrgbClr r="0" g="0" b="0"/>
+      </a:fillRef>
+      <a:effectRef idx="1">
+        <a:scrgbClr r="0" g="0" b="0"/>
+      </a:effectRef>
+      <a:fontRef idx="minor">
+        <a:schemeClr val="lt1"/>
+      </a:fontRef>
+    </dgm:style>
+  </dgm:styleLbl>
+  <dgm:styleLbl name="parChTrans2D4">
+    <dgm:scene3d>
+      <a:camera prst="orthographicFront"/>
+      <a:lightRig rig="threePt" dir="t"/>
+    </dgm:scene3d>
+    <dgm:sp3d/>
+    <dgm:txPr/>
+    <dgm:style>
+      <a:lnRef idx="3">
+        <a:scrgbClr r="0" g="0" b="0"/>
+      </a:lnRef>
+      <a:fillRef idx="1">
+        <a:scrgbClr r="0" g="0" b="0"/>
+      </a:fillRef>
+      <a:effectRef idx="1">
+        <a:scrgbClr r="0" g="0" b="0"/>
+      </a:effectRef>
+      <a:fontRef idx="minor">
+        <a:schemeClr val="lt1"/>
+      </a:fontRef>
+    </dgm:style>
+  </dgm:styleLbl>
+  <dgm:styleLbl name="parChTrans1D1">
+    <dgm:scene3d>
+      <a:camera prst="orthographicFront"/>
+      <a:lightRig rig="threePt" dir="t"/>
+    </dgm:scene3d>
+    <dgm:sp3d/>
+    <dgm:txPr/>
+    <dgm:style>
+      <a:lnRef idx="2">
+        <a:scrgbClr r="0" g="0" b="0"/>
+      </a:lnRef>
+      <a:fillRef idx="0">
+        <a:scrgbClr r="0" g="0" b="0"/>
+      </a:fillRef>
+      <a:effectRef idx="0">
+        <a:scrgbClr r="0" g="0" b="0"/>
+      </a:effectRef>
+      <a:fontRef idx="minor"/>
+    </dgm:style>
+  </dgm:styleLbl>
+  <dgm:styleLbl name="parChTrans1D2">
+    <dgm:scene3d>
+      <a:camera prst="orthographicFront"/>
+      <a:lightRig rig="threePt" dir="t"/>
+    </dgm:scene3d>
+    <dgm:sp3d/>
+    <dgm:txPr/>
+    <dgm:style>
+      <a:lnRef idx="2">
+        <a:scrgbClr r="0" g="0" b="0"/>
+      </a:lnRef>
+      <a:fillRef idx="0">
+        <a:scrgbClr r="0" g="0" b="0"/>
+      </a:fillRef>
+      <a:effectRef idx="0">
+        <a:scrgbClr r="0" g="0" b="0"/>
+      </a:effectRef>
+      <a:fontRef idx="minor"/>
+    </dgm:style>
+  </dgm:styleLbl>
+  <dgm:styleLbl name="parChTrans1D3">
+    <dgm:scene3d>
+      <a:camera prst="orthographicFront"/>
+      <a:lightRig rig="threePt" dir="t"/>
+    </dgm:scene3d>
+    <dgm:sp3d/>
+    <dgm:txPr/>
+    <dgm:style>
+      <a:lnRef idx="2">
+        <a:scrgbClr r="0" g="0" b="0"/>
+      </a:lnRef>
+      <a:fillRef idx="0">
+        <a:scrgbClr r="0" g="0" b="0"/>
+      </a:fillRef>
+      <a:effectRef idx="0">
+        <a:scrgbClr r="0" g="0" b="0"/>
+      </a:effectRef>
+      <a:fontRef idx="minor"/>
+    </dgm:style>
+  </dgm:styleLbl>
+  <dgm:styleLbl name="parChTrans1D4">
+    <dgm:scene3d>
+      <a:camera prst="orthographicFront"/>
+      <a:lightRig rig="threePt" dir="t"/>
+    </dgm:scene3d>
+    <dgm:sp3d/>
+    <dgm:txPr/>
+    <dgm:style>
+      <a:lnRef idx="2">
+        <a:scrgbClr r="0" g="0" b="0"/>
+      </a:lnRef>
+      <a:fillRef idx="0">
+        <a:scrgbClr r="0" g="0" b="0"/>
+      </a:fillRef>
+      <a:effectRef idx="0">
+        <a:scrgbClr r="0" g="0" b="0"/>
+      </a:effectRef>
+      <a:fontRef idx="minor"/>
+    </dgm:style>
+  </dgm:styleLbl>
+  <dgm:styleLbl name="fgAcc1">
+    <dgm:scene3d>
+      <a:camera prst="orthographicFront"/>
+      <a:lightRig rig="threePt" dir="t"/>
+    </dgm:scene3d>
+    <dgm:sp3d/>
+    <dgm:txPr/>
+    <dgm:style>
+      <a:lnRef idx="2">
+        <a:scrgbClr r="0" g="0" b="0"/>
+      </a:lnRef>
+      <a:fillRef idx="1">
+        <a:scrgbClr r="0" g="0" b="0"/>
+      </a:fillRef>
+      <a:effectRef idx="0">
+        <a:scrgbClr r="0" g="0" b="0"/>
+      </a:effectRef>
+      <a:fontRef idx="minor"/>
+    </dgm:style>
+  </dgm:styleLbl>
+  <dgm:styleLbl name="conFgAcc1">
+    <dgm:scene3d>
+      <a:camera prst="orthographicFront"/>
+      <a:lightRig rig="threePt" dir="t"/>
+    </dgm:scene3d>
+    <dgm:sp3d/>
+    <dgm:txPr/>
+    <dgm:style>
+      <a:lnRef idx="2">
+        <a:scrgbClr r="0" g="0" b="0"/>
+      </a:lnRef>
+      <a:fillRef idx="1">
+        <a:scrgbClr r="0" g="0" b="0"/>
+      </a:fillRef>
+      <a:effectRef idx="0">
+        <a:scrgbClr r="0" g="0" b="0"/>
+      </a:effectRef>
+      <a:fontRef idx="minor"/>
+    </dgm:style>
+  </dgm:styleLbl>
+  <dgm:styleLbl name="alignAcc1">
+    <dgm:scene3d>
+      <a:camera prst="orthographicFront"/>
+      <a:lightRig rig="threePt" dir="t"/>
+    </dgm:scene3d>
+    <dgm:sp3d/>
+    <dgm:txPr/>
+    <dgm:style>
+      <a:lnRef idx="2">
+        <a:scrgbClr r="0" g="0" b="0"/>
+      </a:lnRef>
+      <a:fillRef idx="1">
+        <a:scrgbClr r="0" g="0" b="0"/>
+      </a:fillRef>
+      <a:effectRef idx="0">
+        <a:scrgbClr r="0" g="0" b="0"/>
+      </a:effectRef>
+      <a:fontRef idx="minor"/>
+    </dgm:style>
+  </dgm:styleLbl>
+  <dgm:styleLbl name="trAlignAcc1">
+    <dgm:scene3d>
+      <a:camera prst="orthographicFront"/>
+      <a:lightRig rig="threePt" dir="t"/>
+    </dgm:scene3d>
+    <dgm:sp3d/>
+    <dgm:txPr/>
+    <dgm:style>
+      <a:lnRef idx="1">
+        <a:scrgbClr r="0" g="0" b="0"/>
+      </a:lnRef>
+      <a:fillRef idx="1">
+        <a:scrgbClr r="0" g="0" b="0"/>
+      </a:fillRef>
+      <a:effectRef idx="0">
+        <a:scrgbClr r="0" g="0" b="0"/>
+      </a:effectRef>
+      <a:fontRef idx="minor"/>
+    </dgm:style>
+  </dgm:styleLbl>
+  <dgm:styleLbl name="bgAcc1">
+    <dgm:scene3d>
+      <a:camera prst="orthographicFront"/>
+      <a:lightRig rig="threePt" dir="t"/>
+    </dgm:scene3d>
+    <dgm:sp3d/>
+    <dgm:txPr/>
+    <dgm:style>
+      <a:lnRef idx="2">
+        <a:scrgbClr r="0" g="0" b="0"/>
+      </a:lnRef>
+      <a:fillRef idx="1">
+        <a:scrgbClr r="0" g="0" b="0"/>
+      </a:fillRef>
+      <a:effectRef idx="0">
+        <a:scrgbClr r="0" g="0" b="0"/>
+      </a:effectRef>
+      <a:fontRef idx="minor"/>
+    </dgm:style>
+  </dgm:styleLbl>
+  <dgm:styleLbl name="solidFgAcc1">
+    <dgm:scene3d>
+      <a:camera prst="orthographicFront"/>
+      <a:lightRig rig="threePt" dir="t"/>
+    </dgm:scene3d>
+    <dgm:sp3d/>
+    <dgm:txPr/>
+    <dgm:style>
+      <a:lnRef idx="2">
+        <a:scrgbClr r="0" g="0" b="0"/>
+      </a:lnRef>
+      <a:fillRef idx="1">
+        <a:scrgbClr r="0" g="0" b="0"/>
+      </a:fillRef>
+      <a:effectRef idx="0">
+        <a:scrgbClr r="0" g="0" b="0"/>
+      </a:effectRef>
+      <a:fontRef idx="minor"/>
+    </dgm:style>
+  </dgm:styleLbl>
+  <dgm:styleLbl name="solidAlignAcc1">
+    <dgm:scene3d>
+      <a:camera prst="orthographicFront"/>
+      <a:lightRig rig="threePt" dir="t"/>
+    </dgm:scene3d>
+    <dgm:sp3d/>
+    <dgm:txPr/>
+    <dgm:style>
+      <a:lnRef idx="2">
+        <a:scrgbClr r="0" g="0" b="0"/>
+      </a:lnRef>
+      <a:fillRef idx="1">
+        <a:scrgbClr r="0" g="0" b="0"/>
+      </a:fillRef>
+      <a:effectRef idx="0">
+        <a:scrgbClr r="0" g="0" b="0"/>
+      </a:effectRef>
+      <a:fontRef idx="minor"/>
+    </dgm:style>
+  </dgm:styleLbl>
+  <dgm:styleLbl name="solidBgAcc1">
+    <dgm:scene3d>
+      <a:camera prst="orthographicFront"/>
+      <a:lightRig rig="threePt" dir="t"/>
+    </dgm:scene3d>
+    <dgm:sp3d/>
+    <dgm:txPr/>
+    <dgm:style>
+      <a:lnRef idx="2">
+        <a:scrgbClr r="0" g="0" b="0"/>
+      </a:lnRef>
+      <a:fillRef idx="1">
+        <a:scrgbClr r="0" g="0" b="0"/>
+      </a:fillRef>
+      <a:effectRef idx="0">
+        <a:scrgbClr r="0" g="0" b="0"/>
+      </a:effectRef>
+      <a:fontRef idx="minor"/>
+    </dgm:style>
+  </dgm:styleLbl>
+  <dgm:styleLbl name="fgAccFollowNode1">
+    <dgm:scene3d>
+      <a:camera prst="orthographicFront"/>
+      <a:lightRig rig="threePt" dir="t"/>
+    </dgm:scene3d>
+    <dgm:sp3d/>
+    <dgm:txPr/>
+    <dgm:style>
+      <a:lnRef idx="2">
+        <a:scrgbClr r="0" g="0" b="0"/>
+      </a:lnRef>
+      <a:fillRef idx="1">
+        <a:scrgbClr r="0" g="0" b="0"/>
+      </a:fillRef>
+      <a:effectRef idx="0">
+        <a:scrgbClr r="0" g="0" b="0"/>
+      </a:effectRef>
+      <a:fontRef idx="minor"/>
+    </dgm:style>
+  </dgm:styleLbl>
+  <dgm:styleLbl name="alignAccFollowNode1">
+    <dgm:scene3d>
+      <a:camera prst="orthographicFront"/>
+      <a:lightRig rig="threePt" dir="t"/>
+    </dgm:scene3d>
+    <dgm:sp3d/>
+    <dgm:txPr/>
+    <dgm:style>
+      <a:lnRef idx="2">
+        <a:scrgbClr r="0" g="0" b="0"/>
+      </a:lnRef>
+      <a:fillRef idx="1">
+        <a:scrgbClr r="0" g="0" b="0"/>
+      </a:fillRef>
+      <a:effectRef idx="0">
+        <a:scrgbClr r="0" g="0" b="0"/>
+      </a:effectRef>
+      <a:fontRef idx="minor"/>
+    </dgm:style>
+  </dgm:styleLbl>
+  <dgm:styleLbl name="bgAccFollowNode1">
+    <dgm:scene3d>
+      <a:camera prst="orthographicFront"/>
+      <a:lightRig rig="threePt" dir="t"/>
+    </dgm:scene3d>
+    <dgm:sp3d/>
+    <dgm:txPr/>
+    <dgm:style>
+      <a:lnRef idx="2">
+        <a:scrgbClr r="0" g="0" b="0"/>
+      </a:lnRef>
+      <a:fillRef idx="1">
+        <a:scrgbClr r="0" g="0" b="0"/>
+      </a:fillRef>
+      <a:effectRef idx="0">
+        <a:scrgbClr r="0" g="0" b="0"/>
+      </a:effectRef>
+      <a:fontRef idx="minor"/>
+    </dgm:style>
+  </dgm:styleLbl>
+  <dgm:styleLbl name="fgAcc0">
+    <dgm:scene3d>
+      <a:camera prst="orthographicFront"/>
+      <a:lightRig rig="threePt" dir="t"/>
+    </dgm:scene3d>
+    <dgm:sp3d/>
+    <dgm:txPr/>
+    <dgm:style>
+      <a:lnRef idx="2">
+        <a:scrgbClr r="0" g="0" b="0"/>
+      </a:lnRef>
+      <a:fillRef idx="1">
+        <a:scrgbClr r="0" g="0" b="0"/>
+      </a:fillRef>
+      <a:effectRef idx="0">
+        <a:scrgbClr r="0" g="0" b="0"/>
+      </a:effectRef>
+      <a:fontRef idx="minor"/>
+    </dgm:style>
+  </dgm:styleLbl>
+  <dgm:styleLbl name="fgAcc2">
+    <dgm:scene3d>
+      <a:camera prst="orthographicFront"/>
+      <a:lightRig rig="threePt" dir="t"/>
+    </dgm:scene3d>
+    <dgm:sp3d/>
+    <dgm:txPr/>
+    <dgm:style>
+      <a:lnRef idx="2">
+        <a:scrgbClr r="0" g="0" b="0"/>
+      </a:lnRef>
+      <a:fillRef idx="1">
+        <a:scrgbClr r="0" g="0" b="0"/>
+      </a:fillRef>
+      <a:effectRef idx="0">
+        <a:scrgbClr r="0" g="0" b="0"/>
+      </a:effectRef>
+      <a:fontRef idx="minor"/>
+    </dgm:style>
+  </dgm:styleLbl>
+  <dgm:styleLbl name="fgAcc3">
+    <dgm:scene3d>
+      <a:camera prst="orthographicFront"/>
+      <a:lightRig rig="threePt" dir="t"/>
+    </dgm:scene3d>
+    <dgm:sp3d/>
+    <dgm:txPr/>
+    <dgm:style>
+      <a:lnRef idx="2">
+        <a:scrgbClr r="0" g="0" b="0"/>
+      </a:lnRef>
+      <a:fillRef idx="1">
+        <a:scrgbClr r="0" g="0" b="0"/>
+      </a:fillRef>
+      <a:effectRef idx="0">
+        <a:scrgbClr r="0" g="0" b="0"/>
+      </a:effectRef>
+      <a:fontRef idx="minor"/>
+    </dgm:style>
+  </dgm:styleLbl>
+  <dgm:styleLbl name="fgAcc4">
+    <dgm:scene3d>
+      <a:camera prst="orthographicFront"/>
+      <a:lightRig rig="threePt" dir="t"/>
+    </dgm:scene3d>
+    <dgm:sp3d/>
+    <dgm:txPr/>
+    <dgm:style>
+      <a:lnRef idx="2">
+        <a:scrgbClr r="0" g="0" b="0"/>
+      </a:lnRef>
+      <a:fillRef idx="1">
+        <a:scrgbClr r="0" g="0" b="0"/>
+      </a:fillRef>
+      <a:effectRef idx="0">
+        <a:scrgbClr r="0" g="0" b="0"/>
+      </a:effectRef>
+      <a:fontRef idx="minor"/>
+    </dgm:style>
+  </dgm:styleLbl>
+  <dgm:styleLbl name="bgShp">
+    <dgm:scene3d>
+      <a:camera prst="orthographicFront"/>
+      <a:lightRig rig="threePt" dir="t"/>
+    </dgm:scene3d>
+    <dgm:sp3d/>
+    <dgm:txPr/>
+    <dgm:style>
+      <a:lnRef idx="0">
+        <a:scrgbClr r="0" g="0" b="0"/>
+      </a:lnRef>
+      <a:fillRef idx="1">
+        <a:scrgbClr r="0" g="0" b="0"/>
+      </a:fillRef>
+      <a:effectRef idx="0">
+        <a:scrgbClr r="0" g="0" b="0"/>
+      </a:effectRef>
+      <a:fontRef idx="minor"/>
+    </dgm:style>
+  </dgm:styleLbl>
+  <dgm:styleLbl name="dkBgShp">
+    <dgm:scene3d>
+      <a:camera prst="orthographicFront"/>
+      <a:lightRig rig="threePt" dir="t"/>
+    </dgm:scene3d>
+    <dgm:sp3d/>
+    <dgm:txPr/>
+    <dgm:style>
+      <a:lnRef idx="0">
+        <a:scrgbClr r="0" g="0" b="0"/>
+      </a:lnRef>
+      <a:fillRef idx="1">
+        <a:scrgbClr r="0" g="0" b="0"/>
+      </a:fillRef>
+      <a:effectRef idx="0">
+        <a:scrgbClr r="0" g="0" b="0"/>
+      </a:effectRef>
+      <a:fontRef idx="minor"/>
+    </dgm:style>
+  </dgm:styleLbl>
+  <dgm:styleLbl name="trBgShp">
+    <dgm:scene3d>
+      <a:camera prst="orthographicFront"/>
+      <a:lightRig rig="threePt" dir="t"/>
+    </dgm:scene3d>
+    <dgm:sp3d/>
+    <dgm:txPr/>
+    <dgm:style>
+      <a:lnRef idx="0">
+        <a:scrgbClr r="0" g="0" b="0"/>
+      </a:lnRef>
+      <a:fillRef idx="1">
+        <a:scrgbClr r="0" g="0" b="0"/>
+      </a:fillRef>
+      <a:effectRef idx="0">
+        <a:scrgbClr r="0" g="0" b="0"/>
+      </a:effectRef>
+      <a:fontRef idx="minor"/>
+    </dgm:style>
+  </dgm:styleLbl>
+  <dgm:styleLbl name="fgShp">
+    <dgm:scene3d>
+      <a:camera prst="orthographicFront"/>
+      <a:lightRig rig="threePt" dir="t"/>
+    </dgm:scene3d>
+    <dgm:sp3d/>
+    <dgm:txPr/>
+    <dgm:style>
+      <a:lnRef idx="3">
+        <a:scrgbClr r="0" g="0" b="0"/>
+      </a:lnRef>
+      <a:fillRef idx="1">
+        <a:scrgbClr r="0" g="0" b="0"/>
+      </a:fillRef>
+      <a:effectRef idx="1">
+        <a:scrgbClr r="0" g="0" b="0"/>
+      </a:effectRef>
+      <a:fontRef idx="minor"/>
+    </dgm:style>
+  </dgm:styleLbl>
+  <dgm:styleLbl name="revTx">
+    <dgm:scene3d>
+      <a:camera prst="orthographicFront"/>
+      <a:lightRig rig="threePt" dir="t"/>
+    </dgm:scene3d>
+    <dgm:sp3d/>
+    <dgm:txPr/>
+    <dgm:style>
+      <a:lnRef idx="0">
+        <a:scrgbClr r="0" g="0" b="0"/>
+      </a:lnRef>
+      <a:fillRef idx="0">
+        <a:scrgbClr r="0" g="0" b="0"/>
+      </a:fillRef>
+      <a:effectRef idx="0">
+        <a:scrgbClr r="0" g="0" b="0"/>
+      </a:effectRef>
+      <a:fontRef idx="minor"/>
+    </dgm:style>
+  </dgm:styleLbl>
+</dgm:styleDef>
+</file>
+
+<file path=ppt/diagrams/quickStyle2.xml><?xml version="1.0" encoding="utf-8"?>
+<dgm:styleDef xmlns:dgm="http://schemas.openxmlformats.org/drawingml/2006/diagram" xmlns:a="http://schemas.openxmlformats.org/drawingml/2006/main" uniqueId="urn:microsoft.com/office/officeart/2005/8/quickstyle/simple2">
+  <dgm:title val=""/>
+  <dgm:desc val=""/>
+  <dgm:catLst>
+    <dgm:cat type="simple" pri="10200"/>
+  </dgm:catLst>
+  <dgm:scene3d>
+    <a:camera prst="orthographicFront"/>
+    <a:lightRig rig="threePt" dir="t"/>
+  </dgm:scene3d>
+  <dgm:styleLbl name="node0">
+    <dgm:scene3d>
+      <a:camera prst="orthographicFront"/>
+      <a:lightRig rig="threePt" dir="t"/>
+    </dgm:scene3d>
+    <dgm:sp3d/>
+    <dgm:txPr/>
+    <dgm:style>
+      <a:lnRef idx="3">
+        <a:scrgbClr r="0" g="0" b="0"/>
+      </a:lnRef>
+      <a:fillRef idx="1">
+        <a:scrgbClr r="0" g="0" b="0"/>
+      </a:fillRef>
+      <a:effectRef idx="1">
+        <a:scrgbClr r="0" g="0" b="0"/>
+      </a:effectRef>
+      <a:fontRef idx="minor">
+        <a:schemeClr val="lt1"/>
+      </a:fontRef>
+    </dgm:style>
+  </dgm:styleLbl>
+  <dgm:styleLbl name="lnNode1">
+    <dgm:scene3d>
+      <a:camera prst="orthographicFront"/>
+      <a:lightRig rig="threePt" dir="t"/>
+    </dgm:scene3d>
+    <dgm:sp3d/>
+    <dgm:txPr/>
+    <dgm:style>
+      <a:lnRef idx="3">
+        <a:scrgbClr r="0" g="0" b="0"/>
+      </a:lnRef>
+      <a:fillRef idx="1">
+        <a:scrgbClr r="0" g="0" b="0"/>
+      </a:fillRef>
+      <a:effectRef idx="1">
+        <a:scrgbClr r="0" g="0" b="0"/>
+      </a:effectRef>
+      <a:fontRef idx="minor">
+        <a:schemeClr val="lt1"/>
+      </a:fontRef>
+    </dgm:style>
+  </dgm:styleLbl>
+  <dgm:styleLbl name="vennNode1">
+    <dgm:scene3d>
+      <a:camera prst="orthographicFront"/>
+      <a:lightRig rig="threePt" dir="t"/>
+    </dgm:scene3d>
+    <dgm:sp3d/>
+    <dgm:txPr/>
+    <dgm:style>
+      <a:lnRef idx="3">
+        <a:scrgbClr r="0" g="0" b="0"/>
+      </a:lnRef>
+      <a:fillRef idx="1">
+        <a:scrgbClr r="0" g="0" b="0"/>
+      </a:fillRef>
+      <a:effectRef idx="0">
+        <a:scrgbClr r="0" g="0" b="0"/>
+      </a:effectRef>
+      <a:fontRef idx="minor">
+        <a:schemeClr val="tx1"/>
+      </a:fontRef>
+    </dgm:style>
+  </dgm:styleLbl>
+  <dgm:styleLbl name="alignNode1">
+    <dgm:scene3d>
+      <a:camera prst="orthographicFront"/>
+      <a:lightRig rig="threePt" dir="t"/>
+    </dgm:scene3d>
+    <dgm:sp3d/>
+    <dgm:txPr/>
+    <dgm:style>
+      <a:lnRef idx="2">
+        <a:scrgbClr r="0" g="0" b="0"/>
+      </a:lnRef>
+      <a:fillRef idx="1">
+        <a:scrgbClr r="0" g="0" b="0"/>
+      </a:fillRef>
+      <a:effectRef idx="1">
+        <a:scrgbClr r="0" g="0" b="0"/>
+      </a:effectRef>
+      <a:fontRef idx="minor">
+        <a:schemeClr val="lt1"/>
+      </a:fontRef>
+    </dgm:style>
+  </dgm:styleLbl>
+  <dgm:styleLbl name="node1">
+    <dgm:scene3d>
+      <a:camera prst="orthographicFront"/>
+      <a:lightRig rig="threePt" dir="t"/>
+    </dgm:scene3d>
+    <dgm:sp3d/>
+    <dgm:txPr/>
+    <dgm:style>
+      <a:lnRef idx="3">
+        <a:scrgbClr r="0" g="0" b="0"/>
+      </a:lnRef>
+      <a:fillRef idx="1">
+        <a:scrgbClr r="0" g="0" b="0"/>
+      </a:fillRef>
+      <a:effectRef idx="1">
+        <a:scrgbClr r="0" g="0" b="0"/>
+      </a:effectRef>
+      <a:fontRef idx="minor">
+        <a:schemeClr val="lt1"/>
+      </a:fontRef>
+    </dgm:style>
+  </dgm:styleLbl>
+  <dgm:styleLbl name="node2">
+    <dgm:scene3d>
+      <a:camera prst="orthographicFront"/>
+      <a:lightRig rig="threePt" dir="t"/>
+    </dgm:scene3d>
+    <dgm:sp3d/>
+    <dgm:txPr/>
+    <dgm:style>
+      <a:lnRef idx="3">
+        <a:scrgbClr r="0" g="0" b="0"/>
+      </a:lnRef>
+      <a:fillRef idx="1">
+        <a:scrgbClr r="0" g="0" b="0"/>
+      </a:fillRef>
+      <a:effectRef idx="1">
+        <a:scrgbClr r="0" g="0" b="0"/>
+      </a:effectRef>
+      <a:fontRef idx="minor">
+        <a:schemeClr val="lt1"/>
+      </a:fontRef>
+    </dgm:style>
+  </dgm:styleLbl>
+  <dgm:styleLbl name="node3">
+    <dgm:scene3d>
+      <a:camera prst="orthographicFront"/>
+      <a:lightRig rig="threePt" dir="t"/>
+    </dgm:scene3d>
+    <dgm:sp3d/>
+    <dgm:txPr/>
+    <dgm:style>
+      <a:lnRef idx="3">
+        <a:scrgbClr r="0" g="0" b="0"/>
+      </a:lnRef>
+      <a:fillRef idx="1">
+        <a:scrgbClr r="0" g="0" b="0"/>
+      </a:fillRef>
+      <a:effectRef idx="1">
+        <a:scrgbClr r="0" g="0" b="0"/>
+      </a:effectRef>
+      <a:fontRef idx="minor">
+        <a:schemeClr val="lt1"/>
+      </a:fontRef>
+    </dgm:style>
+  </dgm:styleLbl>
+  <dgm:styleLbl name="node4">
+    <dgm:scene3d>
+      <a:camera prst="orthographicFront"/>
+      <a:lightRig rig="threePt" dir="t"/>
+    </dgm:scene3d>
+    <dgm:sp3d/>
+    <dgm:txPr/>
+    <dgm:style>
+      <a:lnRef idx="3">
+        <a:scrgbClr r="0" g="0" b="0"/>
+      </a:lnRef>
+      <a:fillRef idx="1">
+        <a:scrgbClr r="0" g="0" b="0"/>
+      </a:fillRef>
+      <a:effectRef idx="1">
+        <a:scrgbClr r="0" g="0" b="0"/>
+      </a:effectRef>
+      <a:fontRef idx="minor">
+        <a:schemeClr val="lt1"/>
+      </a:fontRef>
+    </dgm:style>
+  </dgm:styleLbl>
+  <dgm:styleLbl name="fgImgPlace1">
+    <dgm:scene3d>
+      <a:camera prst="orthographicFront"/>
+      <a:lightRig rig="threePt" dir="t"/>
+    </dgm:scene3d>
+    <dgm:sp3d/>
+    <dgm:txPr/>
+    <dgm:style>
+      <a:lnRef idx="3">
+        <a:scrgbClr r="0" g="0" b="0"/>
+      </a:lnRef>
+      <a:fillRef idx="1">
+        <a:scrgbClr r="0" g="0" b="0"/>
+      </a:fillRef>
+      <a:effectRef idx="1">
+        <a:scrgbClr r="0" g="0" b="0"/>
+      </a:effectRef>
+      <a:fontRef idx="minor"/>
+    </dgm:style>
+  </dgm:styleLbl>
+  <dgm:styleLbl name="alignImgPlace1">
+    <dgm:scene3d>
+      <a:camera prst="orthographicFront"/>
+      <a:lightRig rig="threePt" dir="t"/>
+    </dgm:scene3d>
+    <dgm:sp3d/>
+    <dgm:txPr/>
+    <dgm:style>
+      <a:lnRef idx="3">
+        <a:scrgbClr r="0" g="0" b="0"/>
+      </a:lnRef>
+      <a:fillRef idx="1">
+        <a:scrgbClr r="0" g="0" b="0"/>
+      </a:fillRef>
+      <a:effectRef idx="1">
+        <a:scrgbClr r="0" g="0" b="0"/>
+      </a:effectRef>
+      <a:fontRef idx="minor"/>
+    </dgm:style>
+  </dgm:styleLbl>
+  <dgm:styleLbl name="bgImgPlace1">
+    <dgm:scene3d>
+      <a:camera prst="orthographicFront"/>
+      <a:lightRig rig="threePt" dir="t"/>
+    </dgm:scene3d>
+    <dgm:sp3d/>
+    <dgm:txPr/>
+    <dgm:style>
+      <a:lnRef idx="3">
+        <a:scrgbClr r="0" g="0" b="0"/>
+      </a:lnRef>
+      <a:fillRef idx="1">
+        <a:scrgbClr r="0" g="0" b="0"/>
+      </a:fillRef>
+      <a:effectRef idx="1">
+        <a:scrgbClr r="0" g="0" b="0"/>
+      </a:effectRef>
+      <a:fontRef idx="minor"/>
+    </dgm:style>
+  </dgm:styleLbl>
+  <dgm:styleLbl name="sibTrans2D1">
+    <dgm:scene3d>
+      <a:camera prst="orthographicFront"/>
+      <a:lightRig rig="threePt" dir="t"/>
+    </dgm:scene3d>
+    <dgm:sp3d/>
+    <dgm:txPr/>
+    <dgm:style>
+      <a:lnRef idx="0">
+        <a:scrgbClr r="0" g="0" b="0"/>
+      </a:lnRef>
+      <a:fillRef idx="1">
+        <a:scrgbClr r="0" g="0" b="0"/>
+      </a:fillRef>
+      <a:effectRef idx="1">
+        <a:scrgbClr r="0" g="0" b="0"/>
+      </a:effectRef>
+      <a:fontRef idx="minor">
+        <a:schemeClr val="lt1"/>
+      </a:fontRef>
+    </dgm:style>
+  </dgm:styleLbl>
+  <dgm:styleLbl name="fgSibTrans2D1">
+    <dgm:scene3d>
+      <a:camera prst="orthographicFront"/>
+      <a:lightRig rig="threePt" dir="t"/>
+    </dgm:scene3d>
+    <dgm:sp3d/>
+    <dgm:txPr/>
+    <dgm:style>
+      <a:lnRef idx="0">
+        <a:scrgbClr r="0" g="0" b="0"/>
+      </a:lnRef>
+      <a:fillRef idx="1">
+        <a:scrgbClr r="0" g="0" b="0"/>
+      </a:fillRef>
+      <a:effectRef idx="1">
+        <a:scrgbClr r="0" g="0" b="0"/>
+      </a:effectRef>
+      <a:fontRef idx="minor">
+        <a:schemeClr val="lt1"/>
+      </a:fontRef>
+    </dgm:style>
+  </dgm:styleLbl>
+  <dgm:styleLbl name="bgSibTrans2D1">
+    <dgm:scene3d>
+      <a:camera prst="orthographicFront"/>
+      <a:lightRig rig="threePt" dir="t"/>
+    </dgm:scene3d>
+    <dgm:sp3d/>
+    <dgm:txPr/>
+    <dgm:style>
+      <a:lnRef idx="0">
+        <a:scrgbClr r="0" g="0" b="0"/>
+      </a:lnRef>
+      <a:fillRef idx="1">
+        <a:scrgbClr r="0" g="0" b="0"/>
+      </a:fillRef>
+      <a:effectRef idx="1">
+        <a:scrgbClr r="0" g="0" b="0"/>
+      </a:effectRef>
+      <a:fontRef idx="minor">
+        <a:schemeClr val="lt1"/>
+      </a:fontRef>
+    </dgm:style>
+  </dgm:styleLbl>
+  <dgm:styleLbl name="sibTrans1D1">
+    <dgm:scene3d>
+      <a:camera prst="orthographicFront"/>
+      <a:lightRig rig="threePt" dir="t"/>
+    </dgm:scene3d>
+    <dgm:sp3d/>
+    <dgm:txPr/>
+    <dgm:style>
+      <a:lnRef idx="1">
+        <a:scrgbClr r="0" g="0" b="0"/>
+      </a:lnRef>
+      <a:fillRef idx="0">
+        <a:scrgbClr r="0" g="0" b="0"/>
+      </a:fillRef>
+      <a:effectRef idx="0">
+        <a:scrgbClr r="0" g="0" b="0"/>
+      </a:effectRef>
+      <a:fontRef idx="minor"/>
+    </dgm:style>
+  </dgm:styleLbl>
+  <dgm:styleLbl name="callout">
+    <dgm:scene3d>
+      <a:camera prst="orthographicFront"/>
+      <a:lightRig rig="threePt" dir="t"/>
+    </dgm:scene3d>
+    <dgm:sp3d/>
+    <dgm:txPr/>
+    <dgm:style>
+      <a:lnRef idx="2">
+        <a:scrgbClr r="0" g="0" b="0"/>
+      </a:lnRef>
+      <a:fillRef idx="1">
+        <a:scrgbClr r="0" g="0" b="0"/>
+      </a:fillRef>
+      <a:effectRef idx="1">
+        <a:scrgbClr r="0" g="0" b="0"/>
+      </a:effectRef>
+      <a:fontRef idx="minor"/>
+    </dgm:style>
+  </dgm:styleLbl>
+  <dgm:styleLbl name="asst0">
+    <dgm:scene3d>
+      <a:camera prst="orthographicFront"/>
+      <a:lightRig rig="threePt" dir="t"/>
+    </dgm:scene3d>
+    <dgm:sp3d/>
+    <dgm:txPr/>
+    <dgm:style>
+      <a:lnRef idx="3">
+        <a:scrgbClr r="0" g="0" b="0"/>
+      </a:lnRef>
+      <a:fillRef idx="1">
+        <a:scrgbClr r="0" g="0" b="0"/>
+      </a:fillRef>
+      <a:effectRef idx="1">
+        <a:scrgbClr r="0" g="0" b="0"/>
+      </a:effectRef>
+      <a:fontRef idx="minor">
+        <a:schemeClr val="lt1"/>
+      </a:fontRef>
+    </dgm:style>
+  </dgm:styleLbl>
+  <dgm:styleLbl name="asst1">
+    <dgm:scene3d>
+      <a:camera prst="orthographicFront"/>
+      <a:lightRig rig="threePt" dir="t"/>
+    </dgm:scene3d>
+    <dgm:sp3d/>
+    <dgm:txPr/>
+    <dgm:style>
+      <a:lnRef idx="3">
+        <a:scrgbClr r="0" g="0" b="0"/>
+      </a:lnRef>
+      <a:fillRef idx="1">
+        <a:scrgbClr r="0" g="0" b="0"/>
+      </a:fillRef>
+      <a:effectRef idx="1">
+        <a:scrgbClr r="0" g="0" b="0"/>
+      </a:effectRef>
+      <a:fontRef idx="minor">
+        <a:schemeClr val="lt1"/>
+      </a:fontRef>
+    </dgm:style>
+  </dgm:styleLbl>
+  <dgm:styleLbl name="asst2">
+    <dgm:scene3d>
+      <a:camera prst="orthographicFront"/>
+      <a:lightRig rig="threePt" dir="t"/>
+    </dgm:scene3d>
+    <dgm:sp3d/>
+    <dgm:txPr/>
+    <dgm:style>
+      <a:lnRef idx="3">
+        <a:scrgbClr r="0" g="0" b="0"/>
+      </a:lnRef>
+      <a:fillRef idx="1">
+        <a:scrgbClr r="0" g="0" b="0"/>
+      </a:fillRef>
+      <a:effectRef idx="1">
+        <a:scrgbClr r="0" g="0" b="0"/>
+      </a:effectRef>
+      <a:fontRef idx="minor">
+        <a:schemeClr val="lt1"/>
+      </a:fontRef>
+    </dgm:style>
+  </dgm:styleLbl>
+  <dgm:styleLbl name="asst3">
+    <dgm:scene3d>
+      <a:camera prst="orthographicFront"/>
+      <a:lightRig rig="threePt" dir="t"/>
+    </dgm:scene3d>
+    <dgm:sp3d/>
+    <dgm:txPr/>
+    <dgm:style>
+      <a:lnRef idx="3">
+        <a:scrgbClr r="0" g="0" b="0"/>
+      </a:lnRef>
+      <a:fillRef idx="1">
+        <a:scrgbClr r="0" g="0" b="0"/>
+      </a:fillRef>
+      <a:effectRef idx="1">
+        <a:scrgbClr r="0" g="0" b="0"/>
+      </a:effectRef>
+      <a:fontRef idx="minor">
+        <a:schemeClr val="lt1"/>
+      </a:fontRef>
+    </dgm:style>
+  </dgm:styleLbl>
+  <dgm:styleLbl name="asst4">
+    <dgm:scene3d>
+      <a:camera prst="orthographicFront"/>
+      <a:lightRig rig="threePt" dir="t"/>
+    </dgm:scene3d>
+    <dgm:sp3d/>
+    <dgm:txPr/>
+    <dgm:style>
+      <a:lnRef idx="3">
+        <a:scrgbClr r="0" g="0" b="0"/>
+      </a:lnRef>
+      <a:fillRef idx="1">
+        <a:scrgbClr r="0" g="0" b="0"/>
+      </a:fillRef>
+      <a:effectRef idx="1">
+        <a:scrgbClr r="0" g="0" b="0"/>
+      </a:effectRef>
+      <a:fontRef idx="minor">
+        <a:schemeClr val="lt1"/>
+      </a:fontRef>
+    </dgm:style>
+  </dgm:styleLbl>
+  <dgm:styleLbl name="parChTrans2D1">
+    <dgm:scene3d>
+      <a:camera prst="orthographicFront"/>
+      <a:lightRig rig="threePt" dir="t"/>
+    </dgm:scene3d>
+    <dgm:sp3d/>
+    <dgm:txPr/>
+    <dgm:style>
+      <a:lnRef idx="3">
+        <a:scrgbClr r="0" g="0" b="0"/>
+      </a:lnRef>
+      <a:fillRef idx="1">
+        <a:scrgbClr r="0" g="0" b="0"/>
+      </a:fillRef>
+      <a:effectRef idx="1">
+        <a:scrgbClr r="0" g="0" b="0"/>
+      </a:effectRef>
+      <a:fontRef idx="minor">
+        <a:schemeClr val="lt1"/>
+      </a:fontRef>
+    </dgm:style>
+  </dgm:styleLbl>
+  <dgm:styleLbl name="parChTrans2D2">
+    <dgm:scene3d>
+      <a:camera prst="orthographicFront"/>
+      <a:lightRig rig="threePt" dir="t"/>
+    </dgm:scene3d>
+    <dgm:sp3d/>
+    <dgm:txPr/>
+    <dgm:style>
+      <a:lnRef idx="3">
+        <a:scrgbClr r="0" g="0" b="0"/>
+      </a:lnRef>
+      <a:fillRef idx="1">
+        <a:scrgbClr r="0" g="0" b="0"/>
+      </a:fillRef>
+      <a:effectRef idx="1">
+        <a:scrgbClr r="0" g="0" b="0"/>
+      </a:effectRef>
+      <a:fontRef idx="minor">
+        <a:schemeClr val="lt1"/>
+      </a:fontRef>
+    </dgm:style>
+  </dgm:styleLbl>
+  <dgm:styleLbl name="parChTrans2D3">
+    <dgm:scene3d>
+      <a:camera prst="orthographicFront"/>
+      <a:lightRig rig="threePt" dir="t"/>
+    </dgm:scene3d>
+    <dgm:sp3d/>
+    <dgm:txPr/>
+    <dgm:style>
+      <a:lnRef idx="3">
+        <a:scrgbClr r="0" g="0" b="0"/>
+      </a:lnRef>
+      <a:fillRef idx="1">
+        <a:scrgbClr r="0" g="0" b="0"/>
+      </a:fillRef>
+      <a:effectRef idx="1">
+        <a:scrgbClr r="0" g="0" b="0"/>
+      </a:effectRef>
+      <a:fontRef idx="minor">
+        <a:schemeClr val="lt1"/>
+      </a:fontRef>
+    </dgm:style>
+  </dgm:styleLbl>
+  <dgm:styleLbl name="parChTrans2D4">
+    <dgm:scene3d>
+      <a:camera prst="orthographicFront"/>
+      <a:lightRig rig="threePt" dir="t"/>
+    </dgm:scene3d>
+    <dgm:sp3d/>
+    <dgm:txPr/>
+    <dgm:style>
+      <a:lnRef idx="3">
+        <a:scrgbClr r="0" g="0" b="0"/>
+      </a:lnRef>
+      <a:fillRef idx="1">
+        <a:scrgbClr r="0" g="0" b="0"/>
+      </a:fillRef>
+      <a:effectRef idx="1">
+        <a:scrgbClr r="0" g="0" b="0"/>
+      </a:effectRef>
+      <a:fontRef idx="minor">
+        <a:schemeClr val="lt1"/>
+      </a:fontRef>
+    </dgm:style>
+  </dgm:styleLbl>
+  <dgm:styleLbl name="parChTrans1D1">
+    <dgm:scene3d>
+      <a:camera prst="orthographicFront"/>
+      <a:lightRig rig="threePt" dir="t"/>
+    </dgm:scene3d>
+    <dgm:sp3d/>
+    <dgm:txPr/>
+    <dgm:style>
+      <a:lnRef idx="2">
+        <a:scrgbClr r="0" g="0" b="0"/>
+      </a:lnRef>
+      <a:fillRef idx="0">
+        <a:scrgbClr r="0" g="0" b="0"/>
+      </a:fillRef>
+      <a:effectRef idx="0">
+        <a:scrgbClr r="0" g="0" b="0"/>
+      </a:effectRef>
+      <a:fontRef idx="minor"/>
+    </dgm:style>
+  </dgm:styleLbl>
+  <dgm:styleLbl name="parChTrans1D2">
+    <dgm:scene3d>
+      <a:camera prst="orthographicFront"/>
+      <a:lightRig rig="threePt" dir="t"/>
+    </dgm:scene3d>
+    <dgm:sp3d/>
+    <dgm:txPr/>
+    <dgm:style>
+      <a:lnRef idx="2">
+        <a:scrgbClr r="0" g="0" b="0"/>
+      </a:lnRef>
+      <a:fillRef idx="0">
+        <a:scrgbClr r="0" g="0" b="0"/>
+      </a:fillRef>
+      <a:effectRef idx="0">
+        <a:scrgbClr r="0" g="0" b="0"/>
+      </a:effectRef>
+      <a:fontRef idx="minor"/>
+    </dgm:style>
+  </dgm:styleLbl>
+  <dgm:styleLbl name="parChTrans1D3">
+    <dgm:scene3d>
+      <a:camera prst="orthographicFront"/>
+      <a:lightRig rig="threePt" dir="t"/>
+    </dgm:scene3d>
+    <dgm:sp3d/>
+    <dgm:txPr/>
+    <dgm:style>
+      <a:lnRef idx="2">
+        <a:scrgbClr r="0" g="0" b="0"/>
+      </a:lnRef>
+      <a:fillRef idx="0">
+        <a:scrgbClr r="0" g="0" b="0"/>
+      </a:fillRef>
+      <a:effectRef idx="0">
+        <a:scrgbClr r="0" g="0" b="0"/>
+      </a:effectRef>
+      <a:fontRef idx="minor"/>
+    </dgm:style>
+  </dgm:styleLbl>
+  <dgm:styleLbl name="parChTrans1D4">
+    <dgm:scene3d>
+      <a:camera prst="orthographicFront"/>
+      <a:lightRig rig="threePt" dir="t"/>
+    </dgm:scene3d>
+    <dgm:sp3d/>
+    <dgm:txPr/>
+    <dgm:style>
+      <a:lnRef idx="2">
+        <a:scrgbClr r="0" g="0" b="0"/>
+      </a:lnRef>
+      <a:fillRef idx="0">
+        <a:scrgbClr r="0" g="0" b="0"/>
+      </a:fillRef>
+      <a:effectRef idx="0">
+        <a:scrgbClr r="0" g="0" b="0"/>
+      </a:effectRef>
+      <a:fontRef idx="minor"/>
+    </dgm:style>
+  </dgm:styleLbl>
+  <dgm:styleLbl name="fgAcc1">
+    <dgm:scene3d>
+      <a:camera prst="orthographicFront"/>
+      <a:lightRig rig="threePt" dir="t"/>
+    </dgm:scene3d>
+    <dgm:sp3d/>
+    <dgm:txPr/>
+    <dgm:style>
+      <a:lnRef idx="2">
+        <a:scrgbClr r="0" g="0" b="0"/>
+      </a:lnRef>
+      <a:fillRef idx="1">
+        <a:scrgbClr r="0" g="0" b="0"/>
+      </a:fillRef>
+      <a:effectRef idx="0">
+        <a:scrgbClr r="0" g="0" b="0"/>
+      </a:effectRef>
+      <a:fontRef idx="minor"/>
+    </dgm:style>
+  </dgm:styleLbl>
+  <dgm:styleLbl name="conFgAcc1">
+    <dgm:scene3d>
+      <a:camera prst="orthographicFront"/>
+      <a:lightRig rig="threePt" dir="t"/>
+    </dgm:scene3d>
+    <dgm:sp3d/>
+    <dgm:txPr/>
+    <dgm:style>
+      <a:lnRef idx="2">
+        <a:scrgbClr r="0" g="0" b="0"/>
+      </a:lnRef>
+      <a:fillRef idx="1">
+        <a:scrgbClr r="0" g="0" b="0"/>
+      </a:fillRef>
+      <a:effectRef idx="0">
+        <a:scrgbClr r="0" g="0" b="0"/>
+      </a:effectRef>
+      <a:fontRef idx="minor"/>
+    </dgm:style>
+  </dgm:styleLbl>
+  <dgm:styleLbl name="alignAcc1">
+    <dgm:scene3d>
+      <a:camera prst="orthographicFront"/>
+      <a:lightRig rig="threePt" dir="t"/>
+    </dgm:scene3d>
+    <dgm:sp3d/>
+    <dgm:txPr/>
+    <dgm:style>
+      <a:lnRef idx="2">
+        <a:scrgbClr r="0" g="0" b="0"/>
+      </a:lnRef>
+      <a:fillRef idx="1">
+        <a:scrgbClr r="0" g="0" b="0"/>
+      </a:fillRef>
+      <a:effectRef idx="0">
+        <a:scrgbClr r="0" g="0" b="0"/>
+      </a:effectRef>
+      <a:fontRef idx="minor"/>
+    </dgm:style>
+  </dgm:styleLbl>
+  <dgm:styleLbl name="trAlignAcc1">
+    <dgm:scene3d>
+      <a:camera prst="orthographicFront"/>
+      <a:lightRig rig="threePt" dir="t"/>
+    </dgm:scene3d>
+    <dgm:sp3d/>
+    <dgm:txPr/>
+    <dgm:style>
+      <a:lnRef idx="1">
+        <a:scrgbClr r="0" g="0" b="0"/>
+      </a:lnRef>
+      <a:fillRef idx="1">
+        <a:scrgbClr r="0" g="0" b="0"/>
+      </a:fillRef>
+      <a:effectRef idx="0">
+        <a:scrgbClr r="0" g="0" b="0"/>
+      </a:effectRef>
+      <a:fontRef idx="minor"/>
+    </dgm:style>
+  </dgm:styleLbl>
+  <dgm:styleLbl name="bgAcc1">
+    <dgm:scene3d>
+      <a:camera prst="orthographicFront"/>
+      <a:lightRig rig="threePt" dir="t"/>
+    </dgm:scene3d>
+    <dgm:sp3d/>
+    <dgm:txPr/>
+    <dgm:style>
+      <a:lnRef idx="2">
+        <a:scrgbClr r="0" g="0" b="0"/>
+      </a:lnRef>
+      <a:fillRef idx="1">
+        <a:scrgbClr r="0" g="0" b="0"/>
+      </a:fillRef>
+      <a:effectRef idx="0">
+        <a:scrgbClr r="0" g="0" b="0"/>
+      </a:effectRef>
+      <a:fontRef idx="minor"/>
+    </dgm:style>
+  </dgm:styleLbl>
+  <dgm:styleLbl name="solidFgAcc1">
+    <dgm:scene3d>
+      <a:camera prst="orthographicFront"/>
+      <a:lightRig rig="threePt" dir="t"/>
+    </dgm:scene3d>
+    <dgm:sp3d/>
+    <dgm:txPr/>
+    <dgm:style>
+      <a:lnRef idx="2">
+        <a:scrgbClr r="0" g="0" b="0"/>
+      </a:lnRef>
+      <a:fillRef idx="1">
+        <a:scrgbClr r="0" g="0" b="0"/>
+      </a:fillRef>
+      <a:effectRef idx="0">
+        <a:scrgbClr r="0" g="0" b="0"/>
+      </a:effectRef>
+      <a:fontRef idx="minor"/>
+    </dgm:style>
+  </dgm:styleLbl>
+  <dgm:styleLbl name="solidAlignAcc1">
+    <dgm:scene3d>
+      <a:camera prst="orthographicFront"/>
+      <a:lightRig rig="threePt" dir="t"/>
+    </dgm:scene3d>
+    <dgm:sp3d/>
+    <dgm:txPr/>
+    <dgm:style>
+      <a:lnRef idx="2">
+        <a:scrgbClr r="0" g="0" b="0"/>
+      </a:lnRef>
+      <a:fillRef idx="1">
+        <a:scrgbClr r="0" g="0" b="0"/>
+      </a:fillRef>
+      <a:effectRef idx="0">
+        <a:scrgbClr r="0" g="0" b="0"/>
+      </a:effectRef>
+      <a:fontRef idx="minor"/>
+    </dgm:style>
+  </dgm:styleLbl>
+  <dgm:styleLbl name="solidBgAcc1">
+    <dgm:scene3d>
+      <a:camera prst="orthographicFront"/>
+      <a:lightRig rig="threePt" dir="t"/>
+    </dgm:scene3d>
+    <dgm:sp3d/>
+    <dgm:txPr/>
+    <dgm:style>
+      <a:lnRef idx="2">
+        <a:scrgbClr r="0" g="0" b="0"/>
+      </a:lnRef>
+      <a:fillRef idx="1">
+        <a:scrgbClr r="0" g="0" b="0"/>
+      </a:fillRef>
+      <a:effectRef idx="0">
+        <a:scrgbClr r="0" g="0" b="0"/>
+      </a:effectRef>
+      <a:fontRef idx="minor"/>
+    </dgm:style>
+  </dgm:styleLbl>
+  <dgm:styleLbl name="fgAccFollowNode1">
+    <dgm:scene3d>
+      <a:camera prst="orthographicFront"/>
+      <a:lightRig rig="threePt" dir="t"/>
+    </dgm:scene3d>
+    <dgm:sp3d/>
+    <dgm:txPr/>
+    <dgm:style>
+      <a:lnRef idx="2">
+        <a:scrgbClr r="0" g="0" b="0"/>
+      </a:lnRef>
+      <a:fillRef idx="1">
+        <a:scrgbClr r="0" g="0" b="0"/>
+      </a:fillRef>
+      <a:effectRef idx="0">
+        <a:scrgbClr r="0" g="0" b="0"/>
+      </a:effectRef>
+      <a:fontRef idx="minor"/>
+    </dgm:style>
+  </dgm:styleLbl>
+  <dgm:styleLbl name="alignAccFollowNode1">
+    <dgm:scene3d>
+      <a:camera prst="orthographicFront"/>
+      <a:lightRig rig="threePt" dir="t"/>
+    </dgm:scene3d>
+    <dgm:sp3d/>
+    <dgm:txPr/>
+    <dgm:style>
+      <a:lnRef idx="2">
+        <a:scrgbClr r="0" g="0" b="0"/>
+      </a:lnRef>
+      <a:fillRef idx="1">
+        <a:scrgbClr r="0" g="0" b="0"/>
+      </a:fillRef>
+      <a:effectRef idx="0">
+        <a:scrgbClr r="0" g="0" b="0"/>
+      </a:effectRef>
+      <a:fontRef idx="minor"/>
+    </dgm:style>
+  </dgm:styleLbl>
+  <dgm:styleLbl name="bgAccFollowNode1">
+    <dgm:scene3d>
+      <a:camera prst="orthographicFront"/>
+      <a:lightRig rig="threePt" dir="t"/>
+    </dgm:scene3d>
+    <dgm:sp3d/>
+    <dgm:txPr/>
+    <dgm:style>
+      <a:lnRef idx="2">
+        <a:scrgbClr r="0" g="0" b="0"/>
+      </a:lnRef>
+      <a:fillRef idx="1">
+        <a:scrgbClr r="0" g="0" b="0"/>
+      </a:fillRef>
+      <a:effectRef idx="0">
+        <a:scrgbClr r="0" g="0" b="0"/>
+      </a:effectRef>
+      <a:fontRef idx="minor"/>
+    </dgm:style>
+  </dgm:styleLbl>
+  <dgm:styleLbl name="fgAcc0">
+    <dgm:scene3d>
+      <a:camera prst="orthographicFront"/>
+      <a:lightRig rig="threePt" dir="t"/>
+    </dgm:scene3d>
+    <dgm:sp3d/>
+    <dgm:txPr/>
+    <dgm:style>
+      <a:lnRef idx="2">
+        <a:scrgbClr r="0" g="0" b="0"/>
+      </a:lnRef>
+      <a:fillRef idx="1">
+        <a:scrgbClr r="0" g="0" b="0"/>
+      </a:fillRef>
+      <a:effectRef idx="0">
+        <a:scrgbClr r="0" g="0" b="0"/>
+      </a:effectRef>
+      <a:fontRef idx="minor"/>
+    </dgm:style>
+  </dgm:styleLbl>
+  <dgm:styleLbl name="fgAcc2">
+    <dgm:scene3d>
+      <a:camera prst="orthographicFront"/>
+      <a:lightRig rig="threePt" dir="t"/>
+    </dgm:scene3d>
+    <dgm:sp3d/>
+    <dgm:txPr/>
+    <dgm:style>
+      <a:lnRef idx="2">
+        <a:scrgbClr r="0" g="0" b="0"/>
+      </a:lnRef>
+      <a:fillRef idx="1">
+        <a:scrgbClr r="0" g="0" b="0"/>
+      </a:fillRef>
+      <a:effectRef idx="0">
+        <a:scrgbClr r="0" g="0" b="0"/>
+      </a:effectRef>
+      <a:fontRef idx="minor"/>
+    </dgm:style>
+  </dgm:styleLbl>
+  <dgm:styleLbl name="fgAcc3">
+    <dgm:scene3d>
+      <a:camera prst="orthographicFront"/>
+      <a:lightRig rig="threePt" dir="t"/>
+    </dgm:scene3d>
+    <dgm:sp3d/>
+    <dgm:txPr/>
+    <dgm:style>
+      <a:lnRef idx="2">
+        <a:scrgbClr r="0" g="0" b="0"/>
+      </a:lnRef>
+      <a:fillRef idx="1">
+        <a:scrgbClr r="0" g="0" b="0"/>
+      </a:fillRef>
+      <a:effectRef idx="0">
+        <a:scrgbClr r="0" g="0" b="0"/>
+      </a:effectRef>
+      <a:fontRef idx="minor"/>
+    </dgm:style>
+  </dgm:styleLbl>
+  <dgm:styleLbl name="fgAcc4">
+    <dgm:scene3d>
+      <a:camera prst="orthographicFront"/>
+      <a:lightRig rig="threePt" dir="t"/>
+    </dgm:scene3d>
+    <dgm:sp3d/>
+    <dgm:txPr/>
+    <dgm:style>
+      <a:lnRef idx="2">
+        <a:scrgbClr r="0" g="0" b="0"/>
+      </a:lnRef>
+      <a:fillRef idx="1">
+        <a:scrgbClr r="0" g="0" b="0"/>
+      </a:fillRef>
+      <a:effectRef idx="0">
+        <a:scrgbClr r="0" g="0" b="0"/>
+      </a:effectRef>
+      <a:fontRef idx="minor"/>
+    </dgm:style>
+  </dgm:styleLbl>
+  <dgm:styleLbl name="bgShp">
+    <dgm:scene3d>
+      <a:camera prst="orthographicFront"/>
+      <a:lightRig rig="threePt" dir="t"/>
+    </dgm:scene3d>
+    <dgm:sp3d/>
+    <dgm:txPr/>
+    <dgm:style>
+      <a:lnRef idx="0">
+        <a:scrgbClr r="0" g="0" b="0"/>
+      </a:lnRef>
+      <a:fillRef idx="1">
+        <a:scrgbClr r="0" g="0" b="0"/>
+      </a:fillRef>
+      <a:effectRef idx="0">
+        <a:scrgbClr r="0" g="0" b="0"/>
+      </a:effectRef>
+      <a:fontRef idx="minor"/>
+    </dgm:style>
+  </dgm:styleLbl>
+  <dgm:styleLbl name="dkBgShp">
+    <dgm:scene3d>
+      <a:camera prst="orthographicFront"/>
+      <a:lightRig rig="threePt" dir="t"/>
+    </dgm:scene3d>
+    <dgm:sp3d/>
+    <dgm:txPr/>
+    <dgm:style>
+      <a:lnRef idx="0">
+        <a:scrgbClr r="0" g="0" b="0"/>
+      </a:lnRef>
+      <a:fillRef idx="1">
+        <a:scrgbClr r="0" g="0" b="0"/>
+      </a:fillRef>
+      <a:effectRef idx="0">
+        <a:scrgbClr r="0" g="0" b="0"/>
+      </a:effectRef>
+      <a:fontRef idx="minor"/>
+    </dgm:style>
+  </dgm:styleLbl>
+  <dgm:styleLbl name="trBgShp">
+    <dgm:scene3d>
+      <a:camera prst="orthographicFront"/>
+      <a:lightRig rig="threePt" dir="t"/>
+    </dgm:scene3d>
+    <dgm:sp3d/>
+    <dgm:txPr/>
+    <dgm:style>
+      <a:lnRef idx="0">
+        <a:scrgbClr r="0" g="0" b="0"/>
+      </a:lnRef>
+      <a:fillRef idx="1">
+        <a:scrgbClr r="0" g="0" b="0"/>
+      </a:fillRef>
+      <a:effectRef idx="0">
+        <a:scrgbClr r="0" g="0" b="0"/>
+      </a:effectRef>
+      <a:fontRef idx="minor"/>
+    </dgm:style>
+  </dgm:styleLbl>
+  <dgm:styleLbl name="fgShp">
+    <dgm:scene3d>
+      <a:camera prst="orthographicFront"/>
+      <a:lightRig rig="threePt" dir="t"/>
+    </dgm:scene3d>
+    <dgm:sp3d/>
+    <dgm:txPr/>
+    <dgm:style>
+      <a:lnRef idx="3">
+        <a:scrgbClr r="0" g="0" b="0"/>
+      </a:lnRef>
+      <a:fillRef idx="1">
+        <a:scrgbClr r="0" g="0" b="0"/>
+      </a:fillRef>
+      <a:effectRef idx="1">
+        <a:scrgbClr r="0" g="0" b="0"/>
+      </a:effectRef>
+      <a:fontRef idx="minor"/>
+    </dgm:style>
+  </dgm:styleLbl>
+  <dgm:styleLbl name="revTx">
+    <dgm:scene3d>
+      <a:camera prst="orthographicFront"/>
+      <a:lightRig rig="threePt" dir="t"/>
+    </dgm:scene3d>
+    <dgm:sp3d/>
+    <dgm:txPr/>
+    <dgm:style>
+      <a:lnRef idx="0">
+        <a:scrgbClr r="0" g="0" b="0"/>
+      </a:lnRef>
+      <a:fillRef idx="0">
+        <a:scrgbClr r="0" g="0" b="0"/>
+      </a:fillRef>
+      <a:effectRef idx="0">
+        <a:scrgbClr r="0" g="0" b="0"/>
+      </a:effectRef>
+      <a:fontRef idx="minor"/>
+    </dgm:style>
+  </dgm:styleLbl>
+</dgm:styleDef>
 </file>
 
 <file path=ppt/notesMasters/notesMaster1.xml><?xml version="1.0" encoding="utf-8"?>
@@ -269,7 +5428,7 @@
           <a:p>
             <a:fld id="{14549C10-D531-4FCD-A662-C6531279F0A5}" type="datetimeFigureOut">
               <a:rPr lang="en-US" smtClean="0"/>
-              <a:t>10/24/2014</a:t>
+              <a:t>25/10/14</a:t>
             </a:fld>
             <a:endParaRPr lang="en-US"/>
           </a:p>
@@ -769,78 +5928,12 @@
               <a:tabLst/>
               <a:defRPr/>
             </a:pPr>
-            <a:r>
-              <a:rPr lang="en-US" dirty="0" err="1" smtClean="0">
-                <a:latin typeface="Arial" charset="0"/>
-                <a:ea typeface="ＭＳ Ｐゴシック" charset="0"/>
-                <a:cs typeface="Arial" charset="0"/>
-                <a:sym typeface="Arial" charset="0"/>
-              </a:rPr>
-              <a:t>Applicaties</a:t>
-            </a:r>
-            <a:r>
-              <a:rPr lang="en-US" dirty="0" smtClean="0">
-                <a:latin typeface="Arial" charset="0"/>
-                <a:ea typeface="ＭＳ Ｐゴシック" charset="0"/>
-                <a:cs typeface="Arial" charset="0"/>
-                <a:sym typeface="Arial" charset="0"/>
-              </a:rPr>
-              <a:t> </a:t>
-            </a:r>
-            <a:r>
-              <a:rPr lang="en-US" dirty="0" err="1" smtClean="0">
-                <a:latin typeface="Arial" charset="0"/>
-                <a:ea typeface="ＭＳ Ｐゴシック" charset="0"/>
-                <a:cs typeface="Arial" charset="0"/>
-                <a:sym typeface="Arial" charset="0"/>
-              </a:rPr>
-              <a:t>toelichten</a:t>
-            </a:r>
-            <a:r>
-              <a:rPr lang="en-US" dirty="0" smtClean="0">
-                <a:latin typeface="Arial" charset="0"/>
-                <a:ea typeface="ＭＳ Ｐゴシック" charset="0"/>
-                <a:cs typeface="Arial" charset="0"/>
-                <a:sym typeface="Arial" charset="0"/>
-              </a:rPr>
-              <a:t> </a:t>
-            </a:r>
-            <a:r>
-              <a:rPr lang="en-US" dirty="0" err="1" smtClean="0">
-                <a:latin typeface="Arial" charset="0"/>
-                <a:ea typeface="ＭＳ Ｐゴシック" charset="0"/>
-                <a:cs typeface="Arial" charset="0"/>
-                <a:sym typeface="Arial" charset="0"/>
-              </a:rPr>
-              <a:t>tijdens</a:t>
-            </a:r>
-            <a:r>
-              <a:rPr lang="en-US" dirty="0" smtClean="0">
-                <a:latin typeface="Arial" charset="0"/>
-                <a:ea typeface="ＭＳ Ｐゴシック" charset="0"/>
-                <a:cs typeface="Arial" charset="0"/>
-                <a:sym typeface="Arial" charset="0"/>
-              </a:rPr>
-              <a:t> </a:t>
-            </a:r>
-            <a:r>
-              <a:rPr lang="en-US" dirty="0" err="1" smtClean="0">
-                <a:latin typeface="Arial" charset="0"/>
-                <a:ea typeface="ＭＳ Ｐゴシック" charset="0"/>
-                <a:cs typeface="Arial" charset="0"/>
-                <a:sym typeface="Arial" charset="0"/>
-              </a:rPr>
-              <a:t>presentatie</a:t>
-            </a:r>
-            <a:r>
-              <a:rPr lang="en-US" dirty="0" smtClean="0">
-                <a:latin typeface="Arial" charset="0"/>
-                <a:ea typeface="ＭＳ Ｐゴシック" charset="0"/>
-                <a:cs typeface="Arial" charset="0"/>
-                <a:sym typeface="Arial" charset="0"/>
-              </a:rPr>
-              <a:t>!</a:t>
-            </a:r>
+            <a:endParaRPr lang="en-US" dirty="0" smtClean="0">
+              <a:latin typeface="Helvetica" charset="0"/>
+              <a:ea typeface="ＭＳ Ｐゴシック" charset="0"/>
+              <a:cs typeface="Helvetica" charset="0"/>
+              <a:sym typeface="Helvetica" charset="0"/>
+            </a:endParaRPr>
           </a:p>
         </p:txBody>
       </p:sp>
@@ -861,7 +5954,7 @@
           <a:p>
             <a:fld id="{4E765FFB-E928-41F7-9C48-EAAB8C6B32DB}" type="slidenum">
               <a:rPr lang="en-US" smtClean="0"/>
-              <a:t>19</a:t>
+              <a:t>17</a:t>
             </a:fld>
             <a:endParaRPr lang="en-US"/>
           </a:p>
@@ -870,7 +5963,7 @@
     </p:spTree>
     <p:extLst>
       <p:ext uri="{BB962C8B-B14F-4D97-AF65-F5344CB8AC3E}">
-        <p14:creationId xmlns:p14="http://schemas.microsoft.com/office/powerpoint/2010/main" val="3878043876"/>
+        <p14:creationId xmlns:p14="http://schemas.microsoft.com/office/powerpoint/2010/main" val="161280319"/>
       </p:ext>
     </p:extLst>
   </p:cSld>
@@ -924,11 +6017,95 @@
           <a:bodyPr/>
           <a:lstStyle/>
           <a:p>
-            <a:r>
-              <a:rPr lang="nl-BE" dirty="0" smtClean="0"/>
-              <a:t>Valt definitie te vervangen?</a:t>
-            </a:r>
-            <a:endParaRPr lang="en-US" dirty="0"/>
+            <a:pPr marL="0" marR="0" indent="0" algn="l" defTabSz="914400" rtl="0" eaLnBrk="1" fontAlgn="auto" latinLnBrk="0" hangingPunct="1">
+              <a:lnSpc>
+                <a:spcPct val="100000"/>
+              </a:lnSpc>
+              <a:spcBef>
+                <a:spcPts val="0"/>
+              </a:spcBef>
+              <a:spcAft>
+                <a:spcPts val="0"/>
+              </a:spcAft>
+              <a:buClrTx/>
+              <a:buSzTx/>
+              <a:buFontTx/>
+              <a:buNone/>
+              <a:tabLst/>
+              <a:defRPr/>
+            </a:pPr>
+            <a:r>
+              <a:rPr lang="en-US" dirty="0" err="1" smtClean="0">
+                <a:latin typeface="Arial" charset="0"/>
+                <a:ea typeface="ＭＳ Ｐゴシック" charset="0"/>
+                <a:cs typeface="Arial" charset="0"/>
+                <a:sym typeface="Arial" charset="0"/>
+              </a:rPr>
+              <a:t>Applicaties</a:t>
+            </a:r>
+            <a:r>
+              <a:rPr lang="en-US" dirty="0" smtClean="0">
+                <a:latin typeface="Arial" charset="0"/>
+                <a:ea typeface="ＭＳ Ｐゴシック" charset="0"/>
+                <a:cs typeface="Arial" charset="0"/>
+                <a:sym typeface="Arial" charset="0"/>
+              </a:rPr>
+              <a:t> </a:t>
+            </a:r>
+            <a:r>
+              <a:rPr lang="en-US" dirty="0" err="1" smtClean="0">
+                <a:latin typeface="Arial" charset="0"/>
+                <a:ea typeface="ＭＳ Ｐゴシック" charset="0"/>
+                <a:cs typeface="Arial" charset="0"/>
+                <a:sym typeface="Arial" charset="0"/>
+              </a:rPr>
+              <a:t>toelichten</a:t>
+            </a:r>
+            <a:r>
+              <a:rPr lang="en-US" dirty="0" smtClean="0">
+                <a:latin typeface="Arial" charset="0"/>
+                <a:ea typeface="ＭＳ Ｐゴシック" charset="0"/>
+                <a:cs typeface="Arial" charset="0"/>
+                <a:sym typeface="Arial" charset="0"/>
+              </a:rPr>
+              <a:t> </a:t>
+            </a:r>
+            <a:r>
+              <a:rPr lang="en-US" dirty="0" err="1" smtClean="0">
+                <a:latin typeface="Arial" charset="0"/>
+                <a:ea typeface="ＭＳ Ｐゴシック" charset="0"/>
+                <a:cs typeface="Arial" charset="0"/>
+                <a:sym typeface="Arial" charset="0"/>
+              </a:rPr>
+              <a:t>tijdens</a:t>
+            </a:r>
+            <a:r>
+              <a:rPr lang="en-US" dirty="0" smtClean="0">
+                <a:latin typeface="Arial" charset="0"/>
+                <a:ea typeface="ＭＳ Ｐゴシック" charset="0"/>
+                <a:cs typeface="Arial" charset="0"/>
+                <a:sym typeface="Arial" charset="0"/>
+              </a:rPr>
+              <a:t> </a:t>
+            </a:r>
+            <a:r>
+              <a:rPr lang="en-US" dirty="0" err="1" smtClean="0">
+                <a:latin typeface="Arial" charset="0"/>
+                <a:ea typeface="ＭＳ Ｐゴシック" charset="0"/>
+                <a:cs typeface="Arial" charset="0"/>
+                <a:sym typeface="Arial" charset="0"/>
+              </a:rPr>
+              <a:t>presentatie</a:t>
+            </a:r>
+            <a:r>
+              <a:rPr lang="en-US" dirty="0" smtClean="0">
+                <a:latin typeface="Arial" charset="0"/>
+                <a:ea typeface="ＭＳ Ｐゴシック" charset="0"/>
+                <a:cs typeface="Arial" charset="0"/>
+                <a:sym typeface="Arial" charset="0"/>
+              </a:rPr>
+              <a:t>!</a:t>
+            </a:r>
           </a:p>
         </p:txBody>
       </p:sp>
@@ -958,7 +6135,7 @@
     </p:spTree>
     <p:extLst>
       <p:ext uri="{BB962C8B-B14F-4D97-AF65-F5344CB8AC3E}">
-        <p14:creationId xmlns:p14="http://schemas.microsoft.com/office/powerpoint/2010/main" val="399981581"/>
+        <p14:creationId xmlns:p14="http://schemas.microsoft.com/office/powerpoint/2010/main" val="3878043876"/>
       </p:ext>
     </p:extLst>
   </p:cSld>
@@ -1012,92 +6189,10 @@
           <a:bodyPr/>
           <a:lstStyle/>
           <a:p>
-            <a:pPr marL="0" marR="0" indent="0" algn="l" defTabSz="914400" rtl="0" eaLnBrk="1" fontAlgn="auto" latinLnBrk="0" hangingPunct="1">
-              <a:lnSpc>
-                <a:spcPct val="100000"/>
-              </a:lnSpc>
-              <a:spcBef>
-                <a:spcPts val="0"/>
-              </a:spcBef>
-              <a:spcAft>
-                <a:spcPts val="0"/>
-              </a:spcAft>
-              <a:buClrTx/>
-              <a:buSzTx/>
-              <a:buFontTx/>
-              <a:buNone/>
-              <a:tabLst/>
-              <a:defRPr/>
-            </a:pPr>
-            <a:r>
-              <a:rPr lang="en-US" dirty="0" smtClean="0">
-                <a:latin typeface="Helvetica" charset="0"/>
-                <a:ea typeface="ＭＳ Ｐゴシック" charset="0"/>
-                <a:cs typeface="Helvetica" charset="0"/>
-                <a:sym typeface="Helvetica" charset="0"/>
-              </a:rPr>
-              <a:t>link back to the </a:t>
-            </a:r>
-            <a:r>
-              <a:rPr lang="en-US" dirty="0" smtClean="0">
-                <a:latin typeface="Helvetica" charset="0"/>
-                <a:ea typeface="ＭＳ Ｐゴシック" charset="0"/>
-                <a:cs typeface="Helvetica" charset="0"/>
-                <a:sym typeface="Helvetica" charset="0"/>
-              </a:rPr>
-              <a:t>type </a:t>
-            </a:r>
-            <a:r>
-              <a:rPr lang="en-US" dirty="0" smtClean="0">
-                <a:latin typeface="Helvetica" charset="0"/>
-                <a:ea typeface="ＭＳ Ｐゴシック" charset="0"/>
-                <a:cs typeface="Helvetica" charset="0"/>
-                <a:sym typeface="Helvetica" charset="0"/>
-              </a:rPr>
-              <a:t>of bias this specifies </a:t>
-            </a:r>
-            <a:endParaRPr lang="en-US" dirty="0" smtClean="0">
-              <a:latin typeface="Helvetica" charset="0"/>
-              <a:ea typeface="ＭＳ Ｐゴシック" charset="0"/>
-              <a:cs typeface="Helvetica" charset="0"/>
-              <a:sym typeface="Helvetica" charset="0"/>
-            </a:endParaRPr>
-          </a:p>
-          <a:p>
-            <a:pPr marL="0" marR="0" indent="0" algn="l" defTabSz="914400" rtl="0" eaLnBrk="1" fontAlgn="auto" latinLnBrk="0" hangingPunct="1">
-              <a:lnSpc>
-                <a:spcPct val="100000"/>
-              </a:lnSpc>
-              <a:spcBef>
-                <a:spcPts val="0"/>
-              </a:spcBef>
-              <a:spcAft>
-                <a:spcPts val="0"/>
-              </a:spcAft>
-              <a:buClrTx/>
-              <a:buSzTx/>
-              <a:buFontTx/>
-              <a:buNone/>
-              <a:tabLst/>
-              <a:defRPr/>
-            </a:pPr>
-            <a:r>
-              <a:rPr lang="nl-BE" dirty="0" smtClean="0">
-                <a:latin typeface="Helvetica" charset="0"/>
-                <a:ea typeface="ＭＳ Ｐゴシック" charset="0"/>
-                <a:cs typeface="Helvetica" charset="0"/>
-                <a:sym typeface="Helvetica" charset="0"/>
-              </a:rPr>
-              <a:t>Bron</a:t>
-            </a:r>
-            <a:endParaRPr lang="en-US" dirty="0" smtClean="0">
-              <a:latin typeface="Helvetica" charset="0"/>
-              <a:ea typeface="ＭＳ Ｐゴシック" charset="0"/>
-              <a:cs typeface="Helvetica" charset="0"/>
-              <a:sym typeface="Helvetica" charset="0"/>
-            </a:endParaRPr>
-          </a:p>
-          <a:p>
+            <a:r>
+              <a:rPr lang="nl-BE" dirty="0" smtClean="0"/>
+              <a:t>Valt definitie te vervangen?</a:t>
+            </a:r>
             <a:endParaRPr lang="en-US" dirty="0"/>
           </a:p>
         </p:txBody>
@@ -1128,7 +6223,7 @@
     </p:spTree>
     <p:extLst>
       <p:ext uri="{BB962C8B-B14F-4D97-AF65-F5344CB8AC3E}">
-        <p14:creationId xmlns:p14="http://schemas.microsoft.com/office/powerpoint/2010/main" val="232502043"/>
+        <p14:creationId xmlns:p14="http://schemas.microsoft.com/office/powerpoint/2010/main" val="399981581"/>
       </p:ext>
     </p:extLst>
   </p:cSld>
@@ -1182,19 +6277,69 @@
           <a:bodyPr/>
           <a:lstStyle/>
           <a:p>
-            <a:r>
-              <a:rPr lang="nl-BE" dirty="0" smtClean="0"/>
-              <a:t>Bedankt</a:t>
-            </a:r>
-            <a:r>
-              <a:rPr lang="nl-BE" baseline="0" dirty="0" smtClean="0"/>
-              <a:t> voor </a:t>
-            </a:r>
-            <a:r>
-              <a:rPr lang="nl-BE" baseline="0" smtClean="0"/>
-              <a:t>u aandacht?</a:t>
-            </a:r>
-            <a:endParaRPr lang="en-US"/>
+            <a:pPr marL="0" marR="0" indent="0" algn="l" defTabSz="914400" rtl="0" eaLnBrk="1" fontAlgn="auto" latinLnBrk="0" hangingPunct="1">
+              <a:lnSpc>
+                <a:spcPct val="100000"/>
+              </a:lnSpc>
+              <a:spcBef>
+                <a:spcPts val="0"/>
+              </a:spcBef>
+              <a:spcAft>
+                <a:spcPts val="0"/>
+              </a:spcAft>
+              <a:buClrTx/>
+              <a:buSzTx/>
+              <a:buFontTx/>
+              <a:buNone/>
+              <a:tabLst/>
+              <a:defRPr/>
+            </a:pPr>
+            <a:r>
+              <a:rPr lang="en-US" dirty="0" smtClean="0">
+                <a:latin typeface="Helvetica" charset="0"/>
+                <a:ea typeface="ＭＳ Ｐゴシック" charset="0"/>
+                <a:cs typeface="Helvetica" charset="0"/>
+                <a:sym typeface="Helvetica" charset="0"/>
+              </a:rPr>
+              <a:t>link back to the type of bias this specifies </a:t>
+            </a:r>
+          </a:p>
+          <a:p>
+            <a:pPr marL="0" marR="0" indent="0" algn="l" defTabSz="914400" rtl="0" eaLnBrk="1" fontAlgn="auto" latinLnBrk="0" hangingPunct="1">
+              <a:lnSpc>
+                <a:spcPct val="100000"/>
+              </a:lnSpc>
+              <a:spcBef>
+                <a:spcPts val="0"/>
+              </a:spcBef>
+              <a:spcAft>
+                <a:spcPts val="0"/>
+              </a:spcAft>
+              <a:buClrTx/>
+              <a:buSzTx/>
+              <a:buFontTx/>
+              <a:buNone/>
+              <a:tabLst/>
+              <a:defRPr/>
+            </a:pPr>
+            <a:r>
+              <a:rPr lang="nl-BE" dirty="0" smtClean="0">
+                <a:latin typeface="Helvetica" charset="0"/>
+                <a:ea typeface="ＭＳ Ｐゴシック" charset="0"/>
+                <a:cs typeface="Helvetica" charset="0"/>
+                <a:sym typeface="Helvetica" charset="0"/>
+              </a:rPr>
+              <a:t>Bron</a:t>
+            </a:r>
+            <a:endParaRPr lang="en-US" dirty="0" smtClean="0">
+              <a:latin typeface="Helvetica" charset="0"/>
+              <a:ea typeface="ＭＳ Ｐゴシック" charset="0"/>
+              <a:cs typeface="Helvetica" charset="0"/>
+              <a:sym typeface="Helvetica" charset="0"/>
+            </a:endParaRPr>
+          </a:p>
+          <a:p>
+            <a:endParaRPr lang="en-US" dirty="0"/>
           </a:p>
         </p:txBody>
       </p:sp>
@@ -1215,7 +6360,103 @@
           <a:p>
             <a:fld id="{4E765FFB-E928-41F7-9C48-EAAB8C6B32DB}" type="slidenum">
               <a:rPr lang="en-US" smtClean="0"/>
-              <a:t>25</a:t>
+              <a:t>22</a:t>
+            </a:fld>
+            <a:endParaRPr lang="en-US"/>
+          </a:p>
+        </p:txBody>
+      </p:sp>
+    </p:spTree>
+    <p:extLst>
+      <p:ext uri="{BB962C8B-B14F-4D97-AF65-F5344CB8AC3E}">
+        <p14:creationId xmlns:p14="http://schemas.microsoft.com/office/powerpoint/2010/main" val="232502043"/>
+      </p:ext>
+    </p:extLst>
+  </p:cSld>
+  <p:clrMapOvr>
+    <a:masterClrMapping/>
+  </p:clrMapOvr>
+</p:notes>
+</file>
+
+<file path=ppt/notesSlides/notesSlide14.xml><?xml version="1.0" encoding="utf-8"?>
+<p:notes xmlns:a="http://schemas.openxmlformats.org/drawingml/2006/main" xmlns:r="http://schemas.openxmlformats.org/officeDocument/2006/relationships" xmlns:p="http://schemas.openxmlformats.org/presentationml/2006/main">
+  <p:cSld>
+    <p:spTree>
+      <p:nvGrpSpPr>
+        <p:cNvPr id="1" name=""/>
+        <p:cNvGrpSpPr/>
+        <p:nvPr/>
+      </p:nvGrpSpPr>
+      <p:grpSpPr>
+        <a:xfrm>
+          <a:off x="0" y="0"/>
+          <a:ext cx="0" cy="0"/>
+          <a:chOff x="0" y="0"/>
+          <a:chExt cx="0" cy="0"/>
+        </a:xfrm>
+      </p:grpSpPr>
+      <p:sp>
+        <p:nvSpPr>
+          <p:cNvPr id="2" name="Slide Image Placeholder 1"/>
+          <p:cNvSpPr>
+            <a:spLocks noGrp="1" noRot="1" noChangeAspect="1"/>
+          </p:cNvSpPr>
+          <p:nvPr>
+            <p:ph type="sldImg"/>
+          </p:nvPr>
+        </p:nvSpPr>
+        <p:spPr/>
+      </p:sp>
+      <p:sp>
+        <p:nvSpPr>
+          <p:cNvPr id="3" name="Notes Placeholder 2"/>
+          <p:cNvSpPr>
+            <a:spLocks noGrp="1"/>
+          </p:cNvSpPr>
+          <p:nvPr>
+            <p:ph type="body" idx="1"/>
+          </p:nvPr>
+        </p:nvSpPr>
+        <p:spPr/>
+        <p:txBody>
+          <a:bodyPr/>
+          <a:lstStyle/>
+          <a:p>
+            <a:r>
+              <a:rPr lang="nl-BE" dirty="0" smtClean="0"/>
+              <a:t>Bedankt</a:t>
+            </a:r>
+            <a:r>
+              <a:rPr lang="nl-BE" baseline="0" dirty="0" smtClean="0"/>
+              <a:t> voor </a:t>
+            </a:r>
+            <a:r>
+              <a:rPr lang="nl-BE" baseline="0" smtClean="0"/>
+              <a:t>u aandacht?</a:t>
+            </a:r>
+            <a:endParaRPr lang="en-US"/>
+          </a:p>
+        </p:txBody>
+      </p:sp>
+      <p:sp>
+        <p:nvSpPr>
+          <p:cNvPr id="4" name="Slide Number Placeholder 3"/>
+          <p:cNvSpPr>
+            <a:spLocks noGrp="1"/>
+          </p:cNvSpPr>
+          <p:nvPr>
+            <p:ph type="sldNum" sz="quarter" idx="10"/>
+          </p:nvPr>
+        </p:nvSpPr>
+        <p:spPr/>
+        <p:txBody>
+          <a:bodyPr/>
+          <a:lstStyle/>
+          <a:p>
+            <a:fld id="{4E765FFB-E928-41F7-9C48-EAAB8C6B32DB}" type="slidenum">
+              <a:rPr lang="en-US" smtClean="0"/>
+              <a:t>26</a:t>
             </a:fld>
             <a:endParaRPr lang="en-US"/>
           </a:p>
@@ -1373,7 +6614,7 @@
                   <a:t> Gevonden vergelijking: </a:t>
                 </a:r>
                 <a14:m>
-                  <m:oMath xmlns:m="http://schemas.openxmlformats.org/officeDocument/2006/math">
+                  <m:oMath xmlns:m="http://schemas.openxmlformats.org/officeDocument/2006/math" xmlns="">
                     <m:sSup>
                       <m:sSupPr>
                         <m:ctrlPr>
@@ -1608,25 +6849,7 @@
                 <a:cs typeface="Helvetica" charset="0"/>
                 <a:sym typeface="Helvetica" charset="0"/>
               </a:rPr>
-              <a:t>mention </a:t>
-            </a:r>
-            <a:r>
-              <a:rPr lang="en-US" dirty="0" smtClean="0">
-                <a:latin typeface="Helvetica" charset="0"/>
-                <a:ea typeface="ＭＳ Ｐゴシック" charset="0"/>
-                <a:cs typeface="Helvetica" charset="0"/>
-                <a:sym typeface="Helvetica" charset="0"/>
-              </a:rPr>
-              <a:t>an example for each </a:t>
-            </a:r>
-            <a:r>
-              <a:rPr lang="en-US" dirty="0" smtClean="0">
-                <a:latin typeface="Helvetica" charset="0"/>
-                <a:ea typeface="ＭＳ Ｐゴシック" charset="0"/>
-                <a:cs typeface="Helvetica" charset="0"/>
-                <a:sym typeface="Helvetica" charset="0"/>
-              </a:rPr>
-              <a:t>type</a:t>
+              <a:t>mention an example for each type</a:t>
             </a:r>
             <a:endParaRPr lang="en-US" dirty="0"/>
           </a:p>
@@ -2355,7 +7578,7 @@
           <a:p>
             <a:fld id="{19DCFD5E-870D-4395-9E30-B29FE39655A2}" type="datetimeFigureOut">
               <a:rPr lang="nl-BE" smtClean="0"/>
-              <a:t>24/10/2014</a:t>
+              <a:t>25/10/14</a:t>
             </a:fld>
             <a:endParaRPr lang="nl-BE" dirty="0"/>
           </a:p>
@@ -2563,7 +7786,7 @@
           <a:p>
             <a:fld id="{19DCFD5E-870D-4395-9E30-B29FE39655A2}" type="datetimeFigureOut">
               <a:rPr lang="nl-BE" smtClean="0"/>
-              <a:t>24/10/2014</a:t>
+              <a:t>25/10/14</a:t>
             </a:fld>
             <a:endParaRPr lang="nl-BE" dirty="0"/>
           </a:p>
@@ -2819,7 +8042,7 @@
           <a:p>
             <a:fld id="{19DCFD5E-870D-4395-9E30-B29FE39655A2}" type="datetimeFigureOut">
               <a:rPr lang="nl-BE" smtClean="0"/>
-              <a:t>24/10/2014</a:t>
+              <a:t>25/10/14</a:t>
             </a:fld>
             <a:endParaRPr lang="nl-BE" dirty="0"/>
           </a:p>
@@ -2993,7 +8216,7 @@
           <a:p>
             <a:fld id="{19DCFD5E-870D-4395-9E30-B29FE39655A2}" type="datetimeFigureOut">
               <a:rPr lang="nl-BE" smtClean="0"/>
-              <a:t>24/10/2014</a:t>
+              <a:t>25/10/14</a:t>
             </a:fld>
             <a:endParaRPr lang="nl-BE" dirty="0"/>
           </a:p>
@@ -3336,7 +8559,7 @@
           <a:p>
             <a:fld id="{19DCFD5E-870D-4395-9E30-B29FE39655A2}" type="datetimeFigureOut">
               <a:rPr lang="nl-BE" smtClean="0"/>
-              <a:t>24/10/2014</a:t>
+              <a:t>25/10/14</a:t>
             </a:fld>
             <a:endParaRPr lang="nl-BE" dirty="0"/>
           </a:p>
@@ -3611,7 +8834,7 @@
           <a:p>
             <a:fld id="{19DCFD5E-870D-4395-9E30-B29FE39655A2}" type="datetimeFigureOut">
               <a:rPr lang="nl-BE" smtClean="0"/>
-              <a:t>24/10/2014</a:t>
+              <a:t>25/10/14</a:t>
             </a:fld>
             <a:endParaRPr lang="nl-BE" dirty="0"/>
           </a:p>
@@ -3990,7 +9213,7 @@
           <a:p>
             <a:fld id="{19DCFD5E-870D-4395-9E30-B29FE39655A2}" type="datetimeFigureOut">
               <a:rPr lang="nl-BE" smtClean="0"/>
-              <a:t>24/10/2014</a:t>
+              <a:t>25/10/14</a:t>
             </a:fld>
             <a:endParaRPr lang="nl-BE" dirty="0"/>
           </a:p>
@@ -4108,7 +9331,7 @@
           <a:p>
             <a:fld id="{19DCFD5E-870D-4395-9E30-B29FE39655A2}" type="datetimeFigureOut">
               <a:rPr lang="nl-BE" smtClean="0"/>
-              <a:t>24/10/2014</a:t>
+              <a:t>25/10/14</a:t>
             </a:fld>
             <a:endParaRPr lang="nl-BE" dirty="0"/>
           </a:p>
@@ -4279,7 +9502,7 @@
           <a:p>
             <a:fld id="{19DCFD5E-870D-4395-9E30-B29FE39655A2}" type="datetimeFigureOut">
               <a:rPr lang="nl-BE" smtClean="0"/>
-              <a:t>24/10/2014</a:t>
+              <a:t>25/10/14</a:t>
             </a:fld>
             <a:endParaRPr lang="nl-BE" dirty="0"/>
           </a:p>
@@ -4633,7 +9856,7 @@
           <a:p>
             <a:fld id="{19DCFD5E-870D-4395-9E30-B29FE39655A2}" type="datetimeFigureOut">
               <a:rPr lang="nl-BE" smtClean="0"/>
-              <a:t>24/10/2014</a:t>
+              <a:t>25/10/14</a:t>
             </a:fld>
             <a:endParaRPr lang="nl-BE" dirty="0"/>
           </a:p>
@@ -5015,7 +10238,7 @@
           <a:p>
             <a:fld id="{19DCFD5E-870D-4395-9E30-B29FE39655A2}" type="datetimeFigureOut">
               <a:rPr lang="nl-BE" smtClean="0"/>
-              <a:t>24/10/2014</a:t>
+              <a:t>25/10/14</a:t>
             </a:fld>
             <a:endParaRPr lang="nl-BE" dirty="0"/>
           </a:p>
@@ -5302,7 +10525,7 @@
           <a:p>
             <a:fld id="{19DCFD5E-870D-4395-9E30-B29FE39655A2}" type="datetimeFigureOut">
               <a:rPr lang="nl-BE" smtClean="0"/>
-              <a:t>24/10/2014</a:t>
+              <a:t>25/10/14</a:t>
             </a:fld>
             <a:endParaRPr lang="nl-BE" dirty="0"/>
           </a:p>
@@ -5839,7 +11062,7 @@
         <p:spPr/>
         <p:txBody>
           <a:bodyPr>
-            <a:normAutofit/>
+            <a:normAutofit fontScale="90000"/>
           </a:bodyPr>
           <a:lstStyle/>
           <a:p>
@@ -5964,7 +11187,7 @@
   <p:timing>
     <p:tnLst>
       <p:par>
-        <p:cTn id="1" dur="indefinite" restart="never" nodeType="tmRoot"/>
+        <p:cTn xmlns:p14="http://schemas.microsoft.com/office/powerpoint/2010/main" id="1" dur="indefinite" restart="never" nodeType="tmRoot"/>
       </p:par>
     </p:tnLst>
   </p:timing>
@@ -6154,7 +11377,7 @@
   <p:timing>
     <p:tnLst>
       <p:par>
-        <p:cTn id="1" dur="indefinite" restart="never" nodeType="tmRoot">
+        <p:cTn xmlns:p14="http://schemas.microsoft.com/office/powerpoint/2010/main" id="1" dur="indefinite" restart="never" nodeType="tmRoot">
           <p:childTnLst>
             <p:seq concurrent="1" nextAc="seek">
               <p:cTn id="2" dur="indefinite" nodeType="mainSeq">
@@ -6661,7 +11884,7 @@
   <p:timing>
     <p:tnLst>
       <p:par>
-        <p:cTn id="1" dur="indefinite" restart="never" nodeType="tmRoot">
+        <p:cTn xmlns:p14="http://schemas.microsoft.com/office/powerpoint/2010/main" id="1" dur="indefinite" restart="never" nodeType="tmRoot">
           <p:childTnLst>
             <p:seq concurrent="1" nextAc="seek">
               <p:cTn id="2" dur="indefinite" nodeType="mainSeq">
@@ -7104,11 +12327,7 @@
             </a:pPr>
             <a:r>
               <a:rPr lang="nl-BE" sz="3600" b="1" dirty="0" smtClean="0"/>
-              <a:t> Spreadsheet tabel </a:t>
-            </a:r>
-            <a:r>
-              <a:rPr lang="nl-BE" sz="3600" b="1" dirty="0" smtClean="0"/>
-              <a:t>transformaties    </a:t>
+              <a:t> Spreadsheet tabel transformaties    </a:t>
             </a:r>
             <a:r>
               <a:rPr lang="nl-BE" sz="2600" dirty="0" smtClean="0"/>
@@ -7177,7 +12396,7 @@
   <p:timing>
     <p:tnLst>
       <p:par>
-        <p:cTn id="1" dur="indefinite" restart="never" nodeType="tmRoot"/>
+        <p:cTn xmlns:p14="http://schemas.microsoft.com/office/powerpoint/2010/main" id="1" dur="indefinite" restart="never" nodeType="tmRoot"/>
       </p:par>
     </p:tnLst>
   </p:timing>
@@ -7384,7 +12603,7 @@
         </p:nvSpPr>
         <p:spPr>
           <a:xfrm>
-            <a:off x="6838596" y="3459379"/>
+            <a:off x="6562525" y="3459379"/>
             <a:ext cx="3184783" cy="461665"/>
           </a:xfrm>
           <a:prstGeom prst="rect">
@@ -7403,6 +12622,61 @@
               <a:t>Voorbeeld output tabel:</a:t>
             </a:r>
             <a:endParaRPr lang="en-US" sz="2400" dirty="0"/>
+          </a:p>
+        </p:txBody>
+      </p:sp>
+      <p:graphicFrame>
+        <p:nvGraphicFramePr>
+          <p:cNvPr id="10" name="Content Placeholder 3"/>
+          <p:cNvGraphicFramePr>
+            <a:graphicFrameLocks noGrp="1"/>
+          </p:cNvGraphicFramePr>
+          <p:nvPr>
+            <p:ph idx="1"/>
+            <p:extLst>
+              <p:ext uri="{D42A27DB-BD31-4B8C-83A1-F6EECF244321}">
+                <p14:modId xmlns:p14="http://schemas.microsoft.com/office/powerpoint/2010/main" val="3698615889"/>
+              </p:ext>
+            </p:extLst>
+          </p:nvPr>
+        </p:nvGraphicFramePr>
+        <p:xfrm>
+          <a:off x="7394840" y="1860071"/>
+          <a:ext cx="2602393" cy="1605170"/>
+        </p:xfrm>
+        <a:graphic>
+          <a:graphicData uri="http://schemas.openxmlformats.org/drawingml/2006/diagram">
+            <dgm:relIds xmlns:dgm="http://schemas.openxmlformats.org/drawingml/2006/diagram" xmlns:r="http://schemas.openxmlformats.org/officeDocument/2006/relationships" r:dm="rId5" r:lo="rId6" r:qs="rId7" r:cs="rId8"/>
+          </a:graphicData>
+        </a:graphic>
+      </p:graphicFrame>
+      <p:sp>
+        <p:nvSpPr>
+          <p:cNvPr id="4" name="TextBox 3"/>
+          <p:cNvSpPr txBox="1"/>
+          <p:nvPr/>
+        </p:nvSpPr>
+        <p:spPr>
+          <a:xfrm>
+            <a:off x="10463103" y="5812215"/>
+            <a:ext cx="1601214" cy="523220"/>
+          </a:xfrm>
+          <a:prstGeom prst="rect">
+            <a:avLst/>
+          </a:prstGeom>
+          <a:noFill/>
+        </p:spPr>
+        <p:txBody>
+          <a:bodyPr wrap="square" rtlCol="0">
+            <a:spAutoFit/>
+          </a:bodyPr>
+          <a:lstStyle/>
+          <a:p>
+            <a:r>
+              <a:rPr lang="nl-BE" sz="1400" dirty="0"/>
+              <a:t>[Harris en Gulwani, CACM 11]</a:t>
+            </a:r>
+            <a:endParaRPr lang="en-US" sz="1400" dirty="0"/>
           </a:p>
         </p:txBody>
       </p:sp>
@@ -7419,9 +12693,82 @@
   <p:timing>
     <p:tnLst>
       <p:par>
-        <p:cTn id="1" dur="indefinite" restart="never" nodeType="tmRoot"/>
+        <p:cTn xmlns:p14="http://schemas.microsoft.com/office/powerpoint/2010/main" id="1" dur="indefinite" restart="never" nodeType="tmRoot">
+          <p:childTnLst>
+            <p:seq concurrent="1" nextAc="seek">
+              <p:cTn id="2" dur="indefinite" nodeType="mainSeq">
+                <p:childTnLst>
+                  <p:par>
+                    <p:cTn id="3" fill="hold">
+                      <p:stCondLst>
+                        <p:cond delay="indefinite"/>
+                      </p:stCondLst>
+                      <p:childTnLst>
+                        <p:par>
+                          <p:cTn id="4" fill="hold">
+                            <p:stCondLst>
+                              <p:cond delay="0"/>
+                            </p:stCondLst>
+                            <p:childTnLst>
+                              <p:par>
+                                <p:cTn id="5" presetID="1" presetClass="entr" presetSubtype="0" fill="hold" grpId="0" nodeType="clickEffect">
+                                  <p:stCondLst>
+                                    <p:cond delay="0"/>
+                                  </p:stCondLst>
+                                  <p:childTnLst>
+                                    <p:set>
+                                      <p:cBhvr>
+                                        <p:cTn id="6" dur="1" fill="hold">
+                                          <p:stCondLst>
+                                            <p:cond delay="0"/>
+                                          </p:stCondLst>
+                                        </p:cTn>
+                                        <p:tgtEl>
+                                          <p:spTgt spid="10"/>
+                                        </p:tgtEl>
+                                        <p:attrNameLst>
+                                          <p:attrName>style.visibility</p:attrName>
+                                        </p:attrNameLst>
+                                      </p:cBhvr>
+                                      <p:to>
+                                        <p:strVal val="visible"/>
+                                      </p:to>
+                                    </p:set>
+                                  </p:childTnLst>
+                                </p:cTn>
+                              </p:par>
+                            </p:childTnLst>
+                          </p:cTn>
+                        </p:par>
+                      </p:childTnLst>
+                    </p:cTn>
+                  </p:par>
+                </p:childTnLst>
+              </p:cTn>
+              <p:prevCondLst>
+                <p:cond evt="onPrev" delay="0">
+                  <p:tgtEl>
+                    <p:sldTgt/>
+                  </p:tgtEl>
+                </p:cond>
+              </p:prevCondLst>
+              <p:nextCondLst>
+                <p:cond evt="onNext" delay="0">
+                  <p:tgtEl>
+                    <p:sldTgt/>
+                  </p:tgtEl>
+                </p:cond>
+              </p:nextCondLst>
+            </p:seq>
+          </p:childTnLst>
+        </p:cTn>
       </p:par>
     </p:tnLst>
+    <p:bldLst>
+      <p:bldGraphic spid="10" grpId="0">
+        <p:bldAsOne/>
+      </p:bldGraphic>
+    </p:bldLst>
   </p:timing>
 </p:sld>
 </file>
@@ -7461,8 +12808,16 @@
           <a:lstStyle/>
           <a:p>
             <a:r>
-              <a:rPr lang="nl-BE" sz="6000" dirty="0" smtClean="0"/>
-              <a:t>Voorbeeldprogramma</a:t>
+              <a:rPr lang="en-US" sz="6000" dirty="0" err="1" smtClean="0"/>
+              <a:t>Tabel</a:t>
+            </a:r>
+            <a:r>
+              <a:rPr lang="en-US" sz="6000" dirty="0" smtClean="0"/>
+              <a:t> </a:t>
+            </a:r>
+            <a:r>
+              <a:rPr lang="en-US" sz="6000" dirty="0" err="1" smtClean="0"/>
+              <a:t>transformaties</a:t>
             </a:r>
             <a:endParaRPr lang="en-US" sz="6000" dirty="0"/>
           </a:p>
@@ -7490,39 +12845,32 @@
               <a:buAutoNum type="arabicPeriod"/>
             </a:pPr>
             <a:r>
-              <a:rPr lang="nl-BE" sz="3600" dirty="0" smtClean="0"/>
-              <a:t>Filterprogramma</a:t>
-            </a:r>
-          </a:p>
-          <a:p>
-            <a:pPr marL="457200" indent="-457200">
-              <a:buFont typeface="+mj-lt"/>
-              <a:buAutoNum type="arabicPeriod"/>
-            </a:pPr>
-            <a:r>
-              <a:rPr lang="nl-BE" sz="3600" dirty="0" err="1" smtClean="0"/>
-              <a:t>Mapping</a:t>
-            </a:r>
-            <a:endParaRPr lang="nl-BE" sz="3600" dirty="0" smtClean="0"/>
-          </a:p>
-          <a:p>
-            <a:pPr marL="457200" indent="-457200">
-              <a:buFont typeface="+mj-lt"/>
-              <a:buAutoNum type="arabicPeriod"/>
-            </a:pPr>
-            <a:r>
-              <a:rPr lang="nl-BE" sz="3600" dirty="0" smtClean="0"/>
-              <a:t>Relatieve functies</a:t>
-            </a:r>
-          </a:p>
-          <a:p>
-            <a:pPr marL="457200" indent="-457200">
-              <a:buFont typeface="+mj-lt"/>
-              <a:buAutoNum type="arabicPeriod"/>
-            </a:pPr>
-            <a:r>
-              <a:rPr lang="nl-BE" sz="3600" dirty="0" err="1" smtClean="0"/>
-              <a:t>ProgFromEx</a:t>
+              <a:rPr lang="en-US" sz="3600" dirty="0" err="1" smtClean="0"/>
+              <a:t>Een</a:t>
+            </a:r>
+            <a:r>
+              <a:rPr lang="en-US" sz="3600" dirty="0" smtClean="0"/>
+              <a:t> </a:t>
+            </a:r>
+            <a:r>
+              <a:rPr lang="en-US" sz="3600" dirty="0" err="1" smtClean="0"/>
+              <a:t>taal</a:t>
+            </a:r>
+            <a:r>
+              <a:rPr lang="en-US" sz="3600" dirty="0" smtClean="0"/>
+              <a:t> van </a:t>
+            </a:r>
+            <a:r>
+              <a:rPr lang="en-US" sz="3600" dirty="0" err="1" smtClean="0"/>
+              <a:t>programma’s</a:t>
+            </a:r>
+            <a:r>
+              <a:rPr lang="en-US" sz="3600" dirty="0" smtClean="0"/>
+              <a:t>: </a:t>
+            </a:r>
+            <a:r>
+              <a:rPr lang="en-US" sz="3600" dirty="0" err="1" smtClean="0"/>
+              <a:t>TableProg</a:t>
             </a:r>
             <a:endParaRPr lang="en-US" sz="3600" dirty="0"/>
           </a:p>
@@ -7541,7 +12889,7 @@
   <p:timing>
     <p:tnLst>
       <p:par>
-        <p:cTn id="1" dur="indefinite" restart="never" nodeType="tmRoot">
+        <p:cTn xmlns:p14="http://schemas.microsoft.com/office/powerpoint/2010/main" id="1" dur="indefinite" restart="never" nodeType="tmRoot">
           <p:childTnLst>
             <p:seq concurrent="1" nextAc="seek">
               <p:cTn id="2" dur="indefinite" nodeType="mainSeq">
@@ -7575,153 +12923,6 @@
                                           <p:spTgt spid="3">
                                             <p:txEl>
                                               <p:pRg st="0" end="0"/>
-                                            </p:txEl>
-                                          </p:spTgt>
-                                        </p:tgtEl>
-                                        <p:attrNameLst>
-                                          <p:attrName>style.visibility</p:attrName>
-                                        </p:attrNameLst>
-                                      </p:cBhvr>
-                                      <p:to>
-                                        <p:strVal val="visible"/>
-                                      </p:to>
-                                    </p:set>
-                                  </p:childTnLst>
-                                </p:cTn>
-                              </p:par>
-                            </p:childTnLst>
-                          </p:cTn>
-                        </p:par>
-                      </p:childTnLst>
-                    </p:cTn>
-                  </p:par>
-                  <p:par>
-                    <p:cTn id="7" fill="hold">
-                      <p:stCondLst>
-                        <p:cond delay="indefinite"/>
-                      </p:stCondLst>
-                      <p:childTnLst>
-                        <p:par>
-                          <p:cTn id="8" fill="hold">
-                            <p:stCondLst>
-                              <p:cond delay="0"/>
-                            </p:stCondLst>
-                            <p:childTnLst>
-                              <p:par>
-                                <p:cTn id="9" presetID="1" presetClass="entr" presetSubtype="0" fill="hold" grpId="0" nodeType="clickEffect">
-                                  <p:stCondLst>
-                                    <p:cond delay="0"/>
-                                  </p:stCondLst>
-                                  <p:childTnLst>
-                                    <p:set>
-                                      <p:cBhvr>
-                                        <p:cTn id="10" dur="1" fill="hold">
-                                          <p:stCondLst>
-                                            <p:cond delay="0"/>
-                                          </p:stCondLst>
-                                        </p:cTn>
-                                        <p:tgtEl>
-                                          <p:spTgt spid="3">
-                                            <p:txEl>
-                                              <p:pRg st="1" end="1"/>
-                                            </p:txEl>
-                                          </p:spTgt>
-                                        </p:tgtEl>
-                                        <p:attrNameLst>
-                                          <p:attrName>style.visibility</p:attrName>
-                                        </p:attrNameLst>
-                                      </p:cBhvr>
-                                      <p:to>
-                                        <p:strVal val="visible"/>
-                                      </p:to>
-                                    </p:set>
-                                  </p:childTnLst>
-                                </p:cTn>
-                              </p:par>
-                            </p:childTnLst>
-                          </p:cTn>
-                        </p:par>
-                      </p:childTnLst>
-                    </p:cTn>
-                  </p:par>
-                  <p:par>
-                    <p:cTn id="11" fill="hold">
-                      <p:stCondLst>
-                        <p:cond delay="indefinite"/>
-                      </p:stCondLst>
-                      <p:childTnLst>
-                        <p:par>
-                          <p:cTn id="12" fill="hold">
-                            <p:stCondLst>
-                              <p:cond delay="0"/>
-                            </p:stCondLst>
-                            <p:childTnLst>
-                              <p:par>
-                                <p:cTn id="13" presetID="1" presetClass="entr" presetSubtype="0" fill="hold" grpId="0" nodeType="clickEffect">
-                                  <p:stCondLst>
-                                    <p:cond delay="0"/>
-                                  </p:stCondLst>
-                                  <p:childTnLst>
-                                    <p:set>
-                                      <p:cBhvr>
-                                        <p:cTn id="14" dur="1" fill="hold">
-                                          <p:stCondLst>
-                                            <p:cond delay="0"/>
-                                          </p:stCondLst>
-                                        </p:cTn>
-                                        <p:tgtEl>
-                                          <p:spTgt spid="3">
-                                            <p:txEl>
-                                              <p:pRg st="2" end="2"/>
-                                            </p:txEl>
-                                          </p:spTgt>
-                                        </p:tgtEl>
-                                        <p:attrNameLst>
-                                          <p:attrName>style.visibility</p:attrName>
-                                        </p:attrNameLst>
-                                      </p:cBhvr>
-                                      <p:to>
-                                        <p:strVal val="visible"/>
-                                      </p:to>
-                                    </p:set>
-                                  </p:childTnLst>
-                                </p:cTn>
-                              </p:par>
-                            </p:childTnLst>
-                          </p:cTn>
-                        </p:par>
-                      </p:childTnLst>
-                    </p:cTn>
-                  </p:par>
-                  <p:par>
-                    <p:cTn id="15" fill="hold">
-                      <p:stCondLst>
-                        <p:cond delay="indefinite"/>
-                      </p:stCondLst>
-                      <p:childTnLst>
-                        <p:par>
-                          <p:cTn id="16" fill="hold">
-                            <p:stCondLst>
-                              <p:cond delay="0"/>
-                            </p:stCondLst>
-                            <p:childTnLst>
-                              <p:par>
-                                <p:cTn id="17" presetID="1" presetClass="entr" presetSubtype="0" fill="hold" grpId="0" nodeType="clickEffect">
-                                  <p:stCondLst>
-                                    <p:cond delay="0"/>
-                                  </p:stCondLst>
-                                  <p:childTnLst>
-                                    <p:set>
-                                      <p:cBhvr>
-                                        <p:cTn id="18" dur="1" fill="hold">
-                                          <p:stCondLst>
-                                            <p:cond delay="0"/>
-                                          </p:stCondLst>
-                                        </p:cTn>
-                                        <p:tgtEl>
-                                          <p:spTgt spid="3">
-                                            <p:txEl>
-                                              <p:pRg st="3" end="3"/>
                                             </p:txEl>
                                           </p:spTgt>
                                         </p:tgtEl>
@@ -7844,6 +13045,36 @@
           </a:prstGeom>
         </p:spPr>
       </p:pic>
+      <p:sp>
+        <p:nvSpPr>
+          <p:cNvPr id="5" name="TextBox 4"/>
+          <p:cNvSpPr txBox="1"/>
+          <p:nvPr/>
+        </p:nvSpPr>
+        <p:spPr>
+          <a:xfrm>
+            <a:off x="8199318" y="5743186"/>
+            <a:ext cx="1601214" cy="523220"/>
+          </a:xfrm>
+          <a:prstGeom prst="rect">
+            <a:avLst/>
+          </a:prstGeom>
+          <a:noFill/>
+        </p:spPr>
+        <p:txBody>
+          <a:bodyPr wrap="square" rtlCol="0">
+            <a:spAutoFit/>
+          </a:bodyPr>
+          <a:lstStyle/>
+          <a:p>
+            <a:r>
+              <a:rPr lang="nl-BE" sz="1400" dirty="0"/>
+              <a:t>[Harris en Gulwani, CACM 11]</a:t>
+            </a:r>
+            <a:endParaRPr lang="en-US" sz="1400" dirty="0"/>
+          </a:p>
+        </p:txBody>
+      </p:sp>
     </p:spTree>
     <p:extLst>
       <p:ext uri="{BB962C8B-B14F-4D97-AF65-F5344CB8AC3E}">
@@ -7857,7 +13088,7 @@
   <p:timing>
     <p:tnLst>
       <p:par>
-        <p:cTn id="1" dur="indefinite" restart="never" nodeType="tmRoot"/>
+        <p:cTn xmlns:p14="http://schemas.microsoft.com/office/powerpoint/2010/main" id="1" dur="indefinite" restart="never" nodeType="tmRoot"/>
       </p:par>
     </p:tnLst>
   </p:timing>
@@ -7966,6 +13197,36 @@
           </a:prstGeom>
         </p:spPr>
       </p:pic>
+      <p:sp>
+        <p:nvSpPr>
+          <p:cNvPr id="5" name="TextBox 4"/>
+          <p:cNvSpPr txBox="1"/>
+          <p:nvPr/>
+        </p:nvSpPr>
+        <p:spPr>
+          <a:xfrm>
+            <a:off x="7219263" y="5425654"/>
+            <a:ext cx="2705499" cy="307777"/>
+          </a:xfrm>
+          <a:prstGeom prst="rect">
+            <a:avLst/>
+          </a:prstGeom>
+          <a:noFill/>
+        </p:spPr>
+        <p:txBody>
+          <a:bodyPr wrap="square" rtlCol="0">
+            <a:spAutoFit/>
+          </a:bodyPr>
+          <a:lstStyle/>
+          <a:p>
+            <a:r>
+              <a:rPr lang="nl-BE" sz="1400" dirty="0"/>
+              <a:t>[Harris en Gulwani, CACM 11]</a:t>
+            </a:r>
+            <a:endParaRPr lang="en-US" sz="1400" dirty="0"/>
+          </a:p>
+        </p:txBody>
+      </p:sp>
     </p:spTree>
     <p:extLst>
       <p:ext uri="{BB962C8B-B14F-4D97-AF65-F5344CB8AC3E}">
@@ -7979,7 +13240,7 @@
   <p:timing>
     <p:tnLst>
       <p:par>
-        <p:cTn id="1" dur="indefinite" restart="never" nodeType="tmRoot"/>
+        <p:cTn xmlns:p14="http://schemas.microsoft.com/office/powerpoint/2010/main" id="1" dur="indefinite" restart="never" nodeType="tmRoot"/>
       </p:par>
     </p:tnLst>
   </p:timing>
@@ -8021,10 +13282,18 @@
           <a:lstStyle/>
           <a:p>
             <a:r>
-              <a:rPr lang="nl-BE" sz="6000" dirty="0" smtClean="0"/>
-              <a:t>Overzicht</a:t>
-            </a:r>
-            <a:endParaRPr lang="nl-BE" sz="6000" dirty="0"/>
+              <a:rPr lang="en-US" sz="6000" dirty="0" err="1" smtClean="0"/>
+              <a:t>Tabel</a:t>
+            </a:r>
+            <a:r>
+              <a:rPr lang="en-US" sz="6000" dirty="0" smtClean="0"/>
+              <a:t> </a:t>
+            </a:r>
+            <a:r>
+              <a:rPr lang="en-US" sz="6000" dirty="0" err="1" smtClean="0"/>
+              <a:t>transformaties</a:t>
+            </a:r>
+            <a:endParaRPr lang="en-US" sz="6000" dirty="0"/>
           </a:p>
         </p:txBody>
       </p:sp>
@@ -8045,110 +13314,59 @@
           </a:bodyPr>
           <a:lstStyle/>
           <a:p>
-            <a:pPr>
-              <a:buFont typeface="Arial" panose="020B0604020202020204" pitchFamily="34" charset="0"/>
-              <a:buChar char="•"/>
+            <a:pPr marL="457200" indent="-457200">
+              <a:buFont typeface="+mj-lt"/>
+              <a:buAutoNum type="arabicPeriod"/>
             </a:pPr>
             <a:r>
-              <a:rPr lang="nl-BE" sz="3600" dirty="0" smtClean="0"/>
-              <a:t> Ons </a:t>
-            </a:r>
-            <a:r>
-              <a:rPr lang="nl-BE" sz="3600" dirty="0"/>
-              <a:t>doel</a:t>
-            </a:r>
-            <a:endParaRPr lang="nl-BE" sz="3600" dirty="0" smtClean="0"/>
-          </a:p>
-          <a:p>
-            <a:pPr>
-              <a:buFont typeface="Arial" panose="020B0604020202020204" pitchFamily="34" charset="0"/>
-              <a:buChar char="•"/>
+              <a:rPr lang="en-US" sz="3600" dirty="0" err="1" smtClean="0"/>
+              <a:t>TableProg</a:t>
+            </a:r>
+            <a:endParaRPr lang="en-US" sz="3600" dirty="0" smtClean="0"/>
+          </a:p>
+          <a:p>
+            <a:pPr marL="457200" indent="-457200">
+              <a:buFont typeface="+mj-lt"/>
+              <a:buAutoNum type="arabicPeriod"/>
             </a:pPr>
             <a:r>
-              <a:rPr lang="nl-BE" sz="3600" dirty="0"/>
-              <a:t> </a:t>
-            </a:r>
-            <a:r>
-              <a:rPr lang="nl-BE" sz="3600" dirty="0" err="1" smtClean="0"/>
-              <a:t>Example-based</a:t>
-            </a:r>
-            <a:r>
-              <a:rPr lang="nl-BE" sz="3600" dirty="0" smtClean="0"/>
-              <a:t> </a:t>
-            </a:r>
-            <a:r>
-              <a:rPr lang="nl-BE" sz="3600" dirty="0" err="1" smtClean="0"/>
-              <a:t>learning</a:t>
-            </a:r>
-            <a:endParaRPr lang="nl-BE" sz="3600" dirty="0" smtClean="0"/>
-          </a:p>
-          <a:p>
-            <a:pPr>
-              <a:buFont typeface="Arial" panose="020B0604020202020204" pitchFamily="34" charset="0"/>
-              <a:buChar char="•"/>
+              <a:rPr lang="en-US" sz="3600" dirty="0" err="1" smtClean="0"/>
+              <a:t>Algoritme</a:t>
+            </a:r>
+            <a:r>
+              <a:rPr lang="en-US" sz="3600" dirty="0" smtClean="0"/>
+              <a:t>: </a:t>
+            </a:r>
+            <a:r>
+              <a:rPr lang="en-US" sz="3600" dirty="0" err="1" smtClean="0"/>
+              <a:t>ProgFromEx</a:t>
+            </a:r>
+            <a:endParaRPr lang="en-US" sz="3400" dirty="0" smtClean="0"/>
+          </a:p>
+          <a:p>
+            <a:pPr marL="457200" indent="-457200">
+              <a:buFont typeface="+mj-lt"/>
+              <a:buAutoNum type="arabicPeriod"/>
             </a:pPr>
             <a:r>
-              <a:rPr lang="nl-BE" sz="3600" dirty="0" smtClean="0"/>
-              <a:t> Spreadsheet tabel transformaties </a:t>
-            </a:r>
-            <a:endParaRPr lang="nl-BE" sz="3600" dirty="0"/>
-          </a:p>
-          <a:p>
-            <a:pPr>
-              <a:buFont typeface="Arial" panose="020B0604020202020204" pitchFamily="34" charset="0"/>
-              <a:buChar char="•"/>
+              <a:rPr lang="en-US" sz="3600" dirty="0" err="1" smtClean="0"/>
+              <a:t>Experimenten</a:t>
+            </a:r>
+            <a:endParaRPr lang="en-US" sz="3600" dirty="0" smtClean="0"/>
+          </a:p>
+          <a:p>
+            <a:pPr marL="457200" indent="-457200">
+              <a:buFont typeface="+mj-lt"/>
+              <a:buAutoNum type="arabicPeriod"/>
             </a:pPr>
-            <a:r>
-              <a:rPr lang="nl-BE" sz="3600" b="1" dirty="0" smtClean="0"/>
-              <a:t> </a:t>
-            </a:r>
-            <a:r>
-              <a:rPr lang="nl-BE" sz="3600" b="1" dirty="0" err="1" smtClean="0"/>
-              <a:t>Equation</a:t>
-            </a:r>
-            <a:r>
-              <a:rPr lang="nl-BE" sz="3600" b="1" dirty="0" smtClean="0"/>
-              <a:t> </a:t>
-            </a:r>
-            <a:r>
-              <a:rPr lang="nl-BE" sz="3600" b="1" dirty="0" err="1" smtClean="0"/>
-              <a:t>discovery</a:t>
-            </a:r>
-            <a:r>
-              <a:rPr lang="nl-BE" sz="3600" b="1" dirty="0" smtClean="0"/>
-              <a:t> 			       </a:t>
-            </a:r>
-            <a:r>
-              <a:rPr lang="nl-BE" sz="2600" dirty="0" smtClean="0"/>
-              <a:t>[</a:t>
-            </a:r>
-            <a:r>
-              <a:rPr lang="nl-BE" sz="2600" dirty="0" err="1" smtClean="0"/>
-              <a:t>Todorovski</a:t>
-            </a:r>
-            <a:r>
-              <a:rPr lang="nl-BE" sz="2600" dirty="0" smtClean="0"/>
-              <a:t>, LNAI 07]</a:t>
-            </a:r>
-            <a:endParaRPr lang="nl-BE" sz="2600" b="1" dirty="0"/>
-          </a:p>
-          <a:p>
-            <a:pPr>
-              <a:buFont typeface="Arial" panose="020B0604020202020204" pitchFamily="34" charset="0"/>
-              <a:buChar char="•"/>
-            </a:pPr>
-            <a:r>
-              <a:rPr lang="nl-BE" sz="3600" dirty="0" smtClean="0"/>
-              <a:t> Conclusie</a:t>
-            </a:r>
-            <a:endParaRPr lang="nl-BE" sz="3600" dirty="0"/>
+            <a:endParaRPr lang="en-US" sz="3600" dirty="0"/>
           </a:p>
         </p:txBody>
       </p:sp>
     </p:spTree>
     <p:extLst>
       <p:ext uri="{BB962C8B-B14F-4D97-AF65-F5344CB8AC3E}">
-        <p14:creationId xmlns:p14="http://schemas.microsoft.com/office/powerpoint/2010/main" val="3555704593"/>
+        <p14:creationId xmlns:p14="http://schemas.microsoft.com/office/powerpoint/2010/main" val="1880517154"/>
       </p:ext>
     </p:extLst>
   </p:cSld>
@@ -8158,9 +13376,133 @@
   <p:timing>
     <p:tnLst>
       <p:par>
-        <p:cTn id="1" dur="indefinite" restart="never" nodeType="tmRoot"/>
+        <p:cTn xmlns:p14="http://schemas.microsoft.com/office/powerpoint/2010/main" id="1" dur="indefinite" restart="never" nodeType="tmRoot">
+          <p:childTnLst>
+            <p:seq concurrent="1" nextAc="seek">
+              <p:cTn id="2" dur="indefinite" nodeType="mainSeq">
+                <p:childTnLst>
+                  <p:par>
+                    <p:cTn id="3" fill="hold">
+                      <p:stCondLst>
+                        <p:cond delay="indefinite"/>
+                      </p:stCondLst>
+                      <p:childTnLst>
+                        <p:par>
+                          <p:cTn id="4" fill="hold">
+                            <p:stCondLst>
+                              <p:cond delay="0"/>
+                            </p:stCondLst>
+                            <p:childTnLst>
+                              <p:par>
+                                <p:cTn id="5" presetID="1" presetClass="entr" presetSubtype="0" fill="hold" grpId="0" nodeType="clickEffect">
+                                  <p:stCondLst>
+                                    <p:cond delay="0"/>
+                                  </p:stCondLst>
+                                  <p:childTnLst>
+                                    <p:set>
+                                      <p:cBhvr>
+                                        <p:cTn id="6" dur="1" fill="hold">
+                                          <p:stCondLst>
+                                            <p:cond delay="0"/>
+                                          </p:stCondLst>
+                                        </p:cTn>
+                                        <p:tgtEl>
+                                          <p:spTgt spid="3">
+                                            <p:txEl>
+                                              <p:pRg st="1" end="1"/>
+                                            </p:txEl>
+                                          </p:spTgt>
+                                        </p:tgtEl>
+                                        <p:attrNameLst>
+                                          <p:attrName>style.visibility</p:attrName>
+                                        </p:attrNameLst>
+                                      </p:cBhvr>
+                                      <p:to>
+                                        <p:strVal val="visible"/>
+                                      </p:to>
+                                    </p:set>
+                                  </p:childTnLst>
+                                </p:cTn>
+                              </p:par>
+                            </p:childTnLst>
+                          </p:cTn>
+                        </p:par>
+                      </p:childTnLst>
+                    </p:cTn>
+                  </p:par>
+                  <p:par>
+                    <p:cTn id="7" fill="hold">
+                      <p:stCondLst>
+                        <p:cond delay="indefinite"/>
+                      </p:stCondLst>
+                      <p:childTnLst>
+                        <p:par>
+                          <p:cTn id="8" fill="hold">
+                            <p:stCondLst>
+                              <p:cond delay="0"/>
+                            </p:stCondLst>
+                            <p:childTnLst>
+                              <p:par>
+                                <p:cTn id="9" presetID="1" presetClass="entr" presetSubtype="0" fill="hold" grpId="0" nodeType="clickEffect">
+                                  <p:stCondLst>
+                                    <p:cond delay="0"/>
+                                  </p:stCondLst>
+                                  <p:childTnLst>
+                                    <p:set>
+                                      <p:cBhvr>
+                                        <p:cTn id="10" dur="1" fill="hold">
+                                          <p:stCondLst>
+                                            <p:cond delay="0"/>
+                                          </p:stCondLst>
+                                        </p:cTn>
+                                        <p:tgtEl>
+                                          <p:spTgt spid="3">
+                                            <p:txEl>
+                                              <p:pRg st="2" end="2"/>
+                                            </p:txEl>
+                                          </p:spTgt>
+                                        </p:tgtEl>
+                                        <p:attrNameLst>
+                                          <p:attrName>style.visibility</p:attrName>
+                                        </p:attrNameLst>
+                                      </p:cBhvr>
+                                      <p:to>
+                                        <p:strVal val="visible"/>
+                                      </p:to>
+                                    </p:set>
+                                  </p:childTnLst>
+                                </p:cTn>
+                              </p:par>
+                            </p:childTnLst>
+                          </p:cTn>
+                        </p:par>
+                      </p:childTnLst>
+                    </p:cTn>
+                  </p:par>
+                </p:childTnLst>
+              </p:cTn>
+              <p:prevCondLst>
+                <p:cond evt="onPrev" delay="0">
+                  <p:tgtEl>
+                    <p:sldTgt/>
+                  </p:tgtEl>
+                </p:cond>
+              </p:prevCondLst>
+              <p:nextCondLst>
+                <p:cond evt="onNext" delay="0">
+                  <p:tgtEl>
+                    <p:sldTgt/>
+                  </p:tgtEl>
+                </p:cond>
+              </p:nextCondLst>
+            </p:seq>
+          </p:childTnLst>
+        </p:cTn>
       </p:par>
     </p:tnLst>
+    <p:bldLst>
+      <p:bldP spid="3" grpId="0" build="p"/>
+    </p:bldLst>
   </p:timing>
 </p:sld>
 </file>
@@ -8194,14 +13536,16 @@
         </p:nvSpPr>
         <p:spPr/>
         <p:txBody>
-          <a:bodyPr/>
+          <a:bodyPr>
+            <a:normAutofit/>
+          </a:bodyPr>
           <a:lstStyle/>
           <a:p>
             <a:r>
               <a:rPr lang="nl-BE" sz="6000" dirty="0" smtClean="0"/>
-              <a:t>Definitie</a:t>
-            </a:r>
-            <a:endParaRPr lang="en-US" dirty="0"/>
+              <a:t>Overzicht</a:t>
+            </a:r>
+            <a:endParaRPr lang="nl-BE" sz="6000" dirty="0"/>
           </a:p>
         </p:txBody>
       </p:sp>
@@ -8215,86 +13559,117 @@
             <p:ph idx="1"/>
           </p:nvPr>
         </p:nvSpPr>
-        <p:spPr>
-          <a:xfrm>
-            <a:off x="1097280" y="2167023"/>
-            <a:ext cx="10058400" cy="2523954"/>
-          </a:xfrm>
-        </p:spPr>
+        <p:spPr/>
         <p:txBody>
           <a:bodyPr>
-            <a:noAutofit/>
+            <a:normAutofit/>
           </a:bodyPr>
           <a:lstStyle/>
           <a:p>
-            <a:pPr marL="0" indent="0" algn="ctr">
-              <a:spcBef>
-                <a:spcPts val="0"/>
-              </a:spcBef>
-              <a:spcAft>
-                <a:spcPts val="0"/>
-              </a:spcAft>
-              <a:buNone/>
+            <a:pPr>
+              <a:buFont typeface="Arial" panose="020B0604020202020204" pitchFamily="34" charset="0"/>
+              <a:buChar char="•"/>
             </a:pPr>
             <a:r>
-              <a:rPr lang="en-US" sz="3600" i="1" dirty="0" smtClean="0"/>
-              <a:t>“</a:t>
-            </a:r>
-            <a:r>
-              <a:rPr lang="en-US" sz="3600" b="1" i="1" dirty="0" smtClean="0"/>
-              <a:t>Equation </a:t>
-            </a:r>
-            <a:r>
-              <a:rPr lang="en-US" sz="3600" b="1" i="1" dirty="0"/>
-              <a:t>discovery </a:t>
-            </a:r>
-            <a:r>
-              <a:rPr lang="en-US" sz="3600" i="1" dirty="0"/>
-              <a:t>is a machine learning task that deals with the problem of learning </a:t>
-            </a:r>
-            <a:r>
-              <a:rPr lang="en-US" sz="3600" b="1" i="1" dirty="0"/>
-              <a:t>quantitative laws and models</a:t>
-            </a:r>
-            <a:r>
-              <a:rPr lang="en-US" sz="3600" i="1" dirty="0"/>
-              <a:t>, expressed in the form of equations, in collections of measured </a:t>
-            </a:r>
-            <a:r>
-              <a:rPr lang="en-US" sz="3600" b="1" i="1" dirty="0"/>
-              <a:t>numeric data</a:t>
-            </a:r>
-            <a:r>
-              <a:rPr lang="en-US" sz="3600" i="1" dirty="0" smtClean="0"/>
-              <a:t>.” </a:t>
-            </a:r>
-          </a:p>
-          <a:p>
-            <a:pPr marL="0" indent="0" algn="ctr">
-              <a:spcBef>
-                <a:spcPts val="0"/>
-              </a:spcBef>
-              <a:spcAft>
-                <a:spcPts val="0"/>
-              </a:spcAft>
-              <a:buNone/>
+              <a:rPr lang="nl-BE" sz="3600" dirty="0" smtClean="0"/>
+              <a:t> Ons </a:t>
+            </a:r>
+            <a:r>
+              <a:rPr lang="nl-BE" sz="3600" dirty="0"/>
+              <a:t>doel</a:t>
+            </a:r>
+            <a:endParaRPr lang="nl-BE" sz="3600" dirty="0" smtClean="0"/>
+          </a:p>
+          <a:p>
+            <a:pPr>
+              <a:buFont typeface="Arial" panose="020B0604020202020204" pitchFamily="34" charset="0"/>
+              <a:buChar char="•"/>
             </a:pPr>
             <a:r>
-              <a:rPr lang="en-US" sz="3600" i="1" dirty="0" smtClean="0"/>
-              <a:t>– </a:t>
-            </a:r>
-            <a:r>
-              <a:rPr lang="en-US" sz="3600" dirty="0" smtClean="0"/>
-              <a:t>Encyclopedia of machine learning</a:t>
-            </a:r>
-            <a:endParaRPr lang="en-US" sz="3600" dirty="0"/>
+              <a:rPr lang="nl-BE" sz="3600" dirty="0"/>
+              <a:t> </a:t>
+            </a:r>
+            <a:r>
+              <a:rPr lang="nl-BE" sz="3600" dirty="0" err="1" smtClean="0"/>
+              <a:t>Example-based</a:t>
+            </a:r>
+            <a:r>
+              <a:rPr lang="nl-BE" sz="3600" dirty="0" smtClean="0"/>
+              <a:t> </a:t>
+            </a:r>
+            <a:r>
+              <a:rPr lang="nl-BE" sz="3600" dirty="0" err="1" smtClean="0"/>
+              <a:t>learning</a:t>
+            </a:r>
+            <a:endParaRPr lang="nl-BE" sz="3600" dirty="0" smtClean="0"/>
+          </a:p>
+          <a:p>
+            <a:pPr>
+              <a:buFont typeface="Arial" panose="020B0604020202020204" pitchFamily="34" charset="0"/>
+              <a:buChar char="•"/>
+            </a:pPr>
+            <a:r>
+              <a:rPr lang="nl-BE" sz="3600" dirty="0" smtClean="0"/>
+              <a:t> Spreadsheet tabel transformaties </a:t>
+            </a:r>
+            <a:endParaRPr lang="nl-BE" sz="3600" dirty="0"/>
+          </a:p>
+          <a:p>
+            <a:pPr>
+              <a:buFont typeface="Arial" panose="020B0604020202020204" pitchFamily="34" charset="0"/>
+              <a:buChar char="•"/>
+            </a:pPr>
+            <a:r>
+              <a:rPr lang="nl-BE" sz="3600" b="1" dirty="0" smtClean="0"/>
+              <a:t> </a:t>
+            </a:r>
+            <a:r>
+              <a:rPr lang="nl-BE" sz="3600" b="1" dirty="0" err="1" smtClean="0"/>
+              <a:t>Equation</a:t>
+            </a:r>
+            <a:r>
+              <a:rPr lang="nl-BE" sz="3600" b="1" dirty="0" smtClean="0"/>
+              <a:t> </a:t>
+            </a:r>
+            <a:r>
+              <a:rPr lang="nl-BE" sz="3600" b="1" dirty="0" err="1" smtClean="0"/>
+              <a:t>discovery</a:t>
+            </a:r>
+            <a:r>
+              <a:rPr lang="nl-BE" sz="3600" b="1" dirty="0" smtClean="0"/>
+              <a:t> 			       </a:t>
+            </a:r>
+            <a:r>
+              <a:rPr lang="nl-BE" sz="2600" dirty="0" smtClean="0"/>
+              <a:t>[</a:t>
+            </a:r>
+            <a:r>
+              <a:rPr lang="nl-BE" sz="2600" dirty="0" err="1" smtClean="0"/>
+              <a:t>Todorovski</a:t>
+            </a:r>
+            <a:r>
+              <a:rPr lang="nl-BE" sz="2600" dirty="0" smtClean="0"/>
+              <a:t>, LNAI 07]</a:t>
+            </a:r>
+            <a:endParaRPr lang="nl-BE" sz="2600" b="1" dirty="0"/>
+          </a:p>
+          <a:p>
+            <a:pPr>
+              <a:buFont typeface="Arial" panose="020B0604020202020204" pitchFamily="34" charset="0"/>
+              <a:buChar char="•"/>
+            </a:pPr>
+            <a:r>
+              <a:rPr lang="nl-BE" sz="3600" dirty="0" smtClean="0"/>
+              <a:t> Conclusie</a:t>
+            </a:r>
+            <a:endParaRPr lang="nl-BE" sz="3600" dirty="0"/>
           </a:p>
         </p:txBody>
       </p:sp>
     </p:spTree>
     <p:extLst>
       <p:ext uri="{BB962C8B-B14F-4D97-AF65-F5344CB8AC3E}">
-        <p14:creationId xmlns:p14="http://schemas.microsoft.com/office/powerpoint/2010/main" val="3033113370"/>
+        <p14:creationId xmlns:p14="http://schemas.microsoft.com/office/powerpoint/2010/main" val="3555704593"/>
       </p:ext>
     </p:extLst>
   </p:cSld>
@@ -8304,7 +13679,7 @@
   <p:timing>
     <p:tnLst>
       <p:par>
-        <p:cTn id="1" dur="indefinite" restart="never" nodeType="tmRoot"/>
+        <p:cTn xmlns:p14="http://schemas.microsoft.com/office/powerpoint/2010/main" id="1" dur="indefinite" restart="never" nodeType="tmRoot"/>
       </p:par>
     </p:tnLst>
   </p:timing>
@@ -8340,6 +13715,314 @@
         </p:nvSpPr>
         <p:spPr/>
         <p:txBody>
+          <a:bodyPr/>
+          <a:lstStyle/>
+          <a:p>
+            <a:r>
+              <a:rPr lang="nl-BE" sz="6000" dirty="0" smtClean="0"/>
+              <a:t>Definitie</a:t>
+            </a:r>
+            <a:endParaRPr lang="en-US" dirty="0"/>
+          </a:p>
+        </p:txBody>
+      </p:sp>
+      <p:sp>
+        <p:nvSpPr>
+          <p:cNvPr id="3" name="Content Placeholder 2"/>
+          <p:cNvSpPr>
+            <a:spLocks noGrp="1"/>
+          </p:cNvSpPr>
+          <p:nvPr>
+            <p:ph idx="1"/>
+          </p:nvPr>
+        </p:nvSpPr>
+        <p:spPr>
+          <a:xfrm>
+            <a:off x="1097280" y="2167023"/>
+            <a:ext cx="10058400" cy="2523954"/>
+          </a:xfrm>
+        </p:spPr>
+        <p:txBody>
+          <a:bodyPr>
+            <a:noAutofit/>
+          </a:bodyPr>
+          <a:lstStyle/>
+          <a:p>
+            <a:pPr marL="0" indent="0" algn="ctr">
+              <a:spcBef>
+                <a:spcPts val="0"/>
+              </a:spcBef>
+              <a:spcAft>
+                <a:spcPts val="0"/>
+              </a:spcAft>
+              <a:buNone/>
+            </a:pPr>
+            <a:r>
+              <a:rPr lang="en-US" sz="3600" i="1" dirty="0" smtClean="0"/>
+              <a:t>“</a:t>
+            </a:r>
+            <a:r>
+              <a:rPr lang="en-US" sz="3600" b="1" i="1" dirty="0" smtClean="0"/>
+              <a:t>Equation </a:t>
+            </a:r>
+            <a:r>
+              <a:rPr lang="en-US" sz="3600" b="1" i="1" dirty="0"/>
+              <a:t>discovery </a:t>
+            </a:r>
+            <a:r>
+              <a:rPr lang="en-US" sz="3600" i="1" dirty="0"/>
+              <a:t>is a machine learning task that deals with the problem of learning </a:t>
+            </a:r>
+            <a:r>
+              <a:rPr lang="en-US" sz="3600" b="1" i="1" dirty="0"/>
+              <a:t>quantitative laws and models</a:t>
+            </a:r>
+            <a:r>
+              <a:rPr lang="en-US" sz="3600" i="1" dirty="0"/>
+              <a:t>, expressed in the form of equations, in collections of measured </a:t>
+            </a:r>
+            <a:r>
+              <a:rPr lang="en-US" sz="3600" b="1" i="1" dirty="0"/>
+              <a:t>numeric data</a:t>
+            </a:r>
+            <a:r>
+              <a:rPr lang="en-US" sz="3600" i="1" dirty="0" smtClean="0"/>
+              <a:t>.” </a:t>
+            </a:r>
+          </a:p>
+          <a:p>
+            <a:pPr marL="0" indent="0" algn="ctr">
+              <a:spcBef>
+                <a:spcPts val="0"/>
+              </a:spcBef>
+              <a:spcAft>
+                <a:spcPts val="0"/>
+              </a:spcAft>
+              <a:buNone/>
+            </a:pPr>
+            <a:r>
+              <a:rPr lang="en-US" sz="3600" i="1" dirty="0" smtClean="0"/>
+              <a:t>– </a:t>
+            </a:r>
+            <a:r>
+              <a:rPr lang="en-US" sz="3600" dirty="0" smtClean="0"/>
+              <a:t>Encyclopedia of machine learning</a:t>
+            </a:r>
+            <a:endParaRPr lang="en-US" sz="3600" dirty="0"/>
+          </a:p>
+        </p:txBody>
+      </p:sp>
+    </p:spTree>
+    <p:extLst>
+      <p:ext uri="{BB962C8B-B14F-4D97-AF65-F5344CB8AC3E}">
+        <p14:creationId xmlns:p14="http://schemas.microsoft.com/office/powerpoint/2010/main" val="3033113370"/>
+      </p:ext>
+    </p:extLst>
+  </p:cSld>
+  <p:clrMapOvr>
+    <a:masterClrMapping/>
+  </p:clrMapOvr>
+  <p:timing>
+    <p:tnLst>
+      <p:par>
+        <p:cTn xmlns:p14="http://schemas.microsoft.com/office/powerpoint/2010/main" id="1" dur="indefinite" restart="never" nodeType="tmRoot"/>
+      </p:par>
+    </p:tnLst>
+  </p:timing>
+</p:sld>
+</file>
+
+<file path=ppt/slides/slide2.xml><?xml version="1.0" encoding="utf-8"?>
+<p:sld xmlns:a="http://schemas.openxmlformats.org/drawingml/2006/main" xmlns:r="http://schemas.openxmlformats.org/officeDocument/2006/relationships" xmlns:p="http://schemas.openxmlformats.org/presentationml/2006/main">
+  <p:cSld>
+    <p:spTree>
+      <p:nvGrpSpPr>
+        <p:cNvPr id="1" name=""/>
+        <p:cNvGrpSpPr/>
+        <p:nvPr/>
+      </p:nvGrpSpPr>
+      <p:grpSpPr>
+        <a:xfrm>
+          <a:off x="0" y="0"/>
+          <a:ext cx="0" cy="0"/>
+          <a:chOff x="0" y="0"/>
+          <a:chExt cx="0" cy="0"/>
+        </a:xfrm>
+      </p:grpSpPr>
+      <p:sp>
+        <p:nvSpPr>
+          <p:cNvPr id="2" name="Title 1"/>
+          <p:cNvSpPr>
+            <a:spLocks noGrp="1"/>
+          </p:cNvSpPr>
+          <p:nvPr>
+            <p:ph type="title"/>
+          </p:nvPr>
+        </p:nvSpPr>
+        <p:spPr/>
+        <p:txBody>
+          <a:bodyPr>
+            <a:normAutofit/>
+          </a:bodyPr>
+          <a:lstStyle/>
+          <a:p>
+            <a:r>
+              <a:rPr lang="nl-BE" sz="6000" dirty="0" smtClean="0"/>
+              <a:t>Overzicht</a:t>
+            </a:r>
+            <a:endParaRPr lang="nl-BE" sz="6000" dirty="0"/>
+          </a:p>
+        </p:txBody>
+      </p:sp>
+      <p:sp>
+        <p:nvSpPr>
+          <p:cNvPr id="3" name="Content Placeholder 2"/>
+          <p:cNvSpPr>
+            <a:spLocks noGrp="1"/>
+          </p:cNvSpPr>
+          <p:nvPr>
+            <p:ph idx="1"/>
+          </p:nvPr>
+        </p:nvSpPr>
+        <p:spPr/>
+        <p:txBody>
+          <a:bodyPr>
+            <a:normAutofit/>
+          </a:bodyPr>
+          <a:lstStyle/>
+          <a:p>
+            <a:pPr>
+              <a:buFont typeface="Arial" panose="020B0604020202020204" pitchFamily="34" charset="0"/>
+              <a:buChar char="•"/>
+            </a:pPr>
+            <a:r>
+              <a:rPr lang="nl-BE" sz="3600" dirty="0" smtClean="0"/>
+              <a:t> Ons doel </a:t>
+            </a:r>
+          </a:p>
+          <a:p>
+            <a:pPr>
+              <a:buFont typeface="Arial" panose="020B0604020202020204" pitchFamily="34" charset="0"/>
+              <a:buChar char="•"/>
+            </a:pPr>
+            <a:r>
+              <a:rPr lang="nl-BE" sz="3600" dirty="0"/>
+              <a:t> </a:t>
+            </a:r>
+            <a:r>
+              <a:rPr lang="nl-BE" sz="3600" dirty="0" err="1" smtClean="0"/>
+              <a:t>Example-based</a:t>
+            </a:r>
+            <a:r>
+              <a:rPr lang="nl-BE" sz="3600" dirty="0" smtClean="0"/>
+              <a:t> </a:t>
+            </a:r>
+            <a:r>
+              <a:rPr lang="nl-BE" sz="3600" dirty="0" err="1" smtClean="0"/>
+              <a:t>learning</a:t>
+            </a:r>
+            <a:endParaRPr lang="nl-BE" sz="3600" dirty="0" smtClean="0"/>
+          </a:p>
+          <a:p>
+            <a:pPr>
+              <a:buFont typeface="Arial" panose="020B0604020202020204" pitchFamily="34" charset="0"/>
+              <a:buChar char="•"/>
+            </a:pPr>
+            <a:r>
+              <a:rPr lang="nl-BE" sz="3600" dirty="0" smtClean="0"/>
+              <a:t> Spreadsheet tabel transformaties </a:t>
+            </a:r>
+            <a:endParaRPr lang="nl-BE" sz="3600" dirty="0"/>
+          </a:p>
+          <a:p>
+            <a:pPr>
+              <a:buFont typeface="Arial" panose="020B0604020202020204" pitchFamily="34" charset="0"/>
+              <a:buChar char="•"/>
+            </a:pPr>
+            <a:r>
+              <a:rPr lang="nl-BE" sz="3600" dirty="0" smtClean="0"/>
+              <a:t> </a:t>
+            </a:r>
+            <a:r>
+              <a:rPr lang="nl-BE" sz="3600" dirty="0" err="1" smtClean="0"/>
+              <a:t>Equation</a:t>
+            </a:r>
+            <a:r>
+              <a:rPr lang="nl-BE" sz="3600" dirty="0" smtClean="0"/>
+              <a:t> </a:t>
+            </a:r>
+            <a:r>
+              <a:rPr lang="nl-BE" sz="3600" dirty="0" err="1" smtClean="0"/>
+              <a:t>discovery</a:t>
+            </a:r>
+            <a:endParaRPr lang="nl-BE" sz="3600" dirty="0" smtClean="0"/>
+          </a:p>
+          <a:p>
+            <a:pPr>
+              <a:buFont typeface="Arial" panose="020B0604020202020204" pitchFamily="34" charset="0"/>
+              <a:buChar char="•"/>
+            </a:pPr>
+            <a:r>
+              <a:rPr lang="nl-BE" sz="3600" dirty="0"/>
+              <a:t> </a:t>
+            </a:r>
+            <a:r>
+              <a:rPr lang="nl-BE" sz="3600" dirty="0" smtClean="0"/>
+              <a:t>Conclusie</a:t>
+            </a:r>
+            <a:endParaRPr lang="nl-BE" sz="3600" dirty="0"/>
+          </a:p>
+        </p:txBody>
+      </p:sp>
+    </p:spTree>
+    <p:extLst>
+      <p:ext uri="{BB962C8B-B14F-4D97-AF65-F5344CB8AC3E}">
+        <p14:creationId xmlns:p14="http://schemas.microsoft.com/office/powerpoint/2010/main" val="3727844137"/>
+      </p:ext>
+    </p:extLst>
+  </p:cSld>
+  <p:clrMapOvr>
+    <a:masterClrMapping/>
+  </p:clrMapOvr>
+  <p:timing>
+    <p:tnLst>
+      <p:par>
+        <p:cTn xmlns:p14="http://schemas.microsoft.com/office/powerpoint/2010/main" id="1" dur="indefinite" restart="never" nodeType="tmRoot"/>
+      </p:par>
+    </p:tnLst>
+  </p:timing>
+</p:sld>
+</file>
+
+<file path=ppt/slides/slide20.xml><?xml version="1.0" encoding="utf-8"?>
+<p:sld xmlns:a="http://schemas.openxmlformats.org/drawingml/2006/main" xmlns:r="http://schemas.openxmlformats.org/officeDocument/2006/relationships" xmlns:p="http://schemas.openxmlformats.org/presentationml/2006/main">
+  <p:cSld>
+    <p:spTree>
+      <p:nvGrpSpPr>
+        <p:cNvPr id="1" name=""/>
+        <p:cNvGrpSpPr/>
+        <p:nvPr/>
+      </p:nvGrpSpPr>
+      <p:grpSpPr>
+        <a:xfrm>
+          <a:off x="0" y="0"/>
+          <a:ext cx="0" cy="0"/>
+          <a:chOff x="0" y="0"/>
+          <a:chExt cx="0" cy="0"/>
+        </a:xfrm>
+      </p:grpSpPr>
+      <p:sp>
+        <p:nvSpPr>
+          <p:cNvPr id="2" name="Title 1"/>
+          <p:cNvSpPr>
+            <a:spLocks noGrp="1"/>
+          </p:cNvSpPr>
+          <p:nvPr>
+            <p:ph type="title"/>
+          </p:nvPr>
+        </p:nvSpPr>
+        <p:spPr/>
+        <p:txBody>
           <a:bodyPr>
             <a:normAutofit/>
           </a:bodyPr>
@@ -8517,7 +14200,7 @@
   <p:timing>
     <p:tnLst>
       <p:par>
-        <p:cTn id="1" dur="indefinite" restart="never" nodeType="tmRoot">
+        <p:cTn xmlns:p14="http://schemas.microsoft.com/office/powerpoint/2010/main" id="1" dur="indefinite" restart="never" nodeType="tmRoot">
           <p:childTnLst>
             <p:seq concurrent="1" nextAc="seek">
               <p:cTn id="2" dur="indefinite" nodeType="mainSeq">
@@ -8790,7 +14473,7 @@
 </p:sld>
 </file>
 
-<file path=ppt/slides/slide2.xml><?xml version="1.0" encoding="utf-8"?>
+<file path=ppt/slides/slide21.xml><?xml version="1.0" encoding="utf-8"?>
 <p:sld xmlns:a="http://schemas.openxmlformats.org/drawingml/2006/main" xmlns:r="http://schemas.openxmlformats.org/officeDocument/2006/relationships" xmlns:p="http://schemas.openxmlformats.org/presentationml/2006/main">
   <p:cSld>
     <p:spTree>
@@ -8825,173 +14508,6 @@
           <a:lstStyle/>
           <a:p>
             <a:r>
-              <a:rPr lang="nl-BE" sz="6000" dirty="0" smtClean="0"/>
-              <a:t>Overzicht</a:t>
-            </a:r>
-            <a:endParaRPr lang="nl-BE" sz="6000" dirty="0"/>
-          </a:p>
-        </p:txBody>
-      </p:sp>
-      <p:sp>
-        <p:nvSpPr>
-          <p:cNvPr id="3" name="Content Placeholder 2"/>
-          <p:cNvSpPr>
-            <a:spLocks noGrp="1"/>
-          </p:cNvSpPr>
-          <p:nvPr>
-            <p:ph idx="1"/>
-          </p:nvPr>
-        </p:nvSpPr>
-        <p:spPr/>
-        <p:txBody>
-          <a:bodyPr>
-            <a:normAutofit/>
-          </a:bodyPr>
-          <a:lstStyle/>
-          <a:p>
-            <a:pPr>
-              <a:buFont typeface="Arial" panose="020B0604020202020204" pitchFamily="34" charset="0"/>
-              <a:buChar char="•"/>
-            </a:pPr>
-            <a:r>
-              <a:rPr lang="nl-BE" sz="3600" dirty="0" smtClean="0"/>
-              <a:t> Ons </a:t>
-            </a:r>
-            <a:r>
-              <a:rPr lang="nl-BE" sz="3600" dirty="0" smtClean="0"/>
-              <a:t>doel </a:t>
-            </a:r>
-            <a:endParaRPr lang="nl-BE" sz="3600" dirty="0" smtClean="0"/>
-          </a:p>
-          <a:p>
-            <a:pPr>
-              <a:buFont typeface="Arial" panose="020B0604020202020204" pitchFamily="34" charset="0"/>
-              <a:buChar char="•"/>
-            </a:pPr>
-            <a:r>
-              <a:rPr lang="nl-BE" sz="3600" dirty="0"/>
-              <a:t> </a:t>
-            </a:r>
-            <a:r>
-              <a:rPr lang="nl-BE" sz="3600" dirty="0" err="1" smtClean="0"/>
-              <a:t>Example-based</a:t>
-            </a:r>
-            <a:r>
-              <a:rPr lang="nl-BE" sz="3600" dirty="0" smtClean="0"/>
-              <a:t> </a:t>
-            </a:r>
-            <a:r>
-              <a:rPr lang="nl-BE" sz="3600" dirty="0" err="1" smtClean="0"/>
-              <a:t>learning</a:t>
-            </a:r>
-            <a:endParaRPr lang="nl-BE" sz="3600" dirty="0" smtClean="0"/>
-          </a:p>
-          <a:p>
-            <a:pPr>
-              <a:buFont typeface="Arial" panose="020B0604020202020204" pitchFamily="34" charset="0"/>
-              <a:buChar char="•"/>
-            </a:pPr>
-            <a:r>
-              <a:rPr lang="nl-BE" sz="3600" dirty="0" smtClean="0"/>
-              <a:t> Spreadsheet tabel transformaties </a:t>
-            </a:r>
-            <a:endParaRPr lang="nl-BE" sz="3600" dirty="0"/>
-          </a:p>
-          <a:p>
-            <a:pPr>
-              <a:buFont typeface="Arial" panose="020B0604020202020204" pitchFamily="34" charset="0"/>
-              <a:buChar char="•"/>
-            </a:pPr>
-            <a:r>
-              <a:rPr lang="nl-BE" sz="3600" dirty="0" smtClean="0"/>
-              <a:t> </a:t>
-            </a:r>
-            <a:r>
-              <a:rPr lang="nl-BE" sz="3600" dirty="0" err="1" smtClean="0"/>
-              <a:t>Equation</a:t>
-            </a:r>
-            <a:r>
-              <a:rPr lang="nl-BE" sz="3600" dirty="0" smtClean="0"/>
-              <a:t> </a:t>
-            </a:r>
-            <a:r>
-              <a:rPr lang="nl-BE" sz="3600" dirty="0" err="1" smtClean="0"/>
-              <a:t>discovery</a:t>
-            </a:r>
-            <a:endParaRPr lang="nl-BE" sz="3600" dirty="0" smtClean="0"/>
-          </a:p>
-          <a:p>
-            <a:pPr>
-              <a:buFont typeface="Arial" panose="020B0604020202020204" pitchFamily="34" charset="0"/>
-              <a:buChar char="•"/>
-            </a:pPr>
-            <a:r>
-              <a:rPr lang="nl-BE" sz="3600" dirty="0"/>
-              <a:t> </a:t>
-            </a:r>
-            <a:r>
-              <a:rPr lang="nl-BE" sz="3600" dirty="0" smtClean="0"/>
-              <a:t>Conclusie</a:t>
-            </a:r>
-            <a:endParaRPr lang="nl-BE" sz="3600" dirty="0"/>
-          </a:p>
-        </p:txBody>
-      </p:sp>
-    </p:spTree>
-    <p:extLst>
-      <p:ext uri="{BB962C8B-B14F-4D97-AF65-F5344CB8AC3E}">
-        <p14:creationId xmlns:p14="http://schemas.microsoft.com/office/powerpoint/2010/main" val="3727844137"/>
-      </p:ext>
-    </p:extLst>
-  </p:cSld>
-  <p:clrMapOvr>
-    <a:masterClrMapping/>
-  </p:clrMapOvr>
-  <p:timing>
-    <p:tnLst>
-      <p:par>
-        <p:cTn id="1" dur="indefinite" restart="never" nodeType="tmRoot"/>
-      </p:par>
-    </p:tnLst>
-  </p:timing>
-</p:sld>
-</file>
-
-<file path=ppt/slides/slide20.xml><?xml version="1.0" encoding="utf-8"?>
-<p:sld xmlns:a="http://schemas.openxmlformats.org/drawingml/2006/main" xmlns:r="http://schemas.openxmlformats.org/officeDocument/2006/relationships" xmlns:p="http://schemas.openxmlformats.org/presentationml/2006/main">
-  <p:cSld>
-    <p:spTree>
-      <p:nvGrpSpPr>
-        <p:cNvPr id="1" name=""/>
-        <p:cNvGrpSpPr/>
-        <p:nvPr/>
-      </p:nvGrpSpPr>
-      <p:grpSpPr>
-        <a:xfrm>
-          <a:off x="0" y="0"/>
-          <a:ext cx="0" cy="0"/>
-          <a:chOff x="0" y="0"/>
-          <a:chExt cx="0" cy="0"/>
-        </a:xfrm>
-      </p:grpSpPr>
-      <p:sp>
-        <p:nvSpPr>
-          <p:cNvPr id="2" name="Title 1"/>
-          <p:cNvSpPr>
-            <a:spLocks noGrp="1"/>
-          </p:cNvSpPr>
-          <p:nvPr>
-            <p:ph type="title"/>
-          </p:nvPr>
-        </p:nvSpPr>
-        <p:spPr/>
-        <p:txBody>
-          <a:bodyPr>
-            <a:normAutofit/>
-          </a:bodyPr>
-          <a:lstStyle/>
-          <a:p>
-            <a:r>
               <a:rPr lang="nl-BE" sz="6000" dirty="0"/>
               <a:t>Context vrije </a:t>
             </a:r>
@@ -9098,14 +14614,14 @@
   <p:timing>
     <p:tnLst>
       <p:par>
-        <p:cTn id="1" dur="indefinite" restart="never" nodeType="tmRoot"/>
+        <p:cTn xmlns:p14="http://schemas.microsoft.com/office/powerpoint/2010/main" id="1" dur="indefinite" restart="never" nodeType="tmRoot"/>
       </p:par>
     </p:tnLst>
   </p:timing>
 </p:sld>
 </file>
 
-<file path=ppt/slides/slide21.xml><?xml version="1.0" encoding="utf-8"?>
+<file path=ppt/slides/slide22.xml><?xml version="1.0" encoding="utf-8"?>
 <p:sld xmlns:a="http://schemas.openxmlformats.org/drawingml/2006/main" xmlns:r="http://schemas.openxmlformats.org/officeDocument/2006/relationships" xmlns:p="http://schemas.openxmlformats.org/presentationml/2006/main">
   <p:cSld>
     <p:spTree>
@@ -9340,7 +14856,7 @@
   <p:timing>
     <p:tnLst>
       <p:par>
-        <p:cTn id="1" dur="indefinite" restart="never" nodeType="tmRoot">
+        <p:cTn xmlns:p14="http://schemas.microsoft.com/office/powerpoint/2010/main" id="1" dur="indefinite" restart="never" nodeType="tmRoot">
           <p:childTnLst>
             <p:seq concurrent="1" nextAc="seek">
               <p:cTn id="2" dur="indefinite" nodeType="mainSeq">
@@ -9587,169 +15103,6 @@
 </p:sld>
 </file>
 
-<file path=ppt/slides/slide22.xml><?xml version="1.0" encoding="utf-8"?>
-<p:sld xmlns:a="http://schemas.openxmlformats.org/drawingml/2006/main" xmlns:r="http://schemas.openxmlformats.org/officeDocument/2006/relationships" xmlns:p="http://schemas.openxmlformats.org/presentationml/2006/main">
-  <p:cSld>
-    <p:spTree>
-      <p:nvGrpSpPr>
-        <p:cNvPr id="1" name=""/>
-        <p:cNvGrpSpPr/>
-        <p:nvPr/>
-      </p:nvGrpSpPr>
-      <p:grpSpPr>
-        <a:xfrm>
-          <a:off x="0" y="0"/>
-          <a:ext cx="0" cy="0"/>
-          <a:chOff x="0" y="0"/>
-          <a:chExt cx="0" cy="0"/>
-        </a:xfrm>
-      </p:grpSpPr>
-      <p:sp>
-        <p:nvSpPr>
-          <p:cNvPr id="2" name="Title 1"/>
-          <p:cNvSpPr>
-            <a:spLocks noGrp="1"/>
-          </p:cNvSpPr>
-          <p:nvPr>
-            <p:ph type="title"/>
-          </p:nvPr>
-        </p:nvSpPr>
-        <p:spPr/>
-        <p:txBody>
-          <a:bodyPr>
-            <a:normAutofit/>
-          </a:bodyPr>
-          <a:lstStyle/>
-          <a:p>
-            <a:r>
-              <a:rPr lang="nl-BE" sz="6000" dirty="0" smtClean="0"/>
-              <a:t>Overzicht</a:t>
-            </a:r>
-            <a:endParaRPr lang="nl-BE" sz="6000" dirty="0"/>
-          </a:p>
-        </p:txBody>
-      </p:sp>
-      <p:sp>
-        <p:nvSpPr>
-          <p:cNvPr id="3" name="Content Placeholder 2"/>
-          <p:cNvSpPr>
-            <a:spLocks noGrp="1"/>
-          </p:cNvSpPr>
-          <p:nvPr>
-            <p:ph idx="1"/>
-          </p:nvPr>
-        </p:nvSpPr>
-        <p:spPr/>
-        <p:txBody>
-          <a:bodyPr>
-            <a:normAutofit/>
-          </a:bodyPr>
-          <a:lstStyle/>
-          <a:p>
-            <a:pPr>
-              <a:buFont typeface="Arial" panose="020B0604020202020204" pitchFamily="34" charset="0"/>
-              <a:buChar char="•"/>
-            </a:pPr>
-            <a:r>
-              <a:rPr lang="nl-BE" sz="3600" dirty="0" smtClean="0"/>
-              <a:t> Ons </a:t>
-            </a:r>
-            <a:r>
-              <a:rPr lang="nl-BE" sz="3600" dirty="0"/>
-              <a:t>doel</a:t>
-            </a:r>
-            <a:endParaRPr lang="nl-BE" sz="3600" dirty="0" smtClean="0"/>
-          </a:p>
-          <a:p>
-            <a:pPr>
-              <a:buFont typeface="Arial" panose="020B0604020202020204" pitchFamily="34" charset="0"/>
-              <a:buChar char="•"/>
-            </a:pPr>
-            <a:r>
-              <a:rPr lang="nl-BE" sz="3600" dirty="0"/>
-              <a:t> </a:t>
-            </a:r>
-            <a:r>
-              <a:rPr lang="nl-BE" sz="3600" dirty="0" err="1" smtClean="0"/>
-              <a:t>Example-based</a:t>
-            </a:r>
-            <a:r>
-              <a:rPr lang="nl-BE" sz="3600" dirty="0" smtClean="0"/>
-              <a:t> </a:t>
-            </a:r>
-            <a:r>
-              <a:rPr lang="nl-BE" sz="3600" dirty="0" err="1" smtClean="0"/>
-              <a:t>learning</a:t>
-            </a:r>
-            <a:endParaRPr lang="nl-BE" sz="3600" dirty="0" smtClean="0"/>
-          </a:p>
-          <a:p>
-            <a:pPr>
-              <a:buFont typeface="Arial" panose="020B0604020202020204" pitchFamily="34" charset="0"/>
-              <a:buChar char="•"/>
-            </a:pPr>
-            <a:r>
-              <a:rPr lang="nl-BE" sz="3600" dirty="0" smtClean="0"/>
-              <a:t> Spreadsheet tabel transformaties </a:t>
-            </a:r>
-            <a:endParaRPr lang="nl-BE" sz="3600" dirty="0"/>
-          </a:p>
-          <a:p>
-            <a:pPr>
-              <a:buFont typeface="Arial" panose="020B0604020202020204" pitchFamily="34" charset="0"/>
-              <a:buChar char="•"/>
-            </a:pPr>
-            <a:r>
-              <a:rPr lang="nl-BE" sz="3600" dirty="0" smtClean="0"/>
-              <a:t> </a:t>
-            </a:r>
-            <a:r>
-              <a:rPr lang="nl-BE" sz="3600" dirty="0" err="1" smtClean="0"/>
-              <a:t>Equation</a:t>
-            </a:r>
-            <a:r>
-              <a:rPr lang="nl-BE" sz="3600" dirty="0" smtClean="0"/>
-              <a:t> </a:t>
-            </a:r>
-            <a:r>
-              <a:rPr lang="nl-BE" sz="3600" dirty="0" err="1" smtClean="0"/>
-              <a:t>discovery</a:t>
-            </a:r>
-            <a:endParaRPr lang="nl-BE" sz="3600" dirty="0"/>
-          </a:p>
-          <a:p>
-            <a:pPr>
-              <a:buFont typeface="Arial" panose="020B0604020202020204" pitchFamily="34" charset="0"/>
-              <a:buChar char="•"/>
-            </a:pPr>
-            <a:r>
-              <a:rPr lang="nl-BE" sz="3600" b="1" dirty="0" smtClean="0"/>
-              <a:t> Conclusie</a:t>
-            </a:r>
-            <a:endParaRPr lang="nl-BE" sz="3600" b="1" dirty="0"/>
-          </a:p>
-        </p:txBody>
-      </p:sp>
-    </p:spTree>
-    <p:extLst>
-      <p:ext uri="{BB962C8B-B14F-4D97-AF65-F5344CB8AC3E}">
-        <p14:creationId xmlns:p14="http://schemas.microsoft.com/office/powerpoint/2010/main" val="3246322184"/>
-      </p:ext>
-    </p:extLst>
-  </p:cSld>
-  <p:clrMapOvr>
-    <a:masterClrMapping/>
-  </p:clrMapOvr>
-  <p:timing>
-    <p:tnLst>
-      <p:par>
-        <p:cTn id="1" dur="indefinite" restart="never" nodeType="tmRoot"/>
-      </p:par>
-    </p:tnLst>
-  </p:timing>
-</p:sld>
-</file>
-
 <file path=ppt/slides/slide23.xml><?xml version="1.0" encoding="utf-8"?>
 <p:sld xmlns:a="http://schemas.openxmlformats.org/drawingml/2006/main" xmlns:r="http://schemas.openxmlformats.org/officeDocument/2006/relationships" xmlns:p="http://schemas.openxmlformats.org/presentationml/2006/main">
   <p:cSld>
@@ -9786,9 +15139,9 @@
           <a:p>
             <a:r>
               <a:rPr lang="nl-BE" sz="6000" dirty="0" smtClean="0"/>
-              <a:t>Conclusie</a:t>
-            </a:r>
-            <a:endParaRPr lang="en-US" sz="6000" dirty="0"/>
+              <a:t>Overzicht</a:t>
+            </a:r>
+            <a:endParaRPr lang="nl-BE" sz="6000" dirty="0"/>
           </a:p>
         </p:txBody>
       </p:sp>
@@ -9809,24 +15162,94 @@
           </a:bodyPr>
           <a:lstStyle/>
           <a:p>
-            <a:pPr marL="0" indent="0">
-              <a:buNone/>
+            <a:pPr>
+              <a:buFont typeface="Arial" panose="020B0604020202020204" pitchFamily="34" charset="0"/>
+              <a:buChar char="•"/>
             </a:pPr>
             <a:r>
-              <a:rPr lang="nl-BE" sz="3600" dirty="0" smtClean="0">
-                <a:solidFill>
-                  <a:srgbClr val="FF0000"/>
-                </a:solidFill>
-              </a:rPr>
-              <a:t>(NOG TE DOEN)</a:t>
-            </a:r>
+              <a:rPr lang="nl-BE" sz="3600" dirty="0" smtClean="0"/>
+              <a:t> Ons </a:t>
+            </a:r>
+            <a:r>
+              <a:rPr lang="nl-BE" sz="3600" dirty="0"/>
+              <a:t>doel</a:t>
+            </a:r>
+            <a:endParaRPr lang="nl-BE" sz="3600" dirty="0" smtClean="0"/>
+          </a:p>
+          <a:p>
+            <a:pPr>
+              <a:buFont typeface="Arial" panose="020B0604020202020204" pitchFamily="34" charset="0"/>
+              <a:buChar char="•"/>
+            </a:pPr>
+            <a:r>
+              <a:rPr lang="nl-BE" sz="3600" dirty="0"/>
+              <a:t> </a:t>
+            </a:r>
+            <a:r>
+              <a:rPr lang="nl-BE" sz="3600" dirty="0" err="1" smtClean="0"/>
+              <a:t>Example-based</a:t>
+            </a:r>
+            <a:r>
+              <a:rPr lang="nl-BE" sz="3600" dirty="0" smtClean="0"/>
+              <a:t> </a:t>
+            </a:r>
+            <a:r>
+              <a:rPr lang="nl-BE" sz="3600" dirty="0" err="1" smtClean="0"/>
+              <a:t>learning</a:t>
+            </a:r>
+            <a:endParaRPr lang="nl-BE" sz="3600" dirty="0" smtClean="0"/>
+          </a:p>
+          <a:p>
+            <a:pPr>
+              <a:buFont typeface="Arial" panose="020B0604020202020204" pitchFamily="34" charset="0"/>
+              <a:buChar char="•"/>
+            </a:pPr>
+            <a:r>
+              <a:rPr lang="nl-BE" sz="3600" dirty="0" smtClean="0"/>
+              <a:t> Spreadsheet tabel transformaties </a:t>
+            </a:r>
+            <a:endParaRPr lang="nl-BE" sz="3600" dirty="0"/>
+          </a:p>
+          <a:p>
+            <a:pPr>
+              <a:buFont typeface="Arial" panose="020B0604020202020204" pitchFamily="34" charset="0"/>
+              <a:buChar char="•"/>
+            </a:pPr>
+            <a:r>
+              <a:rPr lang="nl-BE" sz="3600" dirty="0" smtClean="0"/>
+              <a:t> </a:t>
+            </a:r>
+            <a:r>
+              <a:rPr lang="nl-BE" sz="3600" dirty="0" err="1" smtClean="0"/>
+              <a:t>Equation</a:t>
+            </a:r>
+            <a:r>
+              <a:rPr lang="nl-BE" sz="3600" dirty="0" smtClean="0"/>
+              <a:t> </a:t>
+            </a:r>
+            <a:r>
+              <a:rPr lang="nl-BE" sz="3600" dirty="0" err="1" smtClean="0"/>
+              <a:t>discovery</a:t>
+            </a:r>
+            <a:endParaRPr lang="nl-BE" sz="3600" dirty="0"/>
+          </a:p>
+          <a:p>
+            <a:pPr>
+              <a:buFont typeface="Arial" panose="020B0604020202020204" pitchFamily="34" charset="0"/>
+              <a:buChar char="•"/>
+            </a:pPr>
+            <a:r>
+              <a:rPr lang="nl-BE" sz="3600" b="1" dirty="0" smtClean="0"/>
+              <a:t> Conclusie</a:t>
+            </a:r>
+            <a:endParaRPr lang="nl-BE" sz="3600" b="1" dirty="0"/>
           </a:p>
         </p:txBody>
       </p:sp>
     </p:spTree>
     <p:extLst>
       <p:ext uri="{BB962C8B-B14F-4D97-AF65-F5344CB8AC3E}">
-        <p14:creationId xmlns:p14="http://schemas.microsoft.com/office/powerpoint/2010/main" val="2029372312"/>
+        <p14:creationId xmlns:p14="http://schemas.microsoft.com/office/powerpoint/2010/main" val="3246322184"/>
       </p:ext>
     </p:extLst>
   </p:cSld>
@@ -9836,7 +15259,7 @@
   <p:timing>
     <p:tnLst>
       <p:par>
-        <p:cTn id="1" dur="indefinite" restart="never" nodeType="tmRoot"/>
+        <p:cTn xmlns:p14="http://schemas.microsoft.com/office/powerpoint/2010/main" id="1" dur="indefinite" restart="never" nodeType="tmRoot"/>
       </p:par>
     </p:tnLst>
   </p:timing>
@@ -9879,6 +15302,149 @@
           <a:p>
             <a:r>
               <a:rPr lang="nl-BE" sz="6000" dirty="0" smtClean="0"/>
+              <a:t>Conclusie</a:t>
+            </a:r>
+            <a:endParaRPr lang="en-US" sz="6000" dirty="0"/>
+          </a:p>
+        </p:txBody>
+      </p:sp>
+      <p:sp>
+        <p:nvSpPr>
+          <p:cNvPr id="3" name="Content Placeholder 2"/>
+          <p:cNvSpPr>
+            <a:spLocks noGrp="1"/>
+          </p:cNvSpPr>
+          <p:nvPr>
+            <p:ph idx="1"/>
+          </p:nvPr>
+        </p:nvSpPr>
+        <p:spPr/>
+        <p:txBody>
+          <a:bodyPr>
+            <a:normAutofit/>
+          </a:bodyPr>
+          <a:lstStyle/>
+          <a:p>
+            <a:pPr>
+              <a:buFont typeface="Arial"/>
+              <a:buChar char="•"/>
+            </a:pPr>
+            <a:r>
+              <a:rPr lang="nl-BE" sz="3600" dirty="0" smtClean="0">
+                <a:solidFill>
+                  <a:schemeClr val="tx1"/>
+                </a:solidFill>
+              </a:rPr>
+              <a:t> Ons doel: Flash Fill en Equation Discovery combineren </a:t>
+            </a:r>
+          </a:p>
+          <a:p>
+            <a:pPr>
+              <a:buFont typeface="Arial"/>
+              <a:buChar char="•"/>
+            </a:pPr>
+            <a:r>
+              <a:rPr lang="nl-BE" sz="3600" dirty="0">
+                <a:solidFill>
+                  <a:schemeClr val="tx1"/>
+                </a:solidFill>
+              </a:rPr>
+              <a:t> </a:t>
+            </a:r>
+            <a:r>
+              <a:rPr lang="nl-BE" sz="3600" dirty="0" smtClean="0">
+                <a:solidFill>
+                  <a:schemeClr val="tx1"/>
+                </a:solidFill>
+              </a:rPr>
+              <a:t>Grammatica</a:t>
+            </a:r>
+          </a:p>
+          <a:p>
+            <a:pPr>
+              <a:buFont typeface="Arial"/>
+              <a:buChar char="•"/>
+            </a:pPr>
+            <a:r>
+              <a:rPr lang="nl-BE" sz="3600" dirty="0">
+                <a:solidFill>
+                  <a:schemeClr val="tx1"/>
+                </a:solidFill>
+              </a:rPr>
+              <a:t> </a:t>
+            </a:r>
+            <a:r>
+              <a:rPr lang="nl-BE" sz="3600" dirty="0" smtClean="0">
+                <a:solidFill>
+                  <a:schemeClr val="tx1"/>
+                </a:solidFill>
+              </a:rPr>
+              <a:t>Genereren van verschillende opties</a:t>
+            </a:r>
+            <a:endParaRPr lang="nl-BE" sz="3600" dirty="0" smtClean="0">
+              <a:solidFill>
+                <a:schemeClr val="tx1"/>
+              </a:solidFill>
+            </a:endParaRPr>
+          </a:p>
+        </p:txBody>
+      </p:sp>
+    </p:spTree>
+    <p:extLst>
+      <p:ext uri="{BB962C8B-B14F-4D97-AF65-F5344CB8AC3E}">
+        <p14:creationId xmlns:p14="http://schemas.microsoft.com/office/powerpoint/2010/main" val="2029372312"/>
+      </p:ext>
+    </p:extLst>
+  </p:cSld>
+  <p:clrMapOvr>
+    <a:masterClrMapping/>
+  </p:clrMapOvr>
+  <p:timing>
+    <p:tnLst>
+      <p:par>
+        <p:cTn xmlns:p14="http://schemas.microsoft.com/office/powerpoint/2010/main" id="1" dur="indefinite" restart="never" nodeType="tmRoot"/>
+      </p:par>
+    </p:tnLst>
+  </p:timing>
+</p:sld>
+</file>
+
+<file path=ppt/slides/slide25.xml><?xml version="1.0" encoding="utf-8"?>
+<p:sld xmlns:a="http://schemas.openxmlformats.org/drawingml/2006/main" xmlns:r="http://schemas.openxmlformats.org/officeDocument/2006/relationships" xmlns:p="http://schemas.openxmlformats.org/presentationml/2006/main">
+  <p:cSld>
+    <p:spTree>
+      <p:nvGrpSpPr>
+        <p:cNvPr id="1" name=""/>
+        <p:cNvGrpSpPr/>
+        <p:nvPr/>
+      </p:nvGrpSpPr>
+      <p:grpSpPr>
+        <a:xfrm>
+          <a:off x="0" y="0"/>
+          <a:ext cx="0" cy="0"/>
+          <a:chOff x="0" y="0"/>
+          <a:chExt cx="0" cy="0"/>
+        </a:xfrm>
+      </p:grpSpPr>
+      <p:sp>
+        <p:nvSpPr>
+          <p:cNvPr id="2" name="Title 1"/>
+          <p:cNvSpPr>
+            <a:spLocks noGrp="1"/>
+          </p:cNvSpPr>
+          <p:nvPr>
+            <p:ph type="title"/>
+          </p:nvPr>
+        </p:nvSpPr>
+        <p:spPr/>
+        <p:txBody>
+          <a:bodyPr>
+            <a:normAutofit/>
+          </a:bodyPr>
+          <a:lstStyle/>
+          <a:p>
+            <a:r>
+              <a:rPr lang="nl-BE" sz="6000" dirty="0" smtClean="0"/>
               <a:t>Papers</a:t>
             </a:r>
             <a:endParaRPr lang="nl-BE" sz="6000" dirty="0"/>
@@ -10196,14 +15762,14 @@
   <p:timing>
     <p:tnLst>
       <p:par>
-        <p:cTn id="1" dur="indefinite" restart="never" nodeType="tmRoot"/>
+        <p:cTn xmlns:p14="http://schemas.microsoft.com/office/powerpoint/2010/main" id="1" dur="indefinite" restart="never" nodeType="tmRoot"/>
       </p:par>
     </p:tnLst>
   </p:timing>
 </p:sld>
 </file>
 
-<file path=ppt/slides/slide25.xml><?xml version="1.0" encoding="utf-8"?>
+<file path=ppt/slides/slide26.xml><?xml version="1.0" encoding="utf-8"?>
 <p:sld xmlns:a="http://schemas.openxmlformats.org/drawingml/2006/main" xmlns:r="http://schemas.openxmlformats.org/officeDocument/2006/relationships" xmlns:p="http://schemas.openxmlformats.org/presentationml/2006/main">
   <p:cSld>
     <p:spTree>
@@ -10277,7 +15843,7 @@
   <p:timing>
     <p:tnLst>
       <p:par>
-        <p:cTn id="1" dur="indefinite" restart="never" nodeType="tmRoot"/>
+        <p:cTn xmlns:p14="http://schemas.microsoft.com/office/powerpoint/2010/main" id="1" dur="indefinite" restart="never" nodeType="tmRoot"/>
       </p:par>
     </p:tnLst>
   </p:timing>
@@ -10349,11 +15915,7 @@
             </a:pPr>
             <a:r>
               <a:rPr lang="nl-BE" sz="3600" b="1" dirty="0" smtClean="0"/>
-              <a:t> Ons </a:t>
-            </a:r>
-            <a:r>
-              <a:rPr lang="nl-BE" sz="3600" b="1" dirty="0" smtClean="0"/>
-              <a:t>doel</a:t>
+              <a:t> Ons doel</a:t>
             </a:r>
             <a:endParaRPr lang="nl-BE" sz="3000" dirty="0" smtClean="0"/>
           </a:p>
@@ -10444,7 +16006,7 @@
   <p:timing>
     <p:tnLst>
       <p:par>
-        <p:cTn id="1" dur="indefinite" restart="never" nodeType="tmRoot"/>
+        <p:cTn xmlns:p14="http://schemas.microsoft.com/office/powerpoint/2010/main" id="1" dur="indefinite" restart="never" nodeType="tmRoot"/>
       </p:par>
     </p:tnLst>
   </p:timing>
@@ -10501,99 +16063,31 @@
           </a:p>
         </p:txBody>
       </p:sp>
-      <p:sp>
-        <p:nvSpPr>
-          <p:cNvPr id="3" name="Content Placeholder 2"/>
-          <p:cNvSpPr>
-            <a:spLocks noGrp="1"/>
-          </p:cNvSpPr>
+      <p:graphicFrame>
+        <p:nvGraphicFramePr>
+          <p:cNvPr id="4" name="Content Placeholder 3"/>
+          <p:cNvGraphicFramePr>
+            <a:graphicFrameLocks noGrp="1"/>
+          </p:cNvGraphicFramePr>
           <p:nvPr>
             <p:ph idx="1"/>
+            <p:extLst>
+              <p:ext uri="{D42A27DB-BD31-4B8C-83A1-F6EECF244321}">
+                <p14:modId xmlns:p14="http://schemas.microsoft.com/office/powerpoint/2010/main" val="2409649824"/>
+              </p:ext>
+            </p:extLst>
           </p:nvPr>
-        </p:nvSpPr>
-        <p:spPr/>
-        <p:txBody>
-          <a:bodyPr/>
-          <a:lstStyle/>
-          <a:p>
-            <a:pPr>
-              <a:buFont typeface="Arial" panose="020B0604020202020204" pitchFamily="34" charset="0"/>
-              <a:buChar char="•"/>
-            </a:pPr>
-            <a:r>
-              <a:rPr lang="en-US" sz="3600" dirty="0" smtClean="0"/>
-              <a:t> </a:t>
-            </a:r>
-            <a:r>
-              <a:rPr lang="en-US" sz="3600" dirty="0" err="1" smtClean="0"/>
-              <a:t>Repetitieve</a:t>
-            </a:r>
-            <a:r>
-              <a:rPr lang="en-US" sz="3600" dirty="0" smtClean="0"/>
-              <a:t> taken</a:t>
-            </a:r>
-          </a:p>
-          <a:p>
-            <a:pPr>
-              <a:buFont typeface="Arial" panose="020B0604020202020204" pitchFamily="34" charset="0"/>
-              <a:buChar char="•"/>
-            </a:pPr>
-            <a:r>
-              <a:rPr lang="en-US" sz="3600" dirty="0" smtClean="0"/>
-              <a:t> </a:t>
-            </a:r>
-            <a:r>
-              <a:rPr lang="en-US" sz="3600" dirty="0" err="1" smtClean="0"/>
-              <a:t>Weinig</a:t>
-            </a:r>
-            <a:r>
-              <a:rPr lang="en-US" sz="3600" dirty="0" smtClean="0"/>
-              <a:t> tot </a:t>
-            </a:r>
-            <a:r>
-              <a:rPr lang="en-US" sz="3600" dirty="0" err="1" smtClean="0"/>
-              <a:t>geen</a:t>
-            </a:r>
-            <a:r>
-              <a:rPr lang="en-US" sz="3600" dirty="0" smtClean="0"/>
-              <a:t> </a:t>
-            </a:r>
-            <a:r>
-              <a:rPr lang="en-US" sz="3600" dirty="0" err="1" smtClean="0"/>
-              <a:t>programmeerkennis</a:t>
-            </a:r>
-            <a:endParaRPr lang="en-US" sz="3600" dirty="0" smtClean="0"/>
-          </a:p>
-          <a:p>
-            <a:pPr>
-              <a:buFont typeface="Arial" panose="020B0604020202020204" pitchFamily="34" charset="0"/>
-              <a:buChar char="•"/>
-            </a:pPr>
-            <a:r>
-              <a:rPr lang="nl-BE" sz="3600" dirty="0"/>
-              <a:t> </a:t>
-            </a:r>
-            <a:r>
-              <a:rPr lang="nl-BE" sz="3600" dirty="0" smtClean="0"/>
-              <a:t>Non-triviale transformaties</a:t>
-            </a:r>
-            <a:endParaRPr lang="en-US" sz="3600" dirty="0" smtClean="0"/>
-          </a:p>
-          <a:p>
-            <a:pPr>
-              <a:buFont typeface="Arial" panose="020B0604020202020204" pitchFamily="34" charset="0"/>
-              <a:buChar char="•"/>
-            </a:pPr>
-            <a:endParaRPr lang="en-US" dirty="0" smtClean="0"/>
-          </a:p>
-          <a:p>
-            <a:pPr marL="0" indent="0">
-              <a:buNone/>
-            </a:pPr>
-            <a:endParaRPr lang="en-US" dirty="0"/>
-          </a:p>
-        </p:txBody>
-      </p:sp>
+        </p:nvGraphicFramePr>
+        <p:xfrm>
+          <a:off x="1096963" y="1846263"/>
+          <a:ext cx="10058400" cy="4022725"/>
+        </p:xfrm>
+        <a:graphic>
+          <a:graphicData uri="http://schemas.openxmlformats.org/drawingml/2006/diagram">
+            <dgm:relIds xmlns:dgm="http://schemas.openxmlformats.org/drawingml/2006/diagram" xmlns:r="http://schemas.openxmlformats.org/officeDocument/2006/relationships" r:dm="rId3" r:lo="rId4" r:qs="rId5" r:cs="rId6"/>
+          </a:graphicData>
+        </a:graphic>
+      </p:graphicFrame>
     </p:spTree>
     <p:extLst>
       <p:ext uri="{BB962C8B-B14F-4D97-AF65-F5344CB8AC3E}">
@@ -10607,9 +16101,186 @@
   <p:timing>
     <p:tnLst>
       <p:par>
-        <p:cTn id="1" dur="indefinite" restart="never" nodeType="tmRoot"/>
+        <p:cTn xmlns:p14="http://schemas.microsoft.com/office/powerpoint/2010/main" id="1" dur="indefinite" restart="never" nodeType="tmRoot">
+          <p:childTnLst>
+            <p:seq concurrent="1" nextAc="seek">
+              <p:cTn id="2" dur="indefinite" nodeType="mainSeq">
+                <p:childTnLst>
+                  <p:par>
+                    <p:cTn id="3" fill="hold">
+                      <p:stCondLst>
+                        <p:cond delay="indefinite"/>
+                      </p:stCondLst>
+                      <p:childTnLst>
+                        <p:par>
+                          <p:cTn id="4" fill="hold">
+                            <p:stCondLst>
+                              <p:cond delay="0"/>
+                            </p:stCondLst>
+                            <p:childTnLst>
+                              <p:par>
+                                <p:cTn id="5" presetID="1" presetClass="entr" presetSubtype="0" fill="hold" grpId="0" nodeType="clickEffect">
+                                  <p:stCondLst>
+                                    <p:cond delay="0"/>
+                                  </p:stCondLst>
+                                  <p:childTnLst>
+                                    <p:set>
+                                      <p:cBhvr>
+                                        <p:cTn id="6" dur="1" fill="hold">
+                                          <p:stCondLst>
+                                            <p:cond delay="0"/>
+                                          </p:stCondLst>
+                                        </p:cTn>
+                                        <p:tgtEl>
+                                          <p:spTgt spid="4">
+                                            <p:graphicEl>
+                                              <a:dgm id="{95F427E8-B20D-1C40-B1A7-2751BED141FE}"/>
+                                            </p:graphicEl>
+                                          </p:spTgt>
+                                        </p:tgtEl>
+                                        <p:attrNameLst>
+                                          <p:attrName>style.visibility</p:attrName>
+                                        </p:attrNameLst>
+                                      </p:cBhvr>
+                                      <p:to>
+                                        <p:strVal val="visible"/>
+                                      </p:to>
+                                    </p:set>
+                                  </p:childTnLst>
+                                </p:cTn>
+                              </p:par>
+                            </p:childTnLst>
+                          </p:cTn>
+                        </p:par>
+                      </p:childTnLst>
+                    </p:cTn>
+                  </p:par>
+                  <p:par>
+                    <p:cTn id="7" fill="hold">
+                      <p:stCondLst>
+                        <p:cond delay="indefinite"/>
+                      </p:stCondLst>
+                      <p:childTnLst>
+                        <p:par>
+                          <p:cTn id="8" fill="hold">
+                            <p:stCondLst>
+                              <p:cond delay="0"/>
+                            </p:stCondLst>
+                            <p:childTnLst>
+                              <p:par>
+                                <p:cTn id="9" presetID="1" presetClass="entr" presetSubtype="0" fill="hold" grpId="0" nodeType="clickEffect">
+                                  <p:stCondLst>
+                                    <p:cond delay="0"/>
+                                  </p:stCondLst>
+                                  <p:childTnLst>
+                                    <p:set>
+                                      <p:cBhvr>
+                                        <p:cTn id="10" dur="1" fill="hold">
+                                          <p:stCondLst>
+                                            <p:cond delay="0"/>
+                                          </p:stCondLst>
+                                        </p:cTn>
+                                        <p:tgtEl>
+                                          <p:spTgt spid="4">
+                                            <p:graphicEl>
+                                              <a:dgm id="{8AA9BC7C-A858-9E48-B984-5C8762703E58}"/>
+                                            </p:graphicEl>
+                                          </p:spTgt>
+                                        </p:tgtEl>
+                                        <p:attrNameLst>
+                                          <p:attrName>style.visibility</p:attrName>
+                                        </p:attrNameLst>
+                                      </p:cBhvr>
+                                      <p:to>
+                                        <p:strVal val="visible"/>
+                                      </p:to>
+                                    </p:set>
+                                  </p:childTnLst>
+                                </p:cTn>
+                              </p:par>
+                            </p:childTnLst>
+                          </p:cTn>
+                        </p:par>
+                      </p:childTnLst>
+                    </p:cTn>
+                  </p:par>
+                  <p:par>
+                    <p:cTn id="11" fill="hold">
+                      <p:stCondLst>
+                        <p:cond delay="indefinite"/>
+                      </p:stCondLst>
+                      <p:childTnLst>
+                        <p:par>
+                          <p:cTn id="12" fill="hold">
+                            <p:stCondLst>
+                              <p:cond delay="0"/>
+                            </p:stCondLst>
+                            <p:childTnLst>
+                              <p:par>
+                                <p:cTn id="13" presetID="1" presetClass="entr" presetSubtype="0" fill="hold" grpId="0" nodeType="clickEffect">
+                                  <p:stCondLst>
+                                    <p:cond delay="0"/>
+                                  </p:stCondLst>
+                                  <p:childTnLst>
+                                    <p:set>
+                                      <p:cBhvr>
+                                        <p:cTn id="14" dur="1" fill="hold">
+                                          <p:stCondLst>
+                                            <p:cond delay="0"/>
+                                          </p:stCondLst>
+                                        </p:cTn>
+                                        <p:tgtEl>
+                                          <p:spTgt spid="4">
+                                            <p:graphicEl>
+                                              <a:dgm id="{1D981DFC-6359-9B42-A97E-EE1A67C27226}"/>
+                                            </p:graphicEl>
+                                          </p:spTgt>
+                                        </p:tgtEl>
+                                        <p:attrNameLst>
+                                          <p:attrName>style.visibility</p:attrName>
+                                        </p:attrNameLst>
+                                      </p:cBhvr>
+                                      <p:to>
+                                        <p:strVal val="visible"/>
+                                      </p:to>
+                                    </p:set>
+                                  </p:childTnLst>
+                                </p:cTn>
+                              </p:par>
+                            </p:childTnLst>
+                          </p:cTn>
+                        </p:par>
+                      </p:childTnLst>
+                    </p:cTn>
+                  </p:par>
+                </p:childTnLst>
+              </p:cTn>
+              <p:prevCondLst>
+                <p:cond evt="onPrev" delay="0">
+                  <p:tgtEl>
+                    <p:sldTgt/>
+                  </p:tgtEl>
+                </p:cond>
+              </p:prevCondLst>
+              <p:nextCondLst>
+                <p:cond evt="onNext" delay="0">
+                  <p:tgtEl>
+                    <p:sldTgt/>
+                  </p:tgtEl>
+                </p:cond>
+              </p:nextCondLst>
+            </p:seq>
+          </p:childTnLst>
+        </p:cTn>
       </p:par>
     </p:tnLst>
+    <p:bldLst>
+      <p:bldGraphic spid="4" grpId="0">
+        <p:bldSub>
+          <a:bldDgm bld="one"/>
+        </p:bldSub>
+      </p:bldGraphic>
+    </p:bldLst>
   </p:timing>
 </p:sld>
 </file>
@@ -12008,7 +17679,7 @@
   <p:timing>
     <p:tnLst>
       <p:par>
-        <p:cTn id="1" dur="indefinite" restart="never" nodeType="tmRoot">
+        <p:cTn xmlns:p14="http://schemas.microsoft.com/office/powerpoint/2010/main" id="1" dur="indefinite" restart="never" nodeType="tmRoot">
           <p:childTnLst>
             <p:seq concurrent="1" nextAc="seek">
               <p:cTn id="2" dur="indefinite" nodeType="mainSeq">
@@ -12398,7 +18069,7 @@
   <p:timing>
     <p:tnLst>
       <p:par>
-        <p:cTn id="1" dur="indefinite" restart="never" nodeType="tmRoot"/>
+        <p:cTn xmlns:p14="http://schemas.microsoft.com/office/powerpoint/2010/main" id="1" dur="indefinite" restart="never" nodeType="tmRoot"/>
       </p:par>
     </p:tnLst>
   </p:timing>
@@ -12435,7 +18106,7 @@
         <p:spPr/>
         <p:txBody>
           <a:bodyPr>
-            <a:normAutofit/>
+            <a:normAutofit fontScale="90000"/>
           </a:bodyPr>
           <a:lstStyle/>
           <a:p>
@@ -12697,7 +18368,7 @@
   <p:timing>
     <p:tnLst>
       <p:par>
-        <p:cTn id="1" dur="indefinite" restart="never" nodeType="tmRoot">
+        <p:cTn xmlns:p14="http://schemas.microsoft.com/office/powerpoint/2010/main" id="1" dur="indefinite" restart="never" nodeType="tmRoot">
           <p:childTnLst>
             <p:seq concurrent="1" nextAc="seek">
               <p:cTn id="2" dur="indefinite" nodeType="mainSeq">
@@ -12877,13 +18548,8 @@
             </a:pPr>
             <a:r>
               <a:rPr lang="nl-BE" sz="2800" dirty="0" smtClean="0"/>
-              <a:t>Moeilijkheidsgraad </a:t>
-            </a:r>
-            <a:r>
-              <a:rPr lang="nl-BE" sz="2800" dirty="0" smtClean="0"/>
-              <a:t>bepalen</a:t>
-            </a:r>
-            <a:endParaRPr lang="nl-BE" sz="2800" dirty="0" smtClean="0"/>
+              <a:t>Moeilijkheidsgraad bepalen</a:t>
+            </a:r>
           </a:p>
           <a:p>
             <a:pPr lvl="2">
@@ -12904,7 +18570,6 @@
               <a:rPr lang="nl-BE" sz="2800" dirty="0" smtClean="0"/>
               <a:t>Copyright problemen vermijden</a:t>
             </a:r>
-            <a:endParaRPr lang="nl-BE" sz="2800" dirty="0" smtClean="0"/>
           </a:p>
           <a:p>
             <a:pPr>
@@ -12935,11 +18600,7 @@
             </a:r>
             <a:r>
               <a:rPr lang="nl-BE" sz="2800" dirty="0" smtClean="0"/>
-              <a:t> </a:t>
-            </a:r>
-            <a:r>
-              <a:rPr lang="nl-BE" sz="2800" dirty="0" smtClean="0"/>
-              <a:t>template generatie</a:t>
+              <a:t> template generatie</a:t>
             </a:r>
             <a:endParaRPr lang="nl-BE" sz="2800" dirty="0"/>
           </a:p>
@@ -12983,7 +18644,7 @@
   <p:timing>
     <p:tnLst>
       <p:par>
-        <p:cTn id="1" dur="indefinite" restart="never" nodeType="tmRoot">
+        <p:cTn xmlns:p14="http://schemas.microsoft.com/office/powerpoint/2010/main" id="1" dur="indefinite" restart="never" nodeType="tmRoot">
           <p:childTnLst>
             <p:seq concurrent="1" nextAc="seek">
               <p:cTn id="2" dur="indefinite" nodeType="mainSeq">
@@ -13492,7 +19153,7 @@
   <p:timing>
     <p:tnLst>
       <p:par>
-        <p:cTn id="1" dur="indefinite" restart="never" nodeType="tmRoot">
+        <p:cTn xmlns:p14="http://schemas.microsoft.com/office/powerpoint/2010/main" id="1" dur="indefinite" restart="never" nodeType="tmRoot">
           <p:childTnLst>
             <p:seq concurrent="1" nextAc="seek">
               <p:cTn id="2" dur="indefinite" nodeType="mainSeq">
@@ -14104,7 +19765,7 @@
   <a:extraClrSchemeLst/>
   <a:extLst>
     <a:ext uri="{05A4C25C-085E-4340-85A3-A5531E510DB2}">
-      <thm15:themeFamily xmlns:thm15="http://schemas.microsoft.com/office/thememl/2012/main" name="Retrospect" id="{5F128B03-DCCA-4EEB-AB3B-CF2899314A46}" vid="{3F1AAB62-24C6-49D2-8E01-B56FAC9A3DCD}"/>
+      <thm15:themeFamily xmlns:thm15="http://schemas.microsoft.com/office/thememl/2012/main" xmlns="" name="Retrospect" id="{5F128B03-DCCA-4EEB-AB3B-CF2899314A46}" vid="{3F1AAB62-24C6-49D2-8E01-B56FAC9A3DCD}"/>
     </a:ext>
   </a:extLst>
 </a:theme>
@@ -14153,7 +19814,7 @@
     </a:clrScheme>
     <a:fontScheme name="Office">
       <a:majorFont>
-        <a:latin typeface="Calibri Light" panose="020F0302020204030204"/>
+        <a:latin typeface="Calibri Light"/>
         <a:ea typeface=""/>
         <a:cs typeface=""/>
         <a:font script="Jpan" typeface="ＭＳ Ｐゴシック"/>
@@ -14188,7 +19849,7 @@
         <a:font script="Geor" typeface="Sylfaen"/>
       </a:majorFont>
       <a:minorFont>
-        <a:latin typeface="Calibri" panose="020F0502020204030204"/>
+        <a:latin typeface="Calibri"/>
         <a:ea typeface=""/>
         <a:cs typeface=""/>
         <a:font script="Jpan" typeface="ＭＳ Ｐゴシック"/>
@@ -14365,7 +20026,7 @@
   <a:extraClrSchemeLst/>
   <a:extLst>
     <a:ext uri="{05A4C25C-085E-4340-85A3-A5531E510DB2}">
-      <thm15:themeFamily xmlns:thm15="http://schemas.microsoft.com/office/thememl/2012/main" name="Office Theme" id="{62F939B6-93AF-4DB8-9C6B-D6C7DFDC589F}" vid="{4A3C46E8-61CC-4603-A589-7422A47A8E4A}"/>
+      <thm15:themeFamily xmlns:thm15="http://schemas.microsoft.com/office/thememl/2012/main" xmlns="" name="Office Theme" id="{62F939B6-93AF-4DB8-9C6B-D6C7DFDC589F}" vid="{4A3C46E8-61CC-4603-A589-7422A47A8E4A}"/>
     </a:ext>
   </a:extLst>
 </a:theme>

--- a/Opdracht 2/Jeroen/Literatuurstudie_Jeroen.pptx
+++ b/Opdracht 2/Jeroen/Literatuurstudie_Jeroen.pptx
@@ -11,8 +11,8 @@
     <p:sldId id="256" r:id="rId2"/>
     <p:sldId id="257" r:id="rId3"/>
     <p:sldId id="294" r:id="rId4"/>
-    <p:sldId id="269" r:id="rId5"/>
-    <p:sldId id="270" r:id="rId6"/>
+    <p:sldId id="270" r:id="rId5"/>
+    <p:sldId id="269" r:id="rId6"/>
     <p:sldId id="293" r:id="rId7"/>
     <p:sldId id="286" r:id="rId8"/>
     <p:sldId id="287" r:id="rId9"/>
@@ -1817,6 +1817,13 @@
     <dgm:pt modelId="{1D981DFC-6359-9B42-A97E-EE1A67C27226}" type="pres">
       <dgm:prSet presAssocID="{C433367C-7C2D-F440-A1D7-A6C6D5C9DBA8}" presName="parentTextBox" presStyleLbl="node1" presStyleIdx="0" presStyleCnt="3"/>
       <dgm:spPr/>
+      <dgm:t>
+        <a:bodyPr/>
+        <a:lstStyle/>
+        <a:p>
+          <a:endParaRPr lang="en-US"/>
+        </a:p>
+      </dgm:t>
     </dgm:pt>
     <dgm:pt modelId="{8D118F49-A35F-324F-B89F-8A3D9CF8BE80}" type="pres">
       <dgm:prSet presAssocID="{22EA6DEB-8FB9-E745-899D-786749AC997B}" presName="sp" presStyleCnt="0"/>
@@ -1858,13 +1865,13 @@
     </dgm:pt>
   </dgm:ptLst>
   <dgm:cxnLst>
+    <dgm:cxn modelId="{064B8CA0-B2E4-794C-B1D1-94DDCF4776C1}" type="presOf" srcId="{C433367C-7C2D-F440-A1D7-A6C6D5C9DBA8}" destId="{1D981DFC-6359-9B42-A97E-EE1A67C27226}" srcOrd="0" destOrd="0" presId="urn:microsoft.com/office/officeart/2005/8/layout/process4"/>
+    <dgm:cxn modelId="{C4135A04-00AD-A24F-8B74-E42EB15E228A}" srcId="{0EEDA414-2FE9-0248-B905-14D143E3B25E}" destId="{F21FAB64-392D-2641-A6AB-37377AF03051}" srcOrd="0" destOrd="0" parTransId="{8B9F366F-CD8E-E24E-AE19-9AA3924F8BD4}" sibTransId="{B073A466-A5F9-8844-96DE-21C7A138317F}"/>
+    <dgm:cxn modelId="{3163FDAC-1227-B04D-9FB0-D5CA7ECE1B23}" type="presOf" srcId="{09449922-9365-ED46-932A-D24132A080FA}" destId="{8AA9BC7C-A858-9E48-B984-5C8762703E58}" srcOrd="0" destOrd="0" presId="urn:microsoft.com/office/officeart/2005/8/layout/process4"/>
+    <dgm:cxn modelId="{E67AB282-0FAC-1F42-8D15-29D97B7DD796}" srcId="{0EEDA414-2FE9-0248-B905-14D143E3B25E}" destId="{09449922-9365-ED46-932A-D24132A080FA}" srcOrd="1" destOrd="0" parTransId="{9656EA9A-2660-1D43-84BA-E4123323E9B4}" sibTransId="{22EA6DEB-8FB9-E745-899D-786749AC997B}"/>
+    <dgm:cxn modelId="{A436D30F-1AC1-FF41-A1BD-1EFB5B5001AB}" srcId="{0EEDA414-2FE9-0248-B905-14D143E3B25E}" destId="{C433367C-7C2D-F440-A1D7-A6C6D5C9DBA8}" srcOrd="2" destOrd="0" parTransId="{C9915FC3-8ADA-1246-B8FA-230A96FE4FED}" sibTransId="{1C0240D5-CECF-1A4D-A9A2-53FB1ED08F3B}"/>
+    <dgm:cxn modelId="{F4718D46-BEF6-9849-A2A3-E4E977F0D9D9}" type="presOf" srcId="{0EEDA414-2FE9-0248-B905-14D143E3B25E}" destId="{D5C6F08F-C1FB-3544-99B0-9C548DC8F208}" srcOrd="0" destOrd="0" presId="urn:microsoft.com/office/officeart/2005/8/layout/process4"/>
     <dgm:cxn modelId="{F6C6000F-1DE6-7848-A460-944A6635EEAB}" type="presOf" srcId="{F21FAB64-392D-2641-A6AB-37377AF03051}" destId="{95F427E8-B20D-1C40-B1A7-2751BED141FE}" srcOrd="0" destOrd="0" presId="urn:microsoft.com/office/officeart/2005/8/layout/process4"/>
-    <dgm:cxn modelId="{F4718D46-BEF6-9849-A2A3-E4E977F0D9D9}" type="presOf" srcId="{0EEDA414-2FE9-0248-B905-14D143E3B25E}" destId="{D5C6F08F-C1FB-3544-99B0-9C548DC8F208}" srcOrd="0" destOrd="0" presId="urn:microsoft.com/office/officeart/2005/8/layout/process4"/>
-    <dgm:cxn modelId="{C4135A04-00AD-A24F-8B74-E42EB15E228A}" srcId="{0EEDA414-2FE9-0248-B905-14D143E3B25E}" destId="{F21FAB64-392D-2641-A6AB-37377AF03051}" srcOrd="0" destOrd="0" parTransId="{8B9F366F-CD8E-E24E-AE19-9AA3924F8BD4}" sibTransId="{B073A466-A5F9-8844-96DE-21C7A138317F}"/>
-    <dgm:cxn modelId="{A436D30F-1AC1-FF41-A1BD-1EFB5B5001AB}" srcId="{0EEDA414-2FE9-0248-B905-14D143E3B25E}" destId="{C433367C-7C2D-F440-A1D7-A6C6D5C9DBA8}" srcOrd="2" destOrd="0" parTransId="{C9915FC3-8ADA-1246-B8FA-230A96FE4FED}" sibTransId="{1C0240D5-CECF-1A4D-A9A2-53FB1ED08F3B}"/>
-    <dgm:cxn modelId="{E67AB282-0FAC-1F42-8D15-29D97B7DD796}" srcId="{0EEDA414-2FE9-0248-B905-14D143E3B25E}" destId="{09449922-9365-ED46-932A-D24132A080FA}" srcOrd="1" destOrd="0" parTransId="{9656EA9A-2660-1D43-84BA-E4123323E9B4}" sibTransId="{22EA6DEB-8FB9-E745-899D-786749AC997B}"/>
-    <dgm:cxn modelId="{064B8CA0-B2E4-794C-B1D1-94DDCF4776C1}" type="presOf" srcId="{C433367C-7C2D-F440-A1D7-A6C6D5C9DBA8}" destId="{1D981DFC-6359-9B42-A97E-EE1A67C27226}" srcOrd="0" destOrd="0" presId="urn:microsoft.com/office/officeart/2005/8/layout/process4"/>
-    <dgm:cxn modelId="{3163FDAC-1227-B04D-9FB0-D5CA7ECE1B23}" type="presOf" srcId="{09449922-9365-ED46-932A-D24132A080FA}" destId="{8AA9BC7C-A858-9E48-B984-5C8762703E58}" srcOrd="0" destOrd="0" presId="urn:microsoft.com/office/officeart/2005/8/layout/process4"/>
     <dgm:cxn modelId="{D57922B0-A0E2-5444-B669-31E44FB51034}" type="presParOf" srcId="{D5C6F08F-C1FB-3544-99B0-9C548DC8F208}" destId="{BC536465-7B94-4F41-8F94-9E50A43C72DC}" srcOrd="0" destOrd="0" presId="urn:microsoft.com/office/officeart/2005/8/layout/process4"/>
     <dgm:cxn modelId="{F7D04842-F1DB-3043-B0DF-74ABCF400E3B}" type="presParOf" srcId="{BC536465-7B94-4F41-8F94-9E50A43C72DC}" destId="{1D981DFC-6359-9B42-A97E-EE1A67C27226}" srcOrd="0" destOrd="0" presId="urn:microsoft.com/office/officeart/2005/8/layout/process4"/>
     <dgm:cxn modelId="{EC84B336-C6CB-8D49-94C1-2D7B81B8B952}" type="presParOf" srcId="{D5C6F08F-C1FB-3544-99B0-9C548DC8F208}" destId="{8D118F49-A35F-324F-B89F-8A3D9CF8BE80}" srcOrd="1" destOrd="0" presId="urn:microsoft.com/office/officeart/2005/8/layout/process4"/>
@@ -2019,6 +2026,13 @@
     <dgm:pt modelId="{1D981DFC-6359-9B42-A97E-EE1A67C27226}" type="pres">
       <dgm:prSet presAssocID="{C433367C-7C2D-F440-A1D7-A6C6D5C9DBA8}" presName="parentTextBox" presStyleLbl="node1" presStyleIdx="0" presStyleCnt="3"/>
       <dgm:spPr/>
+      <dgm:t>
+        <a:bodyPr/>
+        <a:lstStyle/>
+        <a:p>
+          <a:endParaRPr lang="en-US"/>
+        </a:p>
+      </dgm:t>
     </dgm:pt>
     <dgm:pt modelId="{8D118F49-A35F-324F-B89F-8A3D9CF8BE80}" type="pres">
       <dgm:prSet presAssocID="{22EA6DEB-8FB9-E745-899D-786749AC997B}" presName="sp" presStyleCnt="0"/>
@@ -2060,13 +2074,13 @@
     </dgm:pt>
   </dgm:ptLst>
   <dgm:cxnLst>
+    <dgm:cxn modelId="{A436D30F-1AC1-FF41-A1BD-1EFB5B5001AB}" srcId="{0EEDA414-2FE9-0248-B905-14D143E3B25E}" destId="{C433367C-7C2D-F440-A1D7-A6C6D5C9DBA8}" srcOrd="2" destOrd="0" parTransId="{C9915FC3-8ADA-1246-B8FA-230A96FE4FED}" sibTransId="{1C0240D5-CECF-1A4D-A9A2-53FB1ED08F3B}"/>
     <dgm:cxn modelId="{C4135A04-00AD-A24F-8B74-E42EB15E228A}" srcId="{0EEDA414-2FE9-0248-B905-14D143E3B25E}" destId="{F21FAB64-392D-2641-A6AB-37377AF03051}" srcOrd="0" destOrd="0" parTransId="{8B9F366F-CD8E-E24E-AE19-9AA3924F8BD4}" sibTransId="{B073A466-A5F9-8844-96DE-21C7A138317F}"/>
+    <dgm:cxn modelId="{E67AB282-0FAC-1F42-8D15-29D97B7DD796}" srcId="{0EEDA414-2FE9-0248-B905-14D143E3B25E}" destId="{09449922-9365-ED46-932A-D24132A080FA}" srcOrd="1" destOrd="0" parTransId="{9656EA9A-2660-1D43-84BA-E4123323E9B4}" sibTransId="{22EA6DEB-8FB9-E745-899D-786749AC997B}"/>
+    <dgm:cxn modelId="{F4B5CFEE-AF57-D94F-8DA3-30AB06EE3757}" type="presOf" srcId="{F21FAB64-392D-2641-A6AB-37377AF03051}" destId="{95F427E8-B20D-1C40-B1A7-2751BED141FE}" srcOrd="0" destOrd="0" presId="urn:microsoft.com/office/officeart/2005/8/layout/process4"/>
+    <dgm:cxn modelId="{CD01FE43-4509-D843-A015-6F579D70C841}" type="presOf" srcId="{C433367C-7C2D-F440-A1D7-A6C6D5C9DBA8}" destId="{1D981DFC-6359-9B42-A97E-EE1A67C27226}" srcOrd="0" destOrd="0" presId="urn:microsoft.com/office/officeart/2005/8/layout/process4"/>
     <dgm:cxn modelId="{11E0EC03-AF18-9045-B1CF-48622C819CB6}" type="presOf" srcId="{09449922-9365-ED46-932A-D24132A080FA}" destId="{8AA9BC7C-A858-9E48-B984-5C8762703E58}" srcOrd="0" destOrd="0" presId="urn:microsoft.com/office/officeart/2005/8/layout/process4"/>
     <dgm:cxn modelId="{9034D84D-651F-224C-B867-E279BCBED12C}" type="presOf" srcId="{0EEDA414-2FE9-0248-B905-14D143E3B25E}" destId="{D5C6F08F-C1FB-3544-99B0-9C548DC8F208}" srcOrd="0" destOrd="0" presId="urn:microsoft.com/office/officeart/2005/8/layout/process4"/>
-    <dgm:cxn modelId="{E67AB282-0FAC-1F42-8D15-29D97B7DD796}" srcId="{0EEDA414-2FE9-0248-B905-14D143E3B25E}" destId="{09449922-9365-ED46-932A-D24132A080FA}" srcOrd="1" destOrd="0" parTransId="{9656EA9A-2660-1D43-84BA-E4123323E9B4}" sibTransId="{22EA6DEB-8FB9-E745-899D-786749AC997B}"/>
-    <dgm:cxn modelId="{CD01FE43-4509-D843-A015-6F579D70C841}" type="presOf" srcId="{C433367C-7C2D-F440-A1D7-A6C6D5C9DBA8}" destId="{1D981DFC-6359-9B42-A97E-EE1A67C27226}" srcOrd="0" destOrd="0" presId="urn:microsoft.com/office/officeart/2005/8/layout/process4"/>
-    <dgm:cxn modelId="{A436D30F-1AC1-FF41-A1BD-1EFB5B5001AB}" srcId="{0EEDA414-2FE9-0248-B905-14D143E3B25E}" destId="{C433367C-7C2D-F440-A1D7-A6C6D5C9DBA8}" srcOrd="2" destOrd="0" parTransId="{C9915FC3-8ADA-1246-B8FA-230A96FE4FED}" sibTransId="{1C0240D5-CECF-1A4D-A9A2-53FB1ED08F3B}"/>
-    <dgm:cxn modelId="{F4B5CFEE-AF57-D94F-8DA3-30AB06EE3757}" type="presOf" srcId="{F21FAB64-392D-2641-A6AB-37377AF03051}" destId="{95F427E8-B20D-1C40-B1A7-2751BED141FE}" srcOrd="0" destOrd="0" presId="urn:microsoft.com/office/officeart/2005/8/layout/process4"/>
     <dgm:cxn modelId="{2C7A8AFB-B673-1542-A0CB-11ADBDA7D48F}" type="presParOf" srcId="{D5C6F08F-C1FB-3544-99B0-9C548DC8F208}" destId="{BC536465-7B94-4F41-8F94-9E50A43C72DC}" srcOrd="0" destOrd="0" presId="urn:microsoft.com/office/officeart/2005/8/layout/process4"/>
     <dgm:cxn modelId="{C5C3B06F-3046-6645-A20D-403BDD36A1AB}" type="presParOf" srcId="{BC536465-7B94-4F41-8F94-9E50A43C72DC}" destId="{1D981DFC-6359-9B42-A97E-EE1A67C27226}" srcOrd="0" destOrd="0" presId="urn:microsoft.com/office/officeart/2005/8/layout/process4"/>
     <dgm:cxn modelId="{3532C749-5B88-E34D-A7B1-0B0D826401C2}" type="presParOf" srcId="{D5C6F08F-C1FB-3544-99B0-9C548DC8F208}" destId="{8D118F49-A35F-324F-B89F-8A3D9CF8BE80}" srcOrd="1" destOrd="0" presId="urn:microsoft.com/office/officeart/2005/8/layout/process4"/>
@@ -5428,7 +5442,7 @@
           <a:p>
             <a:fld id="{14549C10-D531-4FCD-A662-C6531279F0A5}" type="datetimeFigureOut">
               <a:rPr lang="en-US" smtClean="0"/>
-              <a:t>25/10/14</a:t>
+              <a:t>27/10/14</a:t>
             </a:fld>
             <a:endParaRPr lang="en-US"/>
           </a:p>
@@ -6504,94 +6518,6 @@
         </p:nvSpPr>
         <p:spPr/>
       </p:sp>
-      <p:sp>
-        <p:nvSpPr>
-          <p:cNvPr id="3" name="Notes Placeholder 2"/>
-          <p:cNvSpPr>
-            <a:spLocks noGrp="1"/>
-          </p:cNvSpPr>
-          <p:nvPr>
-            <p:ph type="body" idx="1"/>
-          </p:nvPr>
-        </p:nvSpPr>
-        <p:spPr/>
-        <p:txBody>
-          <a:bodyPr/>
-          <a:lstStyle/>
-          <a:p>
-            <a:r>
-              <a:rPr lang="nl-BE" dirty="0" smtClean="0"/>
-              <a:t>Figuurtje</a:t>
-            </a:r>
-            <a:endParaRPr lang="en-US" dirty="0"/>
-          </a:p>
-        </p:txBody>
-      </p:sp>
-      <p:sp>
-        <p:nvSpPr>
-          <p:cNvPr id="4" name="Slide Number Placeholder 3"/>
-          <p:cNvSpPr>
-            <a:spLocks noGrp="1"/>
-          </p:cNvSpPr>
-          <p:nvPr>
-            <p:ph type="sldNum" sz="quarter" idx="10"/>
-          </p:nvPr>
-        </p:nvSpPr>
-        <p:spPr/>
-        <p:txBody>
-          <a:bodyPr/>
-          <a:lstStyle/>
-          <a:p>
-            <a:fld id="{4E765FFB-E928-41F7-9C48-EAAB8C6B32DB}" type="slidenum">
-              <a:rPr lang="en-US" smtClean="0"/>
-              <a:t>4</a:t>
-            </a:fld>
-            <a:endParaRPr lang="en-US"/>
-          </a:p>
-        </p:txBody>
-      </p:sp>
-    </p:spTree>
-    <p:extLst>
-      <p:ext uri="{BB962C8B-B14F-4D97-AF65-F5344CB8AC3E}">
-        <p14:creationId xmlns:p14="http://schemas.microsoft.com/office/powerpoint/2010/main" val="589568002"/>
-      </p:ext>
-    </p:extLst>
-  </p:cSld>
-  <p:clrMapOvr>
-    <a:masterClrMapping/>
-  </p:clrMapOvr>
-</p:notes>
-</file>
-
-<file path=ppt/notesSlides/notesSlide3.xml><?xml version="1.0" encoding="utf-8"?>
-<p:notes xmlns:a="http://schemas.openxmlformats.org/drawingml/2006/main" xmlns:r="http://schemas.openxmlformats.org/officeDocument/2006/relationships" xmlns:p="http://schemas.openxmlformats.org/presentationml/2006/main">
-  <p:cSld>
-    <p:spTree>
-      <p:nvGrpSpPr>
-        <p:cNvPr id="1" name=""/>
-        <p:cNvGrpSpPr/>
-        <p:nvPr/>
-      </p:nvGrpSpPr>
-      <p:grpSpPr>
-        <a:xfrm>
-          <a:off x="0" y="0"/>
-          <a:ext cx="0" cy="0"/>
-          <a:chOff x="0" y="0"/>
-          <a:chExt cx="0" cy="0"/>
-        </a:xfrm>
-      </p:grpSpPr>
-      <p:sp>
-        <p:nvSpPr>
-          <p:cNvPr id="2" name="Slide Image Placeholder 1"/>
-          <p:cNvSpPr>
-            <a:spLocks noGrp="1" noRot="1" noChangeAspect="1"/>
-          </p:cNvSpPr>
-          <p:nvPr>
-            <p:ph type="sldImg"/>
-          </p:nvPr>
-        </p:nvSpPr>
-        <p:spPr/>
-      </p:sp>
       <mc:AlternateContent xmlns:mc="http://schemas.openxmlformats.org/markup-compatibility/2006" xmlns:a14="http://schemas.microsoft.com/office/drawing/2010/main">
         <mc:Choice Requires="a14">
           <p:sp>
@@ -6613,65 +6539,6 @@
                   <a:rPr lang="nl-BE" sz="1200" dirty="0" smtClean="0"/>
                   <a:t> Gevonden vergelijking: </a:t>
                 </a:r>
-                <a14:m>
-                  <m:oMath xmlns:m="http://schemas.openxmlformats.org/officeDocument/2006/math" xmlns="">
-                    <m:sSup>
-                      <m:sSupPr>
-                        <m:ctrlPr>
-                          <a:rPr lang="nl-BE" sz="1200" b="0" i="1" smtClean="0">
-                            <a:latin typeface="Cambria Math" panose="02040503050406030204" pitchFamily="18" charset="0"/>
-                          </a:rPr>
-                        </m:ctrlPr>
-                      </m:sSupPr>
-                      <m:e>
-                        <m:r>
-                          <a:rPr lang="nl-BE" sz="1200">
-                            <a:latin typeface="Cambria Math" panose="02040503050406030204" pitchFamily="18" charset="0"/>
-                          </a:rPr>
-                          <m:t>(</m:t>
-                        </m:r>
-                        <m:r>
-                          <a:rPr lang="nl-BE" sz="1200" i="1">
-                            <a:latin typeface="Cambria Math" panose="02040503050406030204" pitchFamily="18" charset="0"/>
-                          </a:rPr>
-                          <m:t>𝑋</m:t>
-                        </m:r>
-                        <m:r>
-                          <a:rPr lang="nl-BE" sz="1200" i="1">
-                            <a:latin typeface="Cambria Math" panose="02040503050406030204" pitchFamily="18" charset="0"/>
-                          </a:rPr>
-                          <m:t>1 ∗</m:t>
-                        </m:r>
-                        <m:r>
-                          <a:rPr lang="nl-BE" sz="1200" i="1">
-                            <a:latin typeface="Cambria Math" panose="02040503050406030204" pitchFamily="18" charset="0"/>
-                          </a:rPr>
-                          <m:t>𝑋</m:t>
-                        </m:r>
-                        <m:r>
-                          <a:rPr lang="nl-BE" sz="1200" i="1">
-                            <a:latin typeface="Cambria Math" panose="02040503050406030204" pitchFamily="18" charset="0"/>
-                          </a:rPr>
-                          <m:t>2)</m:t>
-                        </m:r>
-                      </m:e>
-                      <m:sup>
-                        <m:r>
-                          <a:rPr lang="nl-BE" sz="1200" b="0" i="1" smtClean="0">
-                            <a:latin typeface="Cambria Math" panose="02040503050406030204" pitchFamily="18" charset="0"/>
-                          </a:rPr>
-                          <m:t>𝑋</m:t>
-                        </m:r>
-                        <m:r>
-                          <a:rPr lang="nl-BE" sz="1200" b="0" i="1" smtClean="0">
-                            <a:latin typeface="Cambria Math" panose="02040503050406030204" pitchFamily="18" charset="0"/>
-                          </a:rPr>
-                          <m:t>3</m:t>
-                        </m:r>
-                      </m:sup>
-                    </m:sSup>
-                  </m:oMath>
-                </a14:m>
                 <a:endParaRPr lang="en-US" dirty="0" smtClean="0"/>
               </a:p>
               <a:p>
@@ -6776,7 +6643,7 @@
           <a:p>
             <a:fld id="{4E765FFB-E928-41F7-9C48-EAAB8C6B32DB}" type="slidenum">
               <a:rPr lang="en-US" smtClean="0"/>
-              <a:t>5</a:t>
+              <a:t>4</a:t>
             </a:fld>
             <a:endParaRPr lang="en-US"/>
           </a:p>
@@ -6786,6 +6653,94 @@
     <p:extLst>
       <p:ext uri="{BB962C8B-B14F-4D97-AF65-F5344CB8AC3E}">
         <p14:creationId xmlns:p14="http://schemas.microsoft.com/office/powerpoint/2010/main" val="2657191854"/>
+      </p:ext>
+    </p:extLst>
+  </p:cSld>
+  <p:clrMapOvr>
+    <a:masterClrMapping/>
+  </p:clrMapOvr>
+</p:notes>
+</file>
+
+<file path=ppt/notesSlides/notesSlide3.xml><?xml version="1.0" encoding="utf-8"?>
+<p:notes xmlns:a="http://schemas.openxmlformats.org/drawingml/2006/main" xmlns:r="http://schemas.openxmlformats.org/officeDocument/2006/relationships" xmlns:p="http://schemas.openxmlformats.org/presentationml/2006/main">
+  <p:cSld>
+    <p:spTree>
+      <p:nvGrpSpPr>
+        <p:cNvPr id="1" name=""/>
+        <p:cNvGrpSpPr/>
+        <p:nvPr/>
+      </p:nvGrpSpPr>
+      <p:grpSpPr>
+        <a:xfrm>
+          <a:off x="0" y="0"/>
+          <a:ext cx="0" cy="0"/>
+          <a:chOff x="0" y="0"/>
+          <a:chExt cx="0" cy="0"/>
+        </a:xfrm>
+      </p:grpSpPr>
+      <p:sp>
+        <p:nvSpPr>
+          <p:cNvPr id="2" name="Slide Image Placeholder 1"/>
+          <p:cNvSpPr>
+            <a:spLocks noGrp="1" noRot="1" noChangeAspect="1"/>
+          </p:cNvSpPr>
+          <p:nvPr>
+            <p:ph type="sldImg"/>
+          </p:nvPr>
+        </p:nvSpPr>
+        <p:spPr/>
+      </p:sp>
+      <p:sp>
+        <p:nvSpPr>
+          <p:cNvPr id="3" name="Notes Placeholder 2"/>
+          <p:cNvSpPr>
+            <a:spLocks noGrp="1"/>
+          </p:cNvSpPr>
+          <p:nvPr>
+            <p:ph type="body" idx="1"/>
+          </p:nvPr>
+        </p:nvSpPr>
+        <p:spPr/>
+        <p:txBody>
+          <a:bodyPr/>
+          <a:lstStyle/>
+          <a:p>
+            <a:r>
+              <a:rPr lang="nl-BE" dirty="0" smtClean="0"/>
+              <a:t>Figuurtje</a:t>
+            </a:r>
+            <a:endParaRPr lang="en-US" dirty="0"/>
+          </a:p>
+        </p:txBody>
+      </p:sp>
+      <p:sp>
+        <p:nvSpPr>
+          <p:cNvPr id="4" name="Slide Number Placeholder 3"/>
+          <p:cNvSpPr>
+            <a:spLocks noGrp="1"/>
+          </p:cNvSpPr>
+          <p:nvPr>
+            <p:ph type="sldNum" sz="quarter" idx="10"/>
+          </p:nvPr>
+        </p:nvSpPr>
+        <p:spPr/>
+        <p:txBody>
+          <a:bodyPr/>
+          <a:lstStyle/>
+          <a:p>
+            <a:fld id="{4E765FFB-E928-41F7-9C48-EAAB8C6B32DB}" type="slidenum">
+              <a:rPr lang="en-US" smtClean="0"/>
+              <a:t>5</a:t>
+            </a:fld>
+            <a:endParaRPr lang="en-US"/>
+          </a:p>
+        </p:txBody>
+      </p:sp>
+    </p:spTree>
+    <p:extLst>
+      <p:ext uri="{BB962C8B-B14F-4D97-AF65-F5344CB8AC3E}">
+        <p14:creationId xmlns:p14="http://schemas.microsoft.com/office/powerpoint/2010/main" val="589568002"/>
       </p:ext>
     </p:extLst>
   </p:cSld>
@@ -7128,15 +7083,12 @@
               <a:tabLst/>
               <a:defRPr/>
             </a:pPr>
-            <a:r>
-              <a:rPr lang="en-US" dirty="0" smtClean="0">
-                <a:latin typeface="Helvetica" charset="0"/>
-                <a:ea typeface="ＭＳ Ｐゴシック" charset="0"/>
-                <a:cs typeface="Helvetica" charset="0"/>
-                <a:sym typeface="Helvetica" charset="0"/>
-              </a:rPr>
-              <a:t>this slide and the following two will very much depend on what you are saying; from the text alone, I have no idea what the point you want to make here is</a:t>
-            </a:r>
+            <a:endParaRPr lang="en-US" dirty="0" smtClean="0">
+              <a:latin typeface="Helvetica" charset="0"/>
+              <a:ea typeface="ＭＳ Ｐゴシック" charset="0"/>
+              <a:cs typeface="Helvetica" charset="0"/>
+              <a:sym typeface="Helvetica" charset="0"/>
+            </a:endParaRPr>
           </a:p>
         </p:txBody>
       </p:sp>
@@ -7578,7 +7530,7 @@
           <a:p>
             <a:fld id="{19DCFD5E-870D-4395-9E30-B29FE39655A2}" type="datetimeFigureOut">
               <a:rPr lang="nl-BE" smtClean="0"/>
-              <a:t>25/10/14</a:t>
+              <a:t>27/10/14</a:t>
             </a:fld>
             <a:endParaRPr lang="nl-BE" dirty="0"/>
           </a:p>
@@ -7786,7 +7738,7 @@
           <a:p>
             <a:fld id="{19DCFD5E-870D-4395-9E30-B29FE39655A2}" type="datetimeFigureOut">
               <a:rPr lang="nl-BE" smtClean="0"/>
-              <a:t>25/10/14</a:t>
+              <a:t>27/10/14</a:t>
             </a:fld>
             <a:endParaRPr lang="nl-BE" dirty="0"/>
           </a:p>
@@ -8042,7 +7994,7 @@
           <a:p>
             <a:fld id="{19DCFD5E-870D-4395-9E30-B29FE39655A2}" type="datetimeFigureOut">
               <a:rPr lang="nl-BE" smtClean="0"/>
-              <a:t>25/10/14</a:t>
+              <a:t>27/10/14</a:t>
             </a:fld>
             <a:endParaRPr lang="nl-BE" dirty="0"/>
           </a:p>
@@ -8216,7 +8168,7 @@
           <a:p>
             <a:fld id="{19DCFD5E-870D-4395-9E30-B29FE39655A2}" type="datetimeFigureOut">
               <a:rPr lang="nl-BE" smtClean="0"/>
-              <a:t>25/10/14</a:t>
+              <a:t>27/10/14</a:t>
             </a:fld>
             <a:endParaRPr lang="nl-BE" dirty="0"/>
           </a:p>
@@ -8559,7 +8511,7 @@
           <a:p>
             <a:fld id="{19DCFD5E-870D-4395-9E30-B29FE39655A2}" type="datetimeFigureOut">
               <a:rPr lang="nl-BE" smtClean="0"/>
-              <a:t>25/10/14</a:t>
+              <a:t>27/10/14</a:t>
             </a:fld>
             <a:endParaRPr lang="nl-BE" dirty="0"/>
           </a:p>
@@ -8834,7 +8786,7 @@
           <a:p>
             <a:fld id="{19DCFD5E-870D-4395-9E30-B29FE39655A2}" type="datetimeFigureOut">
               <a:rPr lang="nl-BE" smtClean="0"/>
-              <a:t>25/10/14</a:t>
+              <a:t>27/10/14</a:t>
             </a:fld>
             <a:endParaRPr lang="nl-BE" dirty="0"/>
           </a:p>
@@ -9213,7 +9165,7 @@
           <a:p>
             <a:fld id="{19DCFD5E-870D-4395-9E30-B29FE39655A2}" type="datetimeFigureOut">
               <a:rPr lang="nl-BE" smtClean="0"/>
-              <a:t>25/10/14</a:t>
+              <a:t>27/10/14</a:t>
             </a:fld>
             <a:endParaRPr lang="nl-BE" dirty="0"/>
           </a:p>
@@ -9331,7 +9283,7 @@
           <a:p>
             <a:fld id="{19DCFD5E-870D-4395-9E30-B29FE39655A2}" type="datetimeFigureOut">
               <a:rPr lang="nl-BE" smtClean="0"/>
-              <a:t>25/10/14</a:t>
+              <a:t>27/10/14</a:t>
             </a:fld>
             <a:endParaRPr lang="nl-BE" dirty="0"/>
           </a:p>
@@ -9502,7 +9454,7 @@
           <a:p>
             <a:fld id="{19DCFD5E-870D-4395-9E30-B29FE39655A2}" type="datetimeFigureOut">
               <a:rPr lang="nl-BE" smtClean="0"/>
-              <a:t>25/10/14</a:t>
+              <a:t>27/10/14</a:t>
             </a:fld>
             <a:endParaRPr lang="nl-BE" dirty="0"/>
           </a:p>
@@ -9856,7 +9808,7 @@
           <a:p>
             <a:fld id="{19DCFD5E-870D-4395-9E30-B29FE39655A2}" type="datetimeFigureOut">
               <a:rPr lang="nl-BE" smtClean="0"/>
-              <a:t>25/10/14</a:t>
+              <a:t>27/10/14</a:t>
             </a:fld>
             <a:endParaRPr lang="nl-BE" dirty="0"/>
           </a:p>
@@ -10238,7 +10190,7 @@
           <a:p>
             <a:fld id="{19DCFD5E-870D-4395-9E30-B29FE39655A2}" type="datetimeFigureOut">
               <a:rPr lang="nl-BE" smtClean="0"/>
-              <a:t>25/10/14</a:t>
+              <a:t>27/10/14</a:t>
             </a:fld>
             <a:endParaRPr lang="nl-BE" dirty="0"/>
           </a:p>
@@ -10525,7 +10477,7 @@
           <a:p>
             <a:fld id="{19DCFD5E-870D-4395-9E30-B29FE39655A2}" type="datetimeFigureOut">
               <a:rPr lang="nl-BE" smtClean="0"/>
-              <a:t>25/10/14</a:t>
+              <a:t>27/10/14</a:t>
             </a:fld>
             <a:endParaRPr lang="nl-BE" dirty="0"/>
           </a:p>
@@ -12846,23 +12798,7 @@
             </a:pPr>
             <a:r>
               <a:rPr lang="en-US" sz="3600" dirty="0" err="1" smtClean="0"/>
-              <a:t>Een</a:t>
-            </a:r>
-            <a:r>
-              <a:rPr lang="en-US" sz="3600" dirty="0" smtClean="0"/>
-              <a:t> </a:t>
-            </a:r>
-            <a:r>
-              <a:rPr lang="en-US" sz="3600" dirty="0" err="1" smtClean="0"/>
-              <a:t>taal</a:t>
-            </a:r>
-            <a:r>
-              <a:rPr lang="en-US" sz="3600" dirty="0" smtClean="0"/>
-              <a:t> van </a:t>
-            </a:r>
-            <a:r>
-              <a:rPr lang="en-US" sz="3600" dirty="0" err="1" smtClean="0"/>
-              <a:t>programma’s</a:t>
+              <a:t>Programmeertaal</a:t>
             </a:r>
             <a:r>
               <a:rPr lang="en-US" sz="3600" dirty="0" smtClean="0"/>
@@ -13353,13 +13289,6 @@
               <a:t>Experimenten</a:t>
             </a:r>
             <a:endParaRPr lang="en-US" sz="3600" dirty="0" smtClean="0"/>
-          </a:p>
-          <a:p>
-            <a:pPr marL="457200" indent="-457200">
-              <a:buFont typeface="+mj-lt"/>
-              <a:buAutoNum type="arabicPeriod"/>
-            </a:pPr>
-            <a:endParaRPr lang="en-US" sz="3600" dirty="0"/>
           </a:p>
         </p:txBody>
       </p:sp>
@@ -15335,16 +15264,24 @@
                   <a:schemeClr val="tx1"/>
                 </a:solidFill>
               </a:rPr>
-              <a:t> Ons doel: Flash Fill en Equation Discovery combineren </a:t>
-            </a:r>
-          </a:p>
-          <a:p>
-            <a:pPr>
+              <a:t> Ons doel: Flash Fill </a:t>
+            </a:r>
+            <a:r>
+              <a:rPr lang="nl-BE" sz="3600" dirty="0" smtClean="0">
+                <a:solidFill>
+                  <a:schemeClr val="tx1"/>
+                </a:solidFill>
+              </a:rPr>
+              <a:t>voor getallen</a:t>
+            </a:r>
+          </a:p>
+          <a:p>
+            <a:pPr lvl="1">
               <a:buFont typeface="Arial"/>
               <a:buChar char="•"/>
             </a:pPr>
             <a:r>
-              <a:rPr lang="nl-BE" sz="3600" dirty="0">
+              <a:rPr lang="nl-BE" sz="3400" dirty="0">
                 <a:solidFill>
                   <a:schemeClr val="tx1"/>
                 </a:solidFill>
@@ -15352,21 +15289,34 @@
               <a:t> </a:t>
             </a:r>
             <a:r>
-              <a:rPr lang="nl-BE" sz="3600" dirty="0" smtClean="0">
+              <a:rPr lang="nl-BE" sz="3400" dirty="0" smtClean="0">
                 <a:solidFill>
                   <a:schemeClr val="tx1"/>
                 </a:solidFill>
               </a:rPr>
-              <a:t>Grammatica</a:t>
-            </a:r>
-          </a:p>
-          <a:p>
-            <a:pPr>
+              <a:t>Domein kennis: </a:t>
+            </a:r>
+            <a:r>
+              <a:rPr lang="nl-BE" sz="3400" dirty="0" smtClean="0">
+                <a:solidFill>
+                  <a:schemeClr val="tx1"/>
+                </a:solidFill>
+              </a:rPr>
+              <a:t>Equation Discovery</a:t>
+            </a:r>
+            <a:endParaRPr lang="nl-BE" sz="3400" dirty="0" smtClean="0">
+              <a:solidFill>
+                <a:schemeClr val="tx1"/>
+              </a:solidFill>
+            </a:endParaRPr>
+          </a:p>
+          <a:p>
+            <a:pPr lvl="1">
               <a:buFont typeface="Arial"/>
               <a:buChar char="•"/>
             </a:pPr>
             <a:r>
-              <a:rPr lang="nl-BE" sz="3600" dirty="0">
+              <a:rPr lang="nl-BE" sz="3400" dirty="0">
                 <a:solidFill>
                   <a:schemeClr val="tx1"/>
                 </a:solidFill>
@@ -15374,14 +15324,36 @@
               <a:t> </a:t>
             </a:r>
             <a:r>
-              <a:rPr lang="nl-BE" sz="3600" dirty="0" smtClean="0">
+              <a:rPr lang="nl-BE" sz="3400" dirty="0" smtClean="0">
                 <a:solidFill>
                   <a:schemeClr val="tx1"/>
                 </a:solidFill>
               </a:rPr>
-              <a:t>Genereren van verschillende opties</a:t>
-            </a:r>
-            <a:endParaRPr lang="nl-BE" sz="3600" dirty="0" smtClean="0">
+              <a:t>Programmeertaal</a:t>
+            </a:r>
+          </a:p>
+          <a:p>
+            <a:pPr lvl="1">
+              <a:buFont typeface="Arial"/>
+              <a:buChar char="•"/>
+            </a:pPr>
+            <a:r>
+              <a:rPr lang="nl-BE" sz="3400" dirty="0">
+                <a:solidFill>
+                  <a:schemeClr val="tx1"/>
+                </a:solidFill>
+              </a:rPr>
+              <a:t> </a:t>
+            </a:r>
+            <a:r>
+              <a:rPr lang="nl-BE" sz="3400" dirty="0" smtClean="0">
+                <a:solidFill>
+                  <a:schemeClr val="tx1"/>
+                </a:solidFill>
+              </a:rPr>
+              <a:t>Algoritme</a:t>
+            </a:r>
+            <a:endParaRPr lang="nl-BE" sz="3400" dirty="0" smtClean="0">
               <a:solidFill>
                 <a:schemeClr val="tx1"/>
               </a:solidFill>
@@ -16014,278 +15986,6 @@
 </file>
 
 <file path=ppt/slides/slide4.xml><?xml version="1.0" encoding="utf-8"?>
-<p:sld xmlns:a="http://schemas.openxmlformats.org/drawingml/2006/main" xmlns:r="http://schemas.openxmlformats.org/officeDocument/2006/relationships" xmlns:p="http://schemas.openxmlformats.org/presentationml/2006/main">
-  <p:cSld>
-    <p:spTree>
-      <p:nvGrpSpPr>
-        <p:cNvPr id="1" name=""/>
-        <p:cNvGrpSpPr/>
-        <p:nvPr/>
-      </p:nvGrpSpPr>
-      <p:grpSpPr>
-        <a:xfrm>
-          <a:off x="0" y="0"/>
-          <a:ext cx="0" cy="0"/>
-          <a:chOff x="0" y="0"/>
-          <a:chExt cx="0" cy="0"/>
-        </a:xfrm>
-      </p:grpSpPr>
-      <p:sp>
-        <p:nvSpPr>
-          <p:cNvPr id="2" name="Title 1"/>
-          <p:cNvSpPr>
-            <a:spLocks noGrp="1"/>
-          </p:cNvSpPr>
-          <p:nvPr>
-            <p:ph type="title"/>
-          </p:nvPr>
-        </p:nvSpPr>
-        <p:spPr/>
-        <p:txBody>
-          <a:bodyPr>
-            <a:normAutofit/>
-          </a:bodyPr>
-          <a:lstStyle/>
-          <a:p>
-            <a:r>
-              <a:rPr lang="nl-BE" sz="6000" dirty="0" smtClean="0"/>
-              <a:t>End-user </a:t>
-            </a:r>
-            <a:r>
-              <a:rPr lang="nl-BE" sz="6000" dirty="0" err="1"/>
-              <a:t>p</a:t>
-            </a:r>
-            <a:r>
-              <a:rPr lang="nl-BE" sz="6000" dirty="0" err="1" smtClean="0"/>
-              <a:t>rogramming</a:t>
-            </a:r>
-            <a:endParaRPr lang="en-US" sz="6000" dirty="0"/>
-          </a:p>
-        </p:txBody>
-      </p:sp>
-      <p:graphicFrame>
-        <p:nvGraphicFramePr>
-          <p:cNvPr id="4" name="Content Placeholder 3"/>
-          <p:cNvGraphicFramePr>
-            <a:graphicFrameLocks noGrp="1"/>
-          </p:cNvGraphicFramePr>
-          <p:nvPr>
-            <p:ph idx="1"/>
-            <p:extLst>
-              <p:ext uri="{D42A27DB-BD31-4B8C-83A1-F6EECF244321}">
-                <p14:modId xmlns:p14="http://schemas.microsoft.com/office/powerpoint/2010/main" val="2409649824"/>
-              </p:ext>
-            </p:extLst>
-          </p:nvPr>
-        </p:nvGraphicFramePr>
-        <p:xfrm>
-          <a:off x="1096963" y="1846263"/>
-          <a:ext cx="10058400" cy="4022725"/>
-        </p:xfrm>
-        <a:graphic>
-          <a:graphicData uri="http://schemas.openxmlformats.org/drawingml/2006/diagram">
-            <dgm:relIds xmlns:dgm="http://schemas.openxmlformats.org/drawingml/2006/diagram" xmlns:r="http://schemas.openxmlformats.org/officeDocument/2006/relationships" r:dm="rId3" r:lo="rId4" r:qs="rId5" r:cs="rId6"/>
-          </a:graphicData>
-        </a:graphic>
-      </p:graphicFrame>
-    </p:spTree>
-    <p:extLst>
-      <p:ext uri="{BB962C8B-B14F-4D97-AF65-F5344CB8AC3E}">
-        <p14:creationId xmlns:p14="http://schemas.microsoft.com/office/powerpoint/2010/main" val="239212845"/>
-      </p:ext>
-    </p:extLst>
-  </p:cSld>
-  <p:clrMapOvr>
-    <a:masterClrMapping/>
-  </p:clrMapOvr>
-  <p:timing>
-    <p:tnLst>
-      <p:par>
-        <p:cTn xmlns:p14="http://schemas.microsoft.com/office/powerpoint/2010/main" id="1" dur="indefinite" restart="never" nodeType="tmRoot">
-          <p:childTnLst>
-            <p:seq concurrent="1" nextAc="seek">
-              <p:cTn id="2" dur="indefinite" nodeType="mainSeq">
-                <p:childTnLst>
-                  <p:par>
-                    <p:cTn id="3" fill="hold">
-                      <p:stCondLst>
-                        <p:cond delay="indefinite"/>
-                      </p:stCondLst>
-                      <p:childTnLst>
-                        <p:par>
-                          <p:cTn id="4" fill="hold">
-                            <p:stCondLst>
-                              <p:cond delay="0"/>
-                            </p:stCondLst>
-                            <p:childTnLst>
-                              <p:par>
-                                <p:cTn id="5" presetID="1" presetClass="entr" presetSubtype="0" fill="hold" grpId="0" nodeType="clickEffect">
-                                  <p:stCondLst>
-                                    <p:cond delay="0"/>
-                                  </p:stCondLst>
-                                  <p:childTnLst>
-                                    <p:set>
-                                      <p:cBhvr>
-                                        <p:cTn id="6" dur="1" fill="hold">
-                                          <p:stCondLst>
-                                            <p:cond delay="0"/>
-                                          </p:stCondLst>
-                                        </p:cTn>
-                                        <p:tgtEl>
-                                          <p:spTgt spid="4">
-                                            <p:graphicEl>
-                                              <a:dgm id="{95F427E8-B20D-1C40-B1A7-2751BED141FE}"/>
-                                            </p:graphicEl>
-                                          </p:spTgt>
-                                        </p:tgtEl>
-                                        <p:attrNameLst>
-                                          <p:attrName>style.visibility</p:attrName>
-                                        </p:attrNameLst>
-                                      </p:cBhvr>
-                                      <p:to>
-                                        <p:strVal val="visible"/>
-                                      </p:to>
-                                    </p:set>
-                                  </p:childTnLst>
-                                </p:cTn>
-                              </p:par>
-                            </p:childTnLst>
-                          </p:cTn>
-                        </p:par>
-                      </p:childTnLst>
-                    </p:cTn>
-                  </p:par>
-                  <p:par>
-                    <p:cTn id="7" fill="hold">
-                      <p:stCondLst>
-                        <p:cond delay="indefinite"/>
-                      </p:stCondLst>
-                      <p:childTnLst>
-                        <p:par>
-                          <p:cTn id="8" fill="hold">
-                            <p:stCondLst>
-                              <p:cond delay="0"/>
-                            </p:stCondLst>
-                            <p:childTnLst>
-                              <p:par>
-                                <p:cTn id="9" presetID="1" presetClass="entr" presetSubtype="0" fill="hold" grpId="0" nodeType="clickEffect">
-                                  <p:stCondLst>
-                                    <p:cond delay="0"/>
-                                  </p:stCondLst>
-                                  <p:childTnLst>
-                                    <p:set>
-                                      <p:cBhvr>
-                                        <p:cTn id="10" dur="1" fill="hold">
-                                          <p:stCondLst>
-                                            <p:cond delay="0"/>
-                                          </p:stCondLst>
-                                        </p:cTn>
-                                        <p:tgtEl>
-                                          <p:spTgt spid="4">
-                                            <p:graphicEl>
-                                              <a:dgm id="{8AA9BC7C-A858-9E48-B984-5C8762703E58}"/>
-                                            </p:graphicEl>
-                                          </p:spTgt>
-                                        </p:tgtEl>
-                                        <p:attrNameLst>
-                                          <p:attrName>style.visibility</p:attrName>
-                                        </p:attrNameLst>
-                                      </p:cBhvr>
-                                      <p:to>
-                                        <p:strVal val="visible"/>
-                                      </p:to>
-                                    </p:set>
-                                  </p:childTnLst>
-                                </p:cTn>
-                              </p:par>
-                            </p:childTnLst>
-                          </p:cTn>
-                        </p:par>
-                      </p:childTnLst>
-                    </p:cTn>
-                  </p:par>
-                  <p:par>
-                    <p:cTn id="11" fill="hold">
-                      <p:stCondLst>
-                        <p:cond delay="indefinite"/>
-                      </p:stCondLst>
-                      <p:childTnLst>
-                        <p:par>
-                          <p:cTn id="12" fill="hold">
-                            <p:stCondLst>
-                              <p:cond delay="0"/>
-                            </p:stCondLst>
-                            <p:childTnLst>
-                              <p:par>
-                                <p:cTn id="13" presetID="1" presetClass="entr" presetSubtype="0" fill="hold" grpId="0" nodeType="clickEffect">
-                                  <p:stCondLst>
-                                    <p:cond delay="0"/>
-                                  </p:stCondLst>
-                                  <p:childTnLst>
-                                    <p:set>
-                                      <p:cBhvr>
-                                        <p:cTn id="14" dur="1" fill="hold">
-                                          <p:stCondLst>
-                                            <p:cond delay="0"/>
-                                          </p:stCondLst>
-                                        </p:cTn>
-                                        <p:tgtEl>
-                                          <p:spTgt spid="4">
-                                            <p:graphicEl>
-                                              <a:dgm id="{1D981DFC-6359-9B42-A97E-EE1A67C27226}"/>
-                                            </p:graphicEl>
-                                          </p:spTgt>
-                                        </p:tgtEl>
-                                        <p:attrNameLst>
-                                          <p:attrName>style.visibility</p:attrName>
-                                        </p:attrNameLst>
-                                      </p:cBhvr>
-                                      <p:to>
-                                        <p:strVal val="visible"/>
-                                      </p:to>
-                                    </p:set>
-                                  </p:childTnLst>
-                                </p:cTn>
-                              </p:par>
-                            </p:childTnLst>
-                          </p:cTn>
-                        </p:par>
-                      </p:childTnLst>
-                    </p:cTn>
-                  </p:par>
-                </p:childTnLst>
-              </p:cTn>
-              <p:prevCondLst>
-                <p:cond evt="onPrev" delay="0">
-                  <p:tgtEl>
-                    <p:sldTgt/>
-                  </p:tgtEl>
-                </p:cond>
-              </p:prevCondLst>
-              <p:nextCondLst>
-                <p:cond evt="onNext" delay="0">
-                  <p:tgtEl>
-                    <p:sldTgt/>
-                  </p:tgtEl>
-                </p:cond>
-              </p:nextCondLst>
-            </p:seq>
-          </p:childTnLst>
-        </p:cTn>
-      </p:par>
-    </p:tnLst>
-    <p:bldLst>
-      <p:bldGraphic spid="4" grpId="0">
-        <p:bldSub>
-          <a:bldDgm bld="one"/>
-        </p:bldSub>
-      </p:bldGraphic>
-    </p:bldLst>
-  </p:timing>
-</p:sld>
-</file>
-
-<file path=ppt/slides/slide5.xml><?xml version="1.0" encoding="utf-8"?>
 <p:sld xmlns:a="http://schemas.openxmlformats.org/drawingml/2006/main" xmlns:r="http://schemas.openxmlformats.org/officeDocument/2006/relationships" xmlns:p="http://schemas.openxmlformats.org/presentationml/2006/main">
   <p:cSld>
     <p:spTree>
@@ -17786,6 +17486,55 @@
                                           </p:stCondLst>
                                         </p:cTn>
                                         <p:tgtEl>
+                                          <p:spTgt spid="3">
+                                            <p:txEl>
+                                              <p:pRg st="1" end="1"/>
+                                            </p:txEl>
+                                          </p:spTgt>
+                                        </p:tgtEl>
+                                        <p:attrNameLst>
+                                          <p:attrName>style.visibility</p:attrName>
+                                        </p:attrNameLst>
+                                      </p:cBhvr>
+                                      <p:to>
+                                        <p:strVal val="visible"/>
+                                      </p:to>
+                                    </p:set>
+                                  </p:childTnLst>
+                                </p:cTn>
+                              </p:par>
+                            </p:childTnLst>
+                          </p:cTn>
+                        </p:par>
+                      </p:childTnLst>
+                    </p:cTn>
+                  </p:par>
+                  <p:par>
+                    <p:cTn id="13" fill="hold">
+                      <p:stCondLst>
+                        <p:cond delay="indefinite"/>
+                      </p:stCondLst>
+                      <p:childTnLst>
+                        <p:par>
+                          <p:cTn id="14" fill="hold">
+                            <p:stCondLst>
+                              <p:cond delay="0"/>
+                            </p:stCondLst>
+                            <p:childTnLst>
+                              <p:par>
+                                <p:cTn id="15" presetID="1" presetClass="entr" presetSubtype="0" fill="hold" nodeType="clickEffect">
+                                  <p:stCondLst>
+                                    <p:cond delay="0"/>
+                                  </p:stCondLst>
+                                  <p:childTnLst>
+                                    <p:set>
+                                      <p:cBhvr>
+                                        <p:cTn id="16" dur="1" fill="hold">
+                                          <p:stCondLst>
+                                            <p:cond delay="0"/>
+                                          </p:stCondLst>
+                                        </p:cTn>
+                                        <p:tgtEl>
                                           <p:spTgt spid="10"/>
                                         </p:tgtEl>
                                         <p:attrNameLst>
@@ -17800,14 +17549,14 @@
                                 </p:cTn>
                               </p:par>
                               <p:par>
-                                <p:cTn id="13" presetID="1" presetClass="entr" presetSubtype="0" fill="hold" nodeType="withEffect">
+                                <p:cTn id="17" presetID="1" presetClass="entr" presetSubtype="0" fill="hold" nodeType="withEffect">
                                   <p:stCondLst>
                                     <p:cond delay="0"/>
                                   </p:stCondLst>
                                   <p:childTnLst>
                                     <p:set>
                                       <p:cBhvr>
-                                        <p:cTn id="14" dur="1" fill="hold">
+                                        <p:cTn id="18" dur="1" fill="hold">
                                           <p:stCondLst>
                                             <p:cond delay="0"/>
                                           </p:stCondLst>
@@ -17827,14 +17576,14 @@
                                 </p:cTn>
                               </p:par>
                               <p:par>
-                                <p:cTn id="15" presetID="1" presetClass="entr" presetSubtype="0" fill="hold" nodeType="withEffect">
+                                <p:cTn id="19" presetID="1" presetClass="entr" presetSubtype="0" fill="hold" nodeType="withEffect">
                                   <p:stCondLst>
                                     <p:cond delay="0"/>
                                   </p:stCondLst>
                                   <p:childTnLst>
                                     <p:set>
                                       <p:cBhvr>
-                                        <p:cTn id="16" dur="1" fill="hold">
+                                        <p:cTn id="20" dur="1" fill="hold">
                                           <p:stCondLst>
                                             <p:cond delay="0"/>
                                           </p:stCondLst>
@@ -17880,6 +17629,278 @@
         </p:cTn>
       </p:par>
     </p:tnLst>
+  </p:timing>
+</p:sld>
+</file>
+
+<file path=ppt/slides/slide5.xml><?xml version="1.0" encoding="utf-8"?>
+<p:sld xmlns:a="http://schemas.openxmlformats.org/drawingml/2006/main" xmlns:r="http://schemas.openxmlformats.org/officeDocument/2006/relationships" xmlns:p="http://schemas.openxmlformats.org/presentationml/2006/main">
+  <p:cSld>
+    <p:spTree>
+      <p:nvGrpSpPr>
+        <p:cNvPr id="1" name=""/>
+        <p:cNvGrpSpPr/>
+        <p:nvPr/>
+      </p:nvGrpSpPr>
+      <p:grpSpPr>
+        <a:xfrm>
+          <a:off x="0" y="0"/>
+          <a:ext cx="0" cy="0"/>
+          <a:chOff x="0" y="0"/>
+          <a:chExt cx="0" cy="0"/>
+        </a:xfrm>
+      </p:grpSpPr>
+      <p:sp>
+        <p:nvSpPr>
+          <p:cNvPr id="2" name="Title 1"/>
+          <p:cNvSpPr>
+            <a:spLocks noGrp="1"/>
+          </p:cNvSpPr>
+          <p:nvPr>
+            <p:ph type="title"/>
+          </p:nvPr>
+        </p:nvSpPr>
+        <p:spPr/>
+        <p:txBody>
+          <a:bodyPr>
+            <a:normAutofit/>
+          </a:bodyPr>
+          <a:lstStyle/>
+          <a:p>
+            <a:r>
+              <a:rPr lang="nl-BE" sz="6000" dirty="0" smtClean="0"/>
+              <a:t>End-user </a:t>
+            </a:r>
+            <a:r>
+              <a:rPr lang="nl-BE" sz="6000" dirty="0" err="1"/>
+              <a:t>p</a:t>
+            </a:r>
+            <a:r>
+              <a:rPr lang="nl-BE" sz="6000" dirty="0" err="1" smtClean="0"/>
+              <a:t>rogramming</a:t>
+            </a:r>
+            <a:endParaRPr lang="en-US" sz="6000" dirty="0"/>
+          </a:p>
+        </p:txBody>
+      </p:sp>
+      <p:graphicFrame>
+        <p:nvGraphicFramePr>
+          <p:cNvPr id="4" name="Content Placeholder 3"/>
+          <p:cNvGraphicFramePr>
+            <a:graphicFrameLocks noGrp="1"/>
+          </p:cNvGraphicFramePr>
+          <p:nvPr>
+            <p:ph idx="1"/>
+            <p:extLst>
+              <p:ext uri="{D42A27DB-BD31-4B8C-83A1-F6EECF244321}">
+                <p14:modId xmlns:p14="http://schemas.microsoft.com/office/powerpoint/2010/main" val="2409649824"/>
+              </p:ext>
+            </p:extLst>
+          </p:nvPr>
+        </p:nvGraphicFramePr>
+        <p:xfrm>
+          <a:off x="1096963" y="1846263"/>
+          <a:ext cx="10058400" cy="4022725"/>
+        </p:xfrm>
+        <a:graphic>
+          <a:graphicData uri="http://schemas.openxmlformats.org/drawingml/2006/diagram">
+            <dgm:relIds xmlns:dgm="http://schemas.openxmlformats.org/drawingml/2006/diagram" xmlns:r="http://schemas.openxmlformats.org/officeDocument/2006/relationships" r:dm="rId3" r:lo="rId4" r:qs="rId5" r:cs="rId6"/>
+          </a:graphicData>
+        </a:graphic>
+      </p:graphicFrame>
+    </p:spTree>
+    <p:extLst>
+      <p:ext uri="{BB962C8B-B14F-4D97-AF65-F5344CB8AC3E}">
+        <p14:creationId xmlns:p14="http://schemas.microsoft.com/office/powerpoint/2010/main" val="239212845"/>
+      </p:ext>
+    </p:extLst>
+  </p:cSld>
+  <p:clrMapOvr>
+    <a:masterClrMapping/>
+  </p:clrMapOvr>
+  <p:timing>
+    <p:tnLst>
+      <p:par>
+        <p:cTn xmlns:p14="http://schemas.microsoft.com/office/powerpoint/2010/main" id="1" dur="indefinite" restart="never" nodeType="tmRoot">
+          <p:childTnLst>
+            <p:seq concurrent="1" nextAc="seek">
+              <p:cTn id="2" dur="indefinite" nodeType="mainSeq">
+                <p:childTnLst>
+                  <p:par>
+                    <p:cTn id="3" fill="hold">
+                      <p:stCondLst>
+                        <p:cond delay="indefinite"/>
+                      </p:stCondLst>
+                      <p:childTnLst>
+                        <p:par>
+                          <p:cTn id="4" fill="hold">
+                            <p:stCondLst>
+                              <p:cond delay="0"/>
+                            </p:stCondLst>
+                            <p:childTnLst>
+                              <p:par>
+                                <p:cTn id="5" presetID="1" presetClass="entr" presetSubtype="0" fill="hold" grpId="0" nodeType="clickEffect">
+                                  <p:stCondLst>
+                                    <p:cond delay="0"/>
+                                  </p:stCondLst>
+                                  <p:childTnLst>
+                                    <p:set>
+                                      <p:cBhvr>
+                                        <p:cTn id="6" dur="1" fill="hold">
+                                          <p:stCondLst>
+                                            <p:cond delay="0"/>
+                                          </p:stCondLst>
+                                        </p:cTn>
+                                        <p:tgtEl>
+                                          <p:spTgt spid="4">
+                                            <p:graphicEl>
+                                              <a:dgm id="{95F427E8-B20D-1C40-B1A7-2751BED141FE}"/>
+                                            </p:graphicEl>
+                                          </p:spTgt>
+                                        </p:tgtEl>
+                                        <p:attrNameLst>
+                                          <p:attrName>style.visibility</p:attrName>
+                                        </p:attrNameLst>
+                                      </p:cBhvr>
+                                      <p:to>
+                                        <p:strVal val="visible"/>
+                                      </p:to>
+                                    </p:set>
+                                  </p:childTnLst>
+                                </p:cTn>
+                              </p:par>
+                            </p:childTnLst>
+                          </p:cTn>
+                        </p:par>
+                      </p:childTnLst>
+                    </p:cTn>
+                  </p:par>
+                  <p:par>
+                    <p:cTn id="7" fill="hold">
+                      <p:stCondLst>
+                        <p:cond delay="indefinite"/>
+                      </p:stCondLst>
+                      <p:childTnLst>
+                        <p:par>
+                          <p:cTn id="8" fill="hold">
+                            <p:stCondLst>
+                              <p:cond delay="0"/>
+                            </p:stCondLst>
+                            <p:childTnLst>
+                              <p:par>
+                                <p:cTn id="9" presetID="1" presetClass="entr" presetSubtype="0" fill="hold" grpId="0" nodeType="clickEffect">
+                                  <p:stCondLst>
+                                    <p:cond delay="0"/>
+                                  </p:stCondLst>
+                                  <p:childTnLst>
+                                    <p:set>
+                                      <p:cBhvr>
+                                        <p:cTn id="10" dur="1" fill="hold">
+                                          <p:stCondLst>
+                                            <p:cond delay="0"/>
+                                          </p:stCondLst>
+                                        </p:cTn>
+                                        <p:tgtEl>
+                                          <p:spTgt spid="4">
+                                            <p:graphicEl>
+                                              <a:dgm id="{8AA9BC7C-A858-9E48-B984-5C8762703E58}"/>
+                                            </p:graphicEl>
+                                          </p:spTgt>
+                                        </p:tgtEl>
+                                        <p:attrNameLst>
+                                          <p:attrName>style.visibility</p:attrName>
+                                        </p:attrNameLst>
+                                      </p:cBhvr>
+                                      <p:to>
+                                        <p:strVal val="visible"/>
+                                      </p:to>
+                                    </p:set>
+                                  </p:childTnLst>
+                                </p:cTn>
+                              </p:par>
+                            </p:childTnLst>
+                          </p:cTn>
+                        </p:par>
+                      </p:childTnLst>
+                    </p:cTn>
+                  </p:par>
+                  <p:par>
+                    <p:cTn id="11" fill="hold">
+                      <p:stCondLst>
+                        <p:cond delay="indefinite"/>
+                      </p:stCondLst>
+                      <p:childTnLst>
+                        <p:par>
+                          <p:cTn id="12" fill="hold">
+                            <p:stCondLst>
+                              <p:cond delay="0"/>
+                            </p:stCondLst>
+                            <p:childTnLst>
+                              <p:par>
+                                <p:cTn id="13" presetID="1" presetClass="entr" presetSubtype="0" fill="hold" grpId="0" nodeType="clickEffect">
+                                  <p:stCondLst>
+                                    <p:cond delay="0"/>
+                                  </p:stCondLst>
+                                  <p:childTnLst>
+                                    <p:set>
+                                      <p:cBhvr>
+                                        <p:cTn id="14" dur="1" fill="hold">
+                                          <p:stCondLst>
+                                            <p:cond delay="0"/>
+                                          </p:stCondLst>
+                                        </p:cTn>
+                                        <p:tgtEl>
+                                          <p:spTgt spid="4">
+                                            <p:graphicEl>
+                                              <a:dgm id="{1D981DFC-6359-9B42-A97E-EE1A67C27226}"/>
+                                            </p:graphicEl>
+                                          </p:spTgt>
+                                        </p:tgtEl>
+                                        <p:attrNameLst>
+                                          <p:attrName>style.visibility</p:attrName>
+                                        </p:attrNameLst>
+                                      </p:cBhvr>
+                                      <p:to>
+                                        <p:strVal val="visible"/>
+                                      </p:to>
+                                    </p:set>
+                                  </p:childTnLst>
+                                </p:cTn>
+                              </p:par>
+                            </p:childTnLst>
+                          </p:cTn>
+                        </p:par>
+                      </p:childTnLst>
+                    </p:cTn>
+                  </p:par>
+                </p:childTnLst>
+              </p:cTn>
+              <p:prevCondLst>
+                <p:cond evt="onPrev" delay="0">
+                  <p:tgtEl>
+                    <p:sldTgt/>
+                  </p:tgtEl>
+                </p:cond>
+              </p:prevCondLst>
+              <p:nextCondLst>
+                <p:cond evt="onNext" delay="0">
+                  <p:tgtEl>
+                    <p:sldTgt/>
+                  </p:tgtEl>
+                </p:cond>
+              </p:nextCondLst>
+            </p:seq>
+          </p:childTnLst>
+        </p:cTn>
+      </p:par>
+    </p:tnLst>
+    <p:bldLst>
+      <p:bldGraphic spid="4" grpId="0">
+        <p:bldSub>
+          <a:bldDgm bld="one"/>
+        </p:bldSub>
+      </p:bldGraphic>
+    </p:bldLst>
   </p:timing>
 </p:sld>
 </file>
